--- a/Diplom/Презентация.pptx
+++ b/Diplom/Презентация.pptx
@@ -2,21 +2,19 @@
 <file path=ppt/presentation.xml><?xml version="1.0" encoding="utf-8"?>
 <p:presentation xmlns:a="http://schemas.openxmlformats.org/drawingml/2006/main" xmlns:r="http://schemas.openxmlformats.org/officeDocument/2006/relationships" xmlns:p="http://schemas.openxmlformats.org/presentationml/2006/main" showSpecialPlsOnTitleSld="0" saveSubsetFonts="1">
   <p:sldMasterIdLst>
-    <p:sldMasterId id="2147483768" r:id="rId1"/>
+    <p:sldMasterId id="2147483804" r:id="rId1"/>
   </p:sldMasterIdLst>
   <p:notesMasterIdLst>
-    <p:notesMasterId r:id="rId11"/>
+    <p:notesMasterId r:id="rId9"/>
   </p:notesMasterIdLst>
   <p:sldIdLst>
     <p:sldId id="256" r:id="rId2"/>
-    <p:sldId id="257" r:id="rId3"/>
-    <p:sldId id="259" r:id="rId4"/>
-    <p:sldId id="272" r:id="rId5"/>
+    <p:sldId id="273" r:id="rId3"/>
+    <p:sldId id="257" r:id="rId4"/>
+    <p:sldId id="274" r:id="rId5"/>
     <p:sldId id="260" r:id="rId6"/>
-    <p:sldId id="262" r:id="rId7"/>
-    <p:sldId id="270" r:id="rId8"/>
-    <p:sldId id="267" r:id="rId9"/>
-    <p:sldId id="268" r:id="rId10"/>
+    <p:sldId id="267" r:id="rId7"/>
+    <p:sldId id="268" r:id="rId8"/>
   </p:sldIdLst>
   <p:sldSz cx="9144000" cy="6858000" type="screen4x3"/>
   <p:notesSz cx="6858000" cy="9144000"/>
@@ -116,8 +114,26 @@
     </a:lvl9pPr>
   </p:defaultTextStyle>
   <p:extLst>
+    <p:ext uri="{521415D9-36F7-43E2-AB2F-B90AF26B5E84}">
+      <p14:sectionLst xmlns:p14="http://schemas.microsoft.com/office/powerpoint/2010/main">
+        <p14:section name="Раздел по умолчанию" id="{2B80315C-5B41-4A7F-B4AE-0D9BDDDD3479}">
+          <p14:sldIdLst>
+            <p14:sldId id="256"/>
+            <p14:sldId id="273"/>
+            <p14:sldId id="257"/>
+            <p14:sldId id="274"/>
+            <p14:sldId id="260"/>
+            <p14:sldId id="267"/>
+            <p14:sldId id="268"/>
+          </p14:sldIdLst>
+        </p14:section>
+        <p14:section name="Раздел без заголовка" id="{F7B13D37-C46B-4FA8-BA5E-477C30341BC4}">
+          <p14:sldIdLst/>
+        </p14:section>
+      </p14:sectionLst>
+    </p:ext>
     <p:ext uri="{EFAFB233-063F-42B5-8137-9DF3F51BA10A}">
-      <p15:sldGuideLst xmlns:p15="http://schemas.microsoft.com/office/powerpoint/2012/main">
+      <p15:sldGuideLst xmlns="" xmlns:p15="http://schemas.microsoft.com/office/powerpoint/2012/main">
         <p15:guide id="1" orient="horz" pos="2160">
           <p15:clr>
             <a:srgbClr val="A4A3A4"/>
@@ -131,7 +147,7 @@
       </p15:sldGuideLst>
     </p:ext>
     <p:ext uri="{2D200454-40CA-4A62-9FC3-DE9A4176ACB9}">
-      <p15:notesGuideLst xmlns:p15="http://schemas.microsoft.com/office/powerpoint/2012/main">
+      <p15:notesGuideLst xmlns="" xmlns:p15="http://schemas.microsoft.com/office/powerpoint/2012/main">
         <p15:guide id="1" orient="horz" pos="2880">
           <p15:clr>
             <a:srgbClr val="A4A3A4"/>
@@ -231,7 +247,7 @@
             <a:fld id="{0A9696F3-3FDC-4E21-AC97-6E868E0BC607}" type="datetimeFigureOut">
               <a:rPr lang="ru-RU" smtClean="0"/>
               <a:pPr/>
-              <a:t>17.06.2016</a:t>
+              <a:t>19.06.2016</a:t>
             </a:fld>
             <a:endParaRPr lang="ru-RU"/>
           </a:p>
@@ -589,93 +605,6 @@
 </p:notes>
 </file>
 
-<file path=ppt/notesSlides/notesSlide2.xml><?xml version="1.0" encoding="utf-8"?>
-<p:notes xmlns:a="http://schemas.openxmlformats.org/drawingml/2006/main" xmlns:r="http://schemas.openxmlformats.org/officeDocument/2006/relationships" xmlns:p="http://schemas.openxmlformats.org/presentationml/2006/main">
-  <p:cSld>
-    <p:spTree>
-      <p:nvGrpSpPr>
-        <p:cNvPr id="1" name=""/>
-        <p:cNvGrpSpPr/>
-        <p:nvPr/>
-      </p:nvGrpSpPr>
-      <p:grpSpPr>
-        <a:xfrm>
-          <a:off x="0" y="0"/>
-          <a:ext cx="0" cy="0"/>
-          <a:chOff x="0" y="0"/>
-          <a:chExt cx="0" cy="0"/>
-        </a:xfrm>
-      </p:grpSpPr>
-      <p:sp>
-        <p:nvSpPr>
-          <p:cNvPr id="2" name="Образ слайда 1"/>
-          <p:cNvSpPr>
-            <a:spLocks noGrp="1" noRot="1" noChangeAspect="1"/>
-          </p:cNvSpPr>
-          <p:nvPr>
-            <p:ph type="sldImg"/>
-          </p:nvPr>
-        </p:nvSpPr>
-        <p:spPr/>
-      </p:sp>
-      <p:sp>
-        <p:nvSpPr>
-          <p:cNvPr id="3" name="Заметки 2"/>
-          <p:cNvSpPr>
-            <a:spLocks noGrp="1"/>
-          </p:cNvSpPr>
-          <p:nvPr>
-            <p:ph type="body" idx="1"/>
-          </p:nvPr>
-        </p:nvSpPr>
-        <p:spPr/>
-        <p:txBody>
-          <a:bodyPr>
-            <a:normAutofit/>
-          </a:bodyPr>
-          <a:lstStyle/>
-          <a:p>
-            <a:endParaRPr lang="ru-RU" dirty="0"/>
-          </a:p>
-        </p:txBody>
-      </p:sp>
-      <p:sp>
-        <p:nvSpPr>
-          <p:cNvPr id="4" name="Номер слайда 3"/>
-          <p:cNvSpPr>
-            <a:spLocks noGrp="1"/>
-          </p:cNvSpPr>
-          <p:nvPr>
-            <p:ph type="sldNum" sz="quarter" idx="10"/>
-          </p:nvPr>
-        </p:nvSpPr>
-        <p:spPr/>
-        <p:txBody>
-          <a:bodyPr/>
-          <a:lstStyle/>
-          <a:p>
-            <a:fld id="{0476ABB3-7BE8-4FDF-A7A4-5D960BB71004}" type="slidenum">
-              <a:rPr lang="ru-RU" smtClean="0"/>
-              <a:pPr/>
-              <a:t>6</a:t>
-            </a:fld>
-            <a:endParaRPr lang="ru-RU"/>
-          </a:p>
-        </p:txBody>
-      </p:sp>
-    </p:spTree>
-    <p:extLst>
-      <p:ext uri="{BB962C8B-B14F-4D97-AF65-F5344CB8AC3E}">
-        <p14:creationId xmlns:p14="http://schemas.microsoft.com/office/powerpoint/2010/main" val="2981921783"/>
-      </p:ext>
-    </p:extLst>
-  </p:cSld>
-  <p:clrMapOvr>
-    <a:masterClrMapping/>
-  </p:clrMapOvr>
-</p:notes>
-</file>
-
 <file path=ppt/slideLayouts/slideLayout1.xml><?xml version="1.0" encoding="utf-8"?>
 <p:sldLayout xmlns:a="http://schemas.openxmlformats.org/drawingml/2006/main" xmlns:r="http://schemas.openxmlformats.org/officeDocument/2006/relationships" xmlns:p="http://schemas.openxmlformats.org/presentationml/2006/main" type="title" preserve="1">
   <p:cSld name="Титульный слайд">
@@ -858,7 +787,7 @@
             <a:fld id="{5408D145-EB70-4616-A719-5C64DDC73D2C}" type="datetime1">
               <a:rPr lang="ru-RU" smtClean="0"/>
               <a:pPr/>
-              <a:t>17.06.2016</a:t>
+              <a:t>19.06.2016</a:t>
             </a:fld>
             <a:endParaRPr lang="ru-RU"/>
           </a:p>
@@ -908,6 +837,11 @@
         </p:txBody>
       </p:sp>
     </p:spTree>
+    <p:extLst>
+      <p:ext uri="{BB962C8B-B14F-4D97-AF65-F5344CB8AC3E}">
+        <p14:creationId xmlns:p14="http://schemas.microsoft.com/office/powerpoint/2010/main" val="714133995"/>
+      </p:ext>
+    </p:extLst>
   </p:cSld>
   <p:clrMapOvr>
     <a:masterClrMapping/>
@@ -1025,7 +959,7 @@
             <a:fld id="{81D39EED-D250-476E-81A7-187CCED6EB9D}" type="datetime1">
               <a:rPr lang="ru-RU" smtClean="0"/>
               <a:pPr/>
-              <a:t>17.06.2016</a:t>
+              <a:t>19.06.2016</a:t>
             </a:fld>
             <a:endParaRPr lang="ru-RU"/>
           </a:p>
@@ -1075,6 +1009,11 @@
         </p:txBody>
       </p:sp>
     </p:spTree>
+    <p:extLst>
+      <p:ext uri="{BB962C8B-B14F-4D97-AF65-F5344CB8AC3E}">
+        <p14:creationId xmlns:p14="http://schemas.microsoft.com/office/powerpoint/2010/main" val="2964012525"/>
+      </p:ext>
+    </p:extLst>
   </p:cSld>
   <p:clrMapOvr>
     <a:masterClrMapping/>
@@ -1202,7 +1141,7 @@
             <a:fld id="{8636E155-0824-4619-9AB2-E9ABBA382C04}" type="datetime1">
               <a:rPr lang="ru-RU" smtClean="0"/>
               <a:pPr/>
-              <a:t>17.06.2016</a:t>
+              <a:t>19.06.2016</a:t>
             </a:fld>
             <a:endParaRPr lang="ru-RU"/>
           </a:p>
@@ -1252,6 +1191,11 @@
         </p:txBody>
       </p:sp>
     </p:spTree>
+    <p:extLst>
+      <p:ext uri="{BB962C8B-B14F-4D97-AF65-F5344CB8AC3E}">
+        <p14:creationId xmlns:p14="http://schemas.microsoft.com/office/powerpoint/2010/main" val="2245478972"/>
+      </p:ext>
+    </p:extLst>
   </p:cSld>
   <p:clrMapOvr>
     <a:masterClrMapping/>
@@ -1301,7 +1245,7 @@
       </p:sp>
       <p:sp>
         <p:nvSpPr>
-          <p:cNvPr id="3" name="Содержимое 2"/>
+          <p:cNvPr id="3" name="Объект 2"/>
           <p:cNvSpPr>
             <a:spLocks noGrp="1"/>
           </p:cNvSpPr>
@@ -1369,7 +1313,7 @@
             <a:fld id="{38B7606D-6FB0-4B4D-BF88-DF9DA97A60A5}" type="datetime1">
               <a:rPr lang="ru-RU" smtClean="0"/>
               <a:pPr/>
-              <a:t>17.06.2016</a:t>
+              <a:t>19.06.2016</a:t>
             </a:fld>
             <a:endParaRPr lang="ru-RU"/>
           </a:p>
@@ -1419,6 +1363,11 @@
         </p:txBody>
       </p:sp>
     </p:spTree>
+    <p:extLst>
+      <p:ext uri="{BB962C8B-B14F-4D97-AF65-F5344CB8AC3E}">
+        <p14:creationId xmlns:p14="http://schemas.microsoft.com/office/powerpoint/2010/main" val="2742592579"/>
+      </p:ext>
+    </p:extLst>
   </p:cSld>
   <p:clrMapOvr>
     <a:masterClrMapping/>
@@ -1612,7 +1561,7 @@
             <a:fld id="{F6D1CDBD-7B44-4CD6-8936-775886B9333E}" type="datetime1">
               <a:rPr lang="ru-RU" smtClean="0"/>
               <a:pPr/>
-              <a:t>17.06.2016</a:t>
+              <a:t>19.06.2016</a:t>
             </a:fld>
             <a:endParaRPr lang="ru-RU"/>
           </a:p>
@@ -1662,6 +1611,11 @@
         </p:txBody>
       </p:sp>
     </p:spTree>
+    <p:extLst>
+      <p:ext uri="{BB962C8B-B14F-4D97-AF65-F5344CB8AC3E}">
+        <p14:creationId xmlns:p14="http://schemas.microsoft.com/office/powerpoint/2010/main" val="1866392421"/>
+      </p:ext>
+    </p:extLst>
   </p:cSld>
   <p:clrMapOvr>
     <a:masterClrMapping/>
@@ -1711,7 +1665,7 @@
       </p:sp>
       <p:sp>
         <p:nvSpPr>
-          <p:cNvPr id="3" name="Содержимое 2"/>
+          <p:cNvPr id="3" name="Объект 2"/>
           <p:cNvSpPr>
             <a:spLocks noGrp="1"/>
           </p:cNvSpPr>
@@ -1796,7 +1750,7 @@
       </p:sp>
       <p:sp>
         <p:nvSpPr>
-          <p:cNvPr id="4" name="Содержимое 3"/>
+          <p:cNvPr id="4" name="Объект 3"/>
           <p:cNvSpPr>
             <a:spLocks noGrp="1"/>
           </p:cNvSpPr>
@@ -1897,7 +1851,7 @@
             <a:fld id="{5E9386AA-5667-4EE4-BCC2-4BFAFBFCF067}" type="datetime1">
               <a:rPr lang="ru-RU" smtClean="0"/>
               <a:pPr/>
-              <a:t>17.06.2016</a:t>
+              <a:t>19.06.2016</a:t>
             </a:fld>
             <a:endParaRPr lang="ru-RU"/>
           </a:p>
@@ -1947,6 +1901,11 @@
         </p:txBody>
       </p:sp>
     </p:spTree>
+    <p:extLst>
+      <p:ext uri="{BB962C8B-B14F-4D97-AF65-F5344CB8AC3E}">
+        <p14:creationId xmlns:p14="http://schemas.microsoft.com/office/powerpoint/2010/main" val="3876473852"/>
+      </p:ext>
+    </p:extLst>
   </p:cSld>
   <p:clrMapOvr>
     <a:masterClrMapping/>
@@ -2065,7 +2024,7 @@
       </p:sp>
       <p:sp>
         <p:nvSpPr>
-          <p:cNvPr id="4" name="Содержимое 3"/>
+          <p:cNvPr id="4" name="Объект 3"/>
           <p:cNvSpPr>
             <a:spLocks noGrp="1"/>
           </p:cNvSpPr>
@@ -2215,7 +2174,7 @@
       </p:sp>
       <p:sp>
         <p:nvSpPr>
-          <p:cNvPr id="6" name="Содержимое 5"/>
+          <p:cNvPr id="6" name="Объект 5"/>
           <p:cNvSpPr>
             <a:spLocks noGrp="1"/>
           </p:cNvSpPr>
@@ -2316,7 +2275,7 @@
             <a:fld id="{D42DDB14-86B5-4F5D-9215-ACD89DC86D24}" type="datetime1">
               <a:rPr lang="ru-RU" smtClean="0"/>
               <a:pPr/>
-              <a:t>17.06.2016</a:t>
+              <a:t>19.06.2016</a:t>
             </a:fld>
             <a:endParaRPr lang="ru-RU"/>
           </a:p>
@@ -2366,6 +2325,11 @@
         </p:txBody>
       </p:sp>
     </p:spTree>
+    <p:extLst>
+      <p:ext uri="{BB962C8B-B14F-4D97-AF65-F5344CB8AC3E}">
+        <p14:creationId xmlns:p14="http://schemas.microsoft.com/office/powerpoint/2010/main" val="3263387415"/>
+      </p:ext>
+    </p:extLst>
   </p:cSld>
   <p:clrMapOvr>
     <a:masterClrMapping/>
@@ -2431,7 +2395,7 @@
             <a:fld id="{A221C529-56BC-479E-B858-91DF1A701744}" type="datetime1">
               <a:rPr lang="ru-RU" smtClean="0"/>
               <a:pPr/>
-              <a:t>17.06.2016</a:t>
+              <a:t>19.06.2016</a:t>
             </a:fld>
             <a:endParaRPr lang="ru-RU"/>
           </a:p>
@@ -2481,6 +2445,11 @@
         </p:txBody>
       </p:sp>
     </p:spTree>
+    <p:extLst>
+      <p:ext uri="{BB962C8B-B14F-4D97-AF65-F5344CB8AC3E}">
+        <p14:creationId xmlns:p14="http://schemas.microsoft.com/office/powerpoint/2010/main" val="2458753340"/>
+      </p:ext>
+    </p:extLst>
   </p:cSld>
   <p:clrMapOvr>
     <a:masterClrMapping/>
@@ -2523,7 +2492,7 @@
             <a:fld id="{F203A11B-45A9-4EC3-B31B-337B15AA5408}" type="datetime1">
               <a:rPr lang="ru-RU" smtClean="0"/>
               <a:pPr/>
-              <a:t>17.06.2016</a:t>
+              <a:t>19.06.2016</a:t>
             </a:fld>
             <a:endParaRPr lang="ru-RU"/>
           </a:p>
@@ -2573,6 +2542,11 @@
         </p:txBody>
       </p:sp>
     </p:spTree>
+    <p:extLst>
+      <p:ext uri="{BB962C8B-B14F-4D97-AF65-F5344CB8AC3E}">
+        <p14:creationId xmlns:p14="http://schemas.microsoft.com/office/powerpoint/2010/main" val="806131465"/>
+      </p:ext>
+    </p:extLst>
   </p:cSld>
   <p:clrMapOvr>
     <a:masterClrMapping/>
@@ -2631,7 +2605,7 @@
       </p:sp>
       <p:sp>
         <p:nvSpPr>
-          <p:cNvPr id="3" name="Содержимое 2"/>
+          <p:cNvPr id="3" name="Объект 2"/>
           <p:cNvSpPr>
             <a:spLocks noGrp="1"/>
           </p:cNvSpPr>
@@ -2797,7 +2771,7 @@
             <a:fld id="{FAB65F5F-63B9-49AC-B179-B32EA2388AD3}" type="datetime1">
               <a:rPr lang="ru-RU" smtClean="0"/>
               <a:pPr/>
-              <a:t>17.06.2016</a:t>
+              <a:t>19.06.2016</a:t>
             </a:fld>
             <a:endParaRPr lang="ru-RU"/>
           </a:p>
@@ -2847,6 +2821,11 @@
         </p:txBody>
       </p:sp>
     </p:spTree>
+    <p:extLst>
+      <p:ext uri="{BB962C8B-B14F-4D97-AF65-F5344CB8AC3E}">
+        <p14:creationId xmlns:p14="http://schemas.microsoft.com/office/powerpoint/2010/main" val="898447731"/>
+      </p:ext>
+    </p:extLst>
   </p:cSld>
   <p:clrMapOvr>
     <a:masterClrMapping/>
@@ -3047,7 +3026,7 @@
             <a:fld id="{5E6D66FA-83FE-4566-B8C4-0DE7204E4498}" type="datetime1">
               <a:rPr lang="ru-RU" smtClean="0"/>
               <a:pPr/>
-              <a:t>17.06.2016</a:t>
+              <a:t>19.06.2016</a:t>
             </a:fld>
             <a:endParaRPr lang="ru-RU"/>
           </a:p>
@@ -3097,6 +3076,11 @@
         </p:txBody>
       </p:sp>
     </p:spTree>
+    <p:extLst>
+      <p:ext uri="{BB962C8B-B14F-4D97-AF65-F5344CB8AC3E}">
+        <p14:creationId xmlns:p14="http://schemas.microsoft.com/office/powerpoint/2010/main" val="1447842134"/>
+      </p:ext>
+    </p:extLst>
   </p:cSld>
   <p:clrMapOvr>
     <a:masterClrMapping/>
@@ -3257,7 +3241,7 @@
             <a:fld id="{61B9D0DC-D516-49DD-B6C0-5E388AD99406}" type="datetime1">
               <a:rPr lang="ru-RU" smtClean="0"/>
               <a:pPr/>
-              <a:t>17.06.2016</a:t>
+              <a:t>19.06.2016</a:t>
             </a:fld>
             <a:endParaRPr lang="ru-RU"/>
           </a:p>
@@ -3343,20 +3327,25 @@
         </p:txBody>
       </p:sp>
     </p:spTree>
+    <p:extLst>
+      <p:ext uri="{BB962C8B-B14F-4D97-AF65-F5344CB8AC3E}">
+        <p14:creationId xmlns:p14="http://schemas.microsoft.com/office/powerpoint/2010/main" val="2820634714"/>
+      </p:ext>
+    </p:extLst>
   </p:cSld>
   <p:clrMap bg1="lt1" tx1="dk1" bg2="lt2" tx2="dk2" accent1="accent1" accent2="accent2" accent3="accent3" accent4="accent4" accent5="accent5" accent6="accent6" hlink="hlink" folHlink="folHlink"/>
   <p:sldLayoutIdLst>
-    <p:sldLayoutId id="2147483769" r:id="rId1"/>
-    <p:sldLayoutId id="2147483770" r:id="rId2"/>
-    <p:sldLayoutId id="2147483771" r:id="rId3"/>
-    <p:sldLayoutId id="2147483772" r:id="rId4"/>
-    <p:sldLayoutId id="2147483773" r:id="rId5"/>
-    <p:sldLayoutId id="2147483774" r:id="rId6"/>
-    <p:sldLayoutId id="2147483775" r:id="rId7"/>
-    <p:sldLayoutId id="2147483776" r:id="rId8"/>
-    <p:sldLayoutId id="2147483777" r:id="rId9"/>
-    <p:sldLayoutId id="2147483778" r:id="rId10"/>
-    <p:sldLayoutId id="2147483779" r:id="rId11"/>
+    <p:sldLayoutId id="2147483805" r:id="rId1"/>
+    <p:sldLayoutId id="2147483806" r:id="rId2"/>
+    <p:sldLayoutId id="2147483807" r:id="rId3"/>
+    <p:sldLayoutId id="2147483808" r:id="rId4"/>
+    <p:sldLayoutId id="2147483809" r:id="rId5"/>
+    <p:sldLayoutId id="2147483810" r:id="rId6"/>
+    <p:sldLayoutId id="2147483811" r:id="rId7"/>
+    <p:sldLayoutId id="2147483812" r:id="rId8"/>
+    <p:sldLayoutId id="2147483813" r:id="rId9"/>
+    <p:sldLayoutId id="2147483814" r:id="rId10"/>
+    <p:sldLayoutId id="2147483815" r:id="rId11"/>
   </p:sldLayoutIdLst>
   <p:hf hdr="0" ftr="0" dt="0"/>
   <p:txStyles>
@@ -3381,7 +3370,7 @@
         <a:spcBef>
           <a:spcPct val="20000"/>
         </a:spcBef>
-        <a:buFont typeface="Arial" pitchFamily="34" charset="0"/>
+        <a:buFont typeface="Arial" panose="020B0604020202020204" pitchFamily="34" charset="0"/>
         <a:buChar char="•"/>
         <a:defRPr sz="3200" kern="1200">
           <a:solidFill>
@@ -3396,7 +3385,7 @@
         <a:spcBef>
           <a:spcPct val="20000"/>
         </a:spcBef>
-        <a:buFont typeface="Arial" pitchFamily="34" charset="0"/>
+        <a:buFont typeface="Arial" panose="020B0604020202020204" pitchFamily="34" charset="0"/>
         <a:buChar char="–"/>
         <a:defRPr sz="2800" kern="1200">
           <a:solidFill>
@@ -3411,7 +3400,7 @@
         <a:spcBef>
           <a:spcPct val="20000"/>
         </a:spcBef>
-        <a:buFont typeface="Arial" pitchFamily="34" charset="0"/>
+        <a:buFont typeface="Arial" panose="020B0604020202020204" pitchFamily="34" charset="0"/>
         <a:buChar char="•"/>
         <a:defRPr sz="2400" kern="1200">
           <a:solidFill>
@@ -3426,7 +3415,7 @@
         <a:spcBef>
           <a:spcPct val="20000"/>
         </a:spcBef>
-        <a:buFont typeface="Arial" pitchFamily="34" charset="0"/>
+        <a:buFont typeface="Arial" panose="020B0604020202020204" pitchFamily="34" charset="0"/>
         <a:buChar char="–"/>
         <a:defRPr sz="2000" kern="1200">
           <a:solidFill>
@@ -3441,7 +3430,7 @@
         <a:spcBef>
           <a:spcPct val="20000"/>
         </a:spcBef>
-        <a:buFont typeface="Arial" pitchFamily="34" charset="0"/>
+        <a:buFont typeface="Arial" panose="020B0604020202020204" pitchFamily="34" charset="0"/>
         <a:buChar char="»"/>
         <a:defRPr sz="2000" kern="1200">
           <a:solidFill>
@@ -3456,7 +3445,7 @@
         <a:spcBef>
           <a:spcPct val="20000"/>
         </a:spcBef>
-        <a:buFont typeface="Arial" pitchFamily="34" charset="0"/>
+        <a:buFont typeface="Arial" panose="020B0604020202020204" pitchFamily="34" charset="0"/>
         <a:buChar char="•"/>
         <a:defRPr sz="2000" kern="1200">
           <a:solidFill>
@@ -3471,7 +3460,7 @@
         <a:spcBef>
           <a:spcPct val="20000"/>
         </a:spcBef>
-        <a:buFont typeface="Arial" pitchFamily="34" charset="0"/>
+        <a:buFont typeface="Arial" panose="020B0604020202020204" pitchFamily="34" charset="0"/>
         <a:buChar char="•"/>
         <a:defRPr sz="2000" kern="1200">
           <a:solidFill>
@@ -3486,7 +3475,7 @@
         <a:spcBef>
           <a:spcPct val="20000"/>
         </a:spcBef>
-        <a:buFont typeface="Arial" pitchFamily="34" charset="0"/>
+        <a:buFont typeface="Arial" panose="020B0604020202020204" pitchFamily="34" charset="0"/>
         <a:buChar char="•"/>
         <a:defRPr sz="2000" kern="1200">
           <a:solidFill>
@@ -3501,7 +3490,7 @@
         <a:spcBef>
           <a:spcPct val="20000"/>
         </a:spcBef>
-        <a:buFont typeface="Arial" pitchFamily="34" charset="0"/>
+        <a:buFont typeface="Arial" panose="020B0604020202020204" pitchFamily="34" charset="0"/>
         <a:buChar char="•"/>
         <a:defRPr sz="2000" kern="1200">
           <a:solidFill>
@@ -3833,15 +3822,7 @@
                   <a:schemeClr val="tx1"/>
                 </a:solidFill>
               </a:rPr>
-              <a:t>Перунов </a:t>
-            </a:r>
-            <a:r>
-              <a:rPr lang="ru-RU" sz="8000" b="1" dirty="0">
-                <a:solidFill>
-                  <a:schemeClr val="tx1"/>
-                </a:solidFill>
-              </a:rPr>
-              <a:t>С.В.</a:t>
+              <a:t>Уставщиков Д.А.</a:t>
             </a:r>
             <a:endParaRPr lang="ru-RU" sz="8000" dirty="0">
               <a:solidFill>
@@ -4002,9 +3983,14 @@
           <a:lstStyle/>
           <a:p>
             <a:r>
+              <a:rPr lang="ru-RU" sz="4000" dirty="0" smtClean="0"/>
+              <a:t>Актуальность </a:t>
+            </a:r>
+            <a:r>
               <a:rPr lang="ru-RU" sz="4000" dirty="0"/>
-              <a:t>Постановка задачи</a:t>
-            </a:r>
+              <a:t>темы</a:t>
+            </a:r>
+            <a:endParaRPr lang="ru-RU" sz="4000" dirty="0"/>
           </a:p>
         </p:txBody>
       </p:sp>
@@ -4021,41 +4007,28 @@
         <p:spPr/>
         <p:txBody>
           <a:bodyPr>
-            <a:normAutofit lnSpcReduction="10000"/>
+            <a:normAutofit/>
           </a:bodyPr>
           <a:lstStyle/>
           <a:p>
+            <a:pPr marL="0" indent="0">
+              <a:buNone/>
+            </a:pPr>
+            <a:r>
+              <a:rPr lang="ru-RU" sz="2800" dirty="0"/>
+              <a:t>Актуальность </a:t>
+            </a:r>
+            <a:r>
+              <a:rPr lang="ru-RU" sz="2800" dirty="0" smtClean="0"/>
+              <a:t>темы </a:t>
+            </a:r>
+            <a:r>
+              <a:rPr lang="ru-RU" sz="2800" dirty="0"/>
+              <a:t>обусловлена повышением сложности и объемов вычислений решаемых с использованием вычислительных систем задач. С помощью гетерогенных вычислительных систем могут быть решены многие задачи физики, решение которых без использования ГВС заняло бы очень много времени, либо вообще было бы невозможно.</a:t>
+            </a:r>
+          </a:p>
+          <a:p>
             <a:endParaRPr lang="ru-RU" sz="2800" dirty="0" smtClean="0"/>
-          </a:p>
-          <a:p>
-            <a:pPr lvl="0"/>
-            <a:r>
-              <a:rPr lang="ru-RU" sz="2800" dirty="0" smtClean="0"/>
-              <a:t>Разработка библиотеки функций обработки изображений на графическом процессоре с применением технологии </a:t>
-            </a:r>
-            <a:r>
-              <a:rPr lang="en-US" sz="2800" dirty="0" smtClean="0"/>
-              <a:t>C</a:t>
-            </a:r>
-            <a:r>
-              <a:rPr lang="ru-RU" sz="2800" dirty="0" smtClean="0"/>
-              <a:t>++ </a:t>
-            </a:r>
-            <a:r>
-              <a:rPr lang="en-US" sz="2800" dirty="0" smtClean="0"/>
-              <a:t>AMP</a:t>
-            </a:r>
-          </a:p>
-          <a:p>
-            <a:pPr lvl="0"/>
-            <a:endParaRPr lang="ru-RU" sz="2800" dirty="0" smtClean="0"/>
-          </a:p>
-          <a:p>
-            <a:r>
-              <a:rPr lang="ru-RU" sz="2800" dirty="0" smtClean="0"/>
-              <a:t>Разработка приложения с графическим интерфейсом пользователя для демонстрации работоспособности функций библиотеки</a:t>
-            </a:r>
-            <a:endParaRPr lang="ru-RU" dirty="0"/>
           </a:p>
         </p:txBody>
       </p:sp>
@@ -4084,6 +4057,11 @@
         </p:txBody>
       </p:sp>
     </p:spTree>
+    <p:extLst>
+      <p:ext uri="{BB962C8B-B14F-4D97-AF65-F5344CB8AC3E}">
+        <p14:creationId xmlns:p14="http://schemas.microsoft.com/office/powerpoint/2010/main" val="1494819024"/>
+      </p:ext>
+    </p:extLst>
   </p:cSld>
   <p:clrMapOvr>
     <a:masterClrMapping/>
@@ -4125,7 +4103,12 @@
             <p:ph type="title"/>
           </p:nvPr>
         </p:nvSpPr>
-        <p:spPr/>
+        <p:spPr>
+          <a:xfrm>
+            <a:off x="457200" y="274638"/>
+            <a:ext cx="8229600" cy="1082660"/>
+          </a:xfrm>
+        </p:spPr>
         <p:style>
           <a:lnRef idx="1">
             <a:schemeClr val="accent5"/>
@@ -4142,33 +4125,67 @@
         </p:style>
         <p:txBody>
           <a:bodyPr>
-            <a:noAutofit/>
+            <a:normAutofit/>
           </a:bodyPr>
           <a:lstStyle/>
           <a:p>
             <a:r>
-              <a:rPr lang="ru-RU" sz="3600" dirty="0" smtClean="0"/>
-              <a:t>Отличие </a:t>
-            </a:r>
-            <a:r>
-              <a:rPr lang="en-US" sz="3600" dirty="0" smtClean="0"/>
-              <a:t>GPU </a:t>
-            </a:r>
-            <a:r>
-              <a:rPr lang="ru-RU" sz="3600" dirty="0" smtClean="0"/>
-              <a:t>от </a:t>
-            </a:r>
-            <a:r>
-              <a:rPr lang="en-US" sz="3600" dirty="0" smtClean="0"/>
-              <a:t>CPU</a:t>
-            </a:r>
-            <a:endParaRPr lang="ru-RU" sz="3600" dirty="0"/>
-          </a:p>
-        </p:txBody>
-      </p:sp>
-      <p:sp>
-        <p:nvSpPr>
-          <p:cNvPr id="5" name="Номер слайда 4"/>
+              <a:rPr lang="ru-RU" sz="4000" dirty="0"/>
+              <a:t>Постановка задачи</a:t>
+            </a:r>
+          </a:p>
+        </p:txBody>
+      </p:sp>
+      <p:sp>
+        <p:nvSpPr>
+          <p:cNvPr id="3" name="Содержимое 2"/>
+          <p:cNvSpPr>
+            <a:spLocks noGrp="1"/>
+          </p:cNvSpPr>
+          <p:nvPr>
+            <p:ph idx="1"/>
+          </p:nvPr>
+        </p:nvSpPr>
+        <p:spPr/>
+        <p:txBody>
+          <a:bodyPr>
+            <a:normAutofit/>
+          </a:bodyPr>
+          <a:lstStyle/>
+          <a:p>
+            <a:endParaRPr lang="ru-RU" sz="2800" dirty="0" smtClean="0"/>
+          </a:p>
+          <a:p>
+            <a:pPr lvl="0"/>
+            <a:r>
+              <a:rPr lang="ru-RU" sz="2800" dirty="0"/>
+              <a:t>Использовать технологию </a:t>
+            </a:r>
+            <a:r>
+              <a:rPr lang="ru-RU" sz="2800" dirty="0" err="1"/>
+              <a:t>OpenCL</a:t>
+            </a:r>
+            <a:r>
+              <a:rPr lang="ru-RU" sz="2800" dirty="0"/>
+              <a:t> для реализации гетерогенной вычислительной системы CPU+GPU</a:t>
+            </a:r>
+            <a:r>
+              <a:rPr lang="ru-RU" sz="2800" dirty="0" smtClean="0"/>
+              <a:t>.</a:t>
+            </a:r>
+          </a:p>
+          <a:p>
+            <a:pPr lvl="0"/>
+            <a:r>
+              <a:rPr lang="ru-RU" sz="2800" dirty="0"/>
+              <a:t>Применить построенную ГВС в алгоритме фильтрации изображений.</a:t>
+            </a:r>
+          </a:p>
+        </p:txBody>
+      </p:sp>
+      <p:sp>
+        <p:nvSpPr>
+          <p:cNvPr id="4" name="Номер слайда 3"/>
           <p:cNvSpPr>
             <a:spLocks noGrp="1"/>
           </p:cNvSpPr>
@@ -4187,78 +4204,6 @@
               <a:t>3</a:t>
             </a:fld>
             <a:endParaRPr lang="ru-RU"/>
-          </a:p>
-        </p:txBody>
-      </p:sp>
-      <p:sp>
-        <p:nvSpPr>
-          <p:cNvPr id="6" name="Содержимое 5"/>
-          <p:cNvSpPr>
-            <a:spLocks noGrp="1"/>
-          </p:cNvSpPr>
-          <p:nvPr>
-            <p:ph idx="1"/>
-          </p:nvPr>
-        </p:nvSpPr>
-        <p:spPr>
-          <a:xfrm>
-            <a:off x="457200" y="1600200"/>
-            <a:ext cx="8229600" cy="4829196"/>
-          </a:xfrm>
-        </p:spPr>
-        <p:txBody>
-          <a:bodyPr>
-            <a:normAutofit lnSpcReduction="10000"/>
-          </a:bodyPr>
-          <a:lstStyle/>
-          <a:p>
-            <a:r>
-              <a:rPr lang="ru-RU" sz="2000" dirty="0" smtClean="0"/>
-              <a:t>CPU используют технологию </a:t>
-            </a:r>
-            <a:r>
-              <a:rPr lang="en-US" sz="2000" dirty="0" smtClean="0"/>
-              <a:t>MIMD – </a:t>
-            </a:r>
-            <a:r>
-              <a:rPr lang="ru-RU" sz="2000" dirty="0" smtClean="0"/>
-              <a:t>множественный поток команд и данных</a:t>
-            </a:r>
-            <a:r>
-              <a:rPr lang="en-US" sz="2000" dirty="0" smtClean="0"/>
-              <a:t>.</a:t>
-            </a:r>
-            <a:endParaRPr lang="ru-RU" sz="2000" dirty="0" smtClean="0"/>
-          </a:p>
-          <a:p>
-            <a:endParaRPr lang="ru-RU" sz="2000" dirty="0" smtClean="0"/>
-          </a:p>
-          <a:p>
-            <a:r>
-              <a:rPr lang="ru-RU" sz="2000" dirty="0" smtClean="0"/>
-              <a:t>Графический процессор использует технологию SIMD –одиночный поток команд, множество потоков данных. </a:t>
-            </a:r>
-          </a:p>
-          <a:p>
-            <a:endParaRPr lang="ru-RU" sz="2000" dirty="0" smtClean="0"/>
-          </a:p>
-          <a:p>
-            <a:r>
-              <a:rPr lang="ru-RU" sz="2000" dirty="0" smtClean="0"/>
-              <a:t>Ядра CPU созданы для исполнения одного потока последовательных инструкций с максимальной производительностью, а GPU используются для быстрого исполнения большого числа параллельно выполняемых потоков инструкций. </a:t>
-            </a:r>
-          </a:p>
-          <a:p>
-            <a:endParaRPr lang="ru-RU" sz="2000" dirty="0" smtClean="0"/>
-          </a:p>
-          <a:p>
-            <a:r>
-              <a:rPr lang="ru-RU" sz="2000" dirty="0" smtClean="0"/>
-              <a:t>Графические процессоры оптимизированы для достижения максимальной производительности отдельного алгоритма. </a:t>
-            </a:r>
-          </a:p>
-          <a:p>
-            <a:endParaRPr lang="ru-RU" sz="2800" dirty="0" smtClean="0"/>
           </a:p>
         </p:txBody>
       </p:sp>
@@ -4304,7 +4249,12 @@
             <p:ph type="title"/>
           </p:nvPr>
         </p:nvSpPr>
-        <p:spPr/>
+        <p:spPr>
+          <a:xfrm>
+            <a:off x="457200" y="274638"/>
+            <a:ext cx="8229600" cy="1082660"/>
+          </a:xfrm>
+        </p:spPr>
         <p:style>
           <a:lnRef idx="1">
             <a:schemeClr val="accent5"/>
@@ -4321,21 +4271,74 @@
         </p:style>
         <p:txBody>
           <a:bodyPr>
-            <a:noAutofit/>
+            <a:normAutofit/>
           </a:bodyPr>
           <a:lstStyle/>
           <a:p>
             <a:r>
-              <a:rPr lang="en-US" sz="2800" dirty="0" smtClean="0"/>
-              <a:t>C++ Accelerated Massive Parallelism (AMP)</a:t>
-            </a:r>
-            <a:endParaRPr lang="ru-RU" sz="2800" dirty="0"/>
-          </a:p>
-        </p:txBody>
-      </p:sp>
-      <p:sp>
-        <p:nvSpPr>
-          <p:cNvPr id="5" name="Номер слайда 4"/>
+              <a:rPr lang="en-US" sz="4000" dirty="0" smtClean="0"/>
+              <a:t>OpenCL</a:t>
+            </a:r>
+            <a:endParaRPr lang="ru-RU" sz="4000" dirty="0"/>
+          </a:p>
+        </p:txBody>
+      </p:sp>
+      <p:sp>
+        <p:nvSpPr>
+          <p:cNvPr id="3" name="Содержимое 2"/>
+          <p:cNvSpPr>
+            <a:spLocks noGrp="1"/>
+          </p:cNvSpPr>
+          <p:nvPr>
+            <p:ph idx="1"/>
+          </p:nvPr>
+        </p:nvSpPr>
+        <p:spPr/>
+        <p:txBody>
+          <a:bodyPr>
+            <a:normAutofit/>
+          </a:bodyPr>
+          <a:lstStyle/>
+          <a:p>
+            <a:pPr marL="0" indent="0">
+              <a:buNone/>
+            </a:pPr>
+            <a:r>
+              <a:rPr lang="en-US" sz="2800" dirty="0"/>
+              <a:t>OpenCL </a:t>
+            </a:r>
+            <a:r>
+              <a:rPr lang="ru-RU" sz="2800" dirty="0"/>
+              <a:t>одна из технологий, позволяющая создать гетерогенную вычислительную систему, состоящую из различных процессоров, например </a:t>
+            </a:r>
+            <a:r>
+              <a:rPr lang="en-US" sz="2800" dirty="0"/>
+              <a:t>CPU</a:t>
+            </a:r>
+            <a:r>
+              <a:rPr lang="ru-RU" sz="2800" dirty="0"/>
+              <a:t>+</a:t>
+            </a:r>
+            <a:r>
+              <a:rPr lang="en-US" sz="2800" dirty="0"/>
+              <a:t>GPU</a:t>
+            </a:r>
+            <a:r>
+              <a:rPr lang="ru-RU" sz="2800" dirty="0"/>
+              <a:t>. Эта технология была использована в работе, для разработки ГВС и решения трудоемкой задачи.</a:t>
+            </a:r>
+          </a:p>
+          <a:p>
+            <a:pPr marL="0" indent="0">
+              <a:buNone/>
+            </a:pPr>
+            <a:endParaRPr lang="ru-RU" sz="2800" dirty="0" smtClean="0"/>
+          </a:p>
+        </p:txBody>
+      </p:sp>
+      <p:sp>
+        <p:nvSpPr>
+          <p:cNvPr id="4" name="Номер слайда 3"/>
           <p:cNvSpPr>
             <a:spLocks noGrp="1"/>
           </p:cNvSpPr>
@@ -4357,201 +4360,12 @@
           </a:p>
         </p:txBody>
       </p:sp>
-      <p:sp>
-        <p:nvSpPr>
-          <p:cNvPr id="6" name="Содержимое 5"/>
-          <p:cNvSpPr>
-            <a:spLocks noGrp="1"/>
-          </p:cNvSpPr>
-          <p:nvPr>
-            <p:ph idx="1"/>
-          </p:nvPr>
-        </p:nvSpPr>
-        <p:spPr>
-          <a:xfrm>
-            <a:off x="457200" y="1600200"/>
-            <a:ext cx="8229600" cy="4686320"/>
-          </a:xfrm>
-        </p:spPr>
-        <p:txBody>
-          <a:bodyPr>
-            <a:normAutofit fontScale="92500"/>
-          </a:bodyPr>
-          <a:lstStyle/>
-          <a:p>
-            <a:r>
-              <a:rPr lang="ru-RU" sz="2400" dirty="0" smtClean="0"/>
-              <a:t>C++ </a:t>
-            </a:r>
-            <a:r>
-              <a:rPr lang="ru-RU" sz="2400" dirty="0" err="1" smtClean="0"/>
-              <a:t>Accelerated</a:t>
-            </a:r>
-            <a:r>
-              <a:rPr lang="ru-RU" sz="2400" dirty="0" smtClean="0"/>
-              <a:t> </a:t>
-            </a:r>
-            <a:r>
-              <a:rPr lang="ru-RU" sz="2400" dirty="0" err="1" smtClean="0"/>
-              <a:t>Massive</a:t>
-            </a:r>
-            <a:r>
-              <a:rPr lang="ru-RU" sz="2400" dirty="0" smtClean="0"/>
-              <a:t> </a:t>
-            </a:r>
-            <a:r>
-              <a:rPr lang="ru-RU" sz="2400" dirty="0" err="1" smtClean="0"/>
-              <a:t>Parallelism</a:t>
-            </a:r>
-            <a:r>
-              <a:rPr lang="ru-RU" sz="2400" dirty="0" smtClean="0"/>
-              <a:t> — библиотека и открытая спецификация, созданные </a:t>
-            </a:r>
-            <a:r>
-              <a:rPr lang="ru-RU" sz="2400" dirty="0" err="1" smtClean="0"/>
-              <a:t>Microsoft</a:t>
-            </a:r>
-            <a:r>
-              <a:rPr lang="ru-RU" sz="2400" dirty="0" smtClean="0"/>
-              <a:t> для реализации параллельных программ для систем на языке C++. </a:t>
-            </a:r>
-          </a:p>
-          <a:p>
-            <a:endParaRPr lang="ru-RU" sz="2000" dirty="0" smtClean="0"/>
-          </a:p>
-          <a:p>
-            <a:r>
-              <a:rPr lang="ru-RU" sz="2400" dirty="0" smtClean="0"/>
-              <a:t>Система C++AMP позволяет переносить вычисления на GPU (</a:t>
-            </a:r>
-            <a:r>
-              <a:rPr lang="ru-RU" sz="2400" dirty="0" err="1" smtClean="0"/>
-              <a:t>видеоускорители</a:t>
-            </a:r>
-            <a:r>
-              <a:rPr lang="ru-RU" sz="2400" dirty="0" smtClean="0"/>
-              <a:t>) без внесения большого количества изменений в программы. </a:t>
-            </a:r>
-          </a:p>
-          <a:p>
-            <a:endParaRPr lang="ru-RU" sz="2000" dirty="0" smtClean="0"/>
-          </a:p>
-          <a:p>
-            <a:pPr>
-              <a:buNone/>
-            </a:pPr>
-            <a:r>
-              <a:rPr lang="ru-RU" sz="2000" b="1" dirty="0" err="1" smtClean="0">
-                <a:solidFill>
-                  <a:schemeClr val="tx2"/>
-                </a:solidFill>
-                <a:latin typeface="Courier New" pitchFamily="49" charset="0"/>
-                <a:cs typeface="Courier New" pitchFamily="49" charset="0"/>
-              </a:rPr>
-              <a:t>void</a:t>
-            </a:r>
-            <a:r>
-              <a:rPr lang="ru-RU" sz="2000" b="1" dirty="0" smtClean="0">
-                <a:latin typeface="Courier New" pitchFamily="49" charset="0"/>
-                <a:cs typeface="Courier New" pitchFamily="49" charset="0"/>
-              </a:rPr>
-              <a:t> </a:t>
-            </a:r>
-            <a:r>
-              <a:rPr lang="ru-RU" sz="2000" b="1" dirty="0" err="1" smtClean="0">
-                <a:latin typeface="Courier New" pitchFamily="49" charset="0"/>
-                <a:cs typeface="Courier New" pitchFamily="49" charset="0"/>
-              </a:rPr>
-              <a:t>myFunc</a:t>
-            </a:r>
-            <a:r>
-              <a:rPr lang="ru-RU" sz="2000" b="1" dirty="0" smtClean="0">
-                <a:latin typeface="Courier New" pitchFamily="49" charset="0"/>
-                <a:cs typeface="Courier New" pitchFamily="49" charset="0"/>
-              </a:rPr>
-              <a:t>()</a:t>
-            </a:r>
-            <a:r>
-              <a:rPr lang="ru-RU" sz="2000" b="1" dirty="0" err="1" smtClean="0">
-                <a:latin typeface="Courier New" pitchFamily="49" charset="0"/>
-                <a:cs typeface="Courier New" pitchFamily="49" charset="0"/>
-              </a:rPr>
-              <a:t>restrict</a:t>
-            </a:r>
-            <a:r>
-              <a:rPr lang="ru-RU" sz="2000" b="1" dirty="0" smtClean="0">
-                <a:latin typeface="Courier New" pitchFamily="49" charset="0"/>
-                <a:cs typeface="Courier New" pitchFamily="49" charset="0"/>
-              </a:rPr>
-              <a:t>(</a:t>
-            </a:r>
-            <a:r>
-              <a:rPr lang="ru-RU" sz="2000" b="1" dirty="0" err="1" smtClean="0">
-                <a:solidFill>
-                  <a:schemeClr val="tx2"/>
-                </a:solidFill>
-                <a:latin typeface="Courier New" pitchFamily="49" charset="0"/>
-                <a:cs typeface="Courier New" pitchFamily="49" charset="0"/>
-              </a:rPr>
-              <a:t>amp</a:t>
-            </a:r>
-            <a:r>
-              <a:rPr lang="ru-RU" sz="2000" b="1" dirty="0" smtClean="0">
-                <a:latin typeface="Courier New" pitchFamily="49" charset="0"/>
-                <a:cs typeface="Courier New" pitchFamily="49" charset="0"/>
-              </a:rPr>
-              <a:t>)</a:t>
-            </a:r>
-          </a:p>
-          <a:p>
-            <a:pPr>
-              <a:buNone/>
-            </a:pPr>
-            <a:r>
-              <a:rPr lang="ru-RU" sz="2000" b="1" dirty="0" smtClean="0">
-                <a:latin typeface="Courier New" pitchFamily="49" charset="0"/>
-                <a:cs typeface="Courier New" pitchFamily="49" charset="0"/>
-              </a:rPr>
-              <a:t>{</a:t>
-            </a:r>
-          </a:p>
-          <a:p>
-            <a:pPr>
-              <a:buNone/>
-            </a:pPr>
-            <a:r>
-              <a:rPr lang="ru-RU" sz="2000" b="1" dirty="0" smtClean="0">
-                <a:latin typeface="Courier New" pitchFamily="49" charset="0"/>
-                <a:cs typeface="Courier New" pitchFamily="49" charset="0"/>
-              </a:rPr>
-              <a:t>	</a:t>
-            </a:r>
-            <a:r>
-              <a:rPr lang="ru-RU" sz="2000" b="1" dirty="0" smtClean="0">
-                <a:solidFill>
-                  <a:srgbClr val="00B050"/>
-                </a:solidFill>
-                <a:latin typeface="Courier New" pitchFamily="49" charset="0"/>
-                <a:cs typeface="Courier New" pitchFamily="49" charset="0"/>
-              </a:rPr>
-              <a:t>// Код функции</a:t>
-            </a:r>
-          </a:p>
-          <a:p>
-            <a:pPr>
-              <a:buNone/>
-            </a:pPr>
-            <a:r>
-              <a:rPr lang="ru-RU" sz="2000" b="1" dirty="0" smtClean="0">
-                <a:latin typeface="Courier New" pitchFamily="49" charset="0"/>
-                <a:cs typeface="Courier New" pitchFamily="49" charset="0"/>
-              </a:rPr>
-              <a:t>}</a:t>
-            </a:r>
-          </a:p>
-        </p:txBody>
-      </p:sp>
     </p:spTree>
+    <p:extLst>
+      <p:ext uri="{BB962C8B-B14F-4D97-AF65-F5344CB8AC3E}">
+        <p14:creationId xmlns:p14="http://schemas.microsoft.com/office/powerpoint/2010/main" val="2205571996"/>
+      </p:ext>
+    </p:extLst>
   </p:cSld>
   <p:clrMapOvr>
     <a:masterClrMapping/>
@@ -4809,7 +4623,7 @@
         <p:spPr>
           <a:xfrm>
             <a:off x="457200" y="274638"/>
-            <a:ext cx="8229600" cy="1011222"/>
+            <a:ext cx="8229600" cy="868346"/>
           </a:xfrm>
         </p:spPr>
         <p:style>
@@ -4833,13 +4647,10 @@
           <a:lstStyle/>
           <a:p>
             <a:r>
-              <a:rPr lang="ru-RU" sz="3200" dirty="0" smtClean="0"/>
-              <a:t>Демонстрационная программа</a:t>
-            </a:r>
-            <a:endParaRPr lang="ru-RU" sz="3200" b="1" dirty="0" smtClean="0">
-              <a:latin typeface="Courier New" pitchFamily="49" charset="0"/>
-              <a:cs typeface="Courier New" pitchFamily="49" charset="0"/>
-            </a:endParaRPr>
+              <a:rPr lang="ru-RU" sz="4000" dirty="0" smtClean="0"/>
+              <a:t>Выводы</a:t>
+            </a:r>
+            <a:endParaRPr lang="ru-RU" sz="4000" dirty="0"/>
           </a:p>
         </p:txBody>
       </p:sp>
@@ -4855,8 +4666,8 @@
         </p:nvSpPr>
         <p:spPr>
           <a:xfrm>
-            <a:off x="457200" y="1600200"/>
-            <a:ext cx="8229600" cy="4972072"/>
+            <a:off x="457200" y="1285860"/>
+            <a:ext cx="8401080" cy="5357850"/>
           </a:xfrm>
         </p:spPr>
         <p:txBody>
@@ -4865,7 +4676,89 @@
           </a:bodyPr>
           <a:lstStyle/>
           <a:p>
-            <a:endParaRPr lang="ru-RU" dirty="0"/>
+            <a:pPr lvl="0"/>
+            <a:r>
+              <a:rPr lang="ru-RU" sz="2000" dirty="0" smtClean="0"/>
+              <a:t>Разработана библиотека функций обработки изображений на графическом процессоре с применением технологии </a:t>
+            </a:r>
+            <a:r>
+              <a:rPr lang="en-US" sz="2000" dirty="0" smtClean="0"/>
+              <a:t>C</a:t>
+            </a:r>
+            <a:r>
+              <a:rPr lang="ru-RU" sz="2000" dirty="0" smtClean="0"/>
+              <a:t>++ </a:t>
+            </a:r>
+            <a:r>
+              <a:rPr lang="en-US" sz="2000" dirty="0" smtClean="0"/>
+              <a:t>AMP</a:t>
+            </a:r>
+            <a:r>
+              <a:rPr lang="ru-RU" sz="2000" dirty="0" smtClean="0"/>
+              <a:t>. </a:t>
+            </a:r>
+          </a:p>
+          <a:p>
+            <a:pPr lvl="0"/>
+            <a:endParaRPr lang="ru-RU" sz="2000" dirty="0" smtClean="0"/>
+          </a:p>
+          <a:p>
+            <a:pPr lvl="0"/>
+            <a:r>
+              <a:rPr lang="ru-RU" sz="2000" dirty="0" smtClean="0"/>
+              <a:t>Разработано приложение с графическим интерфейсом пользователя для демонстрации работоспособности функций библиотеки, с возможностью исполнения разработанных алгоритмов, как на графическом, так и на центральном процессоре. </a:t>
+            </a:r>
+          </a:p>
+          <a:p>
+            <a:pPr lvl="0"/>
+            <a:endParaRPr lang="ru-RU" sz="2000" dirty="0" smtClean="0"/>
+          </a:p>
+          <a:p>
+            <a:pPr lvl="0"/>
+            <a:r>
+              <a:rPr lang="ru-RU" sz="2000" dirty="0" smtClean="0"/>
+              <a:t>Изучены возможности и потенциал технологии </a:t>
+            </a:r>
+            <a:r>
+              <a:rPr lang="en-US" sz="2000" dirty="0" smtClean="0"/>
+              <a:t>GPGPU </a:t>
+            </a:r>
+            <a:r>
+              <a:rPr lang="ru-RU" sz="2000" dirty="0" smtClean="0"/>
+              <a:t>— </a:t>
+            </a:r>
+            <a:r>
+              <a:rPr lang="en-US" sz="2000" dirty="0" smtClean="0"/>
+              <a:t>C</a:t>
+            </a:r>
+            <a:r>
+              <a:rPr lang="ru-RU" sz="2000" dirty="0" smtClean="0"/>
+              <a:t>++ </a:t>
+            </a:r>
+            <a:r>
+              <a:rPr lang="en-US" sz="2000" dirty="0" smtClean="0"/>
+              <a:t>AMP</a:t>
+            </a:r>
+            <a:r>
+              <a:rPr lang="ru-RU" sz="2000" dirty="0" smtClean="0"/>
+              <a:t>. Возможности этой технологии испытаны в демонстрационной программе, и результаты тестирования позволяют сделать заключения о целесообразности применения подобных технологий, в частности </a:t>
+            </a:r>
+            <a:r>
+              <a:rPr lang="en-US" sz="2000" dirty="0" smtClean="0"/>
+              <a:t>C</a:t>
+            </a:r>
+            <a:r>
+              <a:rPr lang="ru-RU" sz="2000" dirty="0" smtClean="0"/>
+              <a:t>++ </a:t>
+            </a:r>
+            <a:r>
+              <a:rPr lang="en-US" sz="2000" dirty="0" smtClean="0"/>
+              <a:t>AMP</a:t>
+            </a:r>
+            <a:r>
+              <a:rPr lang="ru-RU" sz="2000" dirty="0" smtClean="0"/>
+              <a:t>, для наиболее эффективного использования всех возможностей современных процессоров и технологий.</a:t>
+            </a:r>
           </a:p>
           <a:p>
             <a:endParaRPr lang="ru-RU" dirty="0"/>
@@ -4896,36 +4789,6 @@
           </a:p>
         </p:txBody>
       </p:sp>
-      <p:pic>
-        <p:nvPicPr>
-          <p:cNvPr id="5" name="Рисунок 4"/>
-          <p:cNvPicPr/>
-          <p:nvPr/>
-        </p:nvPicPr>
-        <p:blipFill>
-          <a:blip r:embed="rId3"/>
-          <a:srcRect/>
-          <a:stretch>
-            <a:fillRect/>
-          </a:stretch>
-        </p:blipFill>
-        <p:spPr bwMode="auto">
-          <a:xfrm>
-            <a:off x="571472" y="1643050"/>
-            <a:ext cx="7929618" cy="4704390"/>
-          </a:xfrm>
-          <a:prstGeom prst="rect">
-            <a:avLst/>
-          </a:prstGeom>
-          <a:noFill/>
-          <a:ln w="9525">
-            <a:noFill/>
-            <a:miter lim="800000"/>
-            <a:headEnd/>
-            <a:tailEnd/>
-          </a:ln>
-        </p:spPr>
-      </p:pic>
     </p:spTree>
   </p:cSld>
   <p:clrMapOvr>
@@ -4958,1131 +4821,6 @@
           <a:chExt cx="0" cy="0"/>
         </a:xfrm>
       </p:grpSpPr>
-      <p:graphicFrame>
-        <p:nvGraphicFramePr>
-          <p:cNvPr id="5" name="Содержимое 4"/>
-          <p:cNvGraphicFramePr>
-            <a:graphicFrameLocks noGrp="1"/>
-          </p:cNvGraphicFramePr>
-          <p:nvPr>
-            <p:ph idx="1"/>
-          </p:nvPr>
-        </p:nvGraphicFramePr>
-        <p:xfrm>
-          <a:off x="457200" y="1600200"/>
-          <a:ext cx="8229600" cy="4770120"/>
-        </p:xfrm>
-        <a:graphic>
-          <a:graphicData uri="http://schemas.openxmlformats.org/drawingml/2006/table">
-            <a:tbl>
-              <a:tblPr firstRow="1" bandRow="1">
-                <a:tableStyleId>{5C22544A-7EE6-4342-B048-85BDC9FD1C3A}</a:tableStyleId>
-              </a:tblPr>
-              <a:tblGrid>
-                <a:gridCol w="2743200"/>
-                <a:gridCol w="2743200"/>
-                <a:gridCol w="2743200"/>
-              </a:tblGrid>
-              <a:tr h="370840">
-                <a:tc>
-                  <a:txBody>
-                    <a:bodyPr/>
-                    <a:lstStyle/>
-                    <a:p>
-                      <a:pPr marL="0" marR="0" indent="0" algn="ctr" defTabSz="914400" rtl="0" eaLnBrk="1" fontAlgn="auto" latinLnBrk="0" hangingPunct="1">
-                        <a:lnSpc>
-                          <a:spcPct val="100000"/>
-                        </a:lnSpc>
-                        <a:spcBef>
-                          <a:spcPts val="0"/>
-                        </a:spcBef>
-                        <a:spcAft>
-                          <a:spcPts val="0"/>
-                        </a:spcAft>
-                        <a:buClrTx/>
-                        <a:buSzTx/>
-                        <a:buFontTx/>
-                        <a:buNone/>
-                        <a:tabLst/>
-                        <a:defRPr/>
-                      </a:pPr>
-                      <a:r>
-                        <a:rPr lang="ru-RU" sz="1800" b="1" kern="1200" dirty="0" smtClean="0">
-                          <a:solidFill>
-                            <a:schemeClr val="lt1"/>
-                          </a:solidFill>
-                          <a:latin typeface="+mn-lt"/>
-                          <a:ea typeface="+mn-ea"/>
-                          <a:cs typeface="+mn-cs"/>
-                        </a:rPr>
-                        <a:t>Алгоритм</a:t>
-                      </a:r>
-                    </a:p>
-                    <a:p>
-                      <a:pPr algn="ctr"/>
-                      <a:endParaRPr lang="ru-RU" dirty="0"/>
-                    </a:p>
-                  </a:txBody>
-                  <a:tcPr/>
-                </a:tc>
-                <a:tc>
-                  <a:txBody>
-                    <a:bodyPr/>
-                    <a:lstStyle/>
-                    <a:p>
-                      <a:pPr algn="ctr"/>
-                      <a:r>
-                        <a:rPr lang="ru-RU" sz="1800" b="1" kern="1200" dirty="0" smtClean="0">
-                          <a:solidFill>
-                            <a:schemeClr val="lt1"/>
-                          </a:solidFill>
-                          <a:latin typeface="+mn-lt"/>
-                          <a:ea typeface="+mn-ea"/>
-                          <a:cs typeface="+mn-cs"/>
-                        </a:rPr>
-                        <a:t>Среднее значение </a:t>
-                      </a:r>
-                    </a:p>
-                    <a:p>
-                      <a:pPr algn="ctr"/>
-                      <a:r>
-                        <a:rPr lang="en-US" sz="1800" b="1" kern="1200" dirty="0" smtClean="0">
-                          <a:solidFill>
-                            <a:schemeClr val="lt1"/>
-                          </a:solidFill>
-                          <a:latin typeface="+mn-lt"/>
-                          <a:ea typeface="+mn-ea"/>
-                          <a:cs typeface="+mn-cs"/>
-                        </a:rPr>
-                        <a:t>FPS</a:t>
-                      </a:r>
-                      <a:r>
-                        <a:rPr lang="ru-RU" sz="1800" b="1" kern="1200" dirty="0" smtClean="0">
-                          <a:solidFill>
-                            <a:schemeClr val="lt1"/>
-                          </a:solidFill>
-                          <a:latin typeface="+mn-lt"/>
-                          <a:ea typeface="+mn-ea"/>
-                          <a:cs typeface="+mn-cs"/>
-                        </a:rPr>
-                        <a:t> - С</a:t>
-                      </a:r>
-                      <a:r>
-                        <a:rPr lang="en-US" sz="1800" b="1" kern="1200" dirty="0" smtClean="0">
-                          <a:solidFill>
-                            <a:schemeClr val="lt1"/>
-                          </a:solidFill>
-                          <a:latin typeface="+mn-lt"/>
-                          <a:ea typeface="+mn-ea"/>
-                          <a:cs typeface="+mn-cs"/>
-                        </a:rPr>
-                        <a:t>PU</a:t>
-                      </a:r>
-                      <a:endParaRPr lang="ru-RU" dirty="0"/>
-                    </a:p>
-                  </a:txBody>
-                  <a:tcPr/>
-                </a:tc>
-                <a:tc>
-                  <a:txBody>
-                    <a:bodyPr/>
-                    <a:lstStyle/>
-                    <a:p>
-                      <a:pPr algn="ctr"/>
-                      <a:r>
-                        <a:rPr lang="ru-RU" sz="1800" b="1" kern="1200" dirty="0" smtClean="0">
-                          <a:solidFill>
-                            <a:schemeClr val="lt1"/>
-                          </a:solidFill>
-                          <a:latin typeface="+mn-lt"/>
-                          <a:ea typeface="+mn-ea"/>
-                          <a:cs typeface="+mn-cs"/>
-                        </a:rPr>
-                        <a:t>Среднее значение </a:t>
-                      </a:r>
-                    </a:p>
-                    <a:p>
-                      <a:pPr algn="ctr"/>
-                      <a:r>
-                        <a:rPr lang="en-US" sz="1800" b="1" kern="1200" dirty="0" smtClean="0">
-                          <a:solidFill>
-                            <a:schemeClr val="lt1"/>
-                          </a:solidFill>
-                          <a:latin typeface="+mn-lt"/>
-                          <a:ea typeface="+mn-ea"/>
-                          <a:cs typeface="+mn-cs"/>
-                        </a:rPr>
-                        <a:t>FPS</a:t>
-                      </a:r>
-                      <a:r>
-                        <a:rPr lang="ru-RU" sz="1800" b="1" kern="1200" dirty="0" smtClean="0">
-                          <a:solidFill>
-                            <a:schemeClr val="lt1"/>
-                          </a:solidFill>
-                          <a:latin typeface="+mn-lt"/>
-                          <a:ea typeface="+mn-ea"/>
-                          <a:cs typeface="+mn-cs"/>
-                        </a:rPr>
-                        <a:t> - </a:t>
-                      </a:r>
-                      <a:r>
-                        <a:rPr lang="en-US" sz="1800" b="1" kern="1200" dirty="0" smtClean="0">
-                          <a:solidFill>
-                            <a:schemeClr val="lt1"/>
-                          </a:solidFill>
-                          <a:latin typeface="+mn-lt"/>
-                          <a:ea typeface="+mn-ea"/>
-                          <a:cs typeface="+mn-cs"/>
-                        </a:rPr>
-                        <a:t>GPU</a:t>
-                      </a:r>
-                      <a:endParaRPr lang="ru-RU" dirty="0"/>
-                    </a:p>
-                  </a:txBody>
-                  <a:tcPr/>
-                </a:tc>
-              </a:tr>
-              <a:tr h="370840">
-                <a:tc>
-                  <a:txBody>
-                    <a:bodyPr/>
-                    <a:lstStyle/>
-                    <a:p>
-                      <a:pPr algn="ctr"/>
-                      <a:r>
-                        <a:rPr lang="en-US" sz="1800" b="1" i="1" kern="1200" dirty="0" err="1" smtClean="0">
-                          <a:solidFill>
-                            <a:schemeClr val="dk1"/>
-                          </a:solidFill>
-                          <a:latin typeface="+mn-lt"/>
-                          <a:ea typeface="+mn-ea"/>
-                          <a:cs typeface="+mn-cs"/>
-                        </a:rPr>
-                        <a:t>ConvertImagesToGray</a:t>
-                      </a:r>
-                      <a:endParaRPr lang="ru-RU" b="1" dirty="0"/>
-                    </a:p>
-                  </a:txBody>
-                  <a:tcPr/>
-                </a:tc>
-                <a:tc>
-                  <a:txBody>
-                    <a:bodyPr/>
-                    <a:lstStyle/>
-                    <a:p>
-                      <a:pPr algn="ctr"/>
-                      <a:r>
-                        <a:rPr lang="ru-RU" sz="1800" kern="1200" dirty="0" smtClean="0">
-                          <a:solidFill>
-                            <a:schemeClr val="dk1"/>
-                          </a:solidFill>
-                          <a:latin typeface="+mn-lt"/>
-                          <a:ea typeface="+mn-ea"/>
-                          <a:cs typeface="+mn-cs"/>
-                        </a:rPr>
-                        <a:t>232</a:t>
-                      </a:r>
-                      <a:r>
-                        <a:rPr lang="en-US" sz="1800" kern="1200" dirty="0" smtClean="0">
-                          <a:solidFill>
-                            <a:schemeClr val="dk1"/>
-                          </a:solidFill>
-                          <a:latin typeface="+mn-lt"/>
-                          <a:ea typeface="+mn-ea"/>
-                          <a:cs typeface="+mn-cs"/>
-                        </a:rPr>
-                        <a:t>.1</a:t>
-                      </a:r>
-                      <a:r>
-                        <a:rPr lang="ru-RU" sz="1800" kern="1200" dirty="0" smtClean="0">
-                          <a:solidFill>
-                            <a:schemeClr val="dk1"/>
-                          </a:solidFill>
-                          <a:latin typeface="+mn-lt"/>
-                          <a:ea typeface="+mn-ea"/>
-                          <a:cs typeface="+mn-cs"/>
-                        </a:rPr>
-                        <a:t>6</a:t>
-                      </a:r>
-                      <a:endParaRPr lang="ru-RU" dirty="0"/>
-                    </a:p>
-                  </a:txBody>
-                  <a:tcPr/>
-                </a:tc>
-                <a:tc>
-                  <a:txBody>
-                    <a:bodyPr/>
-                    <a:lstStyle/>
-                    <a:p>
-                      <a:pPr algn="ctr"/>
-                      <a:r>
-                        <a:rPr lang="ru-RU" sz="1800" kern="1200" dirty="0" smtClean="0">
-                          <a:solidFill>
-                            <a:schemeClr val="dk1"/>
-                          </a:solidFill>
-                          <a:latin typeface="+mn-lt"/>
-                          <a:ea typeface="+mn-ea"/>
-                          <a:cs typeface="+mn-cs"/>
-                        </a:rPr>
-                        <a:t>469</a:t>
-                      </a:r>
-                      <a:r>
-                        <a:rPr lang="en-US" sz="1800" kern="1200" dirty="0" smtClean="0">
-                          <a:solidFill>
-                            <a:schemeClr val="dk1"/>
-                          </a:solidFill>
-                          <a:latin typeface="+mn-lt"/>
-                          <a:ea typeface="+mn-ea"/>
-                          <a:cs typeface="+mn-cs"/>
-                        </a:rPr>
-                        <a:t>.</a:t>
-                      </a:r>
-                      <a:r>
-                        <a:rPr lang="ru-RU" sz="1800" kern="1200" dirty="0" smtClean="0">
-                          <a:solidFill>
-                            <a:schemeClr val="dk1"/>
-                          </a:solidFill>
-                          <a:latin typeface="+mn-lt"/>
-                          <a:ea typeface="+mn-ea"/>
-                          <a:cs typeface="+mn-cs"/>
-                        </a:rPr>
-                        <a:t>8</a:t>
-                      </a:r>
-                      <a:r>
-                        <a:rPr lang="en-US" sz="1800" kern="1200" dirty="0" smtClean="0">
-                          <a:solidFill>
-                            <a:schemeClr val="dk1"/>
-                          </a:solidFill>
-                          <a:latin typeface="+mn-lt"/>
-                          <a:ea typeface="+mn-ea"/>
-                          <a:cs typeface="+mn-cs"/>
-                        </a:rPr>
-                        <a:t>3</a:t>
-                      </a:r>
-                      <a:endParaRPr lang="ru-RU" dirty="0"/>
-                    </a:p>
-                  </a:txBody>
-                  <a:tcPr/>
-                </a:tc>
-              </a:tr>
-              <a:tr h="370840">
-                <a:tc>
-                  <a:txBody>
-                    <a:bodyPr/>
-                    <a:lstStyle/>
-                    <a:p>
-                      <a:pPr algn="ctr"/>
-                      <a:r>
-                        <a:rPr lang="en-US" sz="1800" b="1" i="1" kern="1200" dirty="0" err="1" smtClean="0">
-                          <a:solidFill>
-                            <a:schemeClr val="dk1"/>
-                          </a:solidFill>
-                          <a:latin typeface="+mn-lt"/>
-                          <a:ea typeface="+mn-ea"/>
-                          <a:cs typeface="+mn-cs"/>
-                        </a:rPr>
-                        <a:t>ImageRotation</a:t>
-                      </a:r>
-                      <a:endParaRPr lang="ru-RU" b="1" dirty="0"/>
-                    </a:p>
-                  </a:txBody>
-                  <a:tcPr/>
-                </a:tc>
-                <a:tc>
-                  <a:txBody>
-                    <a:bodyPr/>
-                    <a:lstStyle/>
-                    <a:p>
-                      <a:pPr algn="ctr"/>
-                      <a:r>
-                        <a:rPr lang="ru-RU" sz="1800" kern="1200" dirty="0" smtClean="0">
-                          <a:solidFill>
-                            <a:schemeClr val="dk1"/>
-                          </a:solidFill>
-                          <a:latin typeface="+mn-lt"/>
-                          <a:ea typeface="+mn-ea"/>
-                          <a:cs typeface="+mn-cs"/>
-                        </a:rPr>
-                        <a:t>16</a:t>
-                      </a:r>
-                      <a:r>
-                        <a:rPr lang="en-US" sz="1800" kern="1200" dirty="0" smtClean="0">
-                          <a:solidFill>
-                            <a:schemeClr val="dk1"/>
-                          </a:solidFill>
-                          <a:latin typeface="+mn-lt"/>
-                          <a:ea typeface="+mn-ea"/>
-                          <a:cs typeface="+mn-cs"/>
-                        </a:rPr>
-                        <a:t>.</a:t>
-                      </a:r>
-                      <a:r>
-                        <a:rPr lang="ru-RU" sz="1800" kern="1200" dirty="0" smtClean="0">
-                          <a:solidFill>
-                            <a:schemeClr val="dk1"/>
-                          </a:solidFill>
-                          <a:latin typeface="+mn-lt"/>
-                          <a:ea typeface="+mn-ea"/>
-                          <a:cs typeface="+mn-cs"/>
-                        </a:rPr>
-                        <a:t>73</a:t>
-                      </a:r>
-                      <a:endParaRPr lang="ru-RU" dirty="0"/>
-                    </a:p>
-                  </a:txBody>
-                  <a:tcPr/>
-                </a:tc>
-                <a:tc>
-                  <a:txBody>
-                    <a:bodyPr/>
-                    <a:lstStyle/>
-                    <a:p>
-                      <a:pPr algn="ctr"/>
-                      <a:r>
-                        <a:rPr lang="ru-RU" sz="1800" kern="1200" dirty="0" smtClean="0">
-                          <a:solidFill>
-                            <a:schemeClr val="dk1"/>
-                          </a:solidFill>
-                          <a:latin typeface="+mn-lt"/>
-                          <a:ea typeface="+mn-ea"/>
-                          <a:cs typeface="+mn-cs"/>
-                        </a:rPr>
-                        <a:t>295</a:t>
-                      </a:r>
-                      <a:r>
-                        <a:rPr lang="en-US" sz="1800" kern="1200" dirty="0" smtClean="0">
-                          <a:solidFill>
-                            <a:schemeClr val="dk1"/>
-                          </a:solidFill>
-                          <a:latin typeface="+mn-lt"/>
-                          <a:ea typeface="+mn-ea"/>
-                          <a:cs typeface="+mn-cs"/>
-                        </a:rPr>
-                        <a:t>.15</a:t>
-                      </a:r>
-                      <a:endParaRPr lang="ru-RU" dirty="0"/>
-                    </a:p>
-                  </a:txBody>
-                  <a:tcPr/>
-                </a:tc>
-              </a:tr>
-              <a:tr h="370840">
-                <a:tc>
-                  <a:txBody>
-                    <a:bodyPr/>
-                    <a:lstStyle/>
-                    <a:p>
-                      <a:pPr algn="ctr"/>
-                      <a:r>
-                        <a:rPr lang="en-US" sz="1800" b="1" i="1" kern="1200" dirty="0" err="1" smtClean="0">
-                          <a:solidFill>
-                            <a:schemeClr val="dk1"/>
-                          </a:solidFill>
-                          <a:latin typeface="+mn-lt"/>
-                          <a:ea typeface="+mn-ea"/>
-                          <a:cs typeface="+mn-cs"/>
-                        </a:rPr>
-                        <a:t>ConvolutionMask</a:t>
-                      </a:r>
-                      <a:endParaRPr lang="ru-RU" b="1" dirty="0"/>
-                    </a:p>
-                  </a:txBody>
-                  <a:tcPr/>
-                </a:tc>
-                <a:tc>
-                  <a:txBody>
-                    <a:bodyPr/>
-                    <a:lstStyle/>
-                    <a:p>
-                      <a:pPr algn="ctr"/>
-                      <a:r>
-                        <a:rPr lang="ru-RU" sz="1800" kern="1200" dirty="0" smtClean="0">
-                          <a:solidFill>
-                            <a:schemeClr val="dk1"/>
-                          </a:solidFill>
-                          <a:latin typeface="+mn-lt"/>
-                          <a:ea typeface="+mn-ea"/>
-                          <a:cs typeface="+mn-cs"/>
-                        </a:rPr>
-                        <a:t>80</a:t>
-                      </a:r>
-                      <a:r>
-                        <a:rPr lang="en-US" sz="1800" kern="1200" dirty="0" smtClean="0">
-                          <a:solidFill>
-                            <a:schemeClr val="dk1"/>
-                          </a:solidFill>
-                          <a:latin typeface="+mn-lt"/>
-                          <a:ea typeface="+mn-ea"/>
-                          <a:cs typeface="+mn-cs"/>
-                        </a:rPr>
-                        <a:t>.</a:t>
-                      </a:r>
-                      <a:r>
-                        <a:rPr lang="ru-RU" sz="1800" kern="1200" dirty="0" smtClean="0">
-                          <a:solidFill>
-                            <a:schemeClr val="dk1"/>
-                          </a:solidFill>
-                          <a:latin typeface="+mn-lt"/>
-                          <a:ea typeface="+mn-ea"/>
-                          <a:cs typeface="+mn-cs"/>
-                        </a:rPr>
-                        <a:t>16</a:t>
-                      </a:r>
-                      <a:endParaRPr lang="ru-RU" dirty="0"/>
-                    </a:p>
-                  </a:txBody>
-                  <a:tcPr/>
-                </a:tc>
-                <a:tc>
-                  <a:txBody>
-                    <a:bodyPr/>
-                    <a:lstStyle/>
-                    <a:p>
-                      <a:pPr algn="ctr"/>
-                      <a:r>
-                        <a:rPr lang="ru-RU" sz="1800" kern="1200" dirty="0" smtClean="0">
-                          <a:solidFill>
-                            <a:schemeClr val="dk1"/>
-                          </a:solidFill>
-                          <a:latin typeface="+mn-lt"/>
-                          <a:ea typeface="+mn-ea"/>
-                          <a:cs typeface="+mn-cs"/>
-                        </a:rPr>
-                        <a:t>198</a:t>
-                      </a:r>
-                      <a:r>
-                        <a:rPr lang="en-US" sz="1800" kern="1200" dirty="0" smtClean="0">
-                          <a:solidFill>
-                            <a:schemeClr val="dk1"/>
-                          </a:solidFill>
-                          <a:latin typeface="+mn-lt"/>
-                          <a:ea typeface="+mn-ea"/>
-                          <a:cs typeface="+mn-cs"/>
-                        </a:rPr>
-                        <a:t>.21</a:t>
-                      </a:r>
-                      <a:endParaRPr lang="ru-RU" dirty="0"/>
-                    </a:p>
-                  </a:txBody>
-                  <a:tcPr/>
-                </a:tc>
-              </a:tr>
-              <a:tr h="370840">
-                <a:tc>
-                  <a:txBody>
-                    <a:bodyPr/>
-                    <a:lstStyle/>
-                    <a:p>
-                      <a:pPr algn="ctr"/>
-                      <a:r>
-                        <a:rPr lang="en-US" sz="1800" b="1" i="1" kern="1200" dirty="0" err="1" smtClean="0">
-                          <a:solidFill>
-                            <a:schemeClr val="dk1"/>
-                          </a:solidFill>
-                          <a:latin typeface="+mn-lt"/>
-                          <a:ea typeface="+mn-ea"/>
-                          <a:cs typeface="+mn-cs"/>
-                        </a:rPr>
-                        <a:t>FilteringImage</a:t>
-                      </a:r>
-                      <a:r>
-                        <a:rPr lang="ru-RU" sz="1800" b="1" i="1" kern="1200" dirty="0" smtClean="0">
-                          <a:solidFill>
-                            <a:schemeClr val="dk1"/>
-                          </a:solidFill>
-                          <a:latin typeface="+mn-lt"/>
-                          <a:ea typeface="+mn-ea"/>
-                          <a:cs typeface="+mn-cs"/>
-                        </a:rPr>
-                        <a:t> (размер окна фильтрации 3х3)</a:t>
-                      </a:r>
-                      <a:endParaRPr lang="ru-RU" b="1" dirty="0"/>
-                    </a:p>
-                  </a:txBody>
-                  <a:tcPr/>
-                </a:tc>
-                <a:tc>
-                  <a:txBody>
-                    <a:bodyPr/>
-                    <a:lstStyle/>
-                    <a:p>
-                      <a:pPr algn="ctr"/>
-                      <a:r>
-                        <a:rPr lang="ru-RU" sz="1800" kern="1200" dirty="0" smtClean="0">
-                          <a:solidFill>
-                            <a:schemeClr val="dk1"/>
-                          </a:solidFill>
-                          <a:latin typeface="+mn-lt"/>
-                          <a:ea typeface="+mn-ea"/>
-                          <a:cs typeface="+mn-cs"/>
-                        </a:rPr>
-                        <a:t>8</a:t>
-                      </a:r>
-                      <a:r>
-                        <a:rPr lang="en-US" sz="1800" kern="1200" dirty="0" smtClean="0">
-                          <a:solidFill>
-                            <a:schemeClr val="dk1"/>
-                          </a:solidFill>
-                          <a:latin typeface="+mn-lt"/>
-                          <a:ea typeface="+mn-ea"/>
-                          <a:cs typeface="+mn-cs"/>
-                        </a:rPr>
-                        <a:t>.</a:t>
-                      </a:r>
-                      <a:r>
-                        <a:rPr lang="ru-RU" sz="1800" kern="1200" dirty="0" smtClean="0">
-                          <a:solidFill>
-                            <a:schemeClr val="dk1"/>
-                          </a:solidFill>
-                          <a:latin typeface="+mn-lt"/>
-                          <a:ea typeface="+mn-ea"/>
-                          <a:cs typeface="+mn-cs"/>
-                        </a:rPr>
-                        <a:t>27</a:t>
-                      </a:r>
-                      <a:endParaRPr lang="ru-RU" dirty="0"/>
-                    </a:p>
-                  </a:txBody>
-                  <a:tcPr/>
-                </a:tc>
-                <a:tc>
-                  <a:txBody>
-                    <a:bodyPr/>
-                    <a:lstStyle/>
-                    <a:p>
-                      <a:pPr algn="ctr"/>
-                      <a:r>
-                        <a:rPr lang="ru-RU" sz="1800" kern="1200" dirty="0" smtClean="0">
-                          <a:solidFill>
-                            <a:schemeClr val="dk1"/>
-                          </a:solidFill>
-                          <a:latin typeface="+mn-lt"/>
-                          <a:ea typeface="+mn-ea"/>
-                          <a:cs typeface="+mn-cs"/>
-                        </a:rPr>
-                        <a:t>13</a:t>
-                      </a:r>
-                      <a:r>
-                        <a:rPr lang="en-US" sz="1800" kern="1200" dirty="0" smtClean="0">
-                          <a:solidFill>
-                            <a:schemeClr val="dk1"/>
-                          </a:solidFill>
-                          <a:latin typeface="+mn-lt"/>
-                          <a:ea typeface="+mn-ea"/>
-                          <a:cs typeface="+mn-cs"/>
-                        </a:rPr>
-                        <a:t>.</a:t>
-                      </a:r>
-                      <a:r>
-                        <a:rPr lang="ru-RU" sz="1800" kern="1200" dirty="0" smtClean="0">
-                          <a:solidFill>
-                            <a:schemeClr val="dk1"/>
-                          </a:solidFill>
-                          <a:latin typeface="+mn-lt"/>
-                          <a:ea typeface="+mn-ea"/>
-                          <a:cs typeface="+mn-cs"/>
-                        </a:rPr>
-                        <a:t>28</a:t>
-                      </a:r>
-                      <a:endParaRPr lang="ru-RU" dirty="0"/>
-                    </a:p>
-                  </a:txBody>
-                  <a:tcPr/>
-                </a:tc>
-              </a:tr>
-              <a:tr h="370840">
-                <a:tc>
-                  <a:txBody>
-                    <a:bodyPr/>
-                    <a:lstStyle/>
-                    <a:p>
-                      <a:pPr algn="ctr"/>
-                      <a:r>
-                        <a:rPr lang="en-US" sz="1800" b="1" i="1" kern="1200" dirty="0" err="1" smtClean="0">
-                          <a:solidFill>
-                            <a:schemeClr val="dk1"/>
-                          </a:solidFill>
-                          <a:latin typeface="+mn-lt"/>
-                          <a:ea typeface="+mn-ea"/>
-                          <a:cs typeface="+mn-cs"/>
-                        </a:rPr>
-                        <a:t>FilteringImage</a:t>
-                      </a:r>
-                      <a:r>
-                        <a:rPr lang="ru-RU" sz="1800" b="1" i="1" kern="1200" dirty="0" smtClean="0">
-                          <a:solidFill>
-                            <a:schemeClr val="dk1"/>
-                          </a:solidFill>
-                          <a:latin typeface="+mn-lt"/>
-                          <a:ea typeface="+mn-ea"/>
-                          <a:cs typeface="+mn-cs"/>
-                        </a:rPr>
-                        <a:t> (размер окна фильтрации 5х5)</a:t>
-                      </a:r>
-                      <a:endParaRPr lang="ru-RU" b="1" dirty="0"/>
-                    </a:p>
-                  </a:txBody>
-                  <a:tcPr/>
-                </a:tc>
-                <a:tc>
-                  <a:txBody>
-                    <a:bodyPr/>
-                    <a:lstStyle/>
-                    <a:p>
-                      <a:pPr algn="ctr"/>
-                      <a:r>
-                        <a:rPr lang="ru-RU" sz="1800" kern="1200" dirty="0" smtClean="0">
-                          <a:solidFill>
-                            <a:schemeClr val="dk1"/>
-                          </a:solidFill>
-                          <a:latin typeface="+mn-lt"/>
-                          <a:ea typeface="+mn-ea"/>
-                          <a:cs typeface="+mn-cs"/>
-                        </a:rPr>
-                        <a:t>1.46</a:t>
-                      </a:r>
-                      <a:endParaRPr lang="ru-RU" dirty="0"/>
-                    </a:p>
-                  </a:txBody>
-                  <a:tcPr/>
-                </a:tc>
-                <a:tc>
-                  <a:txBody>
-                    <a:bodyPr/>
-                    <a:lstStyle/>
-                    <a:p>
-                      <a:pPr algn="ctr"/>
-                      <a:r>
-                        <a:rPr lang="ru-RU" sz="1800" kern="1200" dirty="0" smtClean="0">
-                          <a:solidFill>
-                            <a:schemeClr val="dk1"/>
-                          </a:solidFill>
-                          <a:latin typeface="+mn-lt"/>
-                          <a:ea typeface="+mn-ea"/>
-                          <a:cs typeface="+mn-cs"/>
-                        </a:rPr>
-                        <a:t>8.10</a:t>
-                      </a:r>
-                      <a:endParaRPr lang="ru-RU" dirty="0"/>
-                    </a:p>
-                  </a:txBody>
-                  <a:tcPr/>
-                </a:tc>
-              </a:tr>
-              <a:tr h="370840">
-                <a:tc>
-                  <a:txBody>
-                    <a:bodyPr/>
-                    <a:lstStyle/>
-                    <a:p>
-                      <a:pPr algn="ctr"/>
-                      <a:r>
-                        <a:rPr lang="en-US" sz="1800" b="1" i="1" kern="1200" dirty="0" err="1" smtClean="0">
-                          <a:solidFill>
-                            <a:schemeClr val="dk1"/>
-                          </a:solidFill>
-                          <a:latin typeface="+mn-lt"/>
-                          <a:ea typeface="+mn-ea"/>
-                          <a:cs typeface="+mn-cs"/>
-                        </a:rPr>
-                        <a:t>FilteringImage</a:t>
-                      </a:r>
-                      <a:r>
-                        <a:rPr lang="ru-RU" sz="1800" b="1" i="1" kern="1200" dirty="0" smtClean="0">
-                          <a:solidFill>
-                            <a:schemeClr val="dk1"/>
-                          </a:solidFill>
-                          <a:latin typeface="+mn-lt"/>
-                          <a:ea typeface="+mn-ea"/>
-                          <a:cs typeface="+mn-cs"/>
-                        </a:rPr>
-                        <a:t> (вид </a:t>
-                      </a:r>
-                      <a:r>
-                        <a:rPr lang="ru-RU" sz="1800" b="1" i="1" kern="1200" dirty="0" err="1" smtClean="0">
-                          <a:solidFill>
-                            <a:schemeClr val="dk1"/>
-                          </a:solidFill>
-                          <a:latin typeface="+mn-lt"/>
-                          <a:ea typeface="+mn-ea"/>
-                          <a:cs typeface="+mn-cs"/>
-                        </a:rPr>
-                        <a:t>окна-крест</a:t>
-                      </a:r>
-                      <a:r>
-                        <a:rPr lang="ru-RU" sz="1800" b="1" i="1" kern="1200" dirty="0" smtClean="0">
-                          <a:solidFill>
-                            <a:schemeClr val="dk1"/>
-                          </a:solidFill>
-                          <a:latin typeface="+mn-lt"/>
-                          <a:ea typeface="+mn-ea"/>
-                          <a:cs typeface="+mn-cs"/>
-                        </a:rPr>
-                        <a:t> размер окна фильтрации 7х7)</a:t>
-                      </a:r>
-                      <a:endParaRPr lang="ru-RU" b="1" dirty="0"/>
-                    </a:p>
-                  </a:txBody>
-                  <a:tcPr/>
-                </a:tc>
-                <a:tc>
-                  <a:txBody>
-                    <a:bodyPr/>
-                    <a:lstStyle/>
-                    <a:p>
-                      <a:pPr algn="ctr"/>
-                      <a:r>
-                        <a:rPr lang="ru-RU" sz="1800" kern="1200" dirty="0" smtClean="0">
-                          <a:solidFill>
-                            <a:schemeClr val="dk1"/>
-                          </a:solidFill>
-                          <a:latin typeface="+mn-lt"/>
-                          <a:ea typeface="+mn-ea"/>
-                          <a:cs typeface="+mn-cs"/>
-                        </a:rPr>
-                        <a:t>3.81</a:t>
-                      </a:r>
-                      <a:endParaRPr lang="ru-RU" dirty="0"/>
-                    </a:p>
-                  </a:txBody>
-                  <a:tcPr/>
-                </a:tc>
-                <a:tc>
-                  <a:txBody>
-                    <a:bodyPr/>
-                    <a:lstStyle/>
-                    <a:p>
-                      <a:pPr algn="ctr"/>
-                      <a:r>
-                        <a:rPr lang="ru-RU" sz="1800" kern="1200" dirty="0" smtClean="0">
-                          <a:solidFill>
-                            <a:schemeClr val="dk1"/>
-                          </a:solidFill>
-                          <a:latin typeface="+mn-lt"/>
-                          <a:ea typeface="+mn-ea"/>
-                          <a:cs typeface="+mn-cs"/>
-                        </a:rPr>
-                        <a:t>11.44</a:t>
-                      </a:r>
-                      <a:endParaRPr lang="ru-RU" dirty="0"/>
-                    </a:p>
-                  </a:txBody>
-                  <a:tcPr/>
-                </a:tc>
-              </a:tr>
-            </a:tbl>
-          </a:graphicData>
-        </a:graphic>
-      </p:graphicFrame>
-      <p:sp>
-        <p:nvSpPr>
-          <p:cNvPr id="4" name="Номер слайда 3"/>
-          <p:cNvSpPr>
-            <a:spLocks noGrp="1"/>
-          </p:cNvSpPr>
-          <p:nvPr>
-            <p:ph type="sldNum" sz="quarter" idx="12"/>
-          </p:nvPr>
-        </p:nvSpPr>
-        <p:spPr/>
-        <p:txBody>
-          <a:bodyPr/>
-          <a:lstStyle/>
-          <a:p>
-            <a:fld id="{725C68B6-61C2-468F-89AB-4B9F7531AA68}" type="slidenum">
-              <a:rPr lang="ru-RU" smtClean="0"/>
-              <a:pPr/>
-              <a:t>7</a:t>
-            </a:fld>
-            <a:endParaRPr lang="ru-RU"/>
-          </a:p>
-        </p:txBody>
-      </p:sp>
-      <p:sp>
-        <p:nvSpPr>
-          <p:cNvPr id="6" name="Заголовок 1"/>
-          <p:cNvSpPr>
-            <a:spLocks noGrp="1"/>
-          </p:cNvSpPr>
-          <p:nvPr>
-            <p:ph type="title"/>
-          </p:nvPr>
-        </p:nvSpPr>
-        <p:spPr/>
-        <p:style>
-          <a:lnRef idx="1">
-            <a:schemeClr val="accent5"/>
-          </a:lnRef>
-          <a:fillRef idx="2">
-            <a:schemeClr val="accent5"/>
-          </a:fillRef>
-          <a:effectRef idx="1">
-            <a:schemeClr val="accent5"/>
-          </a:effectRef>
-          <a:fontRef idx="minor">
-            <a:schemeClr val="dk1"/>
-          </a:fontRef>
-        </p:style>
-        <p:txBody>
-          <a:bodyPr>
-            <a:normAutofit/>
-          </a:bodyPr>
-          <a:lstStyle/>
-          <a:p>
-            <a:r>
-              <a:rPr lang="ru-RU" sz="4000" dirty="0" smtClean="0"/>
-              <a:t>Результаты тестирования</a:t>
-            </a:r>
-            <a:endParaRPr lang="ru-RU" sz="4000" b="1" dirty="0">
-              <a:latin typeface="Courier New" pitchFamily="49" charset="0"/>
-              <a:cs typeface="Courier New" pitchFamily="49" charset="0"/>
-            </a:endParaRPr>
-          </a:p>
-        </p:txBody>
-      </p:sp>
-    </p:spTree>
-  </p:cSld>
-  <p:clrMapOvr>
-    <a:masterClrMapping/>
-  </p:clrMapOvr>
-  <p:timing>
-    <p:tnLst>
-      <p:par>
-        <p:cTn id="1" dur="indefinite" restart="never" nodeType="tmRoot"/>
-      </p:par>
-    </p:tnLst>
-  </p:timing>
-</p:sld>
-</file>
-
-<file path=ppt/slides/slide8.xml><?xml version="1.0" encoding="utf-8"?>
-<p:sld xmlns:a="http://schemas.openxmlformats.org/drawingml/2006/main" xmlns:r="http://schemas.openxmlformats.org/officeDocument/2006/relationships" xmlns:p="http://schemas.openxmlformats.org/presentationml/2006/main">
-  <p:cSld>
-    <p:spTree>
-      <p:nvGrpSpPr>
-        <p:cNvPr id="1" name=""/>
-        <p:cNvGrpSpPr/>
-        <p:nvPr/>
-      </p:nvGrpSpPr>
-      <p:grpSpPr>
-        <a:xfrm>
-          <a:off x="0" y="0"/>
-          <a:ext cx="0" cy="0"/>
-          <a:chOff x="0" y="0"/>
-          <a:chExt cx="0" cy="0"/>
-        </a:xfrm>
-      </p:grpSpPr>
-      <p:sp>
-        <p:nvSpPr>
-          <p:cNvPr id="2" name="Заголовок 1"/>
-          <p:cNvSpPr>
-            <a:spLocks noGrp="1"/>
-          </p:cNvSpPr>
-          <p:nvPr>
-            <p:ph type="title"/>
-          </p:nvPr>
-        </p:nvSpPr>
-        <p:spPr>
-          <a:xfrm>
-            <a:off x="457200" y="274638"/>
-            <a:ext cx="8229600" cy="868346"/>
-          </a:xfrm>
-        </p:spPr>
-        <p:style>
-          <a:lnRef idx="1">
-            <a:schemeClr val="accent5"/>
-          </a:lnRef>
-          <a:fillRef idx="2">
-            <a:schemeClr val="accent5"/>
-          </a:fillRef>
-          <a:effectRef idx="1">
-            <a:schemeClr val="accent5"/>
-          </a:effectRef>
-          <a:fontRef idx="minor">
-            <a:schemeClr val="dk1"/>
-          </a:fontRef>
-        </p:style>
-        <p:txBody>
-          <a:bodyPr>
-            <a:normAutofit/>
-          </a:bodyPr>
-          <a:lstStyle/>
-          <a:p>
-            <a:r>
-              <a:rPr lang="ru-RU" sz="4000" dirty="0" smtClean="0"/>
-              <a:t>Выводы</a:t>
-            </a:r>
-            <a:endParaRPr lang="ru-RU" sz="4000" dirty="0"/>
-          </a:p>
-        </p:txBody>
-      </p:sp>
-      <p:sp>
-        <p:nvSpPr>
-          <p:cNvPr id="3" name="Содержимое 2"/>
-          <p:cNvSpPr>
-            <a:spLocks noGrp="1"/>
-          </p:cNvSpPr>
-          <p:nvPr>
-            <p:ph idx="1"/>
-          </p:nvPr>
-        </p:nvSpPr>
-        <p:spPr>
-          <a:xfrm>
-            <a:off x="457200" y="1285860"/>
-            <a:ext cx="8401080" cy="5357850"/>
-          </a:xfrm>
-        </p:spPr>
-        <p:txBody>
-          <a:bodyPr>
-            <a:normAutofit lnSpcReduction="10000"/>
-          </a:bodyPr>
-          <a:lstStyle/>
-          <a:p>
-            <a:pPr lvl="0"/>
-            <a:r>
-              <a:rPr lang="ru-RU" sz="2000" dirty="0" smtClean="0"/>
-              <a:t>Разработана библиотека функций обработки изображений на графическом процессоре с применением технологии </a:t>
-            </a:r>
-            <a:r>
-              <a:rPr lang="en-US" sz="2000" dirty="0" smtClean="0"/>
-              <a:t>C</a:t>
-            </a:r>
-            <a:r>
-              <a:rPr lang="ru-RU" sz="2000" dirty="0" smtClean="0"/>
-              <a:t>++ </a:t>
-            </a:r>
-            <a:r>
-              <a:rPr lang="en-US" sz="2000" dirty="0" smtClean="0"/>
-              <a:t>AMP</a:t>
-            </a:r>
-            <a:r>
-              <a:rPr lang="ru-RU" sz="2000" dirty="0" smtClean="0"/>
-              <a:t>. </a:t>
-            </a:r>
-          </a:p>
-          <a:p>
-            <a:pPr lvl="0"/>
-            <a:endParaRPr lang="ru-RU" sz="2000" dirty="0" smtClean="0"/>
-          </a:p>
-          <a:p>
-            <a:pPr lvl="0"/>
-            <a:r>
-              <a:rPr lang="ru-RU" sz="2000" dirty="0" smtClean="0"/>
-              <a:t>Разработано приложение с графическим интерфейсом пользователя для демонстрации работоспособности функций библиотеки, с возможностью исполнения разработанных алгоритмов, как на графическом, так и на центральном процессоре. </a:t>
-            </a:r>
-          </a:p>
-          <a:p>
-            <a:pPr lvl="0"/>
-            <a:endParaRPr lang="ru-RU" sz="2000" dirty="0" smtClean="0"/>
-          </a:p>
-          <a:p>
-            <a:pPr lvl="0"/>
-            <a:r>
-              <a:rPr lang="ru-RU" sz="2000" dirty="0" smtClean="0"/>
-              <a:t>Изучены возможности и потенциал технологии </a:t>
-            </a:r>
-            <a:r>
-              <a:rPr lang="en-US" sz="2000" dirty="0" smtClean="0"/>
-              <a:t>GPGPU </a:t>
-            </a:r>
-            <a:r>
-              <a:rPr lang="ru-RU" sz="2000" dirty="0" smtClean="0"/>
-              <a:t>— </a:t>
-            </a:r>
-            <a:r>
-              <a:rPr lang="en-US" sz="2000" dirty="0" smtClean="0"/>
-              <a:t>C</a:t>
-            </a:r>
-            <a:r>
-              <a:rPr lang="ru-RU" sz="2000" dirty="0" smtClean="0"/>
-              <a:t>++ </a:t>
-            </a:r>
-            <a:r>
-              <a:rPr lang="en-US" sz="2000" dirty="0" smtClean="0"/>
-              <a:t>AMP</a:t>
-            </a:r>
-            <a:r>
-              <a:rPr lang="ru-RU" sz="2000" dirty="0" smtClean="0"/>
-              <a:t>. Возможности этой технологии испытаны в демонстрационной программе, и результаты тестирования позволяют сделать заключения о целесообразности применения подобных технологий, в частности </a:t>
-            </a:r>
-            <a:r>
-              <a:rPr lang="en-US" sz="2000" dirty="0" smtClean="0"/>
-              <a:t>C</a:t>
-            </a:r>
-            <a:r>
-              <a:rPr lang="ru-RU" sz="2000" dirty="0" smtClean="0"/>
-              <a:t>++ </a:t>
-            </a:r>
-            <a:r>
-              <a:rPr lang="en-US" sz="2000" dirty="0" smtClean="0"/>
-              <a:t>AMP</a:t>
-            </a:r>
-            <a:r>
-              <a:rPr lang="ru-RU" sz="2000" dirty="0" smtClean="0"/>
-              <a:t>, для наиболее эффективного использования всех возможностей современных процессоров и технологий.</a:t>
-            </a:r>
-          </a:p>
-          <a:p>
-            <a:endParaRPr lang="ru-RU" dirty="0"/>
-          </a:p>
-        </p:txBody>
-      </p:sp>
-      <p:sp>
-        <p:nvSpPr>
-          <p:cNvPr id="4" name="Номер слайда 3"/>
-          <p:cNvSpPr>
-            <a:spLocks noGrp="1"/>
-          </p:cNvSpPr>
-          <p:nvPr>
-            <p:ph type="sldNum" sz="quarter" idx="12"/>
-          </p:nvPr>
-        </p:nvSpPr>
-        <p:spPr/>
-        <p:txBody>
-          <a:bodyPr/>
-          <a:lstStyle/>
-          <a:p>
-            <a:fld id="{725C68B6-61C2-468F-89AB-4B9F7531AA68}" type="slidenum">
-              <a:rPr lang="ru-RU" smtClean="0"/>
-              <a:pPr/>
-              <a:t>8</a:t>
-            </a:fld>
-            <a:endParaRPr lang="ru-RU"/>
-          </a:p>
-        </p:txBody>
-      </p:sp>
-    </p:spTree>
-  </p:cSld>
-  <p:clrMapOvr>
-    <a:masterClrMapping/>
-  </p:clrMapOvr>
-  <p:timing>
-    <p:tnLst>
-      <p:par>
-        <p:cTn id="1" dur="indefinite" restart="never" nodeType="tmRoot"/>
-      </p:par>
-    </p:tnLst>
-  </p:timing>
-</p:sld>
-</file>
-
-<file path=ppt/slides/slide9.xml><?xml version="1.0" encoding="utf-8"?>
-<p:sld xmlns:a="http://schemas.openxmlformats.org/drawingml/2006/main" xmlns:r="http://schemas.openxmlformats.org/officeDocument/2006/relationships" xmlns:p="http://schemas.openxmlformats.org/presentationml/2006/main">
-  <p:cSld>
-    <p:spTree>
-      <p:nvGrpSpPr>
-        <p:cNvPr id="1" name=""/>
-        <p:cNvGrpSpPr/>
-        <p:nvPr/>
-      </p:nvGrpSpPr>
-      <p:grpSpPr>
-        <a:xfrm>
-          <a:off x="0" y="0"/>
-          <a:ext cx="0" cy="0"/>
-          <a:chOff x="0" y="0"/>
-          <a:chExt cx="0" cy="0"/>
-        </a:xfrm>
-      </p:grpSpPr>
       <p:sp>
         <p:nvSpPr>
           <p:cNvPr id="2" name="Заголовок 1"/>
@@ -6143,7 +4881,7 @@
             <a:fld id="{725C68B6-61C2-468F-89AB-4B9F7531AA68}" type="slidenum">
               <a:rPr lang="ru-RU" smtClean="0"/>
               <a:pPr/>
-              <a:t>9</a:t>
+              <a:t>7</a:t>
             </a:fld>
             <a:endParaRPr lang="ru-RU"/>
           </a:p>
@@ -6205,18 +4943,53 @@
         <a:srgbClr val="800080"/>
       </a:folHlink>
     </a:clrScheme>
-    <a:fontScheme name="Яркая">
+    <a:fontScheme name="Стандартная">
       <a:majorFont>
-        <a:latin typeface="Century Gothic"/>
+        <a:latin typeface="Calibri"/>
         <a:ea typeface=""/>
         <a:cs typeface=""/>
-        <a:font script="Jpan" typeface="HGｺﾞｼｯｸM"/>
-        <a:font script="Hang" typeface="HY중고딕"/>
-        <a:font script="Hans" typeface="幼圆"/>
-        <a:font script="Hant" typeface="微軟正黑體"/>
-        <a:font script="Arab" typeface="Tahoma"/>
-        <a:font script="Hebr" typeface="Gisha"/>
-        <a:font script="Thai" typeface="DilleniaUPC"/>
+        <a:font script="Jpan" typeface="ＭＳ Ｐゴシック"/>
+        <a:font script="Hang" typeface="맑은 고딕"/>
+        <a:font script="Hans" typeface="宋体"/>
+        <a:font script="Hant" typeface="新細明體"/>
+        <a:font script="Arab" typeface="Times New Roman"/>
+        <a:font script="Hebr" typeface="Times New Roman"/>
+        <a:font script="Thai" typeface="Angsana New"/>
+        <a:font script="Ethi" typeface="Nyala"/>
+        <a:font script="Beng" typeface="Vrinda"/>
+        <a:font script="Gujr" typeface="Shruti"/>
+        <a:font script="Khmr" typeface="MoolBoran"/>
+        <a:font script="Knda" typeface="Tunga"/>
+        <a:font script="Guru" typeface="Raavi"/>
+        <a:font script="Cans" typeface="Euphemia"/>
+        <a:font script="Cher" typeface="Plantagenet Cherokee"/>
+        <a:font script="Yiii" typeface="Microsoft Yi Baiti"/>
+        <a:font script="Tibt" typeface="Microsoft Himalaya"/>
+        <a:font script="Thaa" typeface="MV Boli"/>
+        <a:font script="Deva" typeface="Mangal"/>
+        <a:font script="Telu" typeface="Gautami"/>
+        <a:font script="Taml" typeface="Latha"/>
+        <a:font script="Syrc" typeface="Estrangelo Edessa"/>
+        <a:font script="Orya" typeface="Kalinga"/>
+        <a:font script="Mlym" typeface="Kartika"/>
+        <a:font script="Laoo" typeface="DokChampa"/>
+        <a:font script="Sinh" typeface="Iskoola Pota"/>
+        <a:font script="Mong" typeface="Mongolian Baiti"/>
+        <a:font script="Viet" typeface="Times New Roman"/>
+        <a:font script="Uigh" typeface="Microsoft Uighur"/>
+        <a:font script="Geor" typeface="Sylfaen"/>
+      </a:majorFont>
+      <a:minorFont>
+        <a:latin typeface="Calibri"/>
+        <a:ea typeface=""/>
+        <a:cs typeface=""/>
+        <a:font script="Jpan" typeface="ＭＳ Ｐゴシック"/>
+        <a:font script="Hang" typeface="맑은 고딕"/>
+        <a:font script="Hans" typeface="宋体"/>
+        <a:font script="Hant" typeface="新細明體"/>
+        <a:font script="Arab" typeface="Arial"/>
+        <a:font script="Hebr" typeface="Arial"/>
+        <a:font script="Thai" typeface="Cordia New"/>
         <a:font script="Ethi" typeface="Nyala"/>
         <a:font script="Beng" typeface="Vrinda"/>
         <a:font script="Gujr" typeface="Shruti"/>
@@ -6237,42 +5010,9 @@
         <a:font script="Laoo" typeface="DokChampa"/>
         <a:font script="Sinh" typeface="Iskoola Pota"/>
         <a:font script="Mong" typeface="Mongolian Baiti"/>
-        <a:font script="Viet" typeface="Tahoma"/>
+        <a:font script="Viet" typeface="Arial"/>
         <a:font script="Uigh" typeface="Microsoft Uighur"/>
-      </a:majorFont>
-      <a:minorFont>
-        <a:latin typeface="Century Gothic"/>
-        <a:ea typeface=""/>
-        <a:cs typeface=""/>
-        <a:font script="Jpan" typeface="ＭＳ ゴシック"/>
-        <a:font script="Hang" typeface="HY중고딕"/>
-        <a:font script="Hans" typeface="幼圆"/>
-        <a:font script="Hant" typeface="微軟正黑體"/>
-        <a:font script="Arab" typeface="Tahoma"/>
-        <a:font script="Hebr" typeface="Gisha"/>
-        <a:font script="Thai" typeface="DilleniaUPC"/>
-        <a:font script="Ethi" typeface="Nyala"/>
-        <a:font script="Beng" typeface="Vrinda"/>
-        <a:font script="Gujr" typeface="Shruti"/>
-        <a:font script="Khmr" typeface="DaunPenh"/>
-        <a:font script="Knda" typeface="Tunga"/>
-        <a:font script="Guru" typeface="Raavi"/>
-        <a:font script="Cans" typeface="Euphemia"/>
-        <a:font script="Cher" typeface="Plantagenet Cherokee"/>
-        <a:font script="Yiii" typeface="Microsoft Yi Baiti"/>
-        <a:font script="Tibt" typeface="Microsoft Himalaya"/>
-        <a:font script="Thaa" typeface="MV Boli"/>
-        <a:font script="Deva" typeface="Mangal"/>
-        <a:font script="Telu" typeface="Gautami"/>
-        <a:font script="Taml" typeface="Latha"/>
-        <a:font script="Syrc" typeface="Estrangelo Edessa"/>
-        <a:font script="Orya" typeface="Kalinga"/>
-        <a:font script="Mlym" typeface="Kartika"/>
-        <a:font script="Laoo" typeface="DokChampa"/>
-        <a:font script="Sinh" typeface="Iskoola Pota"/>
-        <a:font script="Mong" typeface="Mongolian Baiti"/>
-        <a:font script="Viet" typeface="Verdana"/>
-        <a:font script="Uigh" typeface="Microsoft Uighur"/>
+        <a:font script="Geor" typeface="Sylfaen"/>
       </a:minorFont>
     </a:fontScheme>
     <a:fmtScheme name="Стандартная">

--- a/Diplom/Презентация.pptx
+++ b/Diplom/Презентация.pptx
@@ -5,16 +5,26 @@
     <p:sldMasterId id="2147483804" r:id="rId1"/>
   </p:sldMasterIdLst>
   <p:notesMasterIdLst>
-    <p:notesMasterId r:id="rId9"/>
+    <p:notesMasterId r:id="rId19"/>
   </p:notesMasterIdLst>
   <p:sldIdLst>
     <p:sldId id="256" r:id="rId2"/>
     <p:sldId id="273" r:id="rId3"/>
     <p:sldId id="257" r:id="rId4"/>
-    <p:sldId id="274" r:id="rId5"/>
-    <p:sldId id="260" r:id="rId6"/>
-    <p:sldId id="267" r:id="rId7"/>
-    <p:sldId id="268" r:id="rId8"/>
+    <p:sldId id="277" r:id="rId5"/>
+    <p:sldId id="274" r:id="rId6"/>
+    <p:sldId id="275" r:id="rId7"/>
+    <p:sldId id="276" r:id="rId8"/>
+    <p:sldId id="260" r:id="rId9"/>
+    <p:sldId id="278" r:id="rId10"/>
+    <p:sldId id="279" r:id="rId11"/>
+    <p:sldId id="280" r:id="rId12"/>
+    <p:sldId id="281" r:id="rId13"/>
+    <p:sldId id="282" r:id="rId14"/>
+    <p:sldId id="283" r:id="rId15"/>
+    <p:sldId id="284" r:id="rId16"/>
+    <p:sldId id="267" r:id="rId17"/>
+    <p:sldId id="268" r:id="rId18"/>
   </p:sldIdLst>
   <p:sldSz cx="9144000" cy="6858000" type="screen4x3"/>
   <p:notesSz cx="6858000" cy="9144000"/>
@@ -121,14 +131,21 @@
             <p14:sldId id="256"/>
             <p14:sldId id="273"/>
             <p14:sldId id="257"/>
+            <p14:sldId id="277"/>
             <p14:sldId id="274"/>
+            <p14:sldId id="275"/>
+            <p14:sldId id="276"/>
             <p14:sldId id="260"/>
+            <p14:sldId id="278"/>
+            <p14:sldId id="279"/>
+            <p14:sldId id="280"/>
+            <p14:sldId id="281"/>
+            <p14:sldId id="282"/>
+            <p14:sldId id="283"/>
+            <p14:sldId id="284"/>
             <p14:sldId id="267"/>
             <p14:sldId id="268"/>
           </p14:sldIdLst>
-        </p14:section>
-        <p14:section name="Раздел без заголовка" id="{F7B13D37-C46B-4FA8-BA5E-477C30341BC4}">
-          <p14:sldIdLst/>
         </p14:section>
       </p14:sectionLst>
     </p:ext>
@@ -162,6 +179,730 @@
     </p:ext>
   </p:extLst>
 </p:presentation>
+</file>
+
+<file path=ppt/charts/chart1.xml><?xml version="1.0" encoding="utf-8"?>
+<c:chartSpace xmlns:c="http://schemas.openxmlformats.org/drawingml/2006/chart" xmlns:a="http://schemas.openxmlformats.org/drawingml/2006/main" xmlns:r="http://schemas.openxmlformats.org/officeDocument/2006/relationships">
+  <c:date1904 val="0"/>
+  <c:lang val="ru-RU"/>
+  <c:roundedCorners val="0"/>
+  <mc:AlternateContent xmlns:mc="http://schemas.openxmlformats.org/markup-compatibility/2006">
+    <mc:Choice xmlns:c14="http://schemas.microsoft.com/office/drawing/2007/8/2/chart" Requires="c14">
+      <c14:style val="102"/>
+    </mc:Choice>
+    <mc:Fallback>
+      <c:style val="2"/>
+    </mc:Fallback>
+  </mc:AlternateContent>
+  <c:chart>
+    <c:title>
+      <c:layout/>
+      <c:overlay val="0"/>
+    </c:title>
+    <c:autoTitleDeleted val="0"/>
+    <c:plotArea>
+      <c:layout/>
+      <c:barChart>
+        <c:barDir val="col"/>
+        <c:grouping val="clustered"/>
+        <c:varyColors val="0"/>
+        <c:ser>
+          <c:idx val="0"/>
+          <c:order val="0"/>
+          <c:tx>
+            <c:strRef>
+              <c:f>Лист1!$B$1</c:f>
+              <c:strCache>
+                <c:ptCount val="1"/>
+                <c:pt idx="0">
+                  <c:v>15%</c:v>
+                </c:pt>
+              </c:strCache>
+            </c:strRef>
+          </c:tx>
+          <c:invertIfNegative val="0"/>
+          <c:dPt>
+            <c:idx val="1"/>
+            <c:invertIfNegative val="0"/>
+            <c:bubble3D val="0"/>
+            <c:spPr>
+              <a:solidFill>
+                <a:schemeClr val="accent2"/>
+              </a:solidFill>
+            </c:spPr>
+          </c:dPt>
+          <c:dPt>
+            <c:idx val="2"/>
+            <c:invertIfNegative val="0"/>
+            <c:bubble3D val="0"/>
+            <c:spPr>
+              <a:solidFill>
+                <a:srgbClr val="FF0000"/>
+              </a:solidFill>
+            </c:spPr>
+          </c:dPt>
+          <c:dPt>
+            <c:idx val="3"/>
+            <c:invertIfNegative val="0"/>
+            <c:bubble3D val="0"/>
+            <c:spPr>
+              <a:solidFill>
+                <a:schemeClr val="accent6">
+                  <a:lumMod val="75000"/>
+                </a:schemeClr>
+              </a:solidFill>
+            </c:spPr>
+          </c:dPt>
+          <c:cat>
+            <c:strRef>
+              <c:f>Лист1!$A$2:$A$5</c:f>
+              <c:strCache>
+                <c:ptCount val="4"/>
+                <c:pt idx="0">
+                  <c:v>CPU</c:v>
+                </c:pt>
+                <c:pt idx="1">
+                  <c:v>GPU</c:v>
+                </c:pt>
+                <c:pt idx="2">
+                  <c:v>CPU &amp; GPU</c:v>
+                </c:pt>
+                <c:pt idx="3">
+                  <c:v>Линейный алгоритм</c:v>
+                </c:pt>
+              </c:strCache>
+            </c:strRef>
+          </c:cat>
+          <c:val>
+            <c:numRef>
+              <c:f>Лист1!$B$2:$B$5</c:f>
+              <c:numCache>
+                <c:formatCode>General</c:formatCode>
+                <c:ptCount val="4"/>
+                <c:pt idx="0">
+                  <c:v>146.899</c:v>
+                </c:pt>
+                <c:pt idx="1">
+                  <c:v>273.904</c:v>
+                </c:pt>
+                <c:pt idx="2">
+                  <c:v>162.92099999999999</c:v>
+                </c:pt>
+                <c:pt idx="3">
+                  <c:v>766.34299999999996</c:v>
+                </c:pt>
+              </c:numCache>
+            </c:numRef>
+          </c:val>
+          <c:extLst xmlns:c16r2="http://schemas.microsoft.com/office/drawing/2015/06/chart">
+            <c:ext xmlns:c16="http://schemas.microsoft.com/office/drawing/2014/chart" uri="{C3380CC4-5D6E-409C-BE32-E72D297353CC}">
+              <c16:uniqueId val="{00000000-8A88-48BE-8F94-B6F6D8DF2E2B}"/>
+            </c:ext>
+          </c:extLst>
+        </c:ser>
+        <c:dLbls>
+          <c:showLegendKey val="0"/>
+          <c:showVal val="0"/>
+          <c:showCatName val="0"/>
+          <c:showSerName val="0"/>
+          <c:showPercent val="0"/>
+          <c:showBubbleSize val="0"/>
+        </c:dLbls>
+        <c:gapWidth val="150"/>
+        <c:axId val="256225280"/>
+        <c:axId val="256226816"/>
+      </c:barChart>
+      <c:catAx>
+        <c:axId val="256225280"/>
+        <c:scaling>
+          <c:orientation val="minMax"/>
+        </c:scaling>
+        <c:delete val="0"/>
+        <c:axPos val="b"/>
+        <c:numFmt formatCode="General" sourceLinked="0"/>
+        <c:majorTickMark val="out"/>
+        <c:minorTickMark val="none"/>
+        <c:tickLblPos val="nextTo"/>
+        <c:crossAx val="256226816"/>
+        <c:crosses val="autoZero"/>
+        <c:auto val="1"/>
+        <c:lblAlgn val="ctr"/>
+        <c:lblOffset val="100"/>
+        <c:noMultiLvlLbl val="0"/>
+      </c:catAx>
+      <c:valAx>
+        <c:axId val="256226816"/>
+        <c:scaling>
+          <c:orientation val="minMax"/>
+        </c:scaling>
+        <c:delete val="0"/>
+        <c:axPos val="l"/>
+        <c:majorGridlines/>
+        <c:numFmt formatCode="General" sourceLinked="1"/>
+        <c:majorTickMark val="out"/>
+        <c:minorTickMark val="none"/>
+        <c:tickLblPos val="nextTo"/>
+        <c:crossAx val="256225280"/>
+        <c:crosses val="autoZero"/>
+        <c:crossBetween val="between"/>
+      </c:valAx>
+    </c:plotArea>
+    <c:legend>
+      <c:legendPos val="r"/>
+      <c:layout/>
+      <c:overlay val="0"/>
+    </c:legend>
+    <c:plotVisOnly val="1"/>
+    <c:dispBlanksAs val="gap"/>
+    <c:showDLblsOverMax val="0"/>
+  </c:chart>
+  <c:externalData r:id="rId1">
+    <c:autoUpdate val="0"/>
+  </c:externalData>
+</c:chartSpace>
+</file>
+
+<file path=ppt/charts/chart2.xml><?xml version="1.0" encoding="utf-8"?>
+<c:chartSpace xmlns:c="http://schemas.openxmlformats.org/drawingml/2006/chart" xmlns:a="http://schemas.openxmlformats.org/drawingml/2006/main" xmlns:r="http://schemas.openxmlformats.org/officeDocument/2006/relationships">
+  <c:date1904 val="0"/>
+  <c:lang val="ru-RU"/>
+  <c:roundedCorners val="0"/>
+  <mc:AlternateContent xmlns:mc="http://schemas.openxmlformats.org/markup-compatibility/2006">
+    <mc:Choice xmlns:c14="http://schemas.microsoft.com/office/drawing/2007/8/2/chart" Requires="c14">
+      <c14:style val="102"/>
+    </mc:Choice>
+    <mc:Fallback>
+      <c:style val="2"/>
+    </mc:Fallback>
+  </mc:AlternateContent>
+  <c:chart>
+    <c:title>
+      <c:layout/>
+      <c:overlay val="0"/>
+    </c:title>
+    <c:autoTitleDeleted val="0"/>
+    <c:plotArea>
+      <c:layout/>
+      <c:barChart>
+        <c:barDir val="col"/>
+        <c:grouping val="clustered"/>
+        <c:varyColors val="0"/>
+        <c:ser>
+          <c:idx val="0"/>
+          <c:order val="0"/>
+          <c:tx>
+            <c:strRef>
+              <c:f>Лист1!$B$1</c:f>
+              <c:strCache>
+                <c:ptCount val="1"/>
+                <c:pt idx="0">
+                  <c:v>50%</c:v>
+                </c:pt>
+              </c:strCache>
+            </c:strRef>
+          </c:tx>
+          <c:invertIfNegative val="0"/>
+          <c:dPt>
+            <c:idx val="1"/>
+            <c:invertIfNegative val="0"/>
+            <c:bubble3D val="0"/>
+            <c:spPr>
+              <a:solidFill>
+                <a:schemeClr val="accent2"/>
+              </a:solidFill>
+            </c:spPr>
+          </c:dPt>
+          <c:dPt>
+            <c:idx val="2"/>
+            <c:invertIfNegative val="0"/>
+            <c:bubble3D val="0"/>
+            <c:spPr>
+              <a:solidFill>
+                <a:srgbClr val="FF0000"/>
+              </a:solidFill>
+            </c:spPr>
+          </c:dPt>
+          <c:dPt>
+            <c:idx val="3"/>
+            <c:invertIfNegative val="0"/>
+            <c:bubble3D val="0"/>
+            <c:spPr>
+              <a:solidFill>
+                <a:schemeClr val="accent6">
+                  <a:lumMod val="75000"/>
+                </a:schemeClr>
+              </a:solidFill>
+            </c:spPr>
+          </c:dPt>
+          <c:cat>
+            <c:strRef>
+              <c:f>Лист1!$A$2:$A$5</c:f>
+              <c:strCache>
+                <c:ptCount val="4"/>
+                <c:pt idx="0">
+                  <c:v>CPU</c:v>
+                </c:pt>
+                <c:pt idx="1">
+                  <c:v>GPU</c:v>
+                </c:pt>
+                <c:pt idx="2">
+                  <c:v>CPU &amp; GPU</c:v>
+                </c:pt>
+                <c:pt idx="3">
+                  <c:v>Линейный алгоритм</c:v>
+                </c:pt>
+              </c:strCache>
+            </c:strRef>
+          </c:cat>
+          <c:val>
+            <c:numRef>
+              <c:f>Лист1!$B$2:$B$5</c:f>
+              <c:numCache>
+                <c:formatCode>General</c:formatCode>
+                <c:ptCount val="4"/>
+                <c:pt idx="0">
+                  <c:v>1186.6020000000001</c:v>
+                </c:pt>
+                <c:pt idx="1">
+                  <c:v>3544.0970000000002</c:v>
+                </c:pt>
+                <c:pt idx="2">
+                  <c:v>1773.1410000000001</c:v>
+                </c:pt>
+                <c:pt idx="3">
+                  <c:v>5128.2839999999997</c:v>
+                </c:pt>
+              </c:numCache>
+            </c:numRef>
+          </c:val>
+          <c:extLst xmlns:c16r2="http://schemas.microsoft.com/office/drawing/2015/06/chart">
+            <c:ext xmlns:c16="http://schemas.microsoft.com/office/drawing/2014/chart" uri="{C3380CC4-5D6E-409C-BE32-E72D297353CC}">
+              <c16:uniqueId val="{00000000-29C8-4A96-B0CC-354DB2856E73}"/>
+            </c:ext>
+          </c:extLst>
+        </c:ser>
+        <c:dLbls>
+          <c:showLegendKey val="0"/>
+          <c:showVal val="0"/>
+          <c:showCatName val="0"/>
+          <c:showSerName val="0"/>
+          <c:showPercent val="0"/>
+          <c:showBubbleSize val="0"/>
+        </c:dLbls>
+        <c:gapWidth val="150"/>
+        <c:axId val="256212352"/>
+        <c:axId val="256255104"/>
+      </c:barChart>
+      <c:catAx>
+        <c:axId val="256212352"/>
+        <c:scaling>
+          <c:orientation val="minMax"/>
+        </c:scaling>
+        <c:delete val="0"/>
+        <c:axPos val="b"/>
+        <c:numFmt formatCode="General" sourceLinked="0"/>
+        <c:majorTickMark val="out"/>
+        <c:minorTickMark val="none"/>
+        <c:tickLblPos val="nextTo"/>
+        <c:crossAx val="256255104"/>
+        <c:crosses val="autoZero"/>
+        <c:auto val="1"/>
+        <c:lblAlgn val="ctr"/>
+        <c:lblOffset val="100"/>
+        <c:noMultiLvlLbl val="0"/>
+      </c:catAx>
+      <c:valAx>
+        <c:axId val="256255104"/>
+        <c:scaling>
+          <c:orientation val="minMax"/>
+        </c:scaling>
+        <c:delete val="0"/>
+        <c:axPos val="l"/>
+        <c:majorGridlines/>
+        <c:numFmt formatCode="General" sourceLinked="1"/>
+        <c:majorTickMark val="out"/>
+        <c:minorTickMark val="none"/>
+        <c:tickLblPos val="nextTo"/>
+        <c:crossAx val="256212352"/>
+        <c:crosses val="autoZero"/>
+        <c:crossBetween val="between"/>
+      </c:valAx>
+    </c:plotArea>
+    <c:legend>
+      <c:legendPos val="r"/>
+      <c:layout/>
+      <c:overlay val="0"/>
+    </c:legend>
+    <c:plotVisOnly val="1"/>
+    <c:dispBlanksAs val="gap"/>
+    <c:showDLblsOverMax val="0"/>
+  </c:chart>
+  <c:externalData r:id="rId1">
+    <c:autoUpdate val="0"/>
+  </c:externalData>
+</c:chartSpace>
+</file>
+
+<file path=ppt/charts/chart3.xml><?xml version="1.0" encoding="utf-8"?>
+<c:chartSpace xmlns:c="http://schemas.openxmlformats.org/drawingml/2006/chart" xmlns:a="http://schemas.openxmlformats.org/drawingml/2006/main" xmlns:r="http://schemas.openxmlformats.org/officeDocument/2006/relationships">
+  <c:date1904 val="0"/>
+  <c:lang val="ru-RU"/>
+  <c:roundedCorners val="0"/>
+  <mc:AlternateContent xmlns:mc="http://schemas.openxmlformats.org/markup-compatibility/2006">
+    <mc:Choice xmlns:c14="http://schemas.microsoft.com/office/drawing/2007/8/2/chart" Requires="c14">
+      <c14:style val="102"/>
+    </mc:Choice>
+    <mc:Fallback>
+      <c:style val="2"/>
+    </mc:Fallback>
+  </mc:AlternateContent>
+  <c:chart>
+    <c:title>
+      <c:layout/>
+      <c:overlay val="0"/>
+    </c:title>
+    <c:autoTitleDeleted val="0"/>
+    <c:plotArea>
+      <c:layout/>
+      <c:barChart>
+        <c:barDir val="col"/>
+        <c:grouping val="clustered"/>
+        <c:varyColors val="0"/>
+        <c:ser>
+          <c:idx val="0"/>
+          <c:order val="0"/>
+          <c:tx>
+            <c:strRef>
+              <c:f>Лист1!$B$1</c:f>
+              <c:strCache>
+                <c:ptCount val="1"/>
+                <c:pt idx="0">
+                  <c:v>15%</c:v>
+                </c:pt>
+              </c:strCache>
+            </c:strRef>
+          </c:tx>
+          <c:invertIfNegative val="0"/>
+          <c:dPt>
+            <c:idx val="1"/>
+            <c:invertIfNegative val="0"/>
+            <c:bubble3D val="0"/>
+            <c:spPr>
+              <a:solidFill>
+                <a:schemeClr val="accent2"/>
+              </a:solidFill>
+            </c:spPr>
+          </c:dPt>
+          <c:dPt>
+            <c:idx val="2"/>
+            <c:invertIfNegative val="0"/>
+            <c:bubble3D val="0"/>
+            <c:spPr>
+              <a:solidFill>
+                <a:srgbClr val="FF0000"/>
+              </a:solidFill>
+            </c:spPr>
+          </c:dPt>
+          <c:dPt>
+            <c:idx val="3"/>
+            <c:invertIfNegative val="0"/>
+            <c:bubble3D val="0"/>
+            <c:spPr>
+              <a:solidFill>
+                <a:schemeClr val="accent6">
+                  <a:lumMod val="75000"/>
+                </a:schemeClr>
+              </a:solidFill>
+            </c:spPr>
+          </c:dPt>
+          <c:cat>
+            <c:strRef>
+              <c:f>Лист1!$A$2:$A$5</c:f>
+              <c:strCache>
+                <c:ptCount val="4"/>
+                <c:pt idx="0">
+                  <c:v>CPU</c:v>
+                </c:pt>
+                <c:pt idx="1">
+                  <c:v>GPU</c:v>
+                </c:pt>
+                <c:pt idx="2">
+                  <c:v>CPU &amp; GPU</c:v>
+                </c:pt>
+                <c:pt idx="3">
+                  <c:v>Линейный алгоритм</c:v>
+                </c:pt>
+              </c:strCache>
+            </c:strRef>
+          </c:cat>
+          <c:val>
+            <c:numRef>
+              <c:f>Лист1!$B$2:$B$5</c:f>
+              <c:numCache>
+                <c:formatCode>General</c:formatCode>
+                <c:ptCount val="4"/>
+                <c:pt idx="0">
+                  <c:v>639.55399999999997</c:v>
+                </c:pt>
+                <c:pt idx="1">
+                  <c:v>932.50400000000002</c:v>
+                </c:pt>
+                <c:pt idx="2">
+                  <c:v>492.24700000000001</c:v>
+                </c:pt>
+                <c:pt idx="3">
+                  <c:v>3052.0369999999998</c:v>
+                </c:pt>
+              </c:numCache>
+            </c:numRef>
+          </c:val>
+          <c:extLst xmlns:c16r2="http://schemas.microsoft.com/office/drawing/2015/06/chart">
+            <c:ext xmlns:c16="http://schemas.microsoft.com/office/drawing/2014/chart" uri="{C3380CC4-5D6E-409C-BE32-E72D297353CC}">
+              <c16:uniqueId val="{00000000-1B87-487D-8426-68906CE099A4}"/>
+            </c:ext>
+          </c:extLst>
+        </c:ser>
+        <c:dLbls>
+          <c:showLegendKey val="0"/>
+          <c:showVal val="0"/>
+          <c:showCatName val="0"/>
+          <c:showSerName val="0"/>
+          <c:showPercent val="0"/>
+          <c:showBubbleSize val="0"/>
+        </c:dLbls>
+        <c:gapWidth val="150"/>
+        <c:axId val="157020544"/>
+        <c:axId val="157022464"/>
+      </c:barChart>
+      <c:catAx>
+        <c:axId val="157020544"/>
+        <c:scaling>
+          <c:orientation val="minMax"/>
+        </c:scaling>
+        <c:delete val="0"/>
+        <c:axPos val="b"/>
+        <c:numFmt formatCode="General" sourceLinked="0"/>
+        <c:majorTickMark val="out"/>
+        <c:minorTickMark val="none"/>
+        <c:tickLblPos val="nextTo"/>
+        <c:crossAx val="157022464"/>
+        <c:crosses val="autoZero"/>
+        <c:auto val="1"/>
+        <c:lblAlgn val="ctr"/>
+        <c:lblOffset val="100"/>
+        <c:noMultiLvlLbl val="0"/>
+      </c:catAx>
+      <c:valAx>
+        <c:axId val="157022464"/>
+        <c:scaling>
+          <c:orientation val="minMax"/>
+        </c:scaling>
+        <c:delete val="0"/>
+        <c:axPos val="l"/>
+        <c:majorGridlines/>
+        <c:numFmt formatCode="General" sourceLinked="1"/>
+        <c:majorTickMark val="out"/>
+        <c:minorTickMark val="none"/>
+        <c:tickLblPos val="nextTo"/>
+        <c:crossAx val="157020544"/>
+        <c:crosses val="autoZero"/>
+        <c:crossBetween val="between"/>
+      </c:valAx>
+    </c:plotArea>
+    <c:legend>
+      <c:legendPos val="r"/>
+      <c:layout/>
+      <c:overlay val="0"/>
+    </c:legend>
+    <c:plotVisOnly val="1"/>
+    <c:dispBlanksAs val="gap"/>
+    <c:showDLblsOverMax val="0"/>
+  </c:chart>
+  <c:externalData r:id="rId1">
+    <c:autoUpdate val="0"/>
+  </c:externalData>
+</c:chartSpace>
+</file>
+
+<file path=ppt/charts/chart4.xml><?xml version="1.0" encoding="utf-8"?>
+<c:chartSpace xmlns:c="http://schemas.openxmlformats.org/drawingml/2006/chart" xmlns:a="http://schemas.openxmlformats.org/drawingml/2006/main" xmlns:r="http://schemas.openxmlformats.org/officeDocument/2006/relationships">
+  <c:date1904 val="0"/>
+  <c:lang val="ru-RU"/>
+  <c:roundedCorners val="0"/>
+  <mc:AlternateContent xmlns:mc="http://schemas.openxmlformats.org/markup-compatibility/2006">
+    <mc:Choice xmlns:c14="http://schemas.microsoft.com/office/drawing/2007/8/2/chart" Requires="c14">
+      <c14:style val="102"/>
+    </mc:Choice>
+    <mc:Fallback>
+      <c:style val="2"/>
+    </mc:Fallback>
+  </mc:AlternateContent>
+  <c:chart>
+    <c:title>
+      <c:layout/>
+      <c:overlay val="0"/>
+    </c:title>
+    <c:autoTitleDeleted val="0"/>
+    <c:plotArea>
+      <c:layout/>
+      <c:barChart>
+        <c:barDir val="col"/>
+        <c:grouping val="clustered"/>
+        <c:varyColors val="0"/>
+        <c:ser>
+          <c:idx val="0"/>
+          <c:order val="0"/>
+          <c:tx>
+            <c:strRef>
+              <c:f>Лист1!$B$1</c:f>
+              <c:strCache>
+                <c:ptCount val="1"/>
+                <c:pt idx="0">
+                  <c:v>50%</c:v>
+                </c:pt>
+              </c:strCache>
+            </c:strRef>
+          </c:tx>
+          <c:invertIfNegative val="0"/>
+          <c:dPt>
+            <c:idx val="1"/>
+            <c:invertIfNegative val="0"/>
+            <c:bubble3D val="0"/>
+            <c:spPr>
+              <a:solidFill>
+                <a:schemeClr val="accent2"/>
+              </a:solidFill>
+            </c:spPr>
+          </c:dPt>
+          <c:dPt>
+            <c:idx val="2"/>
+            <c:invertIfNegative val="0"/>
+            <c:bubble3D val="0"/>
+            <c:spPr>
+              <a:solidFill>
+                <a:srgbClr val="FF0000"/>
+              </a:solidFill>
+            </c:spPr>
+          </c:dPt>
+          <c:dPt>
+            <c:idx val="3"/>
+            <c:invertIfNegative val="0"/>
+            <c:bubble3D val="0"/>
+            <c:spPr>
+              <a:solidFill>
+                <a:schemeClr val="accent6">
+                  <a:lumMod val="75000"/>
+                </a:schemeClr>
+              </a:solidFill>
+            </c:spPr>
+          </c:dPt>
+          <c:cat>
+            <c:strRef>
+              <c:f>Лист1!$A$2:$A$5</c:f>
+              <c:strCache>
+                <c:ptCount val="4"/>
+                <c:pt idx="0">
+                  <c:v>CPU</c:v>
+                </c:pt>
+                <c:pt idx="1">
+                  <c:v>GPU</c:v>
+                </c:pt>
+                <c:pt idx="2">
+                  <c:v>CPU &amp; GPU</c:v>
+                </c:pt>
+                <c:pt idx="3">
+                  <c:v>Линейный алгоритм</c:v>
+                </c:pt>
+              </c:strCache>
+            </c:strRef>
+          </c:cat>
+          <c:val>
+            <c:numRef>
+              <c:f>Лист1!$B$2:$B$5</c:f>
+              <c:numCache>
+                <c:formatCode>General</c:formatCode>
+                <c:ptCount val="4"/>
+                <c:pt idx="0">
+                  <c:v>8412.2080000000005</c:v>
+                </c:pt>
+                <c:pt idx="1">
+                  <c:v>14822.143</c:v>
+                </c:pt>
+                <c:pt idx="2">
+                  <c:v>7448.2629999999999</c:v>
+                </c:pt>
+                <c:pt idx="3">
+                  <c:v>30735.625</c:v>
+                </c:pt>
+              </c:numCache>
+            </c:numRef>
+          </c:val>
+          <c:extLst xmlns:c16r2="http://schemas.microsoft.com/office/drawing/2015/06/chart">
+            <c:ext xmlns:c16="http://schemas.microsoft.com/office/drawing/2014/chart" uri="{C3380CC4-5D6E-409C-BE32-E72D297353CC}">
+              <c16:uniqueId val="{00000000-CC9C-41B2-9CA0-8F3874F435CE}"/>
+            </c:ext>
+          </c:extLst>
+        </c:ser>
+        <c:dLbls>
+          <c:showLegendKey val="0"/>
+          <c:showVal val="0"/>
+          <c:showCatName val="0"/>
+          <c:showSerName val="0"/>
+          <c:showPercent val="0"/>
+          <c:showBubbleSize val="0"/>
+        </c:dLbls>
+        <c:gapWidth val="150"/>
+        <c:axId val="147694720"/>
+        <c:axId val="147696256"/>
+      </c:barChart>
+      <c:catAx>
+        <c:axId val="147694720"/>
+        <c:scaling>
+          <c:orientation val="minMax"/>
+        </c:scaling>
+        <c:delete val="0"/>
+        <c:axPos val="b"/>
+        <c:numFmt formatCode="General" sourceLinked="0"/>
+        <c:majorTickMark val="out"/>
+        <c:minorTickMark val="none"/>
+        <c:tickLblPos val="nextTo"/>
+        <c:crossAx val="147696256"/>
+        <c:crosses val="autoZero"/>
+        <c:auto val="1"/>
+        <c:lblAlgn val="ctr"/>
+        <c:lblOffset val="100"/>
+        <c:noMultiLvlLbl val="0"/>
+      </c:catAx>
+      <c:valAx>
+        <c:axId val="147696256"/>
+        <c:scaling>
+          <c:orientation val="minMax"/>
+        </c:scaling>
+        <c:delete val="0"/>
+        <c:axPos val="l"/>
+        <c:majorGridlines/>
+        <c:numFmt formatCode="General" sourceLinked="1"/>
+        <c:majorTickMark val="out"/>
+        <c:minorTickMark val="none"/>
+        <c:tickLblPos val="nextTo"/>
+        <c:crossAx val="147694720"/>
+        <c:crosses val="autoZero"/>
+        <c:crossBetween val="between"/>
+      </c:valAx>
+    </c:plotArea>
+    <c:legend>
+      <c:legendPos val="r"/>
+      <c:layout/>
+      <c:overlay val="0"/>
+    </c:legend>
+    <c:plotVisOnly val="1"/>
+    <c:dispBlanksAs val="gap"/>
+    <c:showDLblsOverMax val="0"/>
+  </c:chart>
+  <c:externalData r:id="rId1">
+    <c:autoUpdate val="0"/>
+  </c:externalData>
+</c:chartSpace>
 </file>
 
 <file path=ppt/notesMasters/notesMaster1.xml><?xml version="1.0" encoding="utf-8"?>
@@ -3929,6 +4670,1443 @@
 </p:sld>
 </file>
 
+<file path=ppt/slides/slide10.xml><?xml version="1.0" encoding="utf-8"?>
+<p:sld xmlns:a="http://schemas.openxmlformats.org/drawingml/2006/main" xmlns:r="http://schemas.openxmlformats.org/officeDocument/2006/relationships" xmlns:p="http://schemas.openxmlformats.org/presentationml/2006/main">
+  <p:cSld>
+    <p:spTree>
+      <p:nvGrpSpPr>
+        <p:cNvPr id="1" name=""/>
+        <p:cNvGrpSpPr/>
+        <p:nvPr/>
+      </p:nvGrpSpPr>
+      <p:grpSpPr>
+        <a:xfrm>
+          <a:off x="0" y="0"/>
+          <a:ext cx="0" cy="0"/>
+          <a:chOff x="0" y="0"/>
+          <a:chExt cx="0" cy="0"/>
+        </a:xfrm>
+      </p:grpSpPr>
+      <p:sp>
+        <p:nvSpPr>
+          <p:cNvPr id="2" name="Заголовок 1"/>
+          <p:cNvSpPr>
+            <a:spLocks noGrp="1"/>
+          </p:cNvSpPr>
+          <p:nvPr>
+            <p:ph type="title"/>
+          </p:nvPr>
+        </p:nvSpPr>
+        <p:spPr>
+          <a:xfrm>
+            <a:off x="457200" y="274638"/>
+            <a:ext cx="8229600" cy="868346"/>
+          </a:xfrm>
+        </p:spPr>
+        <p:style>
+          <a:lnRef idx="1">
+            <a:schemeClr val="accent5"/>
+          </a:lnRef>
+          <a:fillRef idx="2">
+            <a:schemeClr val="accent5"/>
+          </a:fillRef>
+          <a:effectRef idx="1">
+            <a:schemeClr val="accent5"/>
+          </a:effectRef>
+          <a:fontRef idx="minor">
+            <a:schemeClr val="dk1"/>
+          </a:fontRef>
+        </p:style>
+        <p:txBody>
+          <a:bodyPr>
+            <a:normAutofit/>
+          </a:bodyPr>
+          <a:lstStyle/>
+          <a:p>
+            <a:r>
+              <a:rPr lang="ru-RU" sz="4000" dirty="0" smtClean="0"/>
+              <a:t>Результаты работы программы</a:t>
+            </a:r>
+            <a:endParaRPr lang="ru-RU" sz="4000" dirty="0"/>
+          </a:p>
+        </p:txBody>
+      </p:sp>
+      <p:sp>
+        <p:nvSpPr>
+          <p:cNvPr id="3" name="Содержимое 2"/>
+          <p:cNvSpPr>
+            <a:spLocks noGrp="1"/>
+          </p:cNvSpPr>
+          <p:nvPr>
+            <p:ph idx="1"/>
+          </p:nvPr>
+        </p:nvSpPr>
+        <p:spPr>
+          <a:xfrm>
+            <a:off x="457200" y="1285860"/>
+            <a:ext cx="8401080" cy="5357850"/>
+          </a:xfrm>
+        </p:spPr>
+        <p:txBody>
+          <a:bodyPr>
+            <a:normAutofit/>
+          </a:bodyPr>
+          <a:lstStyle/>
+          <a:p>
+            <a:pPr marL="0" indent="0">
+              <a:buNone/>
+            </a:pPr>
+            <a:r>
+              <a:rPr lang="ru-RU" dirty="0"/>
+              <a:t>Результаты фильтрации изображения размером 584</a:t>
+            </a:r>
+            <a:r>
+              <a:rPr lang="en-US" dirty="0"/>
+              <a:t>x</a:t>
+            </a:r>
+            <a:r>
+              <a:rPr lang="ru-RU" dirty="0"/>
+              <a:t>329 </a:t>
+            </a:r>
+            <a:r>
+              <a:rPr lang="en-US" dirty="0" err="1"/>
+              <a:t>px</a:t>
+            </a:r>
+            <a:r>
+              <a:rPr lang="en-US" dirty="0"/>
+              <a:t> </a:t>
+            </a:r>
+            <a:r>
+              <a:rPr lang="ru-RU" dirty="0"/>
+              <a:t>с разным уровнем зашумленности представлены в </a:t>
+            </a:r>
+            <a:r>
+              <a:rPr lang="ru-RU" dirty="0" smtClean="0"/>
+              <a:t>диаграммах </a:t>
+            </a:r>
+            <a:r>
+              <a:rPr lang="ru-RU" dirty="0"/>
+              <a:t>1,2.</a:t>
+            </a:r>
+          </a:p>
+          <a:p>
+            <a:pPr marL="0" indent="0">
+              <a:buNone/>
+            </a:pPr>
+            <a:endParaRPr lang="ru-RU" dirty="0"/>
+          </a:p>
+        </p:txBody>
+      </p:sp>
+      <p:sp>
+        <p:nvSpPr>
+          <p:cNvPr id="4" name="Номер слайда 3"/>
+          <p:cNvSpPr>
+            <a:spLocks noGrp="1"/>
+          </p:cNvSpPr>
+          <p:nvPr>
+            <p:ph type="sldNum" sz="quarter" idx="12"/>
+          </p:nvPr>
+        </p:nvSpPr>
+        <p:spPr/>
+        <p:txBody>
+          <a:bodyPr/>
+          <a:lstStyle/>
+          <a:p>
+            <a:fld id="{725C68B6-61C2-468F-89AB-4B9F7531AA68}" type="slidenum">
+              <a:rPr lang="ru-RU" smtClean="0"/>
+              <a:pPr/>
+              <a:t>10</a:t>
+            </a:fld>
+            <a:endParaRPr lang="ru-RU"/>
+          </a:p>
+        </p:txBody>
+      </p:sp>
+    </p:spTree>
+    <p:extLst>
+      <p:ext uri="{BB962C8B-B14F-4D97-AF65-F5344CB8AC3E}">
+        <p14:creationId xmlns:p14="http://schemas.microsoft.com/office/powerpoint/2010/main" val="373003142"/>
+      </p:ext>
+    </p:extLst>
+  </p:cSld>
+  <p:clrMapOvr>
+    <a:masterClrMapping/>
+  </p:clrMapOvr>
+  <p:timing>
+    <p:tnLst>
+      <p:par>
+        <p:cTn id="1" dur="indefinite" restart="never" nodeType="tmRoot"/>
+      </p:par>
+    </p:tnLst>
+  </p:timing>
+</p:sld>
+</file>
+
+<file path=ppt/slides/slide11.xml><?xml version="1.0" encoding="utf-8"?>
+<p:sld xmlns:a="http://schemas.openxmlformats.org/drawingml/2006/main" xmlns:r="http://schemas.openxmlformats.org/officeDocument/2006/relationships" xmlns:p="http://schemas.openxmlformats.org/presentationml/2006/main">
+  <p:cSld>
+    <p:spTree>
+      <p:nvGrpSpPr>
+        <p:cNvPr id="1" name=""/>
+        <p:cNvGrpSpPr/>
+        <p:nvPr/>
+      </p:nvGrpSpPr>
+      <p:grpSpPr>
+        <a:xfrm>
+          <a:off x="0" y="0"/>
+          <a:ext cx="0" cy="0"/>
+          <a:chOff x="0" y="0"/>
+          <a:chExt cx="0" cy="0"/>
+        </a:xfrm>
+      </p:grpSpPr>
+      <p:sp>
+        <p:nvSpPr>
+          <p:cNvPr id="2" name="Заголовок 1"/>
+          <p:cNvSpPr>
+            <a:spLocks noGrp="1"/>
+          </p:cNvSpPr>
+          <p:nvPr>
+            <p:ph type="title"/>
+          </p:nvPr>
+        </p:nvSpPr>
+        <p:spPr>
+          <a:xfrm>
+            <a:off x="457200" y="274638"/>
+            <a:ext cx="8229600" cy="868346"/>
+          </a:xfrm>
+        </p:spPr>
+        <p:style>
+          <a:lnRef idx="1">
+            <a:schemeClr val="accent5"/>
+          </a:lnRef>
+          <a:fillRef idx="2">
+            <a:schemeClr val="accent5"/>
+          </a:fillRef>
+          <a:effectRef idx="1">
+            <a:schemeClr val="accent5"/>
+          </a:effectRef>
+          <a:fontRef idx="minor">
+            <a:schemeClr val="dk1"/>
+          </a:fontRef>
+        </p:style>
+        <p:txBody>
+          <a:bodyPr>
+            <a:normAutofit/>
+          </a:bodyPr>
+          <a:lstStyle/>
+          <a:p>
+            <a:r>
+              <a:rPr lang="ru-RU" sz="4000" dirty="0" smtClean="0"/>
+              <a:t>Результаты работы программы</a:t>
+            </a:r>
+            <a:endParaRPr lang="ru-RU" sz="4000" dirty="0"/>
+          </a:p>
+        </p:txBody>
+      </p:sp>
+      <p:sp>
+        <p:nvSpPr>
+          <p:cNvPr id="3" name="Содержимое 2"/>
+          <p:cNvSpPr>
+            <a:spLocks noGrp="1"/>
+          </p:cNvSpPr>
+          <p:nvPr>
+            <p:ph idx="1"/>
+          </p:nvPr>
+        </p:nvSpPr>
+        <p:spPr>
+          <a:xfrm>
+            <a:off x="457200" y="1285860"/>
+            <a:ext cx="8401080" cy="5357850"/>
+          </a:xfrm>
+        </p:spPr>
+        <p:txBody>
+          <a:bodyPr>
+            <a:normAutofit/>
+          </a:bodyPr>
+          <a:lstStyle/>
+          <a:p>
+            <a:pPr marL="0" indent="0">
+              <a:buNone/>
+            </a:pPr>
+            <a:endParaRPr lang="ru-RU" dirty="0" smtClean="0"/>
+          </a:p>
+          <a:p>
+            <a:pPr marL="0" indent="0">
+              <a:buNone/>
+            </a:pPr>
+            <a:endParaRPr lang="ru-RU" dirty="0"/>
+          </a:p>
+        </p:txBody>
+      </p:sp>
+      <p:sp>
+        <p:nvSpPr>
+          <p:cNvPr id="4" name="Номер слайда 3"/>
+          <p:cNvSpPr>
+            <a:spLocks noGrp="1"/>
+          </p:cNvSpPr>
+          <p:nvPr>
+            <p:ph type="sldNum" sz="quarter" idx="12"/>
+          </p:nvPr>
+        </p:nvSpPr>
+        <p:spPr/>
+        <p:txBody>
+          <a:bodyPr/>
+          <a:lstStyle/>
+          <a:p>
+            <a:fld id="{725C68B6-61C2-468F-89AB-4B9F7531AA68}" type="slidenum">
+              <a:rPr lang="ru-RU" smtClean="0"/>
+              <a:pPr/>
+              <a:t>11</a:t>
+            </a:fld>
+            <a:endParaRPr lang="ru-RU"/>
+          </a:p>
+        </p:txBody>
+      </p:sp>
+      <p:graphicFrame>
+        <p:nvGraphicFramePr>
+          <p:cNvPr id="5" name="Диаграмма 4"/>
+          <p:cNvGraphicFramePr/>
+          <p:nvPr>
+            <p:extLst>
+              <p:ext uri="{D42A27DB-BD31-4B8C-83A1-F6EECF244321}">
+                <p14:modId xmlns:p14="http://schemas.microsoft.com/office/powerpoint/2010/main" val="248075369"/>
+              </p:ext>
+            </p:extLst>
+          </p:nvPr>
+        </p:nvGraphicFramePr>
+        <p:xfrm>
+          <a:off x="467544" y="1340768"/>
+          <a:ext cx="8208912" cy="3816424"/>
+        </p:xfrm>
+        <a:graphic>
+          <a:graphicData uri="http://schemas.openxmlformats.org/drawingml/2006/chart">
+            <c:chart xmlns:c="http://schemas.openxmlformats.org/drawingml/2006/chart" xmlns:r="http://schemas.openxmlformats.org/officeDocument/2006/relationships" r:id="rId2"/>
+          </a:graphicData>
+        </a:graphic>
+      </p:graphicFrame>
+      <p:sp>
+        <p:nvSpPr>
+          <p:cNvPr id="6" name="Прямоугольник 5"/>
+          <p:cNvSpPr/>
+          <p:nvPr/>
+        </p:nvSpPr>
+        <p:spPr>
+          <a:xfrm>
+            <a:off x="2286000" y="5301208"/>
+            <a:ext cx="4572000" cy="923330"/>
+          </a:xfrm>
+          <a:prstGeom prst="rect">
+            <a:avLst/>
+          </a:prstGeom>
+        </p:spPr>
+        <p:txBody>
+          <a:bodyPr>
+            <a:spAutoFit/>
+          </a:bodyPr>
+          <a:lstStyle/>
+          <a:p>
+            <a:r>
+              <a:rPr lang="ru-RU" dirty="0"/>
+              <a:t>Диаграмма 1. Результаты фильтрации изображения размером 584</a:t>
+            </a:r>
+            <a:r>
+              <a:rPr lang="en-US" dirty="0"/>
+              <a:t>x</a:t>
+            </a:r>
+            <a:r>
+              <a:rPr lang="ru-RU" dirty="0"/>
+              <a:t>329 </a:t>
+            </a:r>
+            <a:r>
+              <a:rPr lang="en-US" dirty="0" err="1"/>
+              <a:t>px</a:t>
+            </a:r>
+            <a:r>
+              <a:rPr lang="ru-RU" dirty="0"/>
+              <a:t> при зашумленности 15%</a:t>
+            </a:r>
+          </a:p>
+        </p:txBody>
+      </p:sp>
+    </p:spTree>
+    <p:extLst>
+      <p:ext uri="{BB962C8B-B14F-4D97-AF65-F5344CB8AC3E}">
+        <p14:creationId xmlns:p14="http://schemas.microsoft.com/office/powerpoint/2010/main" val="1505119090"/>
+      </p:ext>
+    </p:extLst>
+  </p:cSld>
+  <p:clrMapOvr>
+    <a:masterClrMapping/>
+  </p:clrMapOvr>
+  <p:timing>
+    <p:tnLst>
+      <p:par>
+        <p:cTn id="1" dur="indefinite" restart="never" nodeType="tmRoot"/>
+      </p:par>
+    </p:tnLst>
+  </p:timing>
+</p:sld>
+</file>
+
+<file path=ppt/slides/slide12.xml><?xml version="1.0" encoding="utf-8"?>
+<p:sld xmlns:a="http://schemas.openxmlformats.org/drawingml/2006/main" xmlns:r="http://schemas.openxmlformats.org/officeDocument/2006/relationships" xmlns:p="http://schemas.openxmlformats.org/presentationml/2006/main">
+  <p:cSld>
+    <p:spTree>
+      <p:nvGrpSpPr>
+        <p:cNvPr id="1" name=""/>
+        <p:cNvGrpSpPr/>
+        <p:nvPr/>
+      </p:nvGrpSpPr>
+      <p:grpSpPr>
+        <a:xfrm>
+          <a:off x="0" y="0"/>
+          <a:ext cx="0" cy="0"/>
+          <a:chOff x="0" y="0"/>
+          <a:chExt cx="0" cy="0"/>
+        </a:xfrm>
+      </p:grpSpPr>
+      <p:sp>
+        <p:nvSpPr>
+          <p:cNvPr id="2" name="Заголовок 1"/>
+          <p:cNvSpPr>
+            <a:spLocks noGrp="1"/>
+          </p:cNvSpPr>
+          <p:nvPr>
+            <p:ph type="title"/>
+          </p:nvPr>
+        </p:nvSpPr>
+        <p:spPr>
+          <a:xfrm>
+            <a:off x="457200" y="274638"/>
+            <a:ext cx="8229600" cy="868346"/>
+          </a:xfrm>
+        </p:spPr>
+        <p:style>
+          <a:lnRef idx="1">
+            <a:schemeClr val="accent5"/>
+          </a:lnRef>
+          <a:fillRef idx="2">
+            <a:schemeClr val="accent5"/>
+          </a:fillRef>
+          <a:effectRef idx="1">
+            <a:schemeClr val="accent5"/>
+          </a:effectRef>
+          <a:fontRef idx="minor">
+            <a:schemeClr val="dk1"/>
+          </a:fontRef>
+        </p:style>
+        <p:txBody>
+          <a:bodyPr>
+            <a:normAutofit/>
+          </a:bodyPr>
+          <a:lstStyle/>
+          <a:p>
+            <a:r>
+              <a:rPr lang="ru-RU" sz="4000" dirty="0" smtClean="0"/>
+              <a:t>Результаты работы программы</a:t>
+            </a:r>
+            <a:endParaRPr lang="ru-RU" sz="4000" dirty="0"/>
+          </a:p>
+        </p:txBody>
+      </p:sp>
+      <p:sp>
+        <p:nvSpPr>
+          <p:cNvPr id="3" name="Содержимое 2"/>
+          <p:cNvSpPr>
+            <a:spLocks noGrp="1"/>
+          </p:cNvSpPr>
+          <p:nvPr>
+            <p:ph idx="1"/>
+          </p:nvPr>
+        </p:nvSpPr>
+        <p:spPr>
+          <a:xfrm>
+            <a:off x="457200" y="1285860"/>
+            <a:ext cx="8401080" cy="5357850"/>
+          </a:xfrm>
+        </p:spPr>
+        <p:txBody>
+          <a:bodyPr>
+            <a:normAutofit/>
+          </a:bodyPr>
+          <a:lstStyle/>
+          <a:p>
+            <a:pPr marL="0" indent="0">
+              <a:buNone/>
+            </a:pPr>
+            <a:endParaRPr lang="ru-RU" dirty="0" smtClean="0"/>
+          </a:p>
+          <a:p>
+            <a:pPr marL="0" indent="0">
+              <a:buNone/>
+            </a:pPr>
+            <a:endParaRPr lang="ru-RU" dirty="0"/>
+          </a:p>
+        </p:txBody>
+      </p:sp>
+      <p:sp>
+        <p:nvSpPr>
+          <p:cNvPr id="4" name="Номер слайда 3"/>
+          <p:cNvSpPr>
+            <a:spLocks noGrp="1"/>
+          </p:cNvSpPr>
+          <p:nvPr>
+            <p:ph type="sldNum" sz="quarter" idx="12"/>
+          </p:nvPr>
+        </p:nvSpPr>
+        <p:spPr/>
+        <p:txBody>
+          <a:bodyPr/>
+          <a:lstStyle/>
+          <a:p>
+            <a:fld id="{725C68B6-61C2-468F-89AB-4B9F7531AA68}" type="slidenum">
+              <a:rPr lang="ru-RU" smtClean="0"/>
+              <a:pPr/>
+              <a:t>12</a:t>
+            </a:fld>
+            <a:endParaRPr lang="ru-RU"/>
+          </a:p>
+        </p:txBody>
+      </p:sp>
+      <p:sp>
+        <p:nvSpPr>
+          <p:cNvPr id="6" name="Прямоугольник 5"/>
+          <p:cNvSpPr/>
+          <p:nvPr/>
+        </p:nvSpPr>
+        <p:spPr>
+          <a:xfrm>
+            <a:off x="2286000" y="5301208"/>
+            <a:ext cx="4572000" cy="923330"/>
+          </a:xfrm>
+          <a:prstGeom prst="rect">
+            <a:avLst/>
+          </a:prstGeom>
+        </p:spPr>
+        <p:txBody>
+          <a:bodyPr>
+            <a:spAutoFit/>
+          </a:bodyPr>
+          <a:lstStyle/>
+          <a:p>
+            <a:r>
+              <a:rPr lang="ru-RU" dirty="0"/>
+              <a:t>Диаграмма 2. Результаты фильтрации изображения размером 584</a:t>
+            </a:r>
+            <a:r>
+              <a:rPr lang="en-US" dirty="0"/>
+              <a:t>x</a:t>
+            </a:r>
+            <a:r>
+              <a:rPr lang="ru-RU" dirty="0"/>
+              <a:t>329 </a:t>
+            </a:r>
+            <a:r>
+              <a:rPr lang="en-US" dirty="0" err="1"/>
+              <a:t>px</a:t>
+            </a:r>
+            <a:r>
+              <a:rPr lang="ru-RU" dirty="0"/>
+              <a:t> при зашумленности 50%</a:t>
+            </a:r>
+          </a:p>
+        </p:txBody>
+      </p:sp>
+      <p:graphicFrame>
+        <p:nvGraphicFramePr>
+          <p:cNvPr id="7" name="Диаграмма 6"/>
+          <p:cNvGraphicFramePr/>
+          <p:nvPr>
+            <p:extLst>
+              <p:ext uri="{D42A27DB-BD31-4B8C-83A1-F6EECF244321}">
+                <p14:modId xmlns:p14="http://schemas.microsoft.com/office/powerpoint/2010/main" val="2741555342"/>
+              </p:ext>
+            </p:extLst>
+          </p:nvPr>
+        </p:nvGraphicFramePr>
+        <p:xfrm>
+          <a:off x="467544" y="1340768"/>
+          <a:ext cx="8208912" cy="3960440"/>
+        </p:xfrm>
+        <a:graphic>
+          <a:graphicData uri="http://schemas.openxmlformats.org/drawingml/2006/chart">
+            <c:chart xmlns:c="http://schemas.openxmlformats.org/drawingml/2006/chart" xmlns:r="http://schemas.openxmlformats.org/officeDocument/2006/relationships" r:id="rId2"/>
+          </a:graphicData>
+        </a:graphic>
+      </p:graphicFrame>
+    </p:spTree>
+    <p:extLst>
+      <p:ext uri="{BB962C8B-B14F-4D97-AF65-F5344CB8AC3E}">
+        <p14:creationId xmlns:p14="http://schemas.microsoft.com/office/powerpoint/2010/main" val="3424940842"/>
+      </p:ext>
+    </p:extLst>
+  </p:cSld>
+  <p:clrMapOvr>
+    <a:masterClrMapping/>
+  </p:clrMapOvr>
+  <p:timing>
+    <p:tnLst>
+      <p:par>
+        <p:cTn id="1" dur="indefinite" restart="never" nodeType="tmRoot"/>
+      </p:par>
+    </p:tnLst>
+  </p:timing>
+</p:sld>
+</file>
+
+<file path=ppt/slides/slide13.xml><?xml version="1.0" encoding="utf-8"?>
+<p:sld xmlns:a="http://schemas.openxmlformats.org/drawingml/2006/main" xmlns:r="http://schemas.openxmlformats.org/officeDocument/2006/relationships" xmlns:p="http://schemas.openxmlformats.org/presentationml/2006/main">
+  <p:cSld>
+    <p:spTree>
+      <p:nvGrpSpPr>
+        <p:cNvPr id="1" name=""/>
+        <p:cNvGrpSpPr/>
+        <p:nvPr/>
+      </p:nvGrpSpPr>
+      <p:grpSpPr>
+        <a:xfrm>
+          <a:off x="0" y="0"/>
+          <a:ext cx="0" cy="0"/>
+          <a:chOff x="0" y="0"/>
+          <a:chExt cx="0" cy="0"/>
+        </a:xfrm>
+      </p:grpSpPr>
+      <p:sp>
+        <p:nvSpPr>
+          <p:cNvPr id="2" name="Заголовок 1"/>
+          <p:cNvSpPr>
+            <a:spLocks noGrp="1"/>
+          </p:cNvSpPr>
+          <p:nvPr>
+            <p:ph type="title"/>
+          </p:nvPr>
+        </p:nvSpPr>
+        <p:spPr>
+          <a:xfrm>
+            <a:off x="457200" y="274638"/>
+            <a:ext cx="8229600" cy="868346"/>
+          </a:xfrm>
+        </p:spPr>
+        <p:style>
+          <a:lnRef idx="1">
+            <a:schemeClr val="accent5"/>
+          </a:lnRef>
+          <a:fillRef idx="2">
+            <a:schemeClr val="accent5"/>
+          </a:fillRef>
+          <a:effectRef idx="1">
+            <a:schemeClr val="accent5"/>
+          </a:effectRef>
+          <a:fontRef idx="minor">
+            <a:schemeClr val="dk1"/>
+          </a:fontRef>
+        </p:style>
+        <p:txBody>
+          <a:bodyPr>
+            <a:normAutofit/>
+          </a:bodyPr>
+          <a:lstStyle/>
+          <a:p>
+            <a:r>
+              <a:rPr lang="ru-RU" sz="4000" dirty="0" smtClean="0"/>
+              <a:t>Результаты работы программы</a:t>
+            </a:r>
+            <a:endParaRPr lang="ru-RU" sz="4000" dirty="0"/>
+          </a:p>
+        </p:txBody>
+      </p:sp>
+      <p:sp>
+        <p:nvSpPr>
+          <p:cNvPr id="3" name="Содержимое 2"/>
+          <p:cNvSpPr>
+            <a:spLocks noGrp="1"/>
+          </p:cNvSpPr>
+          <p:nvPr>
+            <p:ph idx="1"/>
+          </p:nvPr>
+        </p:nvSpPr>
+        <p:spPr>
+          <a:xfrm>
+            <a:off x="457200" y="1285860"/>
+            <a:ext cx="8401080" cy="5357850"/>
+          </a:xfrm>
+        </p:spPr>
+        <p:txBody>
+          <a:bodyPr>
+            <a:normAutofit/>
+          </a:bodyPr>
+          <a:lstStyle/>
+          <a:p>
+            <a:pPr marL="0" indent="0">
+              <a:buNone/>
+            </a:pPr>
+            <a:r>
+              <a:rPr lang="ru-RU" dirty="0"/>
+              <a:t>Результаты фильтрации изображения размером 1280</a:t>
+            </a:r>
+            <a:r>
+              <a:rPr lang="en-US" dirty="0"/>
+              <a:t>x</a:t>
+            </a:r>
+            <a:r>
+              <a:rPr lang="ru-RU" dirty="0"/>
+              <a:t>697 </a:t>
+            </a:r>
+            <a:r>
+              <a:rPr lang="en-US" dirty="0" err="1"/>
+              <a:t>px</a:t>
+            </a:r>
+            <a:r>
+              <a:rPr lang="en-US" dirty="0"/>
+              <a:t> </a:t>
+            </a:r>
+            <a:r>
+              <a:rPr lang="ru-RU" dirty="0"/>
+              <a:t>с разным уровнем зашумленности представлены в </a:t>
+            </a:r>
+            <a:r>
+              <a:rPr lang="ru-RU" dirty="0" smtClean="0"/>
+              <a:t>диаграммах </a:t>
+            </a:r>
+            <a:r>
+              <a:rPr lang="ru-RU" dirty="0"/>
+              <a:t>3,4.</a:t>
+            </a:r>
+          </a:p>
+          <a:p>
+            <a:pPr marL="0" indent="0">
+              <a:buNone/>
+            </a:pPr>
+            <a:endParaRPr lang="ru-RU" dirty="0"/>
+          </a:p>
+        </p:txBody>
+      </p:sp>
+      <p:sp>
+        <p:nvSpPr>
+          <p:cNvPr id="4" name="Номер слайда 3"/>
+          <p:cNvSpPr>
+            <a:spLocks noGrp="1"/>
+          </p:cNvSpPr>
+          <p:nvPr>
+            <p:ph type="sldNum" sz="quarter" idx="12"/>
+          </p:nvPr>
+        </p:nvSpPr>
+        <p:spPr/>
+        <p:txBody>
+          <a:bodyPr/>
+          <a:lstStyle/>
+          <a:p>
+            <a:fld id="{725C68B6-61C2-468F-89AB-4B9F7531AA68}" type="slidenum">
+              <a:rPr lang="ru-RU" smtClean="0"/>
+              <a:pPr/>
+              <a:t>13</a:t>
+            </a:fld>
+            <a:endParaRPr lang="ru-RU"/>
+          </a:p>
+        </p:txBody>
+      </p:sp>
+    </p:spTree>
+    <p:extLst>
+      <p:ext uri="{BB962C8B-B14F-4D97-AF65-F5344CB8AC3E}">
+        <p14:creationId xmlns:p14="http://schemas.microsoft.com/office/powerpoint/2010/main" val="1669893989"/>
+      </p:ext>
+    </p:extLst>
+  </p:cSld>
+  <p:clrMapOvr>
+    <a:masterClrMapping/>
+  </p:clrMapOvr>
+  <p:timing>
+    <p:tnLst>
+      <p:par>
+        <p:cTn id="1" dur="indefinite" restart="never" nodeType="tmRoot"/>
+      </p:par>
+    </p:tnLst>
+  </p:timing>
+</p:sld>
+</file>
+
+<file path=ppt/slides/slide14.xml><?xml version="1.0" encoding="utf-8"?>
+<p:sld xmlns:a="http://schemas.openxmlformats.org/drawingml/2006/main" xmlns:r="http://schemas.openxmlformats.org/officeDocument/2006/relationships" xmlns:p="http://schemas.openxmlformats.org/presentationml/2006/main">
+  <p:cSld>
+    <p:spTree>
+      <p:nvGrpSpPr>
+        <p:cNvPr id="1" name=""/>
+        <p:cNvGrpSpPr/>
+        <p:nvPr/>
+      </p:nvGrpSpPr>
+      <p:grpSpPr>
+        <a:xfrm>
+          <a:off x="0" y="0"/>
+          <a:ext cx="0" cy="0"/>
+          <a:chOff x="0" y="0"/>
+          <a:chExt cx="0" cy="0"/>
+        </a:xfrm>
+      </p:grpSpPr>
+      <p:sp>
+        <p:nvSpPr>
+          <p:cNvPr id="2" name="Заголовок 1"/>
+          <p:cNvSpPr>
+            <a:spLocks noGrp="1"/>
+          </p:cNvSpPr>
+          <p:nvPr>
+            <p:ph type="title"/>
+          </p:nvPr>
+        </p:nvSpPr>
+        <p:spPr>
+          <a:xfrm>
+            <a:off x="457200" y="274638"/>
+            <a:ext cx="8229600" cy="868346"/>
+          </a:xfrm>
+        </p:spPr>
+        <p:style>
+          <a:lnRef idx="1">
+            <a:schemeClr val="accent5"/>
+          </a:lnRef>
+          <a:fillRef idx="2">
+            <a:schemeClr val="accent5"/>
+          </a:fillRef>
+          <a:effectRef idx="1">
+            <a:schemeClr val="accent5"/>
+          </a:effectRef>
+          <a:fontRef idx="minor">
+            <a:schemeClr val="dk1"/>
+          </a:fontRef>
+        </p:style>
+        <p:txBody>
+          <a:bodyPr>
+            <a:normAutofit/>
+          </a:bodyPr>
+          <a:lstStyle/>
+          <a:p>
+            <a:r>
+              <a:rPr lang="ru-RU" sz="4000" dirty="0" smtClean="0"/>
+              <a:t>Результаты работы программы</a:t>
+            </a:r>
+            <a:endParaRPr lang="ru-RU" sz="4000" dirty="0"/>
+          </a:p>
+        </p:txBody>
+      </p:sp>
+      <p:sp>
+        <p:nvSpPr>
+          <p:cNvPr id="3" name="Содержимое 2"/>
+          <p:cNvSpPr>
+            <a:spLocks noGrp="1"/>
+          </p:cNvSpPr>
+          <p:nvPr>
+            <p:ph idx="1"/>
+          </p:nvPr>
+        </p:nvSpPr>
+        <p:spPr>
+          <a:xfrm>
+            <a:off x="457200" y="1285860"/>
+            <a:ext cx="8401080" cy="5357850"/>
+          </a:xfrm>
+        </p:spPr>
+        <p:txBody>
+          <a:bodyPr>
+            <a:normAutofit/>
+          </a:bodyPr>
+          <a:lstStyle/>
+          <a:p>
+            <a:pPr marL="0" indent="0">
+              <a:buNone/>
+            </a:pPr>
+            <a:endParaRPr lang="ru-RU" dirty="0" smtClean="0"/>
+          </a:p>
+          <a:p>
+            <a:pPr marL="0" indent="0">
+              <a:buNone/>
+            </a:pPr>
+            <a:endParaRPr lang="ru-RU" dirty="0"/>
+          </a:p>
+        </p:txBody>
+      </p:sp>
+      <p:sp>
+        <p:nvSpPr>
+          <p:cNvPr id="4" name="Номер слайда 3"/>
+          <p:cNvSpPr>
+            <a:spLocks noGrp="1"/>
+          </p:cNvSpPr>
+          <p:nvPr>
+            <p:ph type="sldNum" sz="quarter" idx="12"/>
+          </p:nvPr>
+        </p:nvSpPr>
+        <p:spPr/>
+        <p:txBody>
+          <a:bodyPr/>
+          <a:lstStyle/>
+          <a:p>
+            <a:fld id="{725C68B6-61C2-468F-89AB-4B9F7531AA68}" type="slidenum">
+              <a:rPr lang="ru-RU" smtClean="0"/>
+              <a:pPr/>
+              <a:t>14</a:t>
+            </a:fld>
+            <a:endParaRPr lang="ru-RU"/>
+          </a:p>
+        </p:txBody>
+      </p:sp>
+      <p:sp>
+        <p:nvSpPr>
+          <p:cNvPr id="6" name="Прямоугольник 5"/>
+          <p:cNvSpPr/>
+          <p:nvPr/>
+        </p:nvSpPr>
+        <p:spPr>
+          <a:xfrm>
+            <a:off x="2286000" y="5301208"/>
+            <a:ext cx="4572000" cy="923330"/>
+          </a:xfrm>
+          <a:prstGeom prst="rect">
+            <a:avLst/>
+          </a:prstGeom>
+        </p:spPr>
+        <p:txBody>
+          <a:bodyPr>
+            <a:spAutoFit/>
+          </a:bodyPr>
+          <a:lstStyle/>
+          <a:p>
+            <a:r>
+              <a:rPr lang="ru-RU" dirty="0"/>
+              <a:t>Диаграмма 3. Результаты фильтрации изображения размером 1280</a:t>
+            </a:r>
+            <a:r>
+              <a:rPr lang="en-US" dirty="0"/>
+              <a:t>x</a:t>
+            </a:r>
+            <a:r>
+              <a:rPr lang="ru-RU" dirty="0"/>
+              <a:t>697 </a:t>
+            </a:r>
+            <a:r>
+              <a:rPr lang="en-US" dirty="0" err="1"/>
+              <a:t>px</a:t>
+            </a:r>
+            <a:r>
+              <a:rPr lang="ru-RU" dirty="0"/>
+              <a:t> при зашумленности 15%</a:t>
+            </a:r>
+          </a:p>
+        </p:txBody>
+      </p:sp>
+      <p:graphicFrame>
+        <p:nvGraphicFramePr>
+          <p:cNvPr id="7" name="Диаграмма 6"/>
+          <p:cNvGraphicFramePr/>
+          <p:nvPr>
+            <p:extLst>
+              <p:ext uri="{D42A27DB-BD31-4B8C-83A1-F6EECF244321}">
+                <p14:modId xmlns:p14="http://schemas.microsoft.com/office/powerpoint/2010/main" val="1689123056"/>
+              </p:ext>
+            </p:extLst>
+          </p:nvPr>
+        </p:nvGraphicFramePr>
+        <p:xfrm>
+          <a:off x="467544" y="1268760"/>
+          <a:ext cx="8208912" cy="4032448"/>
+        </p:xfrm>
+        <a:graphic>
+          <a:graphicData uri="http://schemas.openxmlformats.org/drawingml/2006/chart">
+            <c:chart xmlns:c="http://schemas.openxmlformats.org/drawingml/2006/chart" xmlns:r="http://schemas.openxmlformats.org/officeDocument/2006/relationships" r:id="rId2"/>
+          </a:graphicData>
+        </a:graphic>
+      </p:graphicFrame>
+    </p:spTree>
+    <p:extLst>
+      <p:ext uri="{BB962C8B-B14F-4D97-AF65-F5344CB8AC3E}">
+        <p14:creationId xmlns:p14="http://schemas.microsoft.com/office/powerpoint/2010/main" val="1396057827"/>
+      </p:ext>
+    </p:extLst>
+  </p:cSld>
+  <p:clrMapOvr>
+    <a:masterClrMapping/>
+  </p:clrMapOvr>
+  <p:timing>
+    <p:tnLst>
+      <p:par>
+        <p:cTn id="1" dur="indefinite" restart="never" nodeType="tmRoot"/>
+      </p:par>
+    </p:tnLst>
+  </p:timing>
+</p:sld>
+</file>
+
+<file path=ppt/slides/slide15.xml><?xml version="1.0" encoding="utf-8"?>
+<p:sld xmlns:a="http://schemas.openxmlformats.org/drawingml/2006/main" xmlns:r="http://schemas.openxmlformats.org/officeDocument/2006/relationships" xmlns:p="http://schemas.openxmlformats.org/presentationml/2006/main">
+  <p:cSld>
+    <p:spTree>
+      <p:nvGrpSpPr>
+        <p:cNvPr id="1" name=""/>
+        <p:cNvGrpSpPr/>
+        <p:nvPr/>
+      </p:nvGrpSpPr>
+      <p:grpSpPr>
+        <a:xfrm>
+          <a:off x="0" y="0"/>
+          <a:ext cx="0" cy="0"/>
+          <a:chOff x="0" y="0"/>
+          <a:chExt cx="0" cy="0"/>
+        </a:xfrm>
+      </p:grpSpPr>
+      <p:sp>
+        <p:nvSpPr>
+          <p:cNvPr id="2" name="Заголовок 1"/>
+          <p:cNvSpPr>
+            <a:spLocks noGrp="1"/>
+          </p:cNvSpPr>
+          <p:nvPr>
+            <p:ph type="title"/>
+          </p:nvPr>
+        </p:nvSpPr>
+        <p:spPr>
+          <a:xfrm>
+            <a:off x="457200" y="274638"/>
+            <a:ext cx="8229600" cy="868346"/>
+          </a:xfrm>
+        </p:spPr>
+        <p:style>
+          <a:lnRef idx="1">
+            <a:schemeClr val="accent5"/>
+          </a:lnRef>
+          <a:fillRef idx="2">
+            <a:schemeClr val="accent5"/>
+          </a:fillRef>
+          <a:effectRef idx="1">
+            <a:schemeClr val="accent5"/>
+          </a:effectRef>
+          <a:fontRef idx="minor">
+            <a:schemeClr val="dk1"/>
+          </a:fontRef>
+        </p:style>
+        <p:txBody>
+          <a:bodyPr>
+            <a:normAutofit/>
+          </a:bodyPr>
+          <a:lstStyle/>
+          <a:p>
+            <a:r>
+              <a:rPr lang="ru-RU" sz="4000" dirty="0" smtClean="0"/>
+              <a:t>Результаты работы программы</a:t>
+            </a:r>
+            <a:endParaRPr lang="ru-RU" sz="4000" dirty="0"/>
+          </a:p>
+        </p:txBody>
+      </p:sp>
+      <p:sp>
+        <p:nvSpPr>
+          <p:cNvPr id="3" name="Содержимое 2"/>
+          <p:cNvSpPr>
+            <a:spLocks noGrp="1"/>
+          </p:cNvSpPr>
+          <p:nvPr>
+            <p:ph idx="1"/>
+          </p:nvPr>
+        </p:nvSpPr>
+        <p:spPr>
+          <a:xfrm>
+            <a:off x="457200" y="1285860"/>
+            <a:ext cx="8401080" cy="5357850"/>
+          </a:xfrm>
+        </p:spPr>
+        <p:txBody>
+          <a:bodyPr>
+            <a:normAutofit/>
+          </a:bodyPr>
+          <a:lstStyle/>
+          <a:p>
+            <a:pPr marL="0" indent="0">
+              <a:buNone/>
+            </a:pPr>
+            <a:endParaRPr lang="ru-RU" dirty="0" smtClean="0"/>
+          </a:p>
+          <a:p>
+            <a:pPr marL="0" indent="0">
+              <a:buNone/>
+            </a:pPr>
+            <a:endParaRPr lang="ru-RU" dirty="0"/>
+          </a:p>
+        </p:txBody>
+      </p:sp>
+      <p:sp>
+        <p:nvSpPr>
+          <p:cNvPr id="4" name="Номер слайда 3"/>
+          <p:cNvSpPr>
+            <a:spLocks noGrp="1"/>
+          </p:cNvSpPr>
+          <p:nvPr>
+            <p:ph type="sldNum" sz="quarter" idx="12"/>
+          </p:nvPr>
+        </p:nvSpPr>
+        <p:spPr/>
+        <p:txBody>
+          <a:bodyPr/>
+          <a:lstStyle/>
+          <a:p>
+            <a:fld id="{725C68B6-61C2-468F-89AB-4B9F7531AA68}" type="slidenum">
+              <a:rPr lang="ru-RU" smtClean="0"/>
+              <a:pPr/>
+              <a:t>15</a:t>
+            </a:fld>
+            <a:endParaRPr lang="ru-RU"/>
+          </a:p>
+        </p:txBody>
+      </p:sp>
+      <p:sp>
+        <p:nvSpPr>
+          <p:cNvPr id="6" name="Прямоугольник 5"/>
+          <p:cNvSpPr/>
+          <p:nvPr/>
+        </p:nvSpPr>
+        <p:spPr>
+          <a:xfrm>
+            <a:off x="2286000" y="5301208"/>
+            <a:ext cx="4572000" cy="923330"/>
+          </a:xfrm>
+          <a:prstGeom prst="rect">
+            <a:avLst/>
+          </a:prstGeom>
+        </p:spPr>
+        <p:txBody>
+          <a:bodyPr>
+            <a:spAutoFit/>
+          </a:bodyPr>
+          <a:lstStyle/>
+          <a:p>
+            <a:r>
+              <a:rPr lang="ru-RU" dirty="0"/>
+              <a:t>Диаграмма 4. Результаты фильтрации изображения размером 1280</a:t>
+            </a:r>
+            <a:r>
+              <a:rPr lang="en-US" dirty="0"/>
+              <a:t>x</a:t>
+            </a:r>
+            <a:r>
+              <a:rPr lang="ru-RU" dirty="0"/>
+              <a:t>697 </a:t>
+            </a:r>
+            <a:r>
+              <a:rPr lang="en-US" dirty="0" err="1"/>
+              <a:t>px</a:t>
+            </a:r>
+            <a:r>
+              <a:rPr lang="ru-RU" dirty="0"/>
+              <a:t> при зашумленности 50%</a:t>
+            </a:r>
+          </a:p>
+        </p:txBody>
+      </p:sp>
+      <p:graphicFrame>
+        <p:nvGraphicFramePr>
+          <p:cNvPr id="8" name="Диаграмма 7"/>
+          <p:cNvGraphicFramePr/>
+          <p:nvPr>
+            <p:extLst>
+              <p:ext uri="{D42A27DB-BD31-4B8C-83A1-F6EECF244321}">
+                <p14:modId xmlns:p14="http://schemas.microsoft.com/office/powerpoint/2010/main" val="2670002430"/>
+              </p:ext>
+            </p:extLst>
+          </p:nvPr>
+        </p:nvGraphicFramePr>
+        <p:xfrm>
+          <a:off x="467544" y="1268760"/>
+          <a:ext cx="8208912" cy="4032448"/>
+        </p:xfrm>
+        <a:graphic>
+          <a:graphicData uri="http://schemas.openxmlformats.org/drawingml/2006/chart">
+            <c:chart xmlns:c="http://schemas.openxmlformats.org/drawingml/2006/chart" xmlns:r="http://schemas.openxmlformats.org/officeDocument/2006/relationships" r:id="rId2"/>
+          </a:graphicData>
+        </a:graphic>
+      </p:graphicFrame>
+    </p:spTree>
+    <p:extLst>
+      <p:ext uri="{BB962C8B-B14F-4D97-AF65-F5344CB8AC3E}">
+        <p14:creationId xmlns:p14="http://schemas.microsoft.com/office/powerpoint/2010/main" val="2026842249"/>
+      </p:ext>
+    </p:extLst>
+  </p:cSld>
+  <p:clrMapOvr>
+    <a:masterClrMapping/>
+  </p:clrMapOvr>
+  <p:timing>
+    <p:tnLst>
+      <p:par>
+        <p:cTn id="1" dur="indefinite" restart="never" nodeType="tmRoot"/>
+      </p:par>
+    </p:tnLst>
+  </p:timing>
+</p:sld>
+</file>
+
+<file path=ppt/slides/slide16.xml><?xml version="1.0" encoding="utf-8"?>
+<p:sld xmlns:a="http://schemas.openxmlformats.org/drawingml/2006/main" xmlns:r="http://schemas.openxmlformats.org/officeDocument/2006/relationships" xmlns:p="http://schemas.openxmlformats.org/presentationml/2006/main">
+  <p:cSld>
+    <p:spTree>
+      <p:nvGrpSpPr>
+        <p:cNvPr id="1" name=""/>
+        <p:cNvGrpSpPr/>
+        <p:nvPr/>
+      </p:nvGrpSpPr>
+      <p:grpSpPr>
+        <a:xfrm>
+          <a:off x="0" y="0"/>
+          <a:ext cx="0" cy="0"/>
+          <a:chOff x="0" y="0"/>
+          <a:chExt cx="0" cy="0"/>
+        </a:xfrm>
+      </p:grpSpPr>
+      <p:sp>
+        <p:nvSpPr>
+          <p:cNvPr id="2" name="Заголовок 1"/>
+          <p:cNvSpPr>
+            <a:spLocks noGrp="1"/>
+          </p:cNvSpPr>
+          <p:nvPr>
+            <p:ph type="title"/>
+          </p:nvPr>
+        </p:nvSpPr>
+        <p:spPr>
+          <a:xfrm>
+            <a:off x="457200" y="274638"/>
+            <a:ext cx="8229600" cy="868346"/>
+          </a:xfrm>
+        </p:spPr>
+        <p:style>
+          <a:lnRef idx="1">
+            <a:schemeClr val="accent5"/>
+          </a:lnRef>
+          <a:fillRef idx="2">
+            <a:schemeClr val="accent5"/>
+          </a:fillRef>
+          <a:effectRef idx="1">
+            <a:schemeClr val="accent5"/>
+          </a:effectRef>
+          <a:fontRef idx="minor">
+            <a:schemeClr val="dk1"/>
+          </a:fontRef>
+        </p:style>
+        <p:txBody>
+          <a:bodyPr>
+            <a:normAutofit/>
+          </a:bodyPr>
+          <a:lstStyle/>
+          <a:p>
+            <a:r>
+              <a:rPr lang="ru-RU" sz="4000" dirty="0" smtClean="0"/>
+              <a:t>Выводы</a:t>
+            </a:r>
+            <a:endParaRPr lang="ru-RU" sz="4000" dirty="0"/>
+          </a:p>
+        </p:txBody>
+      </p:sp>
+      <p:sp>
+        <p:nvSpPr>
+          <p:cNvPr id="3" name="Содержимое 2"/>
+          <p:cNvSpPr>
+            <a:spLocks noGrp="1"/>
+          </p:cNvSpPr>
+          <p:nvPr>
+            <p:ph idx="1"/>
+          </p:nvPr>
+        </p:nvSpPr>
+        <p:spPr>
+          <a:xfrm>
+            <a:off x="457200" y="1285860"/>
+            <a:ext cx="8401080" cy="5357850"/>
+          </a:xfrm>
+        </p:spPr>
+        <p:txBody>
+          <a:bodyPr>
+            <a:normAutofit fontScale="85000" lnSpcReduction="20000"/>
+          </a:bodyPr>
+          <a:lstStyle/>
+          <a:p>
+            <a:r>
+              <a:rPr lang="ru-RU" dirty="0"/>
+              <a:t>В данной работе была написана программа, использующая технологию </a:t>
+            </a:r>
+            <a:r>
+              <a:rPr lang="ru-RU" dirty="0" err="1"/>
+              <a:t>OpenCL</a:t>
+            </a:r>
+            <a:r>
+              <a:rPr lang="ru-RU" dirty="0"/>
+              <a:t> для реализации гетерогенной вычислительной системы CPU+GPU. </a:t>
+            </a:r>
+            <a:endParaRPr lang="ru-RU" dirty="0" smtClean="0"/>
+          </a:p>
+          <a:p>
+            <a:r>
+              <a:rPr lang="ru-RU" dirty="0" smtClean="0"/>
+              <a:t>Данная </a:t>
+            </a:r>
+            <a:r>
+              <a:rPr lang="ru-RU" dirty="0"/>
+              <a:t>гетерогенная вычислительная система была применена для фильтрации изображения с помощью медианного алгоритма. </a:t>
+            </a:r>
+            <a:endParaRPr lang="ru-RU" dirty="0" smtClean="0"/>
+          </a:p>
+          <a:p>
+            <a:r>
+              <a:rPr lang="ru-RU" dirty="0" smtClean="0"/>
+              <a:t>Результаты </a:t>
+            </a:r>
+            <a:r>
+              <a:rPr lang="ru-RU" dirty="0"/>
+              <a:t>работы программы были проанализированы для различных уровней зашумленности изображения, а также для изображений различных размеров. </a:t>
+            </a:r>
+            <a:endParaRPr lang="ru-RU" dirty="0" smtClean="0"/>
+          </a:p>
+          <a:p>
+            <a:r>
+              <a:rPr lang="ru-RU" dirty="0" smtClean="0"/>
+              <a:t>Исходя </a:t>
+            </a:r>
+            <a:r>
+              <a:rPr lang="ru-RU" dirty="0"/>
+              <a:t>из полученный результатов, следует, что построенная гетерогенная система выполняет работу по фильтрации изображения до 6 раз быстрее, чем если бы мы использовали стандартные средства С++.</a:t>
+            </a:r>
+          </a:p>
+          <a:p>
+            <a:endParaRPr lang="ru-RU" dirty="0"/>
+          </a:p>
+        </p:txBody>
+      </p:sp>
+      <p:sp>
+        <p:nvSpPr>
+          <p:cNvPr id="4" name="Номер слайда 3"/>
+          <p:cNvSpPr>
+            <a:spLocks noGrp="1"/>
+          </p:cNvSpPr>
+          <p:nvPr>
+            <p:ph type="sldNum" sz="quarter" idx="12"/>
+          </p:nvPr>
+        </p:nvSpPr>
+        <p:spPr/>
+        <p:txBody>
+          <a:bodyPr/>
+          <a:lstStyle/>
+          <a:p>
+            <a:fld id="{725C68B6-61C2-468F-89AB-4B9F7531AA68}" type="slidenum">
+              <a:rPr lang="ru-RU" smtClean="0"/>
+              <a:pPr/>
+              <a:t>16</a:t>
+            </a:fld>
+            <a:endParaRPr lang="ru-RU"/>
+          </a:p>
+        </p:txBody>
+      </p:sp>
+    </p:spTree>
+  </p:cSld>
+  <p:clrMapOvr>
+    <a:masterClrMapping/>
+  </p:clrMapOvr>
+  <p:timing>
+    <p:tnLst>
+      <p:par>
+        <p:cTn id="1" dur="indefinite" restart="never" nodeType="tmRoot"/>
+      </p:par>
+    </p:tnLst>
+  </p:timing>
+</p:sld>
+</file>
+
+<file path=ppt/slides/slide17.xml><?xml version="1.0" encoding="utf-8"?>
+<p:sld xmlns:a="http://schemas.openxmlformats.org/drawingml/2006/main" xmlns:r="http://schemas.openxmlformats.org/officeDocument/2006/relationships" xmlns:p="http://schemas.openxmlformats.org/presentationml/2006/main">
+  <p:cSld>
+    <p:spTree>
+      <p:nvGrpSpPr>
+        <p:cNvPr id="1" name=""/>
+        <p:cNvGrpSpPr/>
+        <p:nvPr/>
+      </p:nvGrpSpPr>
+      <p:grpSpPr>
+        <a:xfrm>
+          <a:off x="0" y="0"/>
+          <a:ext cx="0" cy="0"/>
+          <a:chOff x="0" y="0"/>
+          <a:chExt cx="0" cy="0"/>
+        </a:xfrm>
+      </p:grpSpPr>
+      <p:sp>
+        <p:nvSpPr>
+          <p:cNvPr id="2" name="Заголовок 1"/>
+          <p:cNvSpPr>
+            <a:spLocks noGrp="1"/>
+          </p:cNvSpPr>
+          <p:nvPr>
+            <p:ph type="title"/>
+          </p:nvPr>
+        </p:nvSpPr>
+        <p:spPr>
+          <a:xfrm>
+            <a:off x="500034" y="1928802"/>
+            <a:ext cx="8229600" cy="3000396"/>
+          </a:xfrm>
+        </p:spPr>
+        <p:style>
+          <a:lnRef idx="1">
+            <a:schemeClr val="accent5"/>
+          </a:lnRef>
+          <a:fillRef idx="2">
+            <a:schemeClr val="accent5"/>
+          </a:fillRef>
+          <a:effectRef idx="1">
+            <a:schemeClr val="accent5"/>
+          </a:effectRef>
+          <a:fontRef idx="minor">
+            <a:schemeClr val="dk1"/>
+          </a:fontRef>
+        </p:style>
+        <p:txBody>
+          <a:bodyPr/>
+          <a:lstStyle/>
+          <a:p>
+            <a:r>
+              <a:rPr lang="ru-RU" dirty="0" smtClean="0"/>
+              <a:t>Спасибо за внимание</a:t>
+            </a:r>
+            <a:endParaRPr lang="ru-RU" dirty="0"/>
+          </a:p>
+        </p:txBody>
+      </p:sp>
+      <p:sp>
+        <p:nvSpPr>
+          <p:cNvPr id="4" name="Номер слайда 3"/>
+          <p:cNvSpPr>
+            <a:spLocks noGrp="1"/>
+          </p:cNvSpPr>
+          <p:nvPr>
+            <p:ph type="sldNum" sz="quarter" idx="12"/>
+          </p:nvPr>
+        </p:nvSpPr>
+        <p:spPr/>
+        <p:txBody>
+          <a:bodyPr/>
+          <a:lstStyle/>
+          <a:p>
+            <a:fld id="{725C68B6-61C2-468F-89AB-4B9F7531AA68}" type="slidenum">
+              <a:rPr lang="ru-RU" smtClean="0"/>
+              <a:pPr/>
+              <a:t>17</a:t>
+            </a:fld>
+            <a:endParaRPr lang="ru-RU"/>
+          </a:p>
+        </p:txBody>
+      </p:sp>
+    </p:spTree>
+  </p:cSld>
+  <p:clrMapOvr>
+    <a:masterClrMapping/>
+  </p:clrMapOvr>
+  <p:timing>
+    <p:tnLst>
+      <p:par>
+        <p:cTn id="1" dur="indefinite" restart="never" nodeType="tmRoot"/>
+      </p:par>
+    </p:tnLst>
+  </p:timing>
+</p:sld>
+</file>
+
 <file path=ppt/slides/slide2.xml><?xml version="1.0" encoding="utf-8"?>
 <p:sld xmlns:a="http://schemas.openxmlformats.org/drawingml/2006/main" xmlns:r="http://schemas.openxmlformats.org/officeDocument/2006/relationships" xmlns:p="http://schemas.openxmlformats.org/presentationml/2006/main">
   <p:cSld>
@@ -4271,13 +6449,13 @@
         </p:style>
         <p:txBody>
           <a:bodyPr>
-            <a:normAutofit/>
+            <a:normAutofit fontScale="90000"/>
           </a:bodyPr>
           <a:lstStyle/>
           <a:p>
             <a:r>
-              <a:rPr lang="en-US" sz="4000" dirty="0" smtClean="0"/>
-              <a:t>OpenCL</a:t>
+              <a:rPr lang="ru-RU" sz="4000" dirty="0" smtClean="0"/>
+              <a:t>Гетерогенная вычислительная система</a:t>
             </a:r>
             <a:endParaRPr lang="ru-RU" sz="4000" dirty="0"/>
           </a:p>
@@ -4293,7 +6471,12 @@
             <p:ph idx="1"/>
           </p:nvPr>
         </p:nvSpPr>
-        <p:spPr/>
+        <p:spPr>
+          <a:xfrm>
+            <a:off x="467544" y="1556792"/>
+            <a:ext cx="8229600" cy="1468760"/>
+          </a:xfrm>
+        </p:spPr>
         <p:txBody>
           <a:bodyPr>
             <a:normAutofit/>
@@ -4304,34 +6487,9 @@
               <a:buNone/>
             </a:pPr>
             <a:r>
-              <a:rPr lang="en-US" sz="2800" dirty="0"/>
-              <a:t>OpenCL </a:t>
-            </a:r>
-            <a:r>
               <a:rPr lang="ru-RU" sz="2800" dirty="0"/>
-              <a:t>одна из технологий, позволяющая создать гетерогенную вычислительную систему, состоящую из различных процессоров, например </a:t>
-            </a:r>
-            <a:r>
-              <a:rPr lang="en-US" sz="2800" dirty="0"/>
-              <a:t>CPU</a:t>
-            </a:r>
-            <a:r>
-              <a:rPr lang="ru-RU" sz="2800" dirty="0"/>
-              <a:t>+</a:t>
-            </a:r>
-            <a:r>
-              <a:rPr lang="en-US" sz="2800" dirty="0"/>
-              <a:t>GPU</a:t>
-            </a:r>
-            <a:r>
-              <a:rPr lang="ru-RU" sz="2800" dirty="0"/>
-              <a:t>. Эта технология была использована в работе, для разработки ГВС и решения трудоемкой задачи.</a:t>
-            </a:r>
-          </a:p>
-          <a:p>
-            <a:pPr marL="0" indent="0">
-              <a:buNone/>
-            </a:pPr>
+              <a:t>Гетерогенные вычислительные системы - электронные системы, использующие различные типы вычислительных блоков.</a:t>
+            </a:r>
             <a:endParaRPr lang="ru-RU" sz="2800" dirty="0" smtClean="0"/>
           </a:p>
         </p:txBody>
@@ -4363,7 +6521,7 @@
     </p:spTree>
     <p:extLst>
       <p:ext uri="{BB962C8B-B14F-4D97-AF65-F5344CB8AC3E}">
-        <p14:creationId xmlns:p14="http://schemas.microsoft.com/office/powerpoint/2010/main" val="2205571996"/>
+        <p14:creationId xmlns:p14="http://schemas.microsoft.com/office/powerpoint/2010/main" val="666553233"/>
       </p:ext>
     </p:extLst>
   </p:cSld>
@@ -4410,7 +6568,7 @@
         <p:spPr>
           <a:xfrm>
             <a:off x="457200" y="274638"/>
-            <a:ext cx="8229600" cy="1011222"/>
+            <a:ext cx="8229600" cy="1082660"/>
           </a:xfrm>
         </p:spPr>
         <p:style>
@@ -4429,32 +6587,15 @@
         </p:style>
         <p:txBody>
           <a:bodyPr>
-            <a:normAutofit fontScale="90000"/>
+            <a:normAutofit/>
           </a:bodyPr>
           <a:lstStyle/>
           <a:p>
             <a:r>
-              <a:rPr lang="ru-RU" sz="3100" dirty="0" smtClean="0"/>
-              <a:t/>
-            </a:r>
-            <a:br>
-              <a:rPr lang="ru-RU" sz="3100" dirty="0" smtClean="0"/>
-            </a:br>
-            <a:r>
-              <a:rPr lang="ru-RU" sz="3100" dirty="0" smtClean="0"/>
-              <a:t>Алгоритмы обработки изображений</a:t>
-            </a:r>
-            <a:r>
-              <a:rPr lang="ru-RU" sz="3200" b="1" dirty="0" smtClean="0"/>
-              <a:t/>
-            </a:r>
-            <a:br>
-              <a:rPr lang="ru-RU" sz="3200" b="1" dirty="0" smtClean="0"/>
-            </a:br>
-            <a:endParaRPr lang="ru-RU" sz="3200" b="1" dirty="0">
-              <a:latin typeface="Courier New" pitchFamily="49" charset="0"/>
-              <a:cs typeface="Courier New" pitchFamily="49" charset="0"/>
-            </a:endParaRPr>
+              <a:rPr lang="en-US" sz="4000" dirty="0" smtClean="0"/>
+              <a:t>OpenCL</a:t>
+            </a:r>
+            <a:endParaRPr lang="ru-RU" sz="4000" dirty="0"/>
           </a:p>
         </p:txBody>
       </p:sp>
@@ -4468,89 +6609,46 @@
             <p:ph idx="1"/>
           </p:nvPr>
         </p:nvSpPr>
-        <p:spPr>
-          <a:xfrm>
-            <a:off x="457200" y="1500174"/>
-            <a:ext cx="8229600" cy="4857784"/>
-          </a:xfrm>
-        </p:spPr>
+        <p:spPr/>
         <p:txBody>
           <a:bodyPr>
             <a:normAutofit/>
           </a:bodyPr>
           <a:lstStyle/>
           <a:p>
-            <a:r>
-              <a:rPr lang="ru-RU" sz="2000" dirty="0" smtClean="0"/>
-              <a:t>Обработка изображений может осуществляться как для получения изображения на выходе. </a:t>
-            </a:r>
-          </a:p>
-          <a:p>
-            <a:r>
-              <a:rPr lang="ru-RU" sz="2000" dirty="0" smtClean="0"/>
-              <a:t>Кроме статичных двухмерных изображений, обрабатывать требуется также изображения, изменяющиеся со временем, например, видео. </a:t>
-            </a:r>
-          </a:p>
-          <a:p>
-            <a:endParaRPr lang="ru-RU" sz="2000" dirty="0" smtClean="0"/>
-          </a:p>
-          <a:p>
-            <a:pPr>
+            <a:pPr marL="0" indent="0">
               <a:buNone/>
             </a:pPr>
             <a:r>
-              <a:rPr lang="ru-RU" sz="2000" dirty="0" smtClean="0"/>
-              <a:t>	</a:t>
-            </a:r>
-            <a:r>
-              <a:rPr lang="ru-RU" sz="2400" dirty="0" smtClean="0"/>
-              <a:t>Выбранные алгоритмы обработки:</a:t>
-            </a:r>
-          </a:p>
-          <a:p>
-            <a:pPr lvl="1"/>
-            <a:r>
-              <a:rPr lang="ru-RU" sz="1800" dirty="0" smtClean="0"/>
-              <a:t>Преобразование изображение в оттенки серого</a:t>
-            </a:r>
-          </a:p>
-          <a:p>
-            <a:pPr lvl="1"/>
-            <a:r>
-              <a:rPr lang="ru-RU" sz="1800" dirty="0" smtClean="0"/>
-              <a:t>Градиентное изменение ЧБ изображение, негатив</a:t>
-            </a:r>
-          </a:p>
-          <a:p>
-            <a:pPr lvl="1"/>
-            <a:r>
-              <a:rPr lang="ru-RU" sz="1800" dirty="0" smtClean="0"/>
-              <a:t>Свертка изображения с маской</a:t>
-            </a:r>
-          </a:p>
-          <a:p>
-            <a:pPr lvl="1"/>
-            <a:r>
-              <a:rPr lang="ru-RU" sz="1800" dirty="0" smtClean="0"/>
-              <a:t>Поворот </a:t>
-            </a:r>
-          </a:p>
-          <a:p>
-            <a:pPr lvl="1"/>
-            <a:r>
-              <a:rPr lang="ru-RU" sz="1800" dirty="0" smtClean="0"/>
-              <a:t>Линейная фильтрация</a:t>
-            </a:r>
-          </a:p>
-          <a:p>
-            <a:pPr lvl="1"/>
-            <a:r>
-              <a:rPr lang="ru-RU" sz="1800" dirty="0" smtClean="0"/>
-              <a:t>Медианная фильтрация</a:t>
-            </a:r>
-          </a:p>
-          <a:p>
-            <a:endParaRPr lang="ru-RU" sz="2000" dirty="0"/>
+              <a:rPr lang="en-US" sz="2800" dirty="0"/>
+              <a:t>OpenCL </a:t>
+            </a:r>
+            <a:r>
+              <a:rPr lang="ru-RU" sz="2800" dirty="0"/>
+              <a:t>одна из технологий, позволяющая создать гетерогенную вычислительную систему, состоящую из различных процессоров, например </a:t>
+            </a:r>
+            <a:r>
+              <a:rPr lang="en-US" sz="2800" dirty="0"/>
+              <a:t>CPU</a:t>
+            </a:r>
+            <a:r>
+              <a:rPr lang="ru-RU" sz="2800" dirty="0"/>
+              <a:t>+</a:t>
+            </a:r>
+            <a:r>
+              <a:rPr lang="en-US" sz="2800" dirty="0"/>
+              <a:t>GPU</a:t>
+            </a:r>
+            <a:r>
+              <a:rPr lang="ru-RU" sz="2800" dirty="0"/>
+              <a:t>. Эта технология была использована в работе, для разработки ГВС и решения трудоемкой задачи.</a:t>
+            </a:r>
+          </a:p>
+          <a:p>
+            <a:pPr marL="0" indent="0">
+              <a:buNone/>
+            </a:pPr>
+            <a:endParaRPr lang="ru-RU" sz="2800" dirty="0" smtClean="0"/>
           </a:p>
         </p:txBody>
       </p:sp>
@@ -4578,7 +6676,53 @@
           </a:p>
         </p:txBody>
       </p:sp>
+      <p:pic>
+        <p:nvPicPr>
+          <p:cNvPr id="3074" name="Picture 2" descr="C:\Users\ustad\Desktop\AMD_opencl.jpg"/>
+          <p:cNvPicPr>
+            <a:picLocks noChangeAspect="1" noChangeArrowheads="1"/>
+          </p:cNvPicPr>
+          <p:nvPr/>
+        </p:nvPicPr>
+        <p:blipFill>
+          <a:blip r:embed="rId2">
+            <a:extLst>
+              <a:ext uri="{28A0092B-C50C-407E-A947-70E740481C1C}">
+                <a14:useLocalDpi xmlns:a14="http://schemas.microsoft.com/office/drawing/2010/main" val="0"/>
+              </a:ext>
+            </a:extLst>
+          </a:blip>
+          <a:srcRect/>
+          <a:stretch>
+            <a:fillRect/>
+          </a:stretch>
+        </p:blipFill>
+        <p:spPr bwMode="auto">
+          <a:xfrm>
+            <a:off x="2843808" y="4165808"/>
+            <a:ext cx="3024336" cy="2160240"/>
+          </a:xfrm>
+          <a:prstGeom prst="rect">
+            <a:avLst/>
+          </a:prstGeom>
+          <a:noFill/>
+          <a:extLst>
+            <a:ext uri="{909E8E84-426E-40DD-AFC4-6F175D3DCCD1}">
+              <a14:hiddenFill xmlns:a14="http://schemas.microsoft.com/office/drawing/2010/main">
+                <a:solidFill>
+                  <a:srgbClr val="FFFFFF"/>
+                </a:solidFill>
+              </a14:hiddenFill>
+            </a:ext>
+          </a:extLst>
+        </p:spPr>
+      </p:pic>
     </p:spTree>
+    <p:extLst>
+      <p:ext uri="{BB962C8B-B14F-4D97-AF65-F5344CB8AC3E}">
+        <p14:creationId xmlns:p14="http://schemas.microsoft.com/office/powerpoint/2010/main" val="2205571996"/>
+      </p:ext>
+    </p:extLst>
   </p:cSld>
   <p:clrMapOvr>
     <a:masterClrMapping/>
@@ -4623,7 +6767,7 @@
         <p:spPr>
           <a:xfrm>
             <a:off x="457200" y="274638"/>
-            <a:ext cx="8229600" cy="868346"/>
+            <a:ext cx="8229600" cy="1082660"/>
           </a:xfrm>
         </p:spPr>
         <p:style>
@@ -4647,8 +6791,8 @@
           <a:lstStyle/>
           <a:p>
             <a:r>
-              <a:rPr lang="ru-RU" sz="4000" dirty="0" smtClean="0"/>
-              <a:t>Выводы</a:t>
+              <a:rPr lang="en-US" sz="4000" dirty="0" smtClean="0"/>
+              <a:t>OpenCL</a:t>
             </a:r>
             <a:endParaRPr lang="ru-RU" sz="4000" dirty="0"/>
           </a:p>
@@ -4664,104 +6808,120 @@
             <p:ph idx="1"/>
           </p:nvPr>
         </p:nvSpPr>
-        <p:spPr>
-          <a:xfrm>
-            <a:off x="457200" y="1285860"/>
-            <a:ext cx="8401080" cy="5357850"/>
-          </a:xfrm>
-        </p:spPr>
+        <p:spPr/>
         <p:txBody>
           <a:bodyPr>
             <a:normAutofit/>
           </a:bodyPr>
           <a:lstStyle/>
           <a:p>
+            <a:pPr marL="0" indent="0">
+              <a:buNone/>
+            </a:pPr>
+            <a:r>
+              <a:rPr lang="ru-RU" sz="2800" dirty="0"/>
+              <a:t>Для описания основной идеи </a:t>
+            </a:r>
+            <a:r>
+              <a:rPr lang="ru-RU" sz="2800" dirty="0" err="1"/>
+              <a:t>OpenCL</a:t>
+            </a:r>
+            <a:r>
+              <a:rPr lang="ru-RU" sz="2800" dirty="0"/>
+              <a:t> используется иерархия из 4х моделей:</a:t>
+            </a:r>
+          </a:p>
+          <a:p>
             <a:pPr lvl="0"/>
             <a:r>
-              <a:rPr lang="ru-RU" sz="2000" dirty="0" smtClean="0"/>
-              <a:t>Разработана библиотека функций обработки изображений на графическом процессоре с применением технологии </a:t>
-            </a:r>
-            <a:r>
-              <a:rPr lang="en-US" sz="2000" dirty="0" smtClean="0"/>
-              <a:t>C</a:t>
-            </a:r>
-            <a:r>
-              <a:rPr lang="ru-RU" sz="2000" dirty="0" smtClean="0"/>
-              <a:t>++ </a:t>
-            </a:r>
-            <a:r>
-              <a:rPr lang="en-US" sz="2000" dirty="0" smtClean="0"/>
-              <a:t>AMP</a:t>
-            </a:r>
-            <a:r>
-              <a:rPr lang="ru-RU" sz="2000" dirty="0" smtClean="0"/>
-              <a:t>. </a:t>
+              <a:rPr lang="ru-RU" sz="2800" dirty="0"/>
+              <a:t>Модель платформы (</a:t>
+            </a:r>
+            <a:r>
+              <a:rPr lang="ru-RU" sz="2800" dirty="0" err="1"/>
+              <a:t>Platform</a:t>
+            </a:r>
+            <a:r>
+              <a:rPr lang="ru-RU" sz="2800" dirty="0"/>
+              <a:t> </a:t>
+            </a:r>
+            <a:r>
+              <a:rPr lang="ru-RU" sz="2800" dirty="0" err="1"/>
+              <a:t>Model</a:t>
+            </a:r>
+            <a:r>
+              <a:rPr lang="ru-RU" sz="2800" dirty="0"/>
+              <a:t>);</a:t>
             </a:r>
           </a:p>
           <a:p>
             <a:pPr lvl="0"/>
-            <a:endParaRPr lang="ru-RU" sz="2000" dirty="0" smtClean="0"/>
+            <a:r>
+              <a:rPr lang="ru-RU" sz="2800" dirty="0"/>
+              <a:t>Модель памяти (</a:t>
+            </a:r>
+            <a:r>
+              <a:rPr lang="ru-RU" sz="2800" dirty="0" err="1"/>
+              <a:t>Memory</a:t>
+            </a:r>
+            <a:r>
+              <a:rPr lang="ru-RU" sz="2800" dirty="0"/>
+              <a:t> </a:t>
+            </a:r>
+            <a:r>
+              <a:rPr lang="ru-RU" sz="2800" dirty="0" err="1"/>
+              <a:t>Model</a:t>
+            </a:r>
+            <a:r>
+              <a:rPr lang="ru-RU" sz="2800" dirty="0"/>
+              <a:t>);</a:t>
+            </a:r>
           </a:p>
           <a:p>
             <a:pPr lvl="0"/>
             <a:r>
-              <a:rPr lang="ru-RU" sz="2000" dirty="0" smtClean="0"/>
-              <a:t>Разработано приложение с графическим интерфейсом пользователя для демонстрации работоспособности функций библиотеки, с возможностью исполнения разработанных алгоритмов, как на графическом, так и на центральном процессоре. </a:t>
-            </a:r>
-          </a:p>
-          <a:p>
-            <a:pPr lvl="0"/>
-            <a:endParaRPr lang="ru-RU" sz="2000" dirty="0" smtClean="0"/>
-          </a:p>
-          <a:p>
-            <a:pPr lvl="0"/>
-            <a:r>
-              <a:rPr lang="ru-RU" sz="2000" dirty="0" smtClean="0"/>
-              <a:t>Изучены возможности и потенциал технологии </a:t>
-            </a:r>
-            <a:r>
-              <a:rPr lang="en-US" sz="2000" dirty="0" smtClean="0"/>
-              <a:t>GPGPU </a:t>
-            </a:r>
-            <a:r>
-              <a:rPr lang="ru-RU" sz="2000" dirty="0" smtClean="0"/>
-              <a:t>— </a:t>
-            </a:r>
-            <a:r>
-              <a:rPr lang="en-US" sz="2000" dirty="0" smtClean="0"/>
-              <a:t>C</a:t>
-            </a:r>
-            <a:r>
-              <a:rPr lang="ru-RU" sz="2000" dirty="0" smtClean="0"/>
-              <a:t>++ </a:t>
-            </a:r>
-            <a:r>
-              <a:rPr lang="en-US" sz="2000" dirty="0" smtClean="0"/>
-              <a:t>AMP</a:t>
-            </a:r>
-            <a:r>
-              <a:rPr lang="ru-RU" sz="2000" dirty="0" smtClean="0"/>
-              <a:t>. Возможности этой технологии испытаны в демонстрационной программе, и результаты тестирования позволяют сделать заключения о целесообразности применения подобных технологий, в частности </a:t>
-            </a:r>
-            <a:r>
-              <a:rPr lang="en-US" sz="2000" dirty="0" smtClean="0"/>
-              <a:t>C</a:t>
-            </a:r>
-            <a:r>
-              <a:rPr lang="ru-RU" sz="2000" dirty="0" smtClean="0"/>
-              <a:t>++ </a:t>
-            </a:r>
-            <a:r>
-              <a:rPr lang="en-US" sz="2000" dirty="0" smtClean="0"/>
-              <a:t>AMP</a:t>
-            </a:r>
-            <a:r>
-              <a:rPr lang="ru-RU" sz="2000" dirty="0" smtClean="0"/>
-              <a:t>, для наиболее эффективного использования всех возможностей современных процессоров и технологий.</a:t>
-            </a:r>
-          </a:p>
-          <a:p>
-            <a:endParaRPr lang="ru-RU" dirty="0"/>
+              <a:rPr lang="ru-RU" sz="2800" dirty="0"/>
+              <a:t>Модель исполнения (</a:t>
+            </a:r>
+            <a:r>
+              <a:rPr lang="ru-RU" sz="2800" dirty="0" err="1"/>
+              <a:t>Execution</a:t>
+            </a:r>
+            <a:r>
+              <a:rPr lang="ru-RU" sz="2800" dirty="0"/>
+              <a:t> </a:t>
+            </a:r>
+            <a:r>
+              <a:rPr lang="ru-RU" sz="2800" dirty="0" err="1"/>
+              <a:t>Model</a:t>
+            </a:r>
+            <a:r>
+              <a:rPr lang="ru-RU" sz="2800" dirty="0"/>
+              <a:t>);</a:t>
+            </a:r>
+          </a:p>
+          <a:p>
+            <a:r>
+              <a:rPr lang="ru-RU" sz="2800" dirty="0"/>
+              <a:t>Программная модель (</a:t>
+            </a:r>
+            <a:r>
+              <a:rPr lang="ru-RU" sz="2800" dirty="0" err="1"/>
+              <a:t>Programming</a:t>
+            </a:r>
+            <a:r>
+              <a:rPr lang="ru-RU" sz="2800" dirty="0"/>
+              <a:t> </a:t>
+            </a:r>
+            <a:r>
+              <a:rPr lang="ru-RU" sz="2800" dirty="0" err="1"/>
+              <a:t>Model</a:t>
+            </a:r>
+            <a:r>
+              <a:rPr lang="ru-RU" sz="2800" dirty="0"/>
+              <a:t>) </a:t>
+            </a:r>
+            <a:endParaRPr lang="ru-RU" sz="2800" dirty="0" smtClean="0"/>
           </a:p>
         </p:txBody>
       </p:sp>
@@ -4790,6 +6950,11 @@
         </p:txBody>
       </p:sp>
     </p:spTree>
+    <p:extLst>
+      <p:ext uri="{BB962C8B-B14F-4D97-AF65-F5344CB8AC3E}">
+        <p14:creationId xmlns:p14="http://schemas.microsoft.com/office/powerpoint/2010/main" val="1072920999"/>
+      </p:ext>
+    </p:extLst>
   </p:cSld>
   <p:clrMapOvr>
     <a:masterClrMapping/>
@@ -4833,8 +6998,8 @@
         </p:nvSpPr>
         <p:spPr>
           <a:xfrm>
-            <a:off x="500034" y="1928802"/>
-            <a:ext cx="8229600" cy="3000396"/>
+            <a:off x="457200" y="274638"/>
+            <a:ext cx="8229600" cy="1082660"/>
           </a:xfrm>
         </p:spPr>
         <p:style>
@@ -4852,14 +7017,16 @@
           </a:fontRef>
         </p:style>
         <p:txBody>
-          <a:bodyPr/>
-          <a:lstStyle/>
-          <a:p>
-            <a:r>
-              <a:rPr lang="ru-RU" dirty="0" smtClean="0"/>
-              <a:t>Спасибо за внимание</a:t>
-            </a:r>
-            <a:endParaRPr lang="ru-RU" dirty="0"/>
+          <a:bodyPr>
+            <a:normAutofit/>
+          </a:bodyPr>
+          <a:lstStyle/>
+          <a:p>
+            <a:r>
+              <a:rPr lang="en-US" sz="4000" dirty="0" smtClean="0"/>
+              <a:t>OpenCL</a:t>
+            </a:r>
+            <a:endParaRPr lang="ru-RU" sz="4000" dirty="0"/>
           </a:p>
         </p:txBody>
       </p:sp>
@@ -4887,7 +7054,448 @@
           </a:p>
         </p:txBody>
       </p:sp>
+      <p:pic>
+        <p:nvPicPr>
+          <p:cNvPr id="2050" name="Picture 2" descr="D:\lenovo\Универ\Диплом\programs\21430-9_1.png"/>
+          <p:cNvPicPr>
+            <a:picLocks noChangeAspect="1" noChangeArrowheads="1"/>
+          </p:cNvPicPr>
+          <p:nvPr/>
+        </p:nvPicPr>
+        <p:blipFill>
+          <a:blip r:embed="rId2">
+            <a:extLst>
+              <a:ext uri="{28A0092B-C50C-407E-A947-70E740481C1C}">
+                <a14:useLocalDpi xmlns:a14="http://schemas.microsoft.com/office/drawing/2010/main" val="0"/>
+              </a:ext>
+            </a:extLst>
+          </a:blip>
+          <a:srcRect/>
+          <a:stretch>
+            <a:fillRect/>
+          </a:stretch>
+        </p:blipFill>
+        <p:spPr bwMode="auto">
+          <a:xfrm>
+            <a:off x="539552" y="2420888"/>
+            <a:ext cx="4624388" cy="3544887"/>
+          </a:xfrm>
+          <a:prstGeom prst="rect">
+            <a:avLst/>
+          </a:prstGeom>
+          <a:noFill/>
+          <a:extLst>
+            <a:ext uri="{909E8E84-426E-40DD-AFC4-6F175D3DCCD1}">
+              <a14:hiddenFill xmlns:a14="http://schemas.microsoft.com/office/drawing/2010/main">
+                <a:solidFill>
+                  <a:srgbClr val="FFFFFF"/>
+                </a:solidFill>
+              </a14:hiddenFill>
+            </a:ext>
+          </a:extLst>
+        </p:spPr>
+      </p:pic>
+      <p:pic>
+        <p:nvPicPr>
+          <p:cNvPr id="2051" name="Picture 3" descr="D:\lenovo\Универ\Диплом\programs\openclmem.png"/>
+          <p:cNvPicPr>
+            <a:picLocks noChangeAspect="1" noChangeArrowheads="1"/>
+          </p:cNvPicPr>
+          <p:nvPr/>
+        </p:nvPicPr>
+        <p:blipFill>
+          <a:blip r:embed="rId3">
+            <a:extLst>
+              <a:ext uri="{28A0092B-C50C-407E-A947-70E740481C1C}">
+                <a14:useLocalDpi xmlns:a14="http://schemas.microsoft.com/office/drawing/2010/main" val="0"/>
+              </a:ext>
+            </a:extLst>
+          </a:blip>
+          <a:srcRect/>
+          <a:stretch>
+            <a:fillRect/>
+          </a:stretch>
+        </p:blipFill>
+        <p:spPr bwMode="auto">
+          <a:xfrm>
+            <a:off x="5364087" y="2420888"/>
+            <a:ext cx="3365933" cy="3328863"/>
+          </a:xfrm>
+          <a:prstGeom prst="rect">
+            <a:avLst/>
+          </a:prstGeom>
+          <a:noFill/>
+          <a:extLst>
+            <a:ext uri="{909E8E84-426E-40DD-AFC4-6F175D3DCCD1}">
+              <a14:hiddenFill xmlns:a14="http://schemas.microsoft.com/office/drawing/2010/main">
+                <a:solidFill>
+                  <a:srgbClr val="FFFFFF"/>
+                </a:solidFill>
+              </a14:hiddenFill>
+            </a:ext>
+          </a:extLst>
+        </p:spPr>
+      </p:pic>
     </p:spTree>
+    <p:extLst>
+      <p:ext uri="{BB962C8B-B14F-4D97-AF65-F5344CB8AC3E}">
+        <p14:creationId xmlns:p14="http://schemas.microsoft.com/office/powerpoint/2010/main" val="2927678329"/>
+      </p:ext>
+    </p:extLst>
+  </p:cSld>
+  <p:clrMapOvr>
+    <a:masterClrMapping/>
+  </p:clrMapOvr>
+  <p:timing>
+    <p:tnLst>
+      <p:par>
+        <p:cTn id="1" dur="indefinite" restart="never" nodeType="tmRoot"/>
+      </p:par>
+    </p:tnLst>
+  </p:timing>
+</p:sld>
+</file>
+
+<file path=ppt/slides/slide8.xml><?xml version="1.0" encoding="utf-8"?>
+<p:sld xmlns:a="http://schemas.openxmlformats.org/drawingml/2006/main" xmlns:r="http://schemas.openxmlformats.org/officeDocument/2006/relationships" xmlns:p="http://schemas.openxmlformats.org/presentationml/2006/main">
+  <p:cSld>
+    <p:spTree>
+      <p:nvGrpSpPr>
+        <p:cNvPr id="1" name=""/>
+        <p:cNvGrpSpPr/>
+        <p:nvPr/>
+      </p:nvGrpSpPr>
+      <p:grpSpPr>
+        <a:xfrm>
+          <a:off x="0" y="0"/>
+          <a:ext cx="0" cy="0"/>
+          <a:chOff x="0" y="0"/>
+          <a:chExt cx="0" cy="0"/>
+        </a:xfrm>
+      </p:grpSpPr>
+      <p:sp>
+        <p:nvSpPr>
+          <p:cNvPr id="2" name="Заголовок 1"/>
+          <p:cNvSpPr>
+            <a:spLocks noGrp="1"/>
+          </p:cNvSpPr>
+          <p:nvPr>
+            <p:ph type="title"/>
+          </p:nvPr>
+        </p:nvSpPr>
+        <p:spPr>
+          <a:xfrm>
+            <a:off x="457200" y="274638"/>
+            <a:ext cx="8229600" cy="1011222"/>
+          </a:xfrm>
+        </p:spPr>
+        <p:style>
+          <a:lnRef idx="1">
+            <a:schemeClr val="accent5"/>
+          </a:lnRef>
+          <a:fillRef idx="2">
+            <a:schemeClr val="accent5"/>
+          </a:fillRef>
+          <a:effectRef idx="1">
+            <a:schemeClr val="accent5"/>
+          </a:effectRef>
+          <a:fontRef idx="minor">
+            <a:schemeClr val="dk1"/>
+          </a:fontRef>
+        </p:style>
+        <p:txBody>
+          <a:bodyPr>
+            <a:normAutofit fontScale="90000"/>
+          </a:bodyPr>
+          <a:lstStyle/>
+          <a:p>
+            <a:r>
+              <a:rPr lang="ru-RU" sz="3100" dirty="0" smtClean="0"/>
+              <a:t/>
+            </a:r>
+            <a:br>
+              <a:rPr lang="ru-RU" sz="3100" dirty="0" smtClean="0"/>
+            </a:br>
+            <a:r>
+              <a:rPr lang="ru-RU" sz="3100" dirty="0" smtClean="0"/>
+              <a:t>Алгоритм </a:t>
+            </a:r>
+            <a:r>
+              <a:rPr lang="ru-RU" sz="3100" dirty="0" smtClean="0"/>
+              <a:t>обработки </a:t>
+            </a:r>
+            <a:r>
+              <a:rPr lang="ru-RU" sz="3100" dirty="0" smtClean="0"/>
+              <a:t>изображения</a:t>
+            </a:r>
+            <a:r>
+              <a:rPr lang="ru-RU" sz="3200" b="1" dirty="0" smtClean="0"/>
+              <a:t/>
+            </a:r>
+            <a:br>
+              <a:rPr lang="ru-RU" sz="3200" b="1" dirty="0" smtClean="0"/>
+            </a:br>
+            <a:endParaRPr lang="ru-RU" sz="3200" b="1" dirty="0">
+              <a:latin typeface="Courier New" pitchFamily="49" charset="0"/>
+              <a:cs typeface="Courier New" pitchFamily="49" charset="0"/>
+            </a:endParaRPr>
+          </a:p>
+        </p:txBody>
+      </p:sp>
+      <p:sp>
+        <p:nvSpPr>
+          <p:cNvPr id="4" name="Номер слайда 3"/>
+          <p:cNvSpPr>
+            <a:spLocks noGrp="1"/>
+          </p:cNvSpPr>
+          <p:nvPr>
+            <p:ph type="sldNum" sz="quarter" idx="12"/>
+          </p:nvPr>
+        </p:nvSpPr>
+        <p:spPr/>
+        <p:txBody>
+          <a:bodyPr/>
+          <a:lstStyle/>
+          <a:p>
+            <a:fld id="{725C68B6-61C2-468F-89AB-4B9F7531AA68}" type="slidenum">
+              <a:rPr lang="ru-RU" smtClean="0"/>
+              <a:pPr/>
+              <a:t>8</a:t>
+            </a:fld>
+            <a:endParaRPr lang="ru-RU"/>
+          </a:p>
+        </p:txBody>
+      </p:sp>
+      <p:pic>
+        <p:nvPicPr>
+          <p:cNvPr id="4098" name="Picture 2" descr="D:\lenovo\Универ\Диплом\programs\Untitled Diagram.png"/>
+          <p:cNvPicPr>
+            <a:picLocks noChangeAspect="1" noChangeArrowheads="1"/>
+          </p:cNvPicPr>
+          <p:nvPr/>
+        </p:nvPicPr>
+        <p:blipFill>
+          <a:blip r:embed="rId2">
+            <a:extLst>
+              <a:ext uri="{28A0092B-C50C-407E-A947-70E740481C1C}">
+                <a14:useLocalDpi xmlns:a14="http://schemas.microsoft.com/office/drawing/2010/main" val="0"/>
+              </a:ext>
+            </a:extLst>
+          </a:blip>
+          <a:srcRect/>
+          <a:stretch>
+            <a:fillRect/>
+          </a:stretch>
+        </p:blipFill>
+        <p:spPr bwMode="auto">
+          <a:xfrm>
+            <a:off x="1259632" y="1484784"/>
+            <a:ext cx="6840760" cy="4862696"/>
+          </a:xfrm>
+          <a:prstGeom prst="rect">
+            <a:avLst/>
+          </a:prstGeom>
+          <a:noFill/>
+          <a:extLst>
+            <a:ext uri="{909E8E84-426E-40DD-AFC4-6F175D3DCCD1}">
+              <a14:hiddenFill xmlns:a14="http://schemas.microsoft.com/office/drawing/2010/main">
+                <a:solidFill>
+                  <a:srgbClr val="FFFFFF"/>
+                </a:solidFill>
+              </a14:hiddenFill>
+            </a:ext>
+          </a:extLst>
+        </p:spPr>
+      </p:pic>
+    </p:spTree>
+  </p:cSld>
+  <p:clrMapOvr>
+    <a:masterClrMapping/>
+  </p:clrMapOvr>
+  <p:timing>
+    <p:tnLst>
+      <p:par>
+        <p:cTn id="1" dur="indefinite" restart="never" nodeType="tmRoot"/>
+      </p:par>
+    </p:tnLst>
+  </p:timing>
+</p:sld>
+</file>
+
+<file path=ppt/slides/slide9.xml><?xml version="1.0" encoding="utf-8"?>
+<p:sld xmlns:a="http://schemas.openxmlformats.org/drawingml/2006/main" xmlns:r="http://schemas.openxmlformats.org/officeDocument/2006/relationships" xmlns:p="http://schemas.openxmlformats.org/presentationml/2006/main">
+  <p:cSld>
+    <p:spTree>
+      <p:nvGrpSpPr>
+        <p:cNvPr id="1" name=""/>
+        <p:cNvGrpSpPr/>
+        <p:nvPr/>
+      </p:nvGrpSpPr>
+      <p:grpSpPr>
+        <a:xfrm>
+          <a:off x="0" y="0"/>
+          <a:ext cx="0" cy="0"/>
+          <a:chOff x="0" y="0"/>
+          <a:chExt cx="0" cy="0"/>
+        </a:xfrm>
+      </p:grpSpPr>
+      <p:sp>
+        <p:nvSpPr>
+          <p:cNvPr id="2" name="Заголовок 1"/>
+          <p:cNvSpPr>
+            <a:spLocks noGrp="1"/>
+          </p:cNvSpPr>
+          <p:nvPr>
+            <p:ph type="title"/>
+          </p:nvPr>
+        </p:nvSpPr>
+        <p:spPr>
+          <a:xfrm>
+            <a:off x="457200" y="274638"/>
+            <a:ext cx="8229600" cy="1011222"/>
+          </a:xfrm>
+        </p:spPr>
+        <p:style>
+          <a:lnRef idx="1">
+            <a:schemeClr val="accent5"/>
+          </a:lnRef>
+          <a:fillRef idx="2">
+            <a:schemeClr val="accent5"/>
+          </a:fillRef>
+          <a:effectRef idx="1">
+            <a:schemeClr val="accent5"/>
+          </a:effectRef>
+          <a:fontRef idx="minor">
+            <a:schemeClr val="dk1"/>
+          </a:fontRef>
+        </p:style>
+        <p:txBody>
+          <a:bodyPr>
+            <a:normAutofit fontScale="90000"/>
+          </a:bodyPr>
+          <a:lstStyle/>
+          <a:p>
+            <a:r>
+              <a:rPr lang="ru-RU" sz="3100" dirty="0" smtClean="0"/>
+              <a:t/>
+            </a:r>
+            <a:br>
+              <a:rPr lang="ru-RU" sz="3100" dirty="0" smtClean="0"/>
+            </a:br>
+            <a:r>
+              <a:rPr lang="ru-RU" sz="3100" dirty="0" smtClean="0"/>
+              <a:t>Программа</a:t>
+            </a:r>
+            <a:r>
+              <a:rPr lang="en-US" sz="3100" dirty="0" smtClean="0"/>
+              <a:t>,</a:t>
+            </a:r>
+            <a:r>
+              <a:rPr lang="ru-RU" sz="3100" dirty="0" smtClean="0"/>
+              <a:t> реализующая ГВС </a:t>
+            </a:r>
+            <a:r>
+              <a:rPr lang="en-US" sz="3100" dirty="0" smtClean="0"/>
+              <a:t>CPU+GPU</a:t>
+            </a:r>
+            <a:r>
+              <a:rPr lang="ru-RU" sz="3200" b="1" dirty="0" smtClean="0"/>
+              <a:t/>
+            </a:r>
+            <a:br>
+              <a:rPr lang="ru-RU" sz="3200" b="1" dirty="0" smtClean="0"/>
+            </a:br>
+            <a:endParaRPr lang="ru-RU" sz="3200" b="1" dirty="0">
+              <a:latin typeface="Courier New" pitchFamily="49" charset="0"/>
+              <a:cs typeface="Courier New" pitchFamily="49" charset="0"/>
+            </a:endParaRPr>
+          </a:p>
+        </p:txBody>
+      </p:sp>
+      <p:sp>
+        <p:nvSpPr>
+          <p:cNvPr id="4" name="Номер слайда 3"/>
+          <p:cNvSpPr>
+            <a:spLocks noGrp="1"/>
+          </p:cNvSpPr>
+          <p:nvPr>
+            <p:ph type="sldNum" sz="quarter" idx="12"/>
+          </p:nvPr>
+        </p:nvSpPr>
+        <p:spPr/>
+        <p:txBody>
+          <a:bodyPr/>
+          <a:lstStyle/>
+          <a:p>
+            <a:fld id="{725C68B6-61C2-468F-89AB-4B9F7531AA68}" type="slidenum">
+              <a:rPr lang="ru-RU" smtClean="0"/>
+              <a:pPr/>
+              <a:t>9</a:t>
+            </a:fld>
+            <a:endParaRPr lang="ru-RU"/>
+          </a:p>
+        </p:txBody>
+      </p:sp>
+      <p:pic>
+        <p:nvPicPr>
+          <p:cNvPr id="5122" name="Picture 2" descr="Безымянный"/>
+          <p:cNvPicPr>
+            <a:picLocks noChangeAspect="1" noChangeArrowheads="1"/>
+          </p:cNvPicPr>
+          <p:nvPr/>
+        </p:nvPicPr>
+        <p:blipFill>
+          <a:blip r:embed="rId2">
+            <a:extLst>
+              <a:ext uri="{28A0092B-C50C-407E-A947-70E740481C1C}">
+                <a14:useLocalDpi xmlns:a14="http://schemas.microsoft.com/office/drawing/2010/main" val="0"/>
+              </a:ext>
+            </a:extLst>
+          </a:blip>
+          <a:srcRect/>
+          <a:stretch>
+            <a:fillRect/>
+          </a:stretch>
+        </p:blipFill>
+        <p:spPr bwMode="auto">
+          <a:xfrm>
+            <a:off x="451128" y="2060848"/>
+            <a:ext cx="8246504" cy="3600400"/>
+          </a:xfrm>
+          <a:prstGeom prst="rect">
+            <a:avLst/>
+          </a:prstGeom>
+          <a:noFill/>
+          <a:ln>
+            <a:noFill/>
+          </a:ln>
+          <a:extLst>
+            <a:ext uri="{909E8E84-426E-40DD-AFC4-6F175D3DCCD1}">
+              <a14:hiddenFill xmlns:a14="http://schemas.microsoft.com/office/drawing/2010/main">
+                <a:solidFill>
+                  <a:srgbClr val="FFFFFF"/>
+                </a:solidFill>
+              </a14:hiddenFill>
+            </a:ext>
+            <a:ext uri="{91240B29-F687-4F45-9708-019B960494DF}">
+              <a14:hiddenLine xmlns:a14="http://schemas.microsoft.com/office/drawing/2010/main" w="9525">
+                <a:solidFill>
+                  <a:srgbClr val="000000"/>
+                </a:solidFill>
+                <a:miter lim="800000"/>
+                <a:headEnd/>
+                <a:tailEnd/>
+              </a14:hiddenLine>
+            </a:ext>
+          </a:extLst>
+        </p:spPr>
+      </p:pic>
+    </p:spTree>
+    <p:extLst>
+      <p:ext uri="{BB962C8B-B14F-4D97-AF65-F5344CB8AC3E}">
+        <p14:creationId xmlns:p14="http://schemas.microsoft.com/office/powerpoint/2010/main" val="556809703"/>
+      </p:ext>
+    </p:extLst>
   </p:cSld>
   <p:clrMapOvr>
     <a:masterClrMapping/>

--- a/Diplom/Презентация.pptx
+++ b/Diplom/Презентация.pptx
@@ -2,7 +2,7 @@
 <file path=ppt/presentation.xml><?xml version="1.0" encoding="utf-8"?>
 <p:presentation xmlns:a="http://schemas.openxmlformats.org/drawingml/2006/main" xmlns:r="http://schemas.openxmlformats.org/officeDocument/2006/relationships" xmlns:p="http://schemas.openxmlformats.org/presentationml/2006/main" showSpecialPlsOnTitleSld="0" saveSubsetFonts="1">
   <p:sldMasterIdLst>
-    <p:sldMasterId id="2147483804" r:id="rId1"/>
+    <p:sldMasterId id="2147483912" r:id="rId1"/>
   </p:sldMasterIdLst>
   <p:notesMasterIdLst>
     <p:notesMasterId r:id="rId19"/>
@@ -1347,8 +1347,13 @@
 </file>
 
 <file path=ppt/slideLayouts/slideLayout1.xml><?xml version="1.0" encoding="utf-8"?>
-<p:sldLayout xmlns:a="http://schemas.openxmlformats.org/drawingml/2006/main" xmlns:r="http://schemas.openxmlformats.org/officeDocument/2006/relationships" xmlns:p="http://schemas.openxmlformats.org/presentationml/2006/main" type="title" preserve="1">
+<p:sldLayout xmlns:a="http://schemas.openxmlformats.org/drawingml/2006/main" xmlns:r="http://schemas.openxmlformats.org/officeDocument/2006/relationships" xmlns:p="http://schemas.openxmlformats.org/presentationml/2006/main" showMasterSp="0" type="title" preserve="1">
   <p:cSld name="Титульный слайд">
+    <p:bg>
+      <p:bgRef idx="1001">
+        <a:schemeClr val="bg2"/>
+      </p:bgRef>
+    </p:bg>
     <p:spTree>
       <p:nvGrpSpPr>
         <p:cNvPr id="1" name=""/>
@@ -1365,7 +1370,149 @@
       </p:grpSpPr>
       <p:sp>
         <p:nvSpPr>
-          <p:cNvPr id="2" name="Заголовок 1"/>
+          <p:cNvPr id="7" name="Прямоугольник 6"/>
+          <p:cNvSpPr/>
+          <p:nvPr/>
+        </p:nvSpPr>
+        <p:spPr bwMode="white">
+          <a:xfrm>
+            <a:off x="0" y="5971032"/>
+            <a:ext cx="9144000" cy="886968"/>
+          </a:xfrm>
+          <a:prstGeom prst="rect">
+            <a:avLst/>
+          </a:prstGeom>
+          <a:solidFill>
+            <a:srgbClr val="FFFFFF"/>
+          </a:solidFill>
+          <a:ln w="50800" cap="rnd" cmpd="dbl" algn="ctr">
+            <a:noFill/>
+            <a:prstDash val="solid"/>
+          </a:ln>
+          <a:effectLst/>
+        </p:spPr>
+        <p:style>
+          <a:lnRef idx="3">
+            <a:schemeClr val="lt1"/>
+          </a:lnRef>
+          <a:fillRef idx="1">
+            <a:schemeClr val="accent1"/>
+          </a:fillRef>
+          <a:effectRef idx="1">
+            <a:schemeClr val="accent1"/>
+          </a:effectRef>
+          <a:fontRef idx="minor">
+            <a:schemeClr val="lt1"/>
+          </a:fontRef>
+        </p:style>
+        <p:txBody>
+          <a:bodyPr anchor="ctr"/>
+          <a:lstStyle/>
+          <a:p>
+            <a:pPr algn="ctr" eaLnBrk="1" latinLnBrk="0" hangingPunct="1"/>
+            <a:endParaRPr kumimoji="0" lang="en-US"/>
+          </a:p>
+        </p:txBody>
+      </p:sp>
+      <p:sp>
+        <p:nvSpPr>
+          <p:cNvPr id="10" name="Прямоугольник 9"/>
+          <p:cNvSpPr/>
+          <p:nvPr/>
+        </p:nvSpPr>
+        <p:spPr>
+          <a:xfrm>
+            <a:off x="-9144" y="6053328"/>
+            <a:ext cx="2249424" cy="713232"/>
+          </a:xfrm>
+          <a:prstGeom prst="rect">
+            <a:avLst/>
+          </a:prstGeom>
+          <a:solidFill>
+            <a:schemeClr val="accent2">
+              <a:alpha val="100000"/>
+            </a:schemeClr>
+          </a:solidFill>
+          <a:ln w="50800" cap="rnd" cmpd="dbl" algn="ctr">
+            <a:noFill/>
+            <a:prstDash val="solid"/>
+          </a:ln>
+          <a:effectLst/>
+        </p:spPr>
+        <p:style>
+          <a:lnRef idx="3">
+            <a:schemeClr val="lt1"/>
+          </a:lnRef>
+          <a:fillRef idx="1">
+            <a:schemeClr val="accent1"/>
+          </a:fillRef>
+          <a:effectRef idx="1">
+            <a:schemeClr val="accent1"/>
+          </a:effectRef>
+          <a:fontRef idx="minor">
+            <a:schemeClr val="lt1"/>
+          </a:fontRef>
+        </p:style>
+        <p:txBody>
+          <a:bodyPr anchor="ctr"/>
+          <a:lstStyle/>
+          <a:p>
+            <a:pPr algn="ctr" eaLnBrk="1" latinLnBrk="0" hangingPunct="1"/>
+            <a:endParaRPr kumimoji="0" lang="en-US"/>
+          </a:p>
+        </p:txBody>
+      </p:sp>
+      <p:sp>
+        <p:nvSpPr>
+          <p:cNvPr id="11" name="Прямоугольник 10"/>
+          <p:cNvSpPr/>
+          <p:nvPr/>
+        </p:nvSpPr>
+        <p:spPr>
+          <a:xfrm>
+            <a:off x="2359152" y="6044184"/>
+            <a:ext cx="6784848" cy="713232"/>
+          </a:xfrm>
+          <a:prstGeom prst="rect">
+            <a:avLst/>
+          </a:prstGeom>
+          <a:solidFill>
+            <a:schemeClr val="accent1">
+              <a:alpha val="100000"/>
+            </a:schemeClr>
+          </a:solidFill>
+          <a:ln w="50800" cap="rnd" cmpd="dbl" algn="ctr">
+            <a:noFill/>
+            <a:prstDash val="solid"/>
+          </a:ln>
+          <a:effectLst/>
+        </p:spPr>
+        <p:style>
+          <a:lnRef idx="3">
+            <a:schemeClr val="lt1"/>
+          </a:lnRef>
+          <a:fillRef idx="1">
+            <a:schemeClr val="accent1"/>
+          </a:fillRef>
+          <a:effectRef idx="1">
+            <a:schemeClr val="accent1"/>
+          </a:effectRef>
+          <a:fontRef idx="minor">
+            <a:schemeClr val="lt1"/>
+          </a:fontRef>
+        </p:style>
+        <p:txBody>
+          <a:bodyPr anchor="ctr"/>
+          <a:lstStyle/>
+          <a:p>
+            <a:pPr algn="ctr" eaLnBrk="1" latinLnBrk="0" hangingPunct="1"/>
+            <a:endParaRPr kumimoji="0" lang="en-US"/>
+          </a:p>
+        </p:txBody>
+      </p:sp>
+      <p:sp>
+        <p:nvSpPr>
+          <p:cNvPr id="8" name="Заголовок 7"/>
           <p:cNvSpPr>
             <a:spLocks noGrp="1"/>
           </p:cNvSpPr>
@@ -1375,25 +1522,29 @@
         </p:nvSpPr>
         <p:spPr>
           <a:xfrm>
-            <a:off x="685800" y="2130425"/>
-            <a:ext cx="7772400" cy="1470025"/>
-          </a:xfrm>
-        </p:spPr>
-        <p:txBody>
-          <a:bodyPr/>
-          <a:lstStyle/>
-          <a:p>
-            <a:r>
-              <a:rPr lang="ru-RU" smtClean="0"/>
+            <a:off x="2362200" y="4038600"/>
+            <a:ext cx="6477000" cy="1828800"/>
+          </a:xfrm>
+        </p:spPr>
+        <p:txBody>
+          <a:bodyPr anchor="b"/>
+          <a:lstStyle>
+            <a:lvl1pPr>
+              <a:defRPr cap="all" baseline="0"/>
+            </a:lvl1pPr>
+          </a:lstStyle>
+          <a:p>
+            <a:r>
+              <a:rPr kumimoji="0" lang="ru-RU" smtClean="0"/>
               <a:t>Образец заголовка</a:t>
             </a:r>
-            <a:endParaRPr lang="ru-RU"/>
-          </a:p>
-        </p:txBody>
-      </p:sp>
-      <p:sp>
-        <p:nvSpPr>
-          <p:cNvPr id="3" name="Подзаголовок 2"/>
+            <a:endParaRPr kumimoji="0" lang="en-US"/>
+          </a:p>
+        </p:txBody>
+      </p:sp>
+      <p:sp>
+        <p:nvSpPr>
+          <p:cNvPr id="9" name="Подзаголовок 8"/>
           <p:cNvSpPr>
             <a:spLocks noGrp="1"/>
           </p:cNvSpPr>
@@ -1403,127 +1554,86 @@
         </p:nvSpPr>
         <p:spPr>
           <a:xfrm>
-            <a:off x="1371600" y="3886200"/>
-            <a:ext cx="6400800" cy="1752600"/>
-          </a:xfrm>
-        </p:spPr>
-        <p:txBody>
-          <a:bodyPr/>
+            <a:off x="2362200" y="6050037"/>
+            <a:ext cx="6705600" cy="685800"/>
+          </a:xfrm>
+        </p:spPr>
+        <p:txBody>
+          <a:bodyPr anchor="ctr">
+            <a:normAutofit/>
+          </a:bodyPr>
           <a:lstStyle>
-            <a:lvl1pPr marL="0" indent="0" algn="ctr">
+            <a:lvl1pPr marL="0" indent="0" algn="l">
               <a:buNone/>
-              <a:defRPr>
+              <a:defRPr sz="2600">
                 <a:solidFill>
-                  <a:schemeClr val="tx1">
-                    <a:tint val="75000"/>
-                  </a:schemeClr>
+                  <a:srgbClr val="FFFFFF"/>
                 </a:solidFill>
               </a:defRPr>
             </a:lvl1pPr>
             <a:lvl2pPr marL="457200" indent="0" algn="ctr">
               <a:buNone/>
-              <a:defRPr>
-                <a:solidFill>
-                  <a:schemeClr val="tx1">
-                    <a:tint val="75000"/>
-                  </a:schemeClr>
-                </a:solidFill>
-              </a:defRPr>
             </a:lvl2pPr>
             <a:lvl3pPr marL="914400" indent="0" algn="ctr">
               <a:buNone/>
-              <a:defRPr>
-                <a:solidFill>
-                  <a:schemeClr val="tx1">
-                    <a:tint val="75000"/>
-                  </a:schemeClr>
-                </a:solidFill>
-              </a:defRPr>
             </a:lvl3pPr>
             <a:lvl4pPr marL="1371600" indent="0" algn="ctr">
               <a:buNone/>
-              <a:defRPr>
-                <a:solidFill>
-                  <a:schemeClr val="tx1">
-                    <a:tint val="75000"/>
-                  </a:schemeClr>
-                </a:solidFill>
-              </a:defRPr>
             </a:lvl4pPr>
             <a:lvl5pPr marL="1828800" indent="0" algn="ctr">
               <a:buNone/>
-              <a:defRPr>
-                <a:solidFill>
-                  <a:schemeClr val="tx1">
-                    <a:tint val="75000"/>
-                  </a:schemeClr>
-                </a:solidFill>
-              </a:defRPr>
             </a:lvl5pPr>
             <a:lvl6pPr marL="2286000" indent="0" algn="ctr">
               <a:buNone/>
-              <a:defRPr>
-                <a:solidFill>
-                  <a:schemeClr val="tx1">
-                    <a:tint val="75000"/>
-                  </a:schemeClr>
-                </a:solidFill>
-              </a:defRPr>
             </a:lvl6pPr>
             <a:lvl7pPr marL="2743200" indent="0" algn="ctr">
               <a:buNone/>
-              <a:defRPr>
-                <a:solidFill>
-                  <a:schemeClr val="tx1">
-                    <a:tint val="75000"/>
-                  </a:schemeClr>
-                </a:solidFill>
-              </a:defRPr>
             </a:lvl7pPr>
             <a:lvl8pPr marL="3200400" indent="0" algn="ctr">
               <a:buNone/>
-              <a:defRPr>
-                <a:solidFill>
-                  <a:schemeClr val="tx1">
-                    <a:tint val="75000"/>
-                  </a:schemeClr>
-                </a:solidFill>
-              </a:defRPr>
             </a:lvl8pPr>
             <a:lvl9pPr marL="3657600" indent="0" algn="ctr">
               <a:buNone/>
-              <a:defRPr>
+            </a:lvl9pPr>
+          </a:lstStyle>
+          <a:p>
+            <a:r>
+              <a:rPr kumimoji="0" lang="ru-RU" smtClean="0"/>
+              <a:t>Образец подзаголовка</a:t>
+            </a:r>
+            <a:endParaRPr kumimoji="0" lang="en-US"/>
+          </a:p>
+        </p:txBody>
+      </p:sp>
+      <p:sp>
+        <p:nvSpPr>
+          <p:cNvPr id="28" name="Дата 27"/>
+          <p:cNvSpPr>
+            <a:spLocks noGrp="1"/>
+          </p:cNvSpPr>
+          <p:nvPr>
+            <p:ph type="dt" sz="half" idx="10"/>
+          </p:nvPr>
+        </p:nvSpPr>
+        <p:spPr>
+          <a:xfrm>
+            <a:off x="76200" y="6068699"/>
+            <a:ext cx="2057400" cy="685800"/>
+          </a:xfrm>
+        </p:spPr>
+        <p:txBody>
+          <a:bodyPr>
+            <a:noAutofit/>
+          </a:bodyPr>
+          <a:lstStyle>
+            <a:lvl1pPr algn="ctr">
+              <a:defRPr sz="2000">
                 <a:solidFill>
-                  <a:schemeClr val="tx1">
-                    <a:tint val="75000"/>
-                  </a:schemeClr>
+                  <a:srgbClr val="FFFFFF"/>
                 </a:solidFill>
               </a:defRPr>
-            </a:lvl9pPr>
+            </a:lvl1pPr>
           </a:lstStyle>
-          <a:p>
-            <a:r>
-              <a:rPr lang="ru-RU" smtClean="0"/>
-              <a:t>Образец подзаголовка</a:t>
-            </a:r>
-            <a:endParaRPr lang="ru-RU"/>
-          </a:p>
-        </p:txBody>
-      </p:sp>
-      <p:sp>
-        <p:nvSpPr>
-          <p:cNvPr id="4" name="Дата 3"/>
-          <p:cNvSpPr>
-            <a:spLocks noGrp="1"/>
-          </p:cNvSpPr>
-          <p:nvPr>
-            <p:ph type="dt" sz="half" idx="10"/>
-          </p:nvPr>
-        </p:nvSpPr>
-        <p:spPr/>
-        <p:txBody>
-          <a:bodyPr/>
-          <a:lstStyle/>
           <a:p>
             <a:fld id="{5408D145-EB70-4616-A719-5C64DDC73D2C}" type="datetime1">
               <a:rPr lang="ru-RU" smtClean="0"/>
@@ -1536,7 +1646,7 @@
       </p:sp>
       <p:sp>
         <p:nvSpPr>
-          <p:cNvPr id="5" name="Нижний колонтитул 4"/>
+          <p:cNvPr id="17" name="Нижний колонтитул 16"/>
           <p:cNvSpPr>
             <a:spLocks noGrp="1"/>
           </p:cNvSpPr>
@@ -1544,10 +1654,23 @@
             <p:ph type="ftr" sz="quarter" idx="11"/>
           </p:nvPr>
         </p:nvSpPr>
-        <p:spPr/>
+        <p:spPr>
+          <a:xfrm>
+            <a:off x="2085393" y="236538"/>
+            <a:ext cx="5867400" cy="365125"/>
+          </a:xfrm>
+        </p:spPr>
         <p:txBody>
           <a:bodyPr/>
-          <a:lstStyle/>
+          <a:lstStyle>
+            <a:lvl1pPr algn="r">
+              <a:defRPr>
+                <a:solidFill>
+                  <a:schemeClr val="tx2"/>
+                </a:solidFill>
+              </a:defRPr>
+            </a:lvl1pPr>
+          </a:lstStyle>
           <a:p>
             <a:endParaRPr lang="ru-RU"/>
           </a:p>
@@ -1555,7 +1678,7 @@
       </p:sp>
       <p:sp>
         <p:nvSpPr>
-          <p:cNvPr id="6" name="Номер слайда 5"/>
+          <p:cNvPr id="29" name="Номер слайда 28"/>
           <p:cNvSpPr>
             <a:spLocks noGrp="1"/>
           </p:cNvSpPr>
@@ -1563,10 +1686,23 @@
             <p:ph type="sldNum" sz="quarter" idx="12"/>
           </p:nvPr>
         </p:nvSpPr>
-        <p:spPr/>
+        <p:spPr>
+          <a:xfrm>
+            <a:off x="8001000" y="228600"/>
+            <a:ext cx="838200" cy="381000"/>
+          </a:xfrm>
+        </p:spPr>
         <p:txBody>
           <a:bodyPr/>
-          <a:lstStyle/>
+          <a:lstStyle>
+            <a:lvl1pPr>
+              <a:defRPr>
+                <a:solidFill>
+                  <a:schemeClr val="tx2"/>
+                </a:solidFill>
+              </a:defRPr>
+            </a:lvl1pPr>
+          </a:lstStyle>
           <a:p>
             <a:fld id="{725C68B6-61C2-468F-89AB-4B9F7531AA68}" type="slidenum">
               <a:rPr lang="ru-RU" smtClean="0"/>
@@ -1578,14 +1714,9 @@
         </p:txBody>
       </p:sp>
     </p:spTree>
-    <p:extLst>
-      <p:ext uri="{BB962C8B-B14F-4D97-AF65-F5344CB8AC3E}">
-        <p14:creationId xmlns:p14="http://schemas.microsoft.com/office/powerpoint/2010/main" val="714133995"/>
-      </p:ext>
-    </p:extLst>
   </p:cSld>
   <p:clrMapOvr>
-    <a:masterClrMapping/>
+    <a:overrideClrMapping bg1="dk1" tx1="lt1" bg2="dk2" tx2="lt2" accent1="accent1" accent2="accent2" accent3="accent3" accent4="accent4" accent5="accent5" accent6="accent6" hlink="hlink" folHlink="folHlink"/>
   </p:clrMapOvr>
 </p:sldLayout>
 </file>
@@ -1623,10 +1754,10 @@
           <a:lstStyle/>
           <a:p>
             <a:r>
-              <a:rPr lang="ru-RU" smtClean="0"/>
+              <a:rPr kumimoji="0" lang="ru-RU" smtClean="0"/>
               <a:t>Образец заголовка</a:t>
             </a:r>
-            <a:endParaRPr lang="ru-RU"/>
+            <a:endParaRPr kumimoji="0" lang="en-US"/>
           </a:p>
         </p:txBody>
       </p:sp>
@@ -1645,40 +1776,40 @@
           <a:bodyPr vert="eaVert"/>
           <a:lstStyle/>
           <a:p>
-            <a:pPr lvl="0"/>
+            <a:pPr lvl="0" eaLnBrk="1" latinLnBrk="0" hangingPunct="1"/>
             <a:r>
               <a:rPr lang="ru-RU" smtClean="0"/>
               <a:t>Образец текста</a:t>
             </a:r>
           </a:p>
           <a:p>
-            <a:pPr lvl="1"/>
+            <a:pPr lvl="1" eaLnBrk="1" latinLnBrk="0" hangingPunct="1"/>
             <a:r>
               <a:rPr lang="ru-RU" smtClean="0"/>
               <a:t>Второй уровень</a:t>
             </a:r>
           </a:p>
           <a:p>
-            <a:pPr lvl="2"/>
+            <a:pPr lvl="2" eaLnBrk="1" latinLnBrk="0" hangingPunct="1"/>
             <a:r>
               <a:rPr lang="ru-RU" smtClean="0"/>
               <a:t>Третий уровень</a:t>
             </a:r>
           </a:p>
           <a:p>
-            <a:pPr lvl="3"/>
+            <a:pPr lvl="3" eaLnBrk="1" latinLnBrk="0" hangingPunct="1"/>
             <a:r>
               <a:rPr lang="ru-RU" smtClean="0"/>
               <a:t>Четвертый уровень</a:t>
             </a:r>
           </a:p>
           <a:p>
-            <a:pPr lvl="4"/>
+            <a:pPr lvl="4" eaLnBrk="1" latinLnBrk="0" hangingPunct="1"/>
             <a:r>
               <a:rPr lang="ru-RU" smtClean="0"/>
               <a:t>Пятый уровень</a:t>
             </a:r>
-            <a:endParaRPr lang="ru-RU"/>
+            <a:endParaRPr kumimoji="0" lang="en-US"/>
           </a:p>
         </p:txBody>
       </p:sp>
@@ -1750,11 +1881,6 @@
         </p:txBody>
       </p:sp>
     </p:spTree>
-    <p:extLst>
-      <p:ext uri="{BB962C8B-B14F-4D97-AF65-F5344CB8AC3E}">
-        <p14:creationId xmlns:p14="http://schemas.microsoft.com/office/powerpoint/2010/main" val="2964012525"/>
-      </p:ext>
-    </p:extLst>
   </p:cSld>
   <p:clrMapOvr>
     <a:masterClrMapping/>
@@ -1763,8 +1889,13 @@
 </file>
 
 <file path=ppt/slideLayouts/slideLayout11.xml><?xml version="1.0" encoding="utf-8"?>
-<p:sldLayout xmlns:a="http://schemas.openxmlformats.org/drawingml/2006/main" xmlns:r="http://schemas.openxmlformats.org/officeDocument/2006/relationships" xmlns:p="http://schemas.openxmlformats.org/presentationml/2006/main" type="vertTitleAndTx" preserve="1">
+<p:sldLayout xmlns:a="http://schemas.openxmlformats.org/drawingml/2006/main" xmlns:r="http://schemas.openxmlformats.org/officeDocument/2006/relationships" xmlns:p="http://schemas.openxmlformats.org/presentationml/2006/main" showMasterSp="0" type="vertTitleAndTx" preserve="1">
   <p:cSld name="Вертикальный заголовок и текст">
+    <p:bg>
+      <p:bgRef idx="1001">
+        <a:schemeClr val="bg1"/>
+      </p:bgRef>
+    </p:bg>
     <p:spTree>
       <p:nvGrpSpPr>
         <p:cNvPr id="1" name=""/>
@@ -1791,8 +1922,8 @@
         </p:nvSpPr>
         <p:spPr>
           <a:xfrm>
-            <a:off x="6629400" y="274638"/>
-            <a:ext cx="2057400" cy="5851525"/>
+            <a:off x="6553200" y="609600"/>
+            <a:ext cx="2057400" cy="5516563"/>
           </a:xfrm>
         </p:spPr>
         <p:txBody>
@@ -1800,10 +1931,10 @@
           <a:lstStyle/>
           <a:p>
             <a:r>
-              <a:rPr lang="ru-RU" smtClean="0"/>
+              <a:rPr kumimoji="0" lang="ru-RU" smtClean="0"/>
               <a:t>Образец заголовка</a:t>
             </a:r>
-            <a:endParaRPr lang="ru-RU"/>
+            <a:endParaRPr kumimoji="0" lang="en-US"/>
           </a:p>
         </p:txBody>
       </p:sp>
@@ -1819,48 +1950,48 @@
         </p:nvSpPr>
         <p:spPr>
           <a:xfrm>
-            <a:off x="457200" y="274638"/>
-            <a:ext cx="6019800" cy="5851525"/>
+            <a:off x="457200" y="609600"/>
+            <a:ext cx="5562600" cy="5516564"/>
           </a:xfrm>
         </p:spPr>
         <p:txBody>
           <a:bodyPr vert="eaVert"/>
           <a:lstStyle/>
           <a:p>
-            <a:pPr lvl="0"/>
+            <a:pPr lvl="0" eaLnBrk="1" latinLnBrk="0" hangingPunct="1"/>
             <a:r>
               <a:rPr lang="ru-RU" smtClean="0"/>
               <a:t>Образец текста</a:t>
             </a:r>
           </a:p>
           <a:p>
-            <a:pPr lvl="1"/>
+            <a:pPr lvl="1" eaLnBrk="1" latinLnBrk="0" hangingPunct="1"/>
             <a:r>
               <a:rPr lang="ru-RU" smtClean="0"/>
               <a:t>Второй уровень</a:t>
             </a:r>
           </a:p>
           <a:p>
-            <a:pPr lvl="2"/>
+            <a:pPr lvl="2" eaLnBrk="1" latinLnBrk="0" hangingPunct="1"/>
             <a:r>
               <a:rPr lang="ru-RU" smtClean="0"/>
               <a:t>Третий уровень</a:t>
             </a:r>
           </a:p>
           <a:p>
-            <a:pPr lvl="3"/>
+            <a:pPr lvl="3" eaLnBrk="1" latinLnBrk="0" hangingPunct="1"/>
             <a:r>
               <a:rPr lang="ru-RU" smtClean="0"/>
               <a:t>Четвертый уровень</a:t>
             </a:r>
           </a:p>
           <a:p>
-            <a:pPr lvl="4"/>
+            <a:pPr lvl="4" eaLnBrk="1" latinLnBrk="0" hangingPunct="1"/>
             <a:r>
               <a:rPr lang="ru-RU" smtClean="0"/>
               <a:t>Пятый уровень</a:t>
             </a:r>
-            <a:endParaRPr lang="ru-RU"/>
+            <a:endParaRPr kumimoji="0" lang="en-US"/>
           </a:p>
         </p:txBody>
       </p:sp>
@@ -1874,7 +2005,12 @@
             <p:ph type="dt" sz="half" idx="10"/>
           </p:nvPr>
         </p:nvSpPr>
-        <p:spPr/>
+        <p:spPr>
+          <a:xfrm>
+            <a:off x="6553200" y="6248402"/>
+            <a:ext cx="2209800" cy="365125"/>
+          </a:xfrm>
+        </p:spPr>
         <p:txBody>
           <a:bodyPr/>
           <a:lstStyle/>
@@ -1898,7 +2034,12 @@
             <p:ph type="ftr" sz="quarter" idx="11"/>
           </p:nvPr>
         </p:nvSpPr>
-        <p:spPr/>
+        <p:spPr>
+          <a:xfrm>
+            <a:off x="457201" y="6248207"/>
+            <a:ext cx="5573483" cy="365125"/>
+          </a:xfrm>
+        </p:spPr>
         <p:txBody>
           <a:bodyPr/>
           <a:lstStyle/>
@@ -1909,6 +2050,141 @@
       </p:sp>
       <p:sp>
         <p:nvSpPr>
+          <p:cNvPr id="7" name="Прямоугольник 6"/>
+          <p:cNvSpPr/>
+          <p:nvPr/>
+        </p:nvSpPr>
+        <p:spPr bwMode="white">
+          <a:xfrm>
+            <a:off x="6096318" y="0"/>
+            <a:ext cx="320040" cy="6858000"/>
+          </a:xfrm>
+          <a:prstGeom prst="rect">
+            <a:avLst/>
+          </a:prstGeom>
+          <a:solidFill>
+            <a:srgbClr val="FFFFFF"/>
+          </a:solidFill>
+          <a:ln w="19050" cap="flat" cmpd="sng" algn="ctr">
+            <a:noFill/>
+            <a:prstDash val="solid"/>
+          </a:ln>
+        </p:spPr>
+        <p:style>
+          <a:lnRef idx="2">
+            <a:schemeClr val="accent1"/>
+          </a:lnRef>
+          <a:fillRef idx="1">
+            <a:schemeClr val="accent1"/>
+          </a:fillRef>
+          <a:effectRef idx="0">
+            <a:schemeClr val="accent1"/>
+          </a:effectRef>
+          <a:fontRef idx="minor">
+            <a:schemeClr val="lt1"/>
+          </a:fontRef>
+        </p:style>
+        <p:txBody>
+          <a:bodyPr rtlCol="0" anchor="ctr"/>
+          <a:lstStyle/>
+          <a:p>
+            <a:pPr algn="ctr" eaLnBrk="1" latinLnBrk="0" hangingPunct="1"/>
+            <a:endParaRPr kumimoji="0" lang="en-US"/>
+          </a:p>
+        </p:txBody>
+      </p:sp>
+      <p:sp>
+        <p:nvSpPr>
+          <p:cNvPr id="8" name="Прямоугольник 7"/>
+          <p:cNvSpPr/>
+          <p:nvPr/>
+        </p:nvSpPr>
+        <p:spPr>
+          <a:xfrm>
+            <a:off x="6142038" y="609600"/>
+            <a:ext cx="228600" cy="6248400"/>
+          </a:xfrm>
+          <a:prstGeom prst="rect">
+            <a:avLst/>
+          </a:prstGeom>
+          <a:solidFill>
+            <a:schemeClr val="accent1"/>
+          </a:solidFill>
+          <a:ln w="19050" cap="flat" cmpd="sng" algn="ctr">
+            <a:noFill/>
+            <a:prstDash val="solid"/>
+          </a:ln>
+        </p:spPr>
+        <p:style>
+          <a:lnRef idx="2">
+            <a:schemeClr val="accent1"/>
+          </a:lnRef>
+          <a:fillRef idx="1">
+            <a:schemeClr val="accent1"/>
+          </a:fillRef>
+          <a:effectRef idx="0">
+            <a:schemeClr val="accent1"/>
+          </a:effectRef>
+          <a:fontRef idx="minor">
+            <a:schemeClr val="lt1"/>
+          </a:fontRef>
+        </p:style>
+        <p:txBody>
+          <a:bodyPr rtlCol="0" anchor="ctr"/>
+          <a:lstStyle/>
+          <a:p>
+            <a:pPr algn="ctr" eaLnBrk="1" latinLnBrk="0" hangingPunct="1"/>
+            <a:endParaRPr kumimoji="0" lang="en-US"/>
+          </a:p>
+        </p:txBody>
+      </p:sp>
+      <p:sp>
+        <p:nvSpPr>
+          <p:cNvPr id="9" name="Прямоугольник 8"/>
+          <p:cNvSpPr/>
+          <p:nvPr/>
+        </p:nvSpPr>
+        <p:spPr>
+          <a:xfrm>
+            <a:off x="6142038" y="0"/>
+            <a:ext cx="228600" cy="533400"/>
+          </a:xfrm>
+          <a:prstGeom prst="rect">
+            <a:avLst/>
+          </a:prstGeom>
+          <a:solidFill>
+            <a:schemeClr val="accent2"/>
+          </a:solidFill>
+          <a:ln w="19050" cap="flat" cmpd="sng" algn="ctr">
+            <a:noFill/>
+            <a:prstDash val="solid"/>
+          </a:ln>
+        </p:spPr>
+        <p:style>
+          <a:lnRef idx="2">
+            <a:schemeClr val="accent1"/>
+          </a:lnRef>
+          <a:fillRef idx="1">
+            <a:schemeClr val="accent1"/>
+          </a:fillRef>
+          <a:effectRef idx="0">
+            <a:schemeClr val="accent1"/>
+          </a:effectRef>
+          <a:fontRef idx="minor">
+            <a:schemeClr val="lt1"/>
+          </a:fontRef>
+        </p:style>
+        <p:txBody>
+          <a:bodyPr rtlCol="0" anchor="ctr"/>
+          <a:lstStyle/>
+          <a:p>
+            <a:pPr algn="ctr" eaLnBrk="1" latinLnBrk="0" hangingPunct="1"/>
+            <a:endParaRPr kumimoji="0" lang="en-US"/>
+          </a:p>
+        </p:txBody>
+      </p:sp>
+      <p:sp>
+        <p:nvSpPr>
           <p:cNvPr id="6" name="Номер слайда 5"/>
           <p:cNvSpPr>
             <a:spLocks noGrp="1"/>
@@ -1917,7 +2193,12 @@
             <p:ph type="sldNum" sz="quarter" idx="12"/>
           </p:nvPr>
         </p:nvSpPr>
-        <p:spPr/>
+        <p:spPr>
+          <a:xfrm rot="5400000">
+            <a:off x="5989638" y="144462"/>
+            <a:ext cx="533400" cy="244476"/>
+          </a:xfrm>
+        </p:spPr>
         <p:txBody>
           <a:bodyPr/>
           <a:lstStyle/>
@@ -1932,14 +2213,9 @@
         </p:txBody>
       </p:sp>
     </p:spTree>
-    <p:extLst>
-      <p:ext uri="{BB962C8B-B14F-4D97-AF65-F5344CB8AC3E}">
-        <p14:creationId xmlns:p14="http://schemas.microsoft.com/office/powerpoint/2010/main" val="2245478972"/>
-      </p:ext>
-    </p:extLst>
   </p:cSld>
   <p:clrMapOvr>
-    <a:masterClrMapping/>
+    <a:overrideClrMapping bg1="lt1" tx1="dk1" bg2="lt2" tx2="dk2" accent1="accent1" accent2="accent2" accent3="accent3" accent4="accent4" accent5="accent5" accent6="accent6" hlink="hlink" folHlink="folHlink"/>
   </p:clrMapOvr>
 </p:sldLayout>
 </file>
@@ -1971,68 +2247,21 @@
             <p:ph type="title"/>
           </p:nvPr>
         </p:nvSpPr>
-        <p:spPr/>
+        <p:spPr>
+          <a:xfrm>
+            <a:off x="612648" y="228600"/>
+            <a:ext cx="8153400" cy="990600"/>
+          </a:xfrm>
+        </p:spPr>
         <p:txBody>
           <a:bodyPr/>
           <a:lstStyle/>
           <a:p>
             <a:r>
-              <a:rPr lang="ru-RU" smtClean="0"/>
+              <a:rPr kumimoji="0" lang="ru-RU" smtClean="0"/>
               <a:t>Образец заголовка</a:t>
             </a:r>
-            <a:endParaRPr lang="ru-RU"/>
-          </a:p>
-        </p:txBody>
-      </p:sp>
-      <p:sp>
-        <p:nvSpPr>
-          <p:cNvPr id="3" name="Объект 2"/>
-          <p:cNvSpPr>
-            <a:spLocks noGrp="1"/>
-          </p:cNvSpPr>
-          <p:nvPr>
-            <p:ph idx="1"/>
-          </p:nvPr>
-        </p:nvSpPr>
-        <p:spPr/>
-        <p:txBody>
-          <a:bodyPr/>
-          <a:lstStyle/>
-          <a:p>
-            <a:pPr lvl="0"/>
-            <a:r>
-              <a:rPr lang="ru-RU" smtClean="0"/>
-              <a:t>Образец текста</a:t>
-            </a:r>
-          </a:p>
-          <a:p>
-            <a:pPr lvl="1"/>
-            <a:r>
-              <a:rPr lang="ru-RU" smtClean="0"/>
-              <a:t>Второй уровень</a:t>
-            </a:r>
-          </a:p>
-          <a:p>
-            <a:pPr lvl="2"/>
-            <a:r>
-              <a:rPr lang="ru-RU" smtClean="0"/>
-              <a:t>Третий уровень</a:t>
-            </a:r>
-          </a:p>
-          <a:p>
-            <a:pPr lvl="3"/>
-            <a:r>
-              <a:rPr lang="ru-RU" smtClean="0"/>
-              <a:t>Четвертый уровень</a:t>
-            </a:r>
-          </a:p>
-          <a:p>
-            <a:pPr lvl="4"/>
-            <a:r>
-              <a:rPr lang="ru-RU" smtClean="0"/>
-              <a:t>Пятый уровень</a:t>
-            </a:r>
-            <a:endParaRPr lang="ru-RU"/>
+            <a:endParaRPr kumimoji="0" lang="en-US"/>
           </a:p>
         </p:txBody>
       </p:sp>
@@ -2092,7 +2321,15 @@
         <p:spPr/>
         <p:txBody>
           <a:bodyPr/>
-          <a:lstStyle/>
+          <a:lstStyle>
+            <a:lvl1pPr>
+              <a:defRPr>
+                <a:solidFill>
+                  <a:srgbClr val="FFFFFF"/>
+                </a:solidFill>
+              </a:defRPr>
+            </a:lvl1pPr>
+          </a:lstStyle>
           <a:p>
             <a:fld id="{725C68B6-61C2-468F-89AB-4B9F7531AA68}" type="slidenum">
               <a:rPr lang="ru-RU" smtClean="0"/>
@@ -2103,12 +2340,64 @@
           </a:p>
         </p:txBody>
       </p:sp>
+      <p:sp>
+        <p:nvSpPr>
+          <p:cNvPr id="8" name="Объект 7"/>
+          <p:cNvSpPr>
+            <a:spLocks noGrp="1"/>
+          </p:cNvSpPr>
+          <p:nvPr>
+            <p:ph sz="quarter" idx="1"/>
+          </p:nvPr>
+        </p:nvSpPr>
+        <p:spPr>
+          <a:xfrm>
+            <a:off x="612648" y="1600200"/>
+            <a:ext cx="8153400" cy="4495800"/>
+          </a:xfrm>
+        </p:spPr>
+        <p:txBody>
+          <a:bodyPr/>
+          <a:lstStyle/>
+          <a:p>
+            <a:pPr lvl="0" eaLnBrk="1" latinLnBrk="0" hangingPunct="1"/>
+            <a:r>
+              <a:rPr lang="ru-RU" smtClean="0"/>
+              <a:t>Образец текста</a:t>
+            </a:r>
+          </a:p>
+          <a:p>
+            <a:pPr lvl="1" eaLnBrk="1" latinLnBrk="0" hangingPunct="1"/>
+            <a:r>
+              <a:rPr lang="ru-RU" smtClean="0"/>
+              <a:t>Второй уровень</a:t>
+            </a:r>
+          </a:p>
+          <a:p>
+            <a:pPr lvl="2" eaLnBrk="1" latinLnBrk="0" hangingPunct="1"/>
+            <a:r>
+              <a:rPr lang="ru-RU" smtClean="0"/>
+              <a:t>Третий уровень</a:t>
+            </a:r>
+          </a:p>
+          <a:p>
+            <a:pPr lvl="3" eaLnBrk="1" latinLnBrk="0" hangingPunct="1"/>
+            <a:r>
+              <a:rPr lang="ru-RU" smtClean="0"/>
+              <a:t>Четвертый уровень</a:t>
+            </a:r>
+          </a:p>
+          <a:p>
+            <a:pPr lvl="4" eaLnBrk="1" latinLnBrk="0" hangingPunct="1"/>
+            <a:r>
+              <a:rPr lang="ru-RU" smtClean="0"/>
+              <a:t>Пятый уровень</a:t>
+            </a:r>
+            <a:endParaRPr kumimoji="0" lang="en-US"/>
+          </a:p>
+        </p:txBody>
+      </p:sp>
     </p:spTree>
-    <p:extLst>
-      <p:ext uri="{BB962C8B-B14F-4D97-AF65-F5344CB8AC3E}">
-        <p14:creationId xmlns:p14="http://schemas.microsoft.com/office/powerpoint/2010/main" val="2742592579"/>
-      </p:ext>
-    </p:extLst>
   </p:cSld>
   <p:clrMapOvr>
     <a:masterClrMapping/>
@@ -2117,8 +2406,13 @@
 </file>
 
 <file path=ppt/slideLayouts/slideLayout3.xml><?xml version="1.0" encoding="utf-8"?>
-<p:sldLayout xmlns:a="http://schemas.openxmlformats.org/drawingml/2006/main" xmlns:r="http://schemas.openxmlformats.org/officeDocument/2006/relationships" xmlns:p="http://schemas.openxmlformats.org/presentationml/2006/main" type="secHead" preserve="1">
+<p:sldLayout xmlns:a="http://schemas.openxmlformats.org/drawingml/2006/main" xmlns:r="http://schemas.openxmlformats.org/officeDocument/2006/relationships" xmlns:p="http://schemas.openxmlformats.org/presentationml/2006/main" showMasterSp="0" type="secHead" preserve="1">
   <p:cSld name="Заголовок раздела">
+    <p:bg>
+      <p:bgRef idx="1003">
+        <a:schemeClr val="bg1"/>
+      </p:bgRef>
+    </p:bg>
     <p:spTree>
       <p:nvGrpSpPr>
         <p:cNvPr id="1" name=""/>
@@ -2135,66 +2429,32 @@
       </p:grpSpPr>
       <p:sp>
         <p:nvSpPr>
-          <p:cNvPr id="2" name="Заголовок 1"/>
-          <p:cNvSpPr>
-            <a:spLocks noGrp="1"/>
-          </p:cNvSpPr>
-          <p:nvPr>
-            <p:ph type="title"/>
+          <p:cNvPr id="3" name="Текст 2"/>
+          <p:cNvSpPr>
+            <a:spLocks noGrp="1"/>
+          </p:cNvSpPr>
+          <p:nvPr>
+            <p:ph type="body" idx="1"/>
           </p:nvPr>
         </p:nvSpPr>
         <p:spPr>
           <a:xfrm>
-            <a:off x="722313" y="4406900"/>
-            <a:ext cx="7772400" cy="1362075"/>
+            <a:off x="1371600" y="2743200"/>
+            <a:ext cx="7123113" cy="1673225"/>
           </a:xfrm>
         </p:spPr>
         <p:txBody>
           <a:bodyPr anchor="t"/>
-          <a:lstStyle>
-            <a:lvl1pPr algn="l">
-              <a:defRPr sz="4000" b="1" cap="all"/>
-            </a:lvl1pPr>
-          </a:lstStyle>
-          <a:p>
-            <a:r>
-              <a:rPr lang="ru-RU" smtClean="0"/>
-              <a:t>Образец заголовка</a:t>
-            </a:r>
-            <a:endParaRPr lang="ru-RU"/>
-          </a:p>
-        </p:txBody>
-      </p:sp>
-      <p:sp>
-        <p:nvSpPr>
-          <p:cNvPr id="3" name="Текст 2"/>
-          <p:cNvSpPr>
-            <a:spLocks noGrp="1"/>
-          </p:cNvSpPr>
-          <p:nvPr>
-            <p:ph type="body" idx="1"/>
-          </p:nvPr>
-        </p:nvSpPr>
-        <p:spPr>
-          <a:xfrm>
-            <a:off x="722313" y="2906713"/>
-            <a:ext cx="7772400" cy="1500187"/>
-          </a:xfrm>
-        </p:spPr>
-        <p:txBody>
-          <a:bodyPr anchor="b"/>
           <a:lstStyle>
             <a:lvl1pPr marL="0" indent="0">
               <a:buNone/>
-              <a:defRPr sz="2000">
+              <a:defRPr sz="2800">
                 <a:solidFill>
-                  <a:schemeClr val="tx1">
-                    <a:tint val="75000"/>
-                  </a:schemeClr>
+                  <a:schemeClr val="tx2"/>
                 </a:solidFill>
               </a:defRPr>
             </a:lvl1pPr>
-            <a:lvl2pPr marL="457200" indent="0">
+            <a:lvl2pPr>
               <a:buNone/>
               <a:defRPr sz="1800">
                 <a:solidFill>
@@ -2204,7 +2464,7 @@
                 </a:solidFill>
               </a:defRPr>
             </a:lvl2pPr>
-            <a:lvl3pPr marL="914400" indent="0">
+            <a:lvl3pPr>
               <a:buNone/>
               <a:defRPr sz="1600">
                 <a:solidFill>
@@ -2214,7 +2474,7 @@
                 </a:solidFill>
               </a:defRPr>
             </a:lvl3pPr>
-            <a:lvl4pPr marL="1371600" indent="0">
+            <a:lvl4pPr>
               <a:buNone/>
               <a:defRPr sz="1400">
                 <a:solidFill>
@@ -2224,7 +2484,7 @@
                 </a:solidFill>
               </a:defRPr>
             </a:lvl4pPr>
-            <a:lvl5pPr marL="1828800" indent="0">
+            <a:lvl5pPr>
               <a:buNone/>
               <a:defRPr sz="1400">
                 <a:solidFill>
@@ -2234,59 +2494,198 @@
                 </a:solidFill>
               </a:defRPr>
             </a:lvl5pPr>
-            <a:lvl6pPr marL="2286000" indent="0">
+          </a:lstStyle>
+          <a:p>
+            <a:pPr lvl="0" eaLnBrk="1" latinLnBrk="0" hangingPunct="1"/>
+            <a:r>
+              <a:rPr kumimoji="0" lang="ru-RU" smtClean="0"/>
+              <a:t>Образец текста</a:t>
+            </a:r>
+          </a:p>
+        </p:txBody>
+      </p:sp>
+      <p:sp>
+        <p:nvSpPr>
+          <p:cNvPr id="7" name="Прямоугольник 6"/>
+          <p:cNvSpPr/>
+          <p:nvPr/>
+        </p:nvSpPr>
+        <p:spPr bwMode="white">
+          <a:xfrm>
+            <a:off x="0" y="1524000"/>
+            <a:ext cx="9144000" cy="1143000"/>
+          </a:xfrm>
+          <a:prstGeom prst="rect">
+            <a:avLst/>
+          </a:prstGeom>
+          <a:solidFill>
+            <a:srgbClr val="FFFFFF"/>
+          </a:solidFill>
+          <a:ln w="50800" cap="rnd" cmpd="dbl" algn="ctr">
+            <a:noFill/>
+            <a:prstDash val="solid"/>
+          </a:ln>
+          <a:effectLst/>
+        </p:spPr>
+        <p:style>
+          <a:lnRef idx="3">
+            <a:schemeClr val="lt1"/>
+          </a:lnRef>
+          <a:fillRef idx="1">
+            <a:schemeClr val="accent1"/>
+          </a:fillRef>
+          <a:effectRef idx="1">
+            <a:schemeClr val="accent1"/>
+          </a:effectRef>
+          <a:fontRef idx="minor">
+            <a:schemeClr val="lt1"/>
+          </a:fontRef>
+        </p:style>
+        <p:txBody>
+          <a:bodyPr anchor="ctr"/>
+          <a:lstStyle/>
+          <a:p>
+            <a:pPr algn="ctr" eaLnBrk="1" latinLnBrk="0" hangingPunct="1"/>
+            <a:endParaRPr kumimoji="0" lang="en-US"/>
+          </a:p>
+        </p:txBody>
+      </p:sp>
+      <p:sp>
+        <p:nvSpPr>
+          <p:cNvPr id="8" name="Прямоугольник 7"/>
+          <p:cNvSpPr/>
+          <p:nvPr/>
+        </p:nvSpPr>
+        <p:spPr>
+          <a:xfrm>
+            <a:off x="0" y="1600200"/>
+            <a:ext cx="1295400" cy="990600"/>
+          </a:xfrm>
+          <a:prstGeom prst="rect">
+            <a:avLst/>
+          </a:prstGeom>
+          <a:solidFill>
+            <a:schemeClr val="accent2">
+              <a:alpha val="100000"/>
+            </a:schemeClr>
+          </a:solidFill>
+          <a:ln w="50800" cap="rnd" cmpd="dbl" algn="ctr">
+            <a:noFill/>
+            <a:prstDash val="solid"/>
+          </a:ln>
+          <a:effectLst/>
+        </p:spPr>
+        <p:style>
+          <a:lnRef idx="3">
+            <a:schemeClr val="lt1"/>
+          </a:lnRef>
+          <a:fillRef idx="1">
+            <a:schemeClr val="accent1"/>
+          </a:fillRef>
+          <a:effectRef idx="1">
+            <a:schemeClr val="accent1"/>
+          </a:effectRef>
+          <a:fontRef idx="minor">
+            <a:schemeClr val="lt1"/>
+          </a:fontRef>
+        </p:style>
+        <p:txBody>
+          <a:bodyPr anchor="ctr"/>
+          <a:lstStyle/>
+          <a:p>
+            <a:pPr algn="ctr" eaLnBrk="1" latinLnBrk="0" hangingPunct="1"/>
+            <a:endParaRPr kumimoji="0" lang="en-US"/>
+          </a:p>
+        </p:txBody>
+      </p:sp>
+      <p:sp>
+        <p:nvSpPr>
+          <p:cNvPr id="9" name="Прямоугольник 8"/>
+          <p:cNvSpPr/>
+          <p:nvPr/>
+        </p:nvSpPr>
+        <p:spPr>
+          <a:xfrm>
+            <a:off x="1371600" y="1600200"/>
+            <a:ext cx="7772400" cy="990600"/>
+          </a:xfrm>
+          <a:prstGeom prst="rect">
+            <a:avLst/>
+          </a:prstGeom>
+          <a:solidFill>
+            <a:schemeClr val="accent1">
+              <a:alpha val="100000"/>
+            </a:schemeClr>
+          </a:solidFill>
+          <a:ln w="50800" cap="rnd" cmpd="dbl" algn="ctr">
+            <a:noFill/>
+            <a:prstDash val="solid"/>
+          </a:ln>
+          <a:effectLst/>
+        </p:spPr>
+        <p:style>
+          <a:lnRef idx="3">
+            <a:schemeClr val="lt1"/>
+          </a:lnRef>
+          <a:fillRef idx="1">
+            <a:schemeClr val="accent1"/>
+          </a:fillRef>
+          <a:effectRef idx="1">
+            <a:schemeClr val="accent1"/>
+          </a:effectRef>
+          <a:fontRef idx="minor">
+            <a:schemeClr val="lt1"/>
+          </a:fontRef>
+        </p:style>
+        <p:txBody>
+          <a:bodyPr anchor="ctr"/>
+          <a:lstStyle/>
+          <a:p>
+            <a:pPr algn="ctr" eaLnBrk="1" latinLnBrk="0" hangingPunct="1"/>
+            <a:endParaRPr kumimoji="0" lang="en-US"/>
+          </a:p>
+        </p:txBody>
+      </p:sp>
+      <p:sp>
+        <p:nvSpPr>
+          <p:cNvPr id="2" name="Заголовок 1"/>
+          <p:cNvSpPr>
+            <a:spLocks noGrp="1"/>
+          </p:cNvSpPr>
+          <p:nvPr>
+            <p:ph type="title"/>
+          </p:nvPr>
+        </p:nvSpPr>
+        <p:spPr>
+          <a:xfrm>
+            <a:off x="1371600" y="1600200"/>
+            <a:ext cx="7620000" cy="990600"/>
+          </a:xfrm>
+        </p:spPr>
+        <p:txBody>
+          <a:bodyPr/>
+          <a:lstStyle>
+            <a:lvl1pPr algn="l">
               <a:buNone/>
-              <a:defRPr sz="1400">
+              <a:defRPr sz="4400" b="0" cap="none">
                 <a:solidFill>
-                  <a:schemeClr val="tx1">
-                    <a:tint val="75000"/>
-                  </a:schemeClr>
+                  <a:srgbClr val="FFFFFF"/>
                 </a:solidFill>
               </a:defRPr>
-            </a:lvl6pPr>
-            <a:lvl7pPr marL="2743200" indent="0">
-              <a:buNone/>
-              <a:defRPr sz="1400">
-                <a:solidFill>
-                  <a:schemeClr val="tx1">
-                    <a:tint val="75000"/>
-                  </a:schemeClr>
-                </a:solidFill>
-              </a:defRPr>
-            </a:lvl7pPr>
-            <a:lvl8pPr marL="3200400" indent="0">
-              <a:buNone/>
-              <a:defRPr sz="1400">
-                <a:solidFill>
-                  <a:schemeClr val="tx1">
-                    <a:tint val="75000"/>
-                  </a:schemeClr>
-                </a:solidFill>
-              </a:defRPr>
-            </a:lvl8pPr>
-            <a:lvl9pPr marL="3657600" indent="0">
-              <a:buNone/>
-              <a:defRPr sz="1400">
-                <a:solidFill>
-                  <a:schemeClr val="tx1">
-                    <a:tint val="75000"/>
-                  </a:schemeClr>
-                </a:solidFill>
-              </a:defRPr>
-            </a:lvl9pPr>
+            </a:lvl1pPr>
           </a:lstStyle>
           <a:p>
-            <a:pPr lvl="0"/>
-            <a:r>
-              <a:rPr lang="ru-RU" smtClean="0"/>
-              <a:t>Образец текста</a:t>
-            </a:r>
-          </a:p>
-        </p:txBody>
-      </p:sp>
-      <p:sp>
-        <p:nvSpPr>
-          <p:cNvPr id="4" name="Дата 3"/>
+            <a:r>
+              <a:rPr kumimoji="0" lang="ru-RU" smtClean="0"/>
+              <a:t>Образец заголовка</a:t>
+            </a:r>
+            <a:endParaRPr kumimoji="0" lang="en-US"/>
+          </a:p>
+        </p:txBody>
+      </p:sp>
+      <p:sp>
+        <p:nvSpPr>
+          <p:cNvPr id="12" name="Дата 11"/>
           <p:cNvSpPr>
             <a:spLocks noGrp="1"/>
           </p:cNvSpPr>
@@ -2310,37 +2709,33 @@
       </p:sp>
       <p:sp>
         <p:nvSpPr>
-          <p:cNvPr id="5" name="Нижний колонтитул 4"/>
-          <p:cNvSpPr>
-            <a:spLocks noGrp="1"/>
-          </p:cNvSpPr>
-          <p:nvPr>
-            <p:ph type="ftr" sz="quarter" idx="11"/>
-          </p:nvPr>
-        </p:nvSpPr>
-        <p:spPr/>
-        <p:txBody>
-          <a:bodyPr/>
-          <a:lstStyle/>
-          <a:p>
-            <a:endParaRPr lang="ru-RU"/>
-          </a:p>
-        </p:txBody>
-      </p:sp>
-      <p:sp>
-        <p:nvSpPr>
-          <p:cNvPr id="6" name="Номер слайда 5"/>
-          <p:cNvSpPr>
-            <a:spLocks noGrp="1"/>
-          </p:cNvSpPr>
-          <p:nvPr>
-            <p:ph type="sldNum" sz="quarter" idx="12"/>
-          </p:nvPr>
-        </p:nvSpPr>
-        <p:spPr/>
-        <p:txBody>
-          <a:bodyPr/>
-          <a:lstStyle/>
+          <p:cNvPr id="13" name="Номер слайда 12"/>
+          <p:cNvSpPr>
+            <a:spLocks noGrp="1"/>
+          </p:cNvSpPr>
+          <p:nvPr>
+            <p:ph type="sldNum" sz="quarter" idx="11"/>
+          </p:nvPr>
+        </p:nvSpPr>
+        <p:spPr>
+          <a:xfrm>
+            <a:off x="0" y="1752600"/>
+            <a:ext cx="1295400" cy="701676"/>
+          </a:xfrm>
+        </p:spPr>
+        <p:txBody>
+          <a:bodyPr>
+            <a:noAutofit/>
+          </a:bodyPr>
+          <a:lstStyle>
+            <a:lvl1pPr>
+              <a:defRPr sz="2400">
+                <a:solidFill>
+                  <a:srgbClr val="FFFFFF"/>
+                </a:solidFill>
+              </a:defRPr>
+            </a:lvl1pPr>
+          </a:lstStyle>
           <a:p>
             <a:fld id="{725C68B6-61C2-468F-89AB-4B9F7531AA68}" type="slidenum">
               <a:rPr lang="ru-RU" smtClean="0"/>
@@ -2351,15 +2746,29 @@
           </a:p>
         </p:txBody>
       </p:sp>
+      <p:sp>
+        <p:nvSpPr>
+          <p:cNvPr id="14" name="Нижний колонтитул 13"/>
+          <p:cNvSpPr>
+            <a:spLocks noGrp="1"/>
+          </p:cNvSpPr>
+          <p:nvPr>
+            <p:ph type="ftr" sz="quarter" idx="12"/>
+          </p:nvPr>
+        </p:nvSpPr>
+        <p:spPr/>
+        <p:txBody>
+          <a:bodyPr/>
+          <a:lstStyle/>
+          <a:p>
+            <a:endParaRPr lang="ru-RU"/>
+          </a:p>
+        </p:txBody>
+      </p:sp>
     </p:spTree>
-    <p:extLst>
-      <p:ext uri="{BB962C8B-B14F-4D97-AF65-F5344CB8AC3E}">
-        <p14:creationId xmlns:p14="http://schemas.microsoft.com/office/powerpoint/2010/main" val="1866392421"/>
-      </p:ext>
-    </p:extLst>
   </p:cSld>
   <p:clrMapOvr>
-    <a:masterClrMapping/>
+    <a:overrideClrMapping bg1="lt1" tx1="dk1" bg2="lt2" tx2="dk2" accent1="accent1" accent2="accent2" accent3="accent3" accent4="accent4" accent5="accent5" accent6="accent6" hlink="hlink" folHlink="folHlink"/>
   </p:clrMapOvr>
 </p:sldLayout>
 </file>
@@ -2397,196 +2806,140 @@
           <a:lstStyle/>
           <a:p>
             <a:r>
-              <a:rPr lang="ru-RU" smtClean="0"/>
+              <a:rPr kumimoji="0" lang="ru-RU" smtClean="0"/>
               <a:t>Образец заголовка</a:t>
             </a:r>
-            <a:endParaRPr lang="ru-RU"/>
-          </a:p>
-        </p:txBody>
-      </p:sp>
-      <p:sp>
-        <p:nvSpPr>
-          <p:cNvPr id="3" name="Объект 2"/>
-          <p:cNvSpPr>
-            <a:spLocks noGrp="1"/>
-          </p:cNvSpPr>
-          <p:nvPr>
-            <p:ph sz="half" idx="1"/>
+            <a:endParaRPr kumimoji="0" lang="en-US"/>
+          </a:p>
+        </p:txBody>
+      </p:sp>
+      <p:sp>
+        <p:nvSpPr>
+          <p:cNvPr id="9" name="Объект 8"/>
+          <p:cNvSpPr>
+            <a:spLocks noGrp="1"/>
+          </p:cNvSpPr>
+          <p:nvPr>
+            <p:ph sz="quarter" idx="1"/>
           </p:nvPr>
         </p:nvSpPr>
         <p:spPr>
           <a:xfrm>
-            <a:off x="457200" y="1600200"/>
-            <a:ext cx="4038600" cy="4525963"/>
+            <a:off x="609600" y="1589567"/>
+            <a:ext cx="3886200" cy="4572000"/>
           </a:xfrm>
         </p:spPr>
         <p:txBody>
           <a:bodyPr/>
-          <a:lstStyle>
-            <a:lvl1pPr>
-              <a:defRPr sz="2800"/>
-            </a:lvl1pPr>
-            <a:lvl2pPr>
-              <a:defRPr sz="2400"/>
-            </a:lvl2pPr>
-            <a:lvl3pPr>
-              <a:defRPr sz="2000"/>
-            </a:lvl3pPr>
-            <a:lvl4pPr>
-              <a:defRPr sz="1800"/>
-            </a:lvl4pPr>
-            <a:lvl5pPr>
-              <a:defRPr sz="1800"/>
-            </a:lvl5pPr>
-            <a:lvl6pPr>
-              <a:defRPr sz="1800"/>
-            </a:lvl6pPr>
-            <a:lvl7pPr>
-              <a:defRPr sz="1800"/>
-            </a:lvl7pPr>
-            <a:lvl8pPr>
-              <a:defRPr sz="1800"/>
-            </a:lvl8pPr>
-            <a:lvl9pPr>
-              <a:defRPr sz="1800"/>
-            </a:lvl9pPr>
-          </a:lstStyle>
-          <a:p>
-            <a:pPr lvl="0"/>
+          <a:lstStyle/>
+          <a:p>
+            <a:pPr lvl="0" eaLnBrk="1" latinLnBrk="0" hangingPunct="1"/>
             <a:r>
               <a:rPr lang="ru-RU" smtClean="0"/>
               <a:t>Образец текста</a:t>
             </a:r>
           </a:p>
           <a:p>
-            <a:pPr lvl="1"/>
+            <a:pPr lvl="1" eaLnBrk="1" latinLnBrk="0" hangingPunct="1"/>
             <a:r>
               <a:rPr lang="ru-RU" smtClean="0"/>
               <a:t>Второй уровень</a:t>
             </a:r>
           </a:p>
           <a:p>
-            <a:pPr lvl="2"/>
+            <a:pPr lvl="2" eaLnBrk="1" latinLnBrk="0" hangingPunct="1"/>
             <a:r>
               <a:rPr lang="ru-RU" smtClean="0"/>
               <a:t>Третий уровень</a:t>
             </a:r>
           </a:p>
           <a:p>
-            <a:pPr lvl="3"/>
+            <a:pPr lvl="3" eaLnBrk="1" latinLnBrk="0" hangingPunct="1"/>
             <a:r>
               <a:rPr lang="ru-RU" smtClean="0"/>
               <a:t>Четвертый уровень</a:t>
             </a:r>
           </a:p>
           <a:p>
-            <a:pPr lvl="4"/>
+            <a:pPr lvl="4" eaLnBrk="1" latinLnBrk="0" hangingPunct="1"/>
             <a:r>
               <a:rPr lang="ru-RU" smtClean="0"/>
               <a:t>Пятый уровень</a:t>
             </a:r>
-            <a:endParaRPr lang="ru-RU"/>
-          </a:p>
-        </p:txBody>
-      </p:sp>
-      <p:sp>
-        <p:nvSpPr>
-          <p:cNvPr id="4" name="Объект 3"/>
-          <p:cNvSpPr>
-            <a:spLocks noGrp="1"/>
-          </p:cNvSpPr>
-          <p:nvPr>
-            <p:ph sz="half" idx="2"/>
+            <a:endParaRPr kumimoji="0" lang="en-US"/>
+          </a:p>
+        </p:txBody>
+      </p:sp>
+      <p:sp>
+        <p:nvSpPr>
+          <p:cNvPr id="11" name="Объект 10"/>
+          <p:cNvSpPr>
+            <a:spLocks noGrp="1"/>
+          </p:cNvSpPr>
+          <p:nvPr>
+            <p:ph sz="quarter" idx="2"/>
           </p:nvPr>
         </p:nvSpPr>
         <p:spPr>
           <a:xfrm>
-            <a:off x="4648200" y="1600200"/>
-            <a:ext cx="4038600" cy="4525963"/>
+            <a:off x="4844901" y="1589567"/>
+            <a:ext cx="3886200" cy="4572000"/>
           </a:xfrm>
         </p:spPr>
         <p:txBody>
           <a:bodyPr/>
-          <a:lstStyle>
-            <a:lvl1pPr>
-              <a:defRPr sz="2800"/>
-            </a:lvl1pPr>
-            <a:lvl2pPr>
-              <a:defRPr sz="2400"/>
-            </a:lvl2pPr>
-            <a:lvl3pPr>
-              <a:defRPr sz="2000"/>
-            </a:lvl3pPr>
-            <a:lvl4pPr>
-              <a:defRPr sz="1800"/>
-            </a:lvl4pPr>
-            <a:lvl5pPr>
-              <a:defRPr sz="1800"/>
-            </a:lvl5pPr>
-            <a:lvl6pPr>
-              <a:defRPr sz="1800"/>
-            </a:lvl6pPr>
-            <a:lvl7pPr>
-              <a:defRPr sz="1800"/>
-            </a:lvl7pPr>
-            <a:lvl8pPr>
-              <a:defRPr sz="1800"/>
-            </a:lvl8pPr>
-            <a:lvl9pPr>
-              <a:defRPr sz="1800"/>
-            </a:lvl9pPr>
-          </a:lstStyle>
-          <a:p>
-            <a:pPr lvl="0"/>
+          <a:lstStyle/>
+          <a:p>
+            <a:pPr lvl="0" eaLnBrk="1" latinLnBrk="0" hangingPunct="1"/>
             <a:r>
               <a:rPr lang="ru-RU" smtClean="0"/>
               <a:t>Образец текста</a:t>
             </a:r>
           </a:p>
           <a:p>
-            <a:pPr lvl="1"/>
+            <a:pPr lvl="1" eaLnBrk="1" latinLnBrk="0" hangingPunct="1"/>
             <a:r>
               <a:rPr lang="ru-RU" smtClean="0"/>
               <a:t>Второй уровень</a:t>
             </a:r>
           </a:p>
           <a:p>
-            <a:pPr lvl="2"/>
+            <a:pPr lvl="2" eaLnBrk="1" latinLnBrk="0" hangingPunct="1"/>
             <a:r>
               <a:rPr lang="ru-RU" smtClean="0"/>
               <a:t>Третий уровень</a:t>
             </a:r>
           </a:p>
           <a:p>
-            <a:pPr lvl="3"/>
+            <a:pPr lvl="3" eaLnBrk="1" latinLnBrk="0" hangingPunct="1"/>
             <a:r>
               <a:rPr lang="ru-RU" smtClean="0"/>
               <a:t>Четвертый уровень</a:t>
             </a:r>
           </a:p>
           <a:p>
-            <a:pPr lvl="4"/>
+            <a:pPr lvl="4" eaLnBrk="1" latinLnBrk="0" hangingPunct="1"/>
             <a:r>
               <a:rPr lang="ru-RU" smtClean="0"/>
               <a:t>Пятый уровень</a:t>
             </a:r>
-            <a:endParaRPr lang="ru-RU"/>
-          </a:p>
-        </p:txBody>
-      </p:sp>
-      <p:sp>
-        <p:nvSpPr>
-          <p:cNvPr id="5" name="Дата 4"/>
-          <p:cNvSpPr>
-            <a:spLocks noGrp="1"/>
-          </p:cNvSpPr>
-          <p:nvPr>
-            <p:ph type="dt" sz="half" idx="10"/>
+            <a:endParaRPr kumimoji="0" lang="en-US"/>
+          </a:p>
+        </p:txBody>
+      </p:sp>
+      <p:sp>
+        <p:nvSpPr>
+          <p:cNvPr id="8" name="Дата 7"/>
+          <p:cNvSpPr>
+            <a:spLocks noGrp="1"/>
+          </p:cNvSpPr>
+          <p:nvPr>
+            <p:ph type="dt" sz="half" idx="15"/>
           </p:nvPr>
         </p:nvSpPr>
         <p:spPr/>
         <p:txBody>
-          <a:bodyPr/>
+          <a:bodyPr rtlCol="0"/>
           <a:lstStyle/>
           <a:p>
             <a:fld id="{5E9386AA-5667-4EE4-BCC2-4BFAFBFCF067}" type="datetime1">
@@ -2600,36 +2953,17 @@
       </p:sp>
       <p:sp>
         <p:nvSpPr>
-          <p:cNvPr id="6" name="Нижний колонтитул 5"/>
-          <p:cNvSpPr>
-            <a:spLocks noGrp="1"/>
-          </p:cNvSpPr>
-          <p:nvPr>
-            <p:ph type="ftr" sz="quarter" idx="11"/>
+          <p:cNvPr id="10" name="Номер слайда 9"/>
+          <p:cNvSpPr>
+            <a:spLocks noGrp="1"/>
+          </p:cNvSpPr>
+          <p:nvPr>
+            <p:ph type="sldNum" sz="quarter" idx="16"/>
           </p:nvPr>
         </p:nvSpPr>
         <p:spPr/>
         <p:txBody>
-          <a:bodyPr/>
-          <a:lstStyle/>
-          <a:p>
-            <a:endParaRPr lang="ru-RU"/>
-          </a:p>
-        </p:txBody>
-      </p:sp>
-      <p:sp>
-        <p:nvSpPr>
-          <p:cNvPr id="7" name="Номер слайда 6"/>
-          <p:cNvSpPr>
-            <a:spLocks noGrp="1"/>
-          </p:cNvSpPr>
-          <p:nvPr>
-            <p:ph type="sldNum" sz="quarter" idx="12"/>
-          </p:nvPr>
-        </p:nvSpPr>
-        <p:spPr/>
-        <p:txBody>
-          <a:bodyPr/>
+          <a:bodyPr rtlCol="0"/>
           <a:lstStyle/>
           <a:p>
             <a:fld id="{725C68B6-61C2-468F-89AB-4B9F7531AA68}" type="slidenum">
@@ -2641,12 +2975,26 @@
           </a:p>
         </p:txBody>
       </p:sp>
+      <p:sp>
+        <p:nvSpPr>
+          <p:cNvPr id="12" name="Нижний колонтитул 11"/>
+          <p:cNvSpPr>
+            <a:spLocks noGrp="1"/>
+          </p:cNvSpPr>
+          <p:nvPr>
+            <p:ph type="ftr" sz="quarter" idx="17"/>
+          </p:nvPr>
+        </p:nvSpPr>
+        <p:spPr/>
+        <p:txBody>
+          <a:bodyPr rtlCol="0"/>
+          <a:lstStyle/>
+          <a:p>
+            <a:endParaRPr lang="ru-RU"/>
+          </a:p>
+        </p:txBody>
+      </p:sp>
     </p:spTree>
-    <p:extLst>
-      <p:ext uri="{BB962C8B-B14F-4D97-AF65-F5344CB8AC3E}">
-        <p14:creationId xmlns:p14="http://schemas.microsoft.com/office/powerpoint/2010/main" val="3876473852"/>
-      </p:ext>
-    </p:extLst>
   </p:cSld>
   <p:clrMapOvr>
     <a:masterClrMapping/>
@@ -2681,9 +3029,14 @@
             <p:ph type="title"/>
           </p:nvPr>
         </p:nvSpPr>
-        <p:spPr/>
-        <p:txBody>
-          <a:bodyPr/>
+        <p:spPr>
+          <a:xfrm>
+            <a:off x="533400" y="273050"/>
+            <a:ext cx="8153400" cy="869950"/>
+          </a:xfrm>
+        </p:spPr>
+        <p:txBody>
+          <a:bodyPr anchor="ctr"/>
           <a:lstStyle>
             <a:lvl1pPr>
               <a:defRPr/>
@@ -2691,326 +3044,140 @@
           </a:lstStyle>
           <a:p>
             <a:r>
-              <a:rPr lang="ru-RU" smtClean="0"/>
+              <a:rPr kumimoji="0" lang="ru-RU" smtClean="0"/>
               <a:t>Образец заголовка</a:t>
             </a:r>
-            <a:endParaRPr lang="ru-RU"/>
-          </a:p>
-        </p:txBody>
-      </p:sp>
-      <p:sp>
-        <p:nvSpPr>
-          <p:cNvPr id="3" name="Текст 2"/>
-          <p:cNvSpPr>
-            <a:spLocks noGrp="1"/>
-          </p:cNvSpPr>
-          <p:nvPr>
-            <p:ph type="body" idx="1"/>
+            <a:endParaRPr kumimoji="0" lang="en-US"/>
+          </a:p>
+        </p:txBody>
+      </p:sp>
+      <p:sp>
+        <p:nvSpPr>
+          <p:cNvPr id="11" name="Объект 10"/>
+          <p:cNvSpPr>
+            <a:spLocks noGrp="1"/>
+          </p:cNvSpPr>
+          <p:nvPr>
+            <p:ph sz="quarter" idx="2"/>
           </p:nvPr>
         </p:nvSpPr>
         <p:spPr>
           <a:xfrm>
-            <a:off x="457200" y="1535113"/>
-            <a:ext cx="4040188" cy="639762"/>
-          </a:xfrm>
-        </p:spPr>
-        <p:txBody>
-          <a:bodyPr anchor="b"/>
-          <a:lstStyle>
-            <a:lvl1pPr marL="0" indent="0">
-              <a:buNone/>
-              <a:defRPr sz="2400" b="1"/>
-            </a:lvl1pPr>
-            <a:lvl2pPr marL="457200" indent="0">
-              <a:buNone/>
-              <a:defRPr sz="2000" b="1"/>
-            </a:lvl2pPr>
-            <a:lvl3pPr marL="914400" indent="0">
-              <a:buNone/>
-              <a:defRPr sz="1800" b="1"/>
-            </a:lvl3pPr>
-            <a:lvl4pPr marL="1371600" indent="0">
-              <a:buNone/>
-              <a:defRPr sz="1600" b="1"/>
-            </a:lvl4pPr>
-            <a:lvl5pPr marL="1828800" indent="0">
-              <a:buNone/>
-              <a:defRPr sz="1600" b="1"/>
-            </a:lvl5pPr>
-            <a:lvl6pPr marL="2286000" indent="0">
-              <a:buNone/>
-              <a:defRPr sz="1600" b="1"/>
-            </a:lvl6pPr>
-            <a:lvl7pPr marL="2743200" indent="0">
-              <a:buNone/>
-              <a:defRPr sz="1600" b="1"/>
-            </a:lvl7pPr>
-            <a:lvl8pPr marL="3200400" indent="0">
-              <a:buNone/>
-              <a:defRPr sz="1600" b="1"/>
-            </a:lvl8pPr>
-            <a:lvl9pPr marL="3657600" indent="0">
-              <a:buNone/>
-              <a:defRPr sz="1600" b="1"/>
-            </a:lvl9pPr>
-          </a:lstStyle>
-          <a:p>
-            <a:pPr lvl="0"/>
+            <a:off x="609600" y="2438400"/>
+            <a:ext cx="3886200" cy="3581400"/>
+          </a:xfrm>
+        </p:spPr>
+        <p:txBody>
+          <a:bodyPr/>
+          <a:lstStyle/>
+          <a:p>
+            <a:pPr lvl="0" eaLnBrk="1" latinLnBrk="0" hangingPunct="1"/>
             <a:r>
               <a:rPr lang="ru-RU" smtClean="0"/>
               <a:t>Образец текста</a:t>
             </a:r>
           </a:p>
-        </p:txBody>
-      </p:sp>
-      <p:sp>
-        <p:nvSpPr>
-          <p:cNvPr id="4" name="Объект 3"/>
-          <p:cNvSpPr>
-            <a:spLocks noGrp="1"/>
-          </p:cNvSpPr>
-          <p:nvPr>
-            <p:ph sz="half" idx="2"/>
+          <a:p>
+            <a:pPr lvl="1" eaLnBrk="1" latinLnBrk="0" hangingPunct="1"/>
+            <a:r>
+              <a:rPr lang="ru-RU" smtClean="0"/>
+              <a:t>Второй уровень</a:t>
+            </a:r>
+          </a:p>
+          <a:p>
+            <a:pPr lvl="2" eaLnBrk="1" latinLnBrk="0" hangingPunct="1"/>
+            <a:r>
+              <a:rPr lang="ru-RU" smtClean="0"/>
+              <a:t>Третий уровень</a:t>
+            </a:r>
+          </a:p>
+          <a:p>
+            <a:pPr lvl="3" eaLnBrk="1" latinLnBrk="0" hangingPunct="1"/>
+            <a:r>
+              <a:rPr lang="ru-RU" smtClean="0"/>
+              <a:t>Четвертый уровень</a:t>
+            </a:r>
+          </a:p>
+          <a:p>
+            <a:pPr lvl="4" eaLnBrk="1" latinLnBrk="0" hangingPunct="1"/>
+            <a:r>
+              <a:rPr lang="ru-RU" smtClean="0"/>
+              <a:t>Пятый уровень</a:t>
+            </a:r>
+            <a:endParaRPr kumimoji="0" lang="en-US"/>
+          </a:p>
+        </p:txBody>
+      </p:sp>
+      <p:sp>
+        <p:nvSpPr>
+          <p:cNvPr id="13" name="Объект 12"/>
+          <p:cNvSpPr>
+            <a:spLocks noGrp="1"/>
+          </p:cNvSpPr>
+          <p:nvPr>
+            <p:ph sz="quarter" idx="4"/>
           </p:nvPr>
         </p:nvSpPr>
         <p:spPr>
           <a:xfrm>
-            <a:off x="457200" y="2174875"/>
-            <a:ext cx="4040188" cy="3951288"/>
+            <a:off x="4800600" y="2438400"/>
+            <a:ext cx="3886200" cy="3581400"/>
           </a:xfrm>
         </p:spPr>
         <p:txBody>
           <a:bodyPr/>
-          <a:lstStyle>
-            <a:lvl1pPr>
-              <a:defRPr sz="2400"/>
-            </a:lvl1pPr>
-            <a:lvl2pPr>
-              <a:defRPr sz="2000"/>
-            </a:lvl2pPr>
-            <a:lvl3pPr>
-              <a:defRPr sz="1800"/>
-            </a:lvl3pPr>
-            <a:lvl4pPr>
-              <a:defRPr sz="1600"/>
-            </a:lvl4pPr>
-            <a:lvl5pPr>
-              <a:defRPr sz="1600"/>
-            </a:lvl5pPr>
-            <a:lvl6pPr>
-              <a:defRPr sz="1600"/>
-            </a:lvl6pPr>
-            <a:lvl7pPr>
-              <a:defRPr sz="1600"/>
-            </a:lvl7pPr>
-            <a:lvl8pPr>
-              <a:defRPr sz="1600"/>
-            </a:lvl8pPr>
-            <a:lvl9pPr>
-              <a:defRPr sz="1600"/>
-            </a:lvl9pPr>
-          </a:lstStyle>
-          <a:p>
-            <a:pPr lvl="0"/>
+          <a:lstStyle/>
+          <a:p>
+            <a:pPr lvl="0" eaLnBrk="1" latinLnBrk="0" hangingPunct="1"/>
             <a:r>
               <a:rPr lang="ru-RU" smtClean="0"/>
               <a:t>Образец текста</a:t>
             </a:r>
           </a:p>
           <a:p>
-            <a:pPr lvl="1"/>
+            <a:pPr lvl="1" eaLnBrk="1" latinLnBrk="0" hangingPunct="1"/>
             <a:r>
               <a:rPr lang="ru-RU" smtClean="0"/>
               <a:t>Второй уровень</a:t>
             </a:r>
           </a:p>
           <a:p>
-            <a:pPr lvl="2"/>
+            <a:pPr lvl="2" eaLnBrk="1" latinLnBrk="0" hangingPunct="1"/>
             <a:r>
               <a:rPr lang="ru-RU" smtClean="0"/>
               <a:t>Третий уровень</a:t>
             </a:r>
           </a:p>
           <a:p>
-            <a:pPr lvl="3"/>
+            <a:pPr lvl="3" eaLnBrk="1" latinLnBrk="0" hangingPunct="1"/>
             <a:r>
               <a:rPr lang="ru-RU" smtClean="0"/>
               <a:t>Четвертый уровень</a:t>
             </a:r>
           </a:p>
           <a:p>
-            <a:pPr lvl="4"/>
+            <a:pPr lvl="4" eaLnBrk="1" latinLnBrk="0" hangingPunct="1"/>
             <a:r>
               <a:rPr lang="ru-RU" smtClean="0"/>
               <a:t>Пятый уровень</a:t>
             </a:r>
-            <a:endParaRPr lang="ru-RU"/>
-          </a:p>
-        </p:txBody>
-      </p:sp>
-      <p:sp>
-        <p:nvSpPr>
-          <p:cNvPr id="5" name="Текст 4"/>
-          <p:cNvSpPr>
-            <a:spLocks noGrp="1"/>
-          </p:cNvSpPr>
-          <p:nvPr>
-            <p:ph type="body" sz="quarter" idx="3"/>
-          </p:nvPr>
-        </p:nvSpPr>
-        <p:spPr>
-          <a:xfrm>
-            <a:off x="4645025" y="1535113"/>
-            <a:ext cx="4041775" cy="639762"/>
-          </a:xfrm>
-        </p:spPr>
-        <p:txBody>
-          <a:bodyPr anchor="b"/>
-          <a:lstStyle>
-            <a:lvl1pPr marL="0" indent="0">
-              <a:buNone/>
-              <a:defRPr sz="2400" b="1"/>
-            </a:lvl1pPr>
-            <a:lvl2pPr marL="457200" indent="0">
-              <a:buNone/>
-              <a:defRPr sz="2000" b="1"/>
-            </a:lvl2pPr>
-            <a:lvl3pPr marL="914400" indent="0">
-              <a:buNone/>
-              <a:defRPr sz="1800" b="1"/>
-            </a:lvl3pPr>
-            <a:lvl4pPr marL="1371600" indent="0">
-              <a:buNone/>
-              <a:defRPr sz="1600" b="1"/>
-            </a:lvl4pPr>
-            <a:lvl5pPr marL="1828800" indent="0">
-              <a:buNone/>
-              <a:defRPr sz="1600" b="1"/>
-            </a:lvl5pPr>
-            <a:lvl6pPr marL="2286000" indent="0">
-              <a:buNone/>
-              <a:defRPr sz="1600" b="1"/>
-            </a:lvl6pPr>
-            <a:lvl7pPr marL="2743200" indent="0">
-              <a:buNone/>
-              <a:defRPr sz="1600" b="1"/>
-            </a:lvl7pPr>
-            <a:lvl8pPr marL="3200400" indent="0">
-              <a:buNone/>
-              <a:defRPr sz="1600" b="1"/>
-            </a:lvl8pPr>
-            <a:lvl9pPr marL="3657600" indent="0">
-              <a:buNone/>
-              <a:defRPr sz="1600" b="1"/>
-            </a:lvl9pPr>
-          </a:lstStyle>
-          <a:p>
-            <a:pPr lvl="0"/>
-            <a:r>
-              <a:rPr lang="ru-RU" smtClean="0"/>
-              <a:t>Образец текста</a:t>
-            </a:r>
-          </a:p>
-        </p:txBody>
-      </p:sp>
-      <p:sp>
-        <p:nvSpPr>
-          <p:cNvPr id="6" name="Объект 5"/>
-          <p:cNvSpPr>
-            <a:spLocks noGrp="1"/>
-          </p:cNvSpPr>
-          <p:nvPr>
-            <p:ph sz="quarter" idx="4"/>
-          </p:nvPr>
-        </p:nvSpPr>
-        <p:spPr>
-          <a:xfrm>
-            <a:off x="4645025" y="2174875"/>
-            <a:ext cx="4041775" cy="3951288"/>
-          </a:xfrm>
-        </p:spPr>
-        <p:txBody>
-          <a:bodyPr/>
-          <a:lstStyle>
-            <a:lvl1pPr>
-              <a:defRPr sz="2400"/>
-            </a:lvl1pPr>
-            <a:lvl2pPr>
-              <a:defRPr sz="2000"/>
-            </a:lvl2pPr>
-            <a:lvl3pPr>
-              <a:defRPr sz="1800"/>
-            </a:lvl3pPr>
-            <a:lvl4pPr>
-              <a:defRPr sz="1600"/>
-            </a:lvl4pPr>
-            <a:lvl5pPr>
-              <a:defRPr sz="1600"/>
-            </a:lvl5pPr>
-            <a:lvl6pPr>
-              <a:defRPr sz="1600"/>
-            </a:lvl6pPr>
-            <a:lvl7pPr>
-              <a:defRPr sz="1600"/>
-            </a:lvl7pPr>
-            <a:lvl8pPr>
-              <a:defRPr sz="1600"/>
-            </a:lvl8pPr>
-            <a:lvl9pPr>
-              <a:defRPr sz="1600"/>
-            </a:lvl9pPr>
-          </a:lstStyle>
-          <a:p>
-            <a:pPr lvl="0"/>
-            <a:r>
-              <a:rPr lang="ru-RU" smtClean="0"/>
-              <a:t>Образец текста</a:t>
-            </a:r>
-          </a:p>
-          <a:p>
-            <a:pPr lvl="1"/>
-            <a:r>
-              <a:rPr lang="ru-RU" smtClean="0"/>
-              <a:t>Второй уровень</a:t>
-            </a:r>
-          </a:p>
-          <a:p>
-            <a:pPr lvl="2"/>
-            <a:r>
-              <a:rPr lang="ru-RU" smtClean="0"/>
-              <a:t>Третий уровень</a:t>
-            </a:r>
-          </a:p>
-          <a:p>
-            <a:pPr lvl="3"/>
-            <a:r>
-              <a:rPr lang="ru-RU" smtClean="0"/>
-              <a:t>Четвертый уровень</a:t>
-            </a:r>
-          </a:p>
-          <a:p>
-            <a:pPr lvl="4"/>
-            <a:r>
-              <a:rPr lang="ru-RU" smtClean="0"/>
-              <a:t>Пятый уровень</a:t>
-            </a:r>
-            <a:endParaRPr lang="ru-RU"/>
-          </a:p>
-        </p:txBody>
-      </p:sp>
-      <p:sp>
-        <p:nvSpPr>
-          <p:cNvPr id="7" name="Дата 6"/>
-          <p:cNvSpPr>
-            <a:spLocks noGrp="1"/>
-          </p:cNvSpPr>
-          <p:nvPr>
-            <p:ph type="dt" sz="half" idx="10"/>
+            <a:endParaRPr kumimoji="0" lang="en-US"/>
+          </a:p>
+        </p:txBody>
+      </p:sp>
+      <p:sp>
+        <p:nvSpPr>
+          <p:cNvPr id="10" name="Дата 9"/>
+          <p:cNvSpPr>
+            <a:spLocks noGrp="1"/>
+          </p:cNvSpPr>
+          <p:nvPr>
+            <p:ph type="dt" sz="half" idx="15"/>
           </p:nvPr>
         </p:nvSpPr>
         <p:spPr/>
         <p:txBody>
-          <a:bodyPr/>
+          <a:bodyPr rtlCol="0"/>
           <a:lstStyle/>
           <a:p>
             <a:fld id="{D42DDB14-86B5-4F5D-9215-ACD89DC86D24}" type="datetime1">
@@ -3024,36 +3191,17 @@
       </p:sp>
       <p:sp>
         <p:nvSpPr>
-          <p:cNvPr id="8" name="Нижний колонтитул 7"/>
-          <p:cNvSpPr>
-            <a:spLocks noGrp="1"/>
-          </p:cNvSpPr>
-          <p:nvPr>
-            <p:ph type="ftr" sz="quarter" idx="11"/>
+          <p:cNvPr id="12" name="Номер слайда 11"/>
+          <p:cNvSpPr>
+            <a:spLocks noGrp="1"/>
+          </p:cNvSpPr>
+          <p:nvPr>
+            <p:ph type="sldNum" sz="quarter" idx="16"/>
           </p:nvPr>
         </p:nvSpPr>
         <p:spPr/>
         <p:txBody>
-          <a:bodyPr/>
-          <a:lstStyle/>
-          <a:p>
-            <a:endParaRPr lang="ru-RU"/>
-          </a:p>
-        </p:txBody>
-      </p:sp>
-      <p:sp>
-        <p:nvSpPr>
-          <p:cNvPr id="9" name="Номер слайда 8"/>
-          <p:cNvSpPr>
-            <a:spLocks noGrp="1"/>
-          </p:cNvSpPr>
-          <p:nvPr>
-            <p:ph type="sldNum" sz="quarter" idx="12"/>
-          </p:nvPr>
-        </p:nvSpPr>
-        <p:spPr/>
-        <p:txBody>
-          <a:bodyPr/>
+          <a:bodyPr rtlCol="0"/>
           <a:lstStyle/>
           <a:p>
             <a:fld id="{725C68B6-61C2-468F-89AB-4B9F7531AA68}" type="slidenum">
@@ -3065,12 +3213,108 @@
           </a:p>
         </p:txBody>
       </p:sp>
+      <p:sp>
+        <p:nvSpPr>
+          <p:cNvPr id="14" name="Нижний колонтитул 13"/>
+          <p:cNvSpPr>
+            <a:spLocks noGrp="1"/>
+          </p:cNvSpPr>
+          <p:nvPr>
+            <p:ph type="ftr" sz="quarter" idx="17"/>
+          </p:nvPr>
+        </p:nvSpPr>
+        <p:spPr/>
+        <p:txBody>
+          <a:bodyPr rtlCol="0"/>
+          <a:lstStyle/>
+          <a:p>
+            <a:endParaRPr lang="ru-RU"/>
+          </a:p>
+        </p:txBody>
+      </p:sp>
+      <p:sp>
+        <p:nvSpPr>
+          <p:cNvPr id="16" name="Текст 15"/>
+          <p:cNvSpPr>
+            <a:spLocks noGrp="1"/>
+          </p:cNvSpPr>
+          <p:nvPr>
+            <p:ph type="body" sz="quarter" idx="1"/>
+          </p:nvPr>
+        </p:nvSpPr>
+        <p:spPr>
+          <a:xfrm>
+            <a:off x="609600" y="1752600"/>
+            <a:ext cx="3886200" cy="640080"/>
+          </a:xfrm>
+          <a:solidFill>
+            <a:schemeClr val="accent2"/>
+          </a:solidFill>
+        </p:spPr>
+        <p:txBody>
+          <a:bodyPr rtlCol="0" anchor="ctr"/>
+          <a:lstStyle>
+            <a:lvl1pPr marL="0" indent="0">
+              <a:buFontTx/>
+              <a:buNone/>
+              <a:defRPr sz="2000" b="1">
+                <a:solidFill>
+                  <a:srgbClr val="FFFFFF"/>
+                </a:solidFill>
+              </a:defRPr>
+            </a:lvl1pPr>
+          </a:lstStyle>
+          <a:p>
+            <a:pPr lvl="0" eaLnBrk="1" latinLnBrk="0" hangingPunct="1"/>
+            <a:r>
+              <a:rPr kumimoji="0" lang="ru-RU" smtClean="0"/>
+              <a:t>Образец текста</a:t>
+            </a:r>
+          </a:p>
+        </p:txBody>
+      </p:sp>
+      <p:sp>
+        <p:nvSpPr>
+          <p:cNvPr id="15" name="Текст 14"/>
+          <p:cNvSpPr>
+            <a:spLocks noGrp="1"/>
+          </p:cNvSpPr>
+          <p:nvPr>
+            <p:ph type="body" sz="quarter" idx="3"/>
+          </p:nvPr>
+        </p:nvSpPr>
+        <p:spPr>
+          <a:xfrm>
+            <a:off x="4800600" y="1752600"/>
+            <a:ext cx="3886200" cy="640080"/>
+          </a:xfrm>
+          <a:solidFill>
+            <a:schemeClr val="accent4"/>
+          </a:solidFill>
+        </p:spPr>
+        <p:txBody>
+          <a:bodyPr rtlCol="0" anchor="ctr"/>
+          <a:lstStyle>
+            <a:lvl1pPr marL="0" indent="0">
+              <a:buFontTx/>
+              <a:buNone/>
+              <a:defRPr sz="2000" b="1">
+                <a:solidFill>
+                  <a:srgbClr val="FFFFFF"/>
+                </a:solidFill>
+              </a:defRPr>
+            </a:lvl1pPr>
+          </a:lstStyle>
+          <a:p>
+            <a:pPr lvl="0" eaLnBrk="1" latinLnBrk="0" hangingPunct="1"/>
+            <a:r>
+              <a:rPr kumimoji="0" lang="ru-RU" smtClean="0"/>
+              <a:t>Образец текста</a:t>
+            </a:r>
+          </a:p>
+        </p:txBody>
+      </p:sp>
     </p:spTree>
-    <p:extLst>
-      <p:ext uri="{BB962C8B-B14F-4D97-AF65-F5344CB8AC3E}">
-        <p14:creationId xmlns:p14="http://schemas.microsoft.com/office/powerpoint/2010/main" val="3263387415"/>
-      </p:ext>
-    </p:extLst>
   </p:cSld>
   <p:clrMapOvr>
     <a:masterClrMapping/>
@@ -3111,10 +3355,10 @@
           <a:lstStyle/>
           <a:p>
             <a:r>
-              <a:rPr lang="ru-RU" smtClean="0"/>
+              <a:rPr kumimoji="0" lang="ru-RU" smtClean="0"/>
               <a:t>Образец заголовка</a:t>
             </a:r>
-            <a:endParaRPr lang="ru-RU"/>
+            <a:endParaRPr kumimoji="0" lang="en-US"/>
           </a:p>
         </p:txBody>
       </p:sp>
@@ -3174,7 +3418,15 @@
         <p:spPr/>
         <p:txBody>
           <a:bodyPr/>
-          <a:lstStyle/>
+          <a:lstStyle>
+            <a:lvl1pPr>
+              <a:defRPr>
+                <a:solidFill>
+                  <a:srgbClr val="FFFFFF"/>
+                </a:solidFill>
+              </a:defRPr>
+            </a:lvl1pPr>
+          </a:lstStyle>
           <a:p>
             <a:fld id="{725C68B6-61C2-468F-89AB-4B9F7531AA68}" type="slidenum">
               <a:rPr lang="ru-RU" smtClean="0"/>
@@ -3186,11 +3438,6 @@
         </p:txBody>
       </p:sp>
     </p:spTree>
-    <p:extLst>
-      <p:ext uri="{BB962C8B-B14F-4D97-AF65-F5344CB8AC3E}">
-        <p14:creationId xmlns:p14="http://schemas.microsoft.com/office/powerpoint/2010/main" val="2458753340"/>
-      </p:ext>
-    </p:extLst>
   </p:cSld>
   <p:clrMapOvr>
     <a:masterClrMapping/>
@@ -3199,7 +3446,7 @@
 </file>
 
 <file path=ppt/slideLayouts/slideLayout7.xml><?xml version="1.0" encoding="utf-8"?>
-<p:sldLayout xmlns:a="http://schemas.openxmlformats.org/drawingml/2006/main" xmlns:r="http://schemas.openxmlformats.org/officeDocument/2006/relationships" xmlns:p="http://schemas.openxmlformats.org/presentationml/2006/main" type="blank" preserve="1">
+<p:sldLayout xmlns:a="http://schemas.openxmlformats.org/drawingml/2006/main" xmlns:r="http://schemas.openxmlformats.org/officeDocument/2006/relationships" xmlns:p="http://schemas.openxmlformats.org/presentationml/2006/main" showMasterSp="0" type="blank" preserve="1">
   <p:cSld name="Пустой слайд">
     <p:spTree>
       <p:nvGrpSpPr>
@@ -3268,10 +3515,23 @@
             <p:ph type="sldNum" sz="quarter" idx="12"/>
           </p:nvPr>
         </p:nvSpPr>
-        <p:spPr/>
+        <p:spPr>
+          <a:xfrm>
+            <a:off x="0" y="6248400"/>
+            <a:ext cx="533400" cy="381000"/>
+          </a:xfrm>
+        </p:spPr>
         <p:txBody>
           <a:bodyPr/>
-          <a:lstStyle/>
+          <a:lstStyle>
+            <a:lvl1pPr>
+              <a:defRPr>
+                <a:solidFill>
+                  <a:schemeClr val="tx2"/>
+                </a:solidFill>
+              </a:defRPr>
+            </a:lvl1pPr>
+          </a:lstStyle>
           <a:p>
             <a:fld id="{725C68B6-61C2-468F-89AB-4B9F7531AA68}" type="slidenum">
               <a:rPr lang="ru-RU" smtClean="0"/>
@@ -3283,11 +3543,6 @@
         </p:txBody>
       </p:sp>
     </p:spTree>
-    <p:extLst>
-      <p:ext uri="{BB962C8B-B14F-4D97-AF65-F5344CB8AC3E}">
-        <p14:creationId xmlns:p14="http://schemas.microsoft.com/office/powerpoint/2010/main" val="806131465"/>
-      </p:ext>
-    </p:extLst>
   </p:cSld>
   <p:clrMapOvr>
     <a:masterClrMapping/>
@@ -3324,173 +3579,24 @@
         </p:nvSpPr>
         <p:spPr>
           <a:xfrm>
-            <a:off x="457200" y="273050"/>
-            <a:ext cx="3008313" cy="1162050"/>
-          </a:xfrm>
-        </p:spPr>
-        <p:txBody>
-          <a:bodyPr anchor="b"/>
+            <a:off x="609600" y="273050"/>
+            <a:ext cx="8077200" cy="869950"/>
+          </a:xfrm>
+        </p:spPr>
+        <p:txBody>
+          <a:bodyPr anchor="ctr"/>
           <a:lstStyle>
             <a:lvl1pPr algn="l">
-              <a:defRPr sz="2000" b="1"/>
+              <a:buNone/>
+              <a:defRPr sz="4400" b="0"/>
             </a:lvl1pPr>
           </a:lstStyle>
           <a:p>
             <a:r>
-              <a:rPr lang="ru-RU" smtClean="0"/>
+              <a:rPr kumimoji="0" lang="ru-RU" smtClean="0"/>
               <a:t>Образец заголовка</a:t>
             </a:r>
-            <a:endParaRPr lang="ru-RU"/>
-          </a:p>
-        </p:txBody>
-      </p:sp>
-      <p:sp>
-        <p:nvSpPr>
-          <p:cNvPr id="3" name="Объект 2"/>
-          <p:cNvSpPr>
-            <a:spLocks noGrp="1"/>
-          </p:cNvSpPr>
-          <p:nvPr>
-            <p:ph idx="1"/>
-          </p:nvPr>
-        </p:nvSpPr>
-        <p:spPr>
-          <a:xfrm>
-            <a:off x="3575050" y="273050"/>
-            <a:ext cx="5111750" cy="5853113"/>
-          </a:xfrm>
-        </p:spPr>
-        <p:txBody>
-          <a:bodyPr/>
-          <a:lstStyle>
-            <a:lvl1pPr>
-              <a:defRPr sz="3200"/>
-            </a:lvl1pPr>
-            <a:lvl2pPr>
-              <a:defRPr sz="2800"/>
-            </a:lvl2pPr>
-            <a:lvl3pPr>
-              <a:defRPr sz="2400"/>
-            </a:lvl3pPr>
-            <a:lvl4pPr>
-              <a:defRPr sz="2000"/>
-            </a:lvl4pPr>
-            <a:lvl5pPr>
-              <a:defRPr sz="2000"/>
-            </a:lvl5pPr>
-            <a:lvl6pPr>
-              <a:defRPr sz="2000"/>
-            </a:lvl6pPr>
-            <a:lvl7pPr>
-              <a:defRPr sz="2000"/>
-            </a:lvl7pPr>
-            <a:lvl8pPr>
-              <a:defRPr sz="2000"/>
-            </a:lvl8pPr>
-            <a:lvl9pPr>
-              <a:defRPr sz="2000"/>
-            </a:lvl9pPr>
-          </a:lstStyle>
-          <a:p>
-            <a:pPr lvl="0"/>
-            <a:r>
-              <a:rPr lang="ru-RU" smtClean="0"/>
-              <a:t>Образец текста</a:t>
-            </a:r>
-          </a:p>
-          <a:p>
-            <a:pPr lvl="1"/>
-            <a:r>
-              <a:rPr lang="ru-RU" smtClean="0"/>
-              <a:t>Второй уровень</a:t>
-            </a:r>
-          </a:p>
-          <a:p>
-            <a:pPr lvl="2"/>
-            <a:r>
-              <a:rPr lang="ru-RU" smtClean="0"/>
-              <a:t>Третий уровень</a:t>
-            </a:r>
-          </a:p>
-          <a:p>
-            <a:pPr lvl="3"/>
-            <a:r>
-              <a:rPr lang="ru-RU" smtClean="0"/>
-              <a:t>Четвертый уровень</a:t>
-            </a:r>
-          </a:p>
-          <a:p>
-            <a:pPr lvl="4"/>
-            <a:r>
-              <a:rPr lang="ru-RU" smtClean="0"/>
-              <a:t>Пятый уровень</a:t>
-            </a:r>
-            <a:endParaRPr lang="ru-RU"/>
-          </a:p>
-        </p:txBody>
-      </p:sp>
-      <p:sp>
-        <p:nvSpPr>
-          <p:cNvPr id="4" name="Текст 3"/>
-          <p:cNvSpPr>
-            <a:spLocks noGrp="1"/>
-          </p:cNvSpPr>
-          <p:nvPr>
-            <p:ph type="body" sz="half" idx="2"/>
-          </p:nvPr>
-        </p:nvSpPr>
-        <p:spPr>
-          <a:xfrm>
-            <a:off x="457200" y="1435100"/>
-            <a:ext cx="3008313" cy="4691063"/>
-          </a:xfrm>
-        </p:spPr>
-        <p:txBody>
-          <a:bodyPr/>
-          <a:lstStyle>
-            <a:lvl1pPr marL="0" indent="0">
-              <a:buNone/>
-              <a:defRPr sz="1400"/>
-            </a:lvl1pPr>
-            <a:lvl2pPr marL="457200" indent="0">
-              <a:buNone/>
-              <a:defRPr sz="1200"/>
-            </a:lvl2pPr>
-            <a:lvl3pPr marL="914400" indent="0">
-              <a:buNone/>
-              <a:defRPr sz="1000"/>
-            </a:lvl3pPr>
-            <a:lvl4pPr marL="1371600" indent="0">
-              <a:buNone/>
-              <a:defRPr sz="900"/>
-            </a:lvl4pPr>
-            <a:lvl5pPr marL="1828800" indent="0">
-              <a:buNone/>
-              <a:defRPr sz="900"/>
-            </a:lvl5pPr>
-            <a:lvl6pPr marL="2286000" indent="0">
-              <a:buNone/>
-              <a:defRPr sz="900"/>
-            </a:lvl6pPr>
-            <a:lvl7pPr marL="2743200" indent="0">
-              <a:buNone/>
-              <a:defRPr sz="900"/>
-            </a:lvl7pPr>
-            <a:lvl8pPr marL="3200400" indent="0">
-              <a:buNone/>
-              <a:defRPr sz="900"/>
-            </a:lvl8pPr>
-            <a:lvl9pPr marL="3657600" indent="0">
-              <a:buNone/>
-              <a:defRPr sz="900"/>
-            </a:lvl9pPr>
-          </a:lstStyle>
-          <a:p>
-            <a:pPr lvl="0"/>
-            <a:r>
-              <a:rPr lang="ru-RU" smtClean="0"/>
-              <a:t>Образец текста</a:t>
-            </a:r>
+            <a:endParaRPr kumimoji="0" lang="en-US"/>
           </a:p>
         </p:txBody>
       </p:sp>
@@ -3550,7 +3656,15 @@
         <p:spPr/>
         <p:txBody>
           <a:bodyPr/>
-          <a:lstStyle/>
+          <a:lstStyle>
+            <a:lvl1pPr>
+              <a:defRPr>
+                <a:solidFill>
+                  <a:srgbClr val="FFFFFF"/>
+                </a:solidFill>
+              </a:defRPr>
+            </a:lvl1pPr>
+          </a:lstStyle>
           <a:p>
             <a:fld id="{725C68B6-61C2-468F-89AB-4B9F7531AA68}" type="slidenum">
               <a:rPr lang="ru-RU" smtClean="0"/>
@@ -3561,12 +3675,138 @@
           </a:p>
         </p:txBody>
       </p:sp>
+      <p:sp>
+        <p:nvSpPr>
+          <p:cNvPr id="3" name="Текст 2"/>
+          <p:cNvSpPr>
+            <a:spLocks noGrp="1"/>
+          </p:cNvSpPr>
+          <p:nvPr>
+            <p:ph type="body" idx="2"/>
+          </p:nvPr>
+        </p:nvSpPr>
+        <p:spPr>
+          <a:xfrm>
+            <a:off x="609600" y="1752600"/>
+            <a:ext cx="1600200" cy="4343400"/>
+          </a:xfrm>
+          <a:ln w="50800" cap="sq" cmpd="dbl" algn="ctr">
+            <a:solidFill>
+              <a:schemeClr val="accent2"/>
+            </a:solidFill>
+            <a:prstDash val="solid"/>
+            <a:miter lim="800000"/>
+          </a:ln>
+          <a:effectLst/>
+        </p:spPr>
+        <p:style>
+          <a:lnRef idx="3">
+            <a:schemeClr val="lt1"/>
+          </a:lnRef>
+          <a:fillRef idx="1">
+            <a:schemeClr val="accent2"/>
+          </a:fillRef>
+          <a:effectRef idx="1">
+            <a:schemeClr val="accent2"/>
+          </a:effectRef>
+          <a:fontRef idx="minor">
+            <a:schemeClr val="lt1"/>
+          </a:fontRef>
+        </p:style>
+        <p:txBody>
+          <a:bodyPr lIns="137160" tIns="182880" rIns="137160" bIns="91440"/>
+          <a:lstStyle>
+            <a:lvl1pPr marL="0" indent="0">
+              <a:spcAft>
+                <a:spcPts val="1000"/>
+              </a:spcAft>
+              <a:buNone/>
+              <a:defRPr sz="1800"/>
+            </a:lvl1pPr>
+            <a:lvl2pPr>
+              <a:buNone/>
+              <a:defRPr sz="1200"/>
+            </a:lvl2pPr>
+            <a:lvl3pPr>
+              <a:buNone/>
+              <a:defRPr sz="1000"/>
+            </a:lvl3pPr>
+            <a:lvl4pPr>
+              <a:buNone/>
+              <a:defRPr sz="900"/>
+            </a:lvl4pPr>
+            <a:lvl5pPr>
+              <a:buNone/>
+              <a:defRPr sz="900"/>
+            </a:lvl5pPr>
+          </a:lstStyle>
+          <a:p>
+            <a:pPr lvl="0" eaLnBrk="1" latinLnBrk="0" hangingPunct="1"/>
+            <a:r>
+              <a:rPr kumimoji="0" lang="ru-RU" smtClean="0"/>
+              <a:t>Образец текста</a:t>
+            </a:r>
+          </a:p>
+        </p:txBody>
+      </p:sp>
+      <p:sp>
+        <p:nvSpPr>
+          <p:cNvPr id="9" name="Объект 8"/>
+          <p:cNvSpPr>
+            <a:spLocks noGrp="1"/>
+          </p:cNvSpPr>
+          <p:nvPr>
+            <p:ph sz="quarter" idx="1"/>
+          </p:nvPr>
+        </p:nvSpPr>
+        <p:spPr>
+          <a:xfrm>
+            <a:off x="2362200" y="1752600"/>
+            <a:ext cx="6400800" cy="4419600"/>
+          </a:xfrm>
+        </p:spPr>
+        <p:txBody>
+          <a:bodyPr/>
+          <a:lstStyle/>
+          <a:p>
+            <a:pPr lvl="0" eaLnBrk="1" latinLnBrk="0" hangingPunct="1"/>
+            <a:r>
+              <a:rPr lang="ru-RU" smtClean="0"/>
+              <a:t>Образец текста</a:t>
+            </a:r>
+          </a:p>
+          <a:p>
+            <a:pPr lvl="1" eaLnBrk="1" latinLnBrk="0" hangingPunct="1"/>
+            <a:r>
+              <a:rPr lang="ru-RU" smtClean="0"/>
+              <a:t>Второй уровень</a:t>
+            </a:r>
+          </a:p>
+          <a:p>
+            <a:pPr lvl="2" eaLnBrk="1" latinLnBrk="0" hangingPunct="1"/>
+            <a:r>
+              <a:rPr lang="ru-RU" smtClean="0"/>
+              <a:t>Третий уровень</a:t>
+            </a:r>
+          </a:p>
+          <a:p>
+            <a:pPr lvl="3" eaLnBrk="1" latinLnBrk="0" hangingPunct="1"/>
+            <a:r>
+              <a:rPr lang="ru-RU" smtClean="0"/>
+              <a:t>Четвертый уровень</a:t>
+            </a:r>
+          </a:p>
+          <a:p>
+            <a:pPr lvl="4" eaLnBrk="1" latinLnBrk="0" hangingPunct="1"/>
+            <a:r>
+              <a:rPr lang="ru-RU" smtClean="0"/>
+              <a:t>Пятый уровень</a:t>
+            </a:r>
+            <a:endParaRPr kumimoji="0" lang="en-US"/>
+          </a:p>
+        </p:txBody>
+      </p:sp>
     </p:spTree>
-    <p:extLst>
-      <p:ext uri="{BB962C8B-B14F-4D97-AF65-F5344CB8AC3E}">
-        <p14:creationId xmlns:p14="http://schemas.microsoft.com/office/powerpoint/2010/main" val="898447731"/>
-      </p:ext>
-    </p:extLst>
   </p:cSld>
   <p:clrMapOvr>
     <a:masterClrMapping/>
@@ -3575,8 +3815,13 @@
 </file>
 
 <file path=ppt/slideLayouts/slideLayout9.xml><?xml version="1.0" encoding="utf-8"?>
-<p:sldLayout xmlns:a="http://schemas.openxmlformats.org/drawingml/2006/main" xmlns:r="http://schemas.openxmlformats.org/officeDocument/2006/relationships" xmlns:p="http://schemas.openxmlformats.org/presentationml/2006/main" type="picTx" preserve="1">
+<p:sldLayout xmlns:a="http://schemas.openxmlformats.org/drawingml/2006/main" xmlns:r="http://schemas.openxmlformats.org/officeDocument/2006/relationships" xmlns:p="http://schemas.openxmlformats.org/presentationml/2006/main" showMasterSp="0" type="picTx" preserve="1">
   <p:cSld name="Рисунок с подписью">
+    <p:bg>
+      <p:bgRef idx="1003">
+        <a:schemeClr val="bg2"/>
+      </p:bgRef>
+    </p:bg>
     <p:spTree>
       <p:nvGrpSpPr>
         <p:cNvPr id="1" name=""/>
@@ -3593,6 +3838,202 @@
       </p:grpSpPr>
       <p:sp>
         <p:nvSpPr>
+          <p:cNvPr id="4" name="Текст 3"/>
+          <p:cNvSpPr>
+            <a:spLocks noGrp="1"/>
+          </p:cNvSpPr>
+          <p:nvPr>
+            <p:ph type="body" sz="half" idx="2"/>
+          </p:nvPr>
+        </p:nvSpPr>
+        <p:spPr>
+          <a:xfrm>
+            <a:off x="1600200" y="5486400"/>
+            <a:ext cx="7315200" cy="685800"/>
+          </a:xfrm>
+        </p:spPr>
+        <p:txBody>
+          <a:bodyPr/>
+          <a:lstStyle>
+            <a:lvl1pPr marL="0" indent="0">
+              <a:buFontTx/>
+              <a:buNone/>
+              <a:defRPr sz="1700"/>
+            </a:lvl1pPr>
+            <a:lvl2pPr>
+              <a:buFontTx/>
+              <a:buNone/>
+              <a:defRPr sz="1200"/>
+            </a:lvl2pPr>
+            <a:lvl3pPr>
+              <a:buFontTx/>
+              <a:buNone/>
+              <a:defRPr sz="1000"/>
+            </a:lvl3pPr>
+            <a:lvl4pPr>
+              <a:buFontTx/>
+              <a:buNone/>
+              <a:defRPr sz="900"/>
+            </a:lvl4pPr>
+            <a:lvl5pPr>
+              <a:buFontTx/>
+              <a:buNone/>
+              <a:defRPr sz="900"/>
+            </a:lvl5pPr>
+          </a:lstStyle>
+          <a:p>
+            <a:pPr lvl="0" eaLnBrk="1" latinLnBrk="0" hangingPunct="1"/>
+            <a:r>
+              <a:rPr kumimoji="0" lang="ru-RU" smtClean="0"/>
+              <a:t>Образец текста</a:t>
+            </a:r>
+          </a:p>
+        </p:txBody>
+      </p:sp>
+      <p:sp>
+        <p:nvSpPr>
+          <p:cNvPr id="8" name="Прямоугольник 7"/>
+          <p:cNvSpPr/>
+          <p:nvPr/>
+        </p:nvSpPr>
+        <p:spPr bwMode="white">
+          <a:xfrm>
+            <a:off x="-9144" y="4572000"/>
+            <a:ext cx="9144000" cy="886968"/>
+          </a:xfrm>
+          <a:prstGeom prst="rect">
+            <a:avLst/>
+          </a:prstGeom>
+          <a:solidFill>
+            <a:srgbClr val="FFFFFF"/>
+          </a:solidFill>
+          <a:ln w="50800" cap="rnd" cmpd="dbl" algn="ctr">
+            <a:noFill/>
+            <a:prstDash val="solid"/>
+          </a:ln>
+          <a:effectLst/>
+        </p:spPr>
+        <p:style>
+          <a:lnRef idx="3">
+            <a:schemeClr val="lt1"/>
+          </a:lnRef>
+          <a:fillRef idx="1">
+            <a:schemeClr val="accent1"/>
+          </a:fillRef>
+          <a:effectRef idx="1">
+            <a:schemeClr val="accent1"/>
+          </a:effectRef>
+          <a:fontRef idx="minor">
+            <a:schemeClr val="lt1"/>
+          </a:fontRef>
+        </p:style>
+        <p:txBody>
+          <a:bodyPr anchor="ctr"/>
+          <a:lstStyle/>
+          <a:p>
+            <a:pPr algn="ctr" eaLnBrk="1" latinLnBrk="0" hangingPunct="1"/>
+            <a:endParaRPr kumimoji="0" lang="en-US"/>
+          </a:p>
+        </p:txBody>
+      </p:sp>
+      <p:sp>
+        <p:nvSpPr>
+          <p:cNvPr id="9" name="Прямоугольник 8"/>
+          <p:cNvSpPr/>
+          <p:nvPr/>
+        </p:nvSpPr>
+        <p:spPr>
+          <a:xfrm>
+            <a:off x="-9144" y="4663440"/>
+            <a:ext cx="1463040" cy="713232"/>
+          </a:xfrm>
+          <a:prstGeom prst="rect">
+            <a:avLst/>
+          </a:prstGeom>
+          <a:solidFill>
+            <a:schemeClr val="accent2">
+              <a:alpha val="100000"/>
+            </a:schemeClr>
+          </a:solidFill>
+          <a:ln w="50800" cap="rnd" cmpd="dbl" algn="ctr">
+            <a:noFill/>
+            <a:prstDash val="solid"/>
+          </a:ln>
+          <a:effectLst/>
+        </p:spPr>
+        <p:style>
+          <a:lnRef idx="3">
+            <a:schemeClr val="lt1"/>
+          </a:lnRef>
+          <a:fillRef idx="1">
+            <a:schemeClr val="accent1"/>
+          </a:fillRef>
+          <a:effectRef idx="1">
+            <a:schemeClr val="accent1"/>
+          </a:effectRef>
+          <a:fontRef idx="minor">
+            <a:schemeClr val="lt1"/>
+          </a:fontRef>
+        </p:style>
+        <p:txBody>
+          <a:bodyPr anchor="ctr"/>
+          <a:lstStyle/>
+          <a:p>
+            <a:pPr algn="ctr" eaLnBrk="1" latinLnBrk="0" hangingPunct="1"/>
+            <a:endParaRPr kumimoji="0" lang="en-US"/>
+          </a:p>
+        </p:txBody>
+      </p:sp>
+      <p:sp>
+        <p:nvSpPr>
+          <p:cNvPr id="10" name="Прямоугольник 9"/>
+          <p:cNvSpPr/>
+          <p:nvPr/>
+        </p:nvSpPr>
+        <p:spPr>
+          <a:xfrm>
+            <a:off x="1545336" y="4654296"/>
+            <a:ext cx="7598664" cy="713232"/>
+          </a:xfrm>
+          <a:prstGeom prst="rect">
+            <a:avLst/>
+          </a:prstGeom>
+          <a:solidFill>
+            <a:schemeClr val="accent1">
+              <a:alpha val="100000"/>
+            </a:schemeClr>
+          </a:solidFill>
+          <a:ln w="50800" cap="rnd" cmpd="dbl" algn="ctr">
+            <a:noFill/>
+            <a:prstDash val="solid"/>
+          </a:ln>
+          <a:effectLst/>
+        </p:spPr>
+        <p:style>
+          <a:lnRef idx="3">
+            <a:schemeClr val="lt1"/>
+          </a:lnRef>
+          <a:fillRef idx="1">
+            <a:schemeClr val="accent1"/>
+          </a:fillRef>
+          <a:effectRef idx="1">
+            <a:schemeClr val="accent1"/>
+          </a:effectRef>
+          <a:fontRef idx="minor">
+            <a:schemeClr val="lt1"/>
+          </a:fontRef>
+        </p:style>
+        <p:txBody>
+          <a:bodyPr anchor="ctr"/>
+          <a:lstStyle/>
+          <a:p>
+            <a:pPr algn="ctr" eaLnBrk="1" latinLnBrk="0" hangingPunct="1"/>
+            <a:endParaRPr kumimoji="0" lang="en-US"/>
+          </a:p>
+        </p:txBody>
+      </p:sp>
+      <p:sp>
+        <p:nvSpPr>
           <p:cNvPr id="2" name="Заголовок 1"/>
           <p:cNvSpPr>
             <a:spLocks noGrp="1"/>
@@ -3603,28 +4044,165 @@
         </p:nvSpPr>
         <p:spPr>
           <a:xfrm>
-            <a:off x="1792288" y="4800600"/>
-            <a:ext cx="5486400" cy="566738"/>
-          </a:xfrm>
-        </p:spPr>
-        <p:txBody>
-          <a:bodyPr anchor="b"/>
+            <a:off x="1600200" y="4648200"/>
+            <a:ext cx="7315200" cy="685800"/>
+          </a:xfrm>
+        </p:spPr>
+        <p:txBody>
+          <a:bodyPr anchor="ctr"/>
           <a:lstStyle>
             <a:lvl1pPr algn="l">
-              <a:defRPr sz="2000" b="1"/>
+              <a:buNone/>
+              <a:defRPr sz="2800" b="0">
+                <a:solidFill>
+                  <a:srgbClr val="FFFFFF"/>
+                </a:solidFill>
+              </a:defRPr>
             </a:lvl1pPr>
           </a:lstStyle>
           <a:p>
             <a:r>
-              <a:rPr lang="ru-RU" smtClean="0"/>
+              <a:rPr kumimoji="0" lang="ru-RU" smtClean="0"/>
               <a:t>Образец заголовка</a:t>
             </a:r>
+            <a:endParaRPr kumimoji="0" lang="en-US"/>
+          </a:p>
+        </p:txBody>
+      </p:sp>
+      <p:sp>
+        <p:nvSpPr>
+          <p:cNvPr id="11" name="Прямоугольник 10"/>
+          <p:cNvSpPr/>
+          <p:nvPr/>
+        </p:nvSpPr>
+        <p:spPr bwMode="white">
+          <a:xfrm>
+            <a:off x="1447800" y="0"/>
+            <a:ext cx="100584" cy="6867144"/>
+          </a:xfrm>
+          <a:prstGeom prst="rect">
+            <a:avLst/>
+          </a:prstGeom>
+          <a:solidFill>
+            <a:srgbClr val="FFFFFF"/>
+          </a:solidFill>
+          <a:ln w="50800" cap="rnd" cmpd="dbl" algn="ctr">
+            <a:noFill/>
+            <a:prstDash val="solid"/>
+          </a:ln>
+          <a:effectLst/>
+        </p:spPr>
+        <p:style>
+          <a:lnRef idx="3">
+            <a:schemeClr val="lt1"/>
+          </a:lnRef>
+          <a:fillRef idx="1">
+            <a:schemeClr val="accent1"/>
+          </a:fillRef>
+          <a:effectRef idx="1">
+            <a:schemeClr val="accent1"/>
+          </a:effectRef>
+          <a:fontRef idx="minor">
+            <a:schemeClr val="lt1"/>
+          </a:fontRef>
+        </p:style>
+        <p:txBody>
+          <a:bodyPr anchor="ctr"/>
+          <a:lstStyle/>
+          <a:p>
+            <a:pPr algn="ctr" eaLnBrk="1" latinLnBrk="0" hangingPunct="1"/>
+            <a:endParaRPr kumimoji="0" lang="en-US"/>
+          </a:p>
+        </p:txBody>
+      </p:sp>
+      <p:sp>
+        <p:nvSpPr>
+          <p:cNvPr id="12" name="Дата 11"/>
+          <p:cNvSpPr>
+            <a:spLocks noGrp="1"/>
+          </p:cNvSpPr>
+          <p:nvPr>
+            <p:ph type="dt" sz="half" idx="10"/>
+          </p:nvPr>
+        </p:nvSpPr>
+        <p:spPr>
+          <a:xfrm>
+            <a:off x="6248400" y="6248400"/>
+            <a:ext cx="2667000" cy="365125"/>
+          </a:xfrm>
+        </p:spPr>
+        <p:txBody>
+          <a:bodyPr rtlCol="0"/>
+          <a:lstStyle/>
+          <a:p>
+            <a:fld id="{5E6D66FA-83FE-4566-B8C4-0DE7204E4498}" type="datetime1">
+              <a:rPr lang="ru-RU" smtClean="0"/>
+              <a:pPr/>
+              <a:t>19.06.2016</a:t>
+            </a:fld>
             <a:endParaRPr lang="ru-RU"/>
           </a:p>
         </p:txBody>
       </p:sp>
       <p:sp>
         <p:nvSpPr>
+          <p:cNvPr id="13" name="Номер слайда 12"/>
+          <p:cNvSpPr>
+            <a:spLocks noGrp="1"/>
+          </p:cNvSpPr>
+          <p:nvPr>
+            <p:ph type="sldNum" sz="quarter" idx="11"/>
+          </p:nvPr>
+        </p:nvSpPr>
+        <p:spPr>
+          <a:xfrm>
+            <a:off x="0" y="4667249"/>
+            <a:ext cx="1447800" cy="663578"/>
+          </a:xfrm>
+        </p:spPr>
+        <p:txBody>
+          <a:bodyPr rtlCol="0"/>
+          <a:lstStyle>
+            <a:lvl1pPr>
+              <a:defRPr sz="2800"/>
+            </a:lvl1pPr>
+          </a:lstStyle>
+          <a:p>
+            <a:fld id="{725C68B6-61C2-468F-89AB-4B9F7531AA68}" type="slidenum">
+              <a:rPr lang="ru-RU" smtClean="0"/>
+              <a:pPr/>
+              <a:t>‹#›</a:t>
+            </a:fld>
+            <a:endParaRPr lang="ru-RU"/>
+          </a:p>
+        </p:txBody>
+      </p:sp>
+      <p:sp>
+        <p:nvSpPr>
+          <p:cNvPr id="14" name="Нижний колонтитул 13"/>
+          <p:cNvSpPr>
+            <a:spLocks noGrp="1"/>
+          </p:cNvSpPr>
+          <p:nvPr>
+            <p:ph type="ftr" sz="quarter" idx="12"/>
+          </p:nvPr>
+        </p:nvSpPr>
+        <p:spPr>
+          <a:xfrm>
+            <a:off x="1600200" y="6248206"/>
+            <a:ext cx="4572000" cy="365125"/>
+          </a:xfrm>
+        </p:spPr>
+        <p:txBody>
+          <a:bodyPr rtlCol="0"/>
+          <a:lstStyle/>
+          <a:p>
+            <a:endParaRPr lang="ru-RU"/>
+          </a:p>
+        </p:txBody>
+      </p:sp>
+      <p:sp>
+        <p:nvSpPr>
           <p:cNvPr id="3" name="Рисунок 2"/>
           <p:cNvSpPr>
             <a:spLocks noGrp="1"/>
@@ -3635,9 +4213,17 @@
         </p:nvSpPr>
         <p:spPr>
           <a:xfrm>
-            <a:off x="1792288" y="612775"/>
-            <a:ext cx="5486400" cy="4114800"/>
-          </a:xfrm>
+            <a:off x="1560576" y="0"/>
+            <a:ext cx="7583424" cy="4568952"/>
+          </a:xfrm>
+          <a:solidFill>
+            <a:schemeClr val="accent1">
+              <a:tint val="40000"/>
+            </a:schemeClr>
+          </a:solidFill>
+          <a:ln>
+            <a:noFill/>
+          </a:ln>
         </p:spPr>
         <p:txBody>
           <a:bodyPr/>
@@ -3646,185 +4232,20 @@
               <a:buNone/>
               <a:defRPr sz="3200"/>
             </a:lvl1pPr>
-            <a:lvl2pPr marL="457200" indent="0">
-              <a:buNone/>
-              <a:defRPr sz="2800"/>
-            </a:lvl2pPr>
-            <a:lvl3pPr marL="914400" indent="0">
-              <a:buNone/>
-              <a:defRPr sz="2400"/>
-            </a:lvl3pPr>
-            <a:lvl4pPr marL="1371600" indent="0">
-              <a:buNone/>
-              <a:defRPr sz="2000"/>
-            </a:lvl4pPr>
-            <a:lvl5pPr marL="1828800" indent="0">
-              <a:buNone/>
-              <a:defRPr sz="2000"/>
-            </a:lvl5pPr>
-            <a:lvl6pPr marL="2286000" indent="0">
-              <a:buNone/>
-              <a:defRPr sz="2000"/>
-            </a:lvl6pPr>
-            <a:lvl7pPr marL="2743200" indent="0">
-              <a:buNone/>
-              <a:defRPr sz="2000"/>
-            </a:lvl7pPr>
-            <a:lvl8pPr marL="3200400" indent="0">
-              <a:buNone/>
-              <a:defRPr sz="2000"/>
-            </a:lvl8pPr>
-            <a:lvl9pPr marL="3657600" indent="0">
-              <a:buNone/>
-              <a:defRPr sz="2000"/>
-            </a:lvl9pPr>
           </a:lstStyle>
           <a:p>
-            <a:endParaRPr lang="ru-RU"/>
-          </a:p>
-        </p:txBody>
-      </p:sp>
-      <p:sp>
-        <p:nvSpPr>
-          <p:cNvPr id="4" name="Текст 3"/>
-          <p:cNvSpPr>
-            <a:spLocks noGrp="1"/>
-          </p:cNvSpPr>
-          <p:nvPr>
-            <p:ph type="body" sz="half" idx="2"/>
-          </p:nvPr>
-        </p:nvSpPr>
-        <p:spPr>
-          <a:xfrm>
-            <a:off x="1792288" y="5367338"/>
-            <a:ext cx="5486400" cy="804862"/>
-          </a:xfrm>
-        </p:spPr>
-        <p:txBody>
-          <a:bodyPr/>
-          <a:lstStyle>
-            <a:lvl1pPr marL="0" indent="0">
-              <a:buNone/>
-              <a:defRPr sz="1400"/>
-            </a:lvl1pPr>
-            <a:lvl2pPr marL="457200" indent="0">
-              <a:buNone/>
-              <a:defRPr sz="1200"/>
-            </a:lvl2pPr>
-            <a:lvl3pPr marL="914400" indent="0">
-              <a:buNone/>
-              <a:defRPr sz="1000"/>
-            </a:lvl3pPr>
-            <a:lvl4pPr marL="1371600" indent="0">
-              <a:buNone/>
-              <a:defRPr sz="900"/>
-            </a:lvl4pPr>
-            <a:lvl5pPr marL="1828800" indent="0">
-              <a:buNone/>
-              <a:defRPr sz="900"/>
-            </a:lvl5pPr>
-            <a:lvl6pPr marL="2286000" indent="0">
-              <a:buNone/>
-              <a:defRPr sz="900"/>
-            </a:lvl6pPr>
-            <a:lvl7pPr marL="2743200" indent="0">
-              <a:buNone/>
-              <a:defRPr sz="900"/>
-            </a:lvl7pPr>
-            <a:lvl8pPr marL="3200400" indent="0">
-              <a:buNone/>
-              <a:defRPr sz="900"/>
-            </a:lvl8pPr>
-            <a:lvl9pPr marL="3657600" indent="0">
-              <a:buNone/>
-              <a:defRPr sz="900"/>
-            </a:lvl9pPr>
-          </a:lstStyle>
-          <a:p>
-            <a:pPr lvl="0"/>
-            <a:r>
-              <a:rPr lang="ru-RU" smtClean="0"/>
-              <a:t>Образец текста</a:t>
-            </a:r>
-          </a:p>
-        </p:txBody>
-      </p:sp>
-      <p:sp>
-        <p:nvSpPr>
-          <p:cNvPr id="5" name="Дата 4"/>
-          <p:cNvSpPr>
-            <a:spLocks noGrp="1"/>
-          </p:cNvSpPr>
-          <p:nvPr>
-            <p:ph type="dt" sz="half" idx="10"/>
-          </p:nvPr>
-        </p:nvSpPr>
-        <p:spPr/>
-        <p:txBody>
-          <a:bodyPr/>
-          <a:lstStyle/>
-          <a:p>
-            <a:fld id="{5E6D66FA-83FE-4566-B8C4-0DE7204E4498}" type="datetime1">
-              <a:rPr lang="ru-RU" smtClean="0"/>
-              <a:pPr/>
-              <a:t>19.06.2016</a:t>
-            </a:fld>
-            <a:endParaRPr lang="ru-RU"/>
-          </a:p>
-        </p:txBody>
-      </p:sp>
-      <p:sp>
-        <p:nvSpPr>
-          <p:cNvPr id="6" name="Нижний колонтитул 5"/>
-          <p:cNvSpPr>
-            <a:spLocks noGrp="1"/>
-          </p:cNvSpPr>
-          <p:nvPr>
-            <p:ph type="ftr" sz="quarter" idx="11"/>
-          </p:nvPr>
-        </p:nvSpPr>
-        <p:spPr/>
-        <p:txBody>
-          <a:bodyPr/>
-          <a:lstStyle/>
-          <a:p>
-            <a:endParaRPr lang="ru-RU"/>
-          </a:p>
-        </p:txBody>
-      </p:sp>
-      <p:sp>
-        <p:nvSpPr>
-          <p:cNvPr id="7" name="Номер слайда 6"/>
-          <p:cNvSpPr>
-            <a:spLocks noGrp="1"/>
-          </p:cNvSpPr>
-          <p:nvPr>
-            <p:ph type="sldNum" sz="quarter" idx="12"/>
-          </p:nvPr>
-        </p:nvSpPr>
-        <p:spPr/>
-        <p:txBody>
-          <a:bodyPr/>
-          <a:lstStyle/>
-          <a:p>
-            <a:fld id="{725C68B6-61C2-468F-89AB-4B9F7531AA68}" type="slidenum">
-              <a:rPr lang="ru-RU" smtClean="0"/>
-              <a:pPr/>
-              <a:t>‹#›</a:t>
-            </a:fld>
-            <a:endParaRPr lang="ru-RU"/>
+            <a:r>
+              <a:rPr kumimoji="0" lang="ru-RU" smtClean="0"/>
+              <a:t>Вставка рисунка</a:t>
+            </a:r>
+            <a:endParaRPr kumimoji="0" lang="en-US" dirty="0"/>
           </a:p>
         </p:txBody>
       </p:sp>
     </p:spTree>
-    <p:extLst>
-      <p:ext uri="{BB962C8B-B14F-4D97-AF65-F5344CB8AC3E}">
-        <p14:creationId xmlns:p14="http://schemas.microsoft.com/office/powerpoint/2010/main" val="1447842134"/>
-      </p:ext>
-    </p:extLst>
   </p:cSld>
   <p:clrMapOvr>
-    <a:masterClrMapping/>
+    <a:overrideClrMapping bg1="lt1" tx1="dk1" bg2="lt2" tx2="dk2" accent1="accent1" accent2="accent2" accent3="accent3" accent4="accent4" accent5="accent5" accent6="accent6" hlink="hlink" folHlink="folHlink"/>
   </p:clrMapOvr>
 </p:sldLayout>
 </file>
@@ -3853,7 +4274,7 @@
       </p:grpSpPr>
       <p:sp>
         <p:nvSpPr>
-          <p:cNvPr id="2" name="Заголовок 1"/>
+          <p:cNvPr id="22" name="Заголовок 21"/>
           <p:cNvSpPr>
             <a:spLocks noGrp="1"/>
           </p:cNvSpPr>
@@ -3863,30 +4284,30 @@
         </p:nvSpPr>
         <p:spPr>
           <a:xfrm>
-            <a:off x="457200" y="274638"/>
-            <a:ext cx="8229600" cy="1143000"/>
+            <a:off x="609600" y="228600"/>
+            <a:ext cx="8153400" cy="990600"/>
           </a:xfrm>
           <a:prstGeom prst="rect">
             <a:avLst/>
           </a:prstGeom>
         </p:spPr>
         <p:txBody>
-          <a:bodyPr vert="horz" lIns="91440" tIns="45720" rIns="91440" bIns="45720" rtlCol="0" anchor="ctr">
+          <a:bodyPr vert="horz" anchor="ctr">
             <a:normAutofit/>
           </a:bodyPr>
           <a:lstStyle/>
           <a:p>
             <a:r>
-              <a:rPr lang="ru-RU" smtClean="0"/>
+              <a:rPr kumimoji="0" lang="ru-RU" smtClean="0"/>
               <a:t>Образец заголовка</a:t>
             </a:r>
-            <a:endParaRPr lang="ru-RU"/>
-          </a:p>
-        </p:txBody>
-      </p:sp>
-      <p:sp>
-        <p:nvSpPr>
-          <p:cNvPr id="3" name="Текст 2"/>
+            <a:endParaRPr kumimoji="0" lang="en-US"/>
+          </a:p>
+        </p:txBody>
+      </p:sp>
+      <p:sp>
+        <p:nvSpPr>
+          <p:cNvPr id="13" name="Текст 12"/>
           <p:cNvSpPr>
             <a:spLocks noGrp="1"/>
           </p:cNvSpPr>
@@ -3896,59 +4317,59 @@
         </p:nvSpPr>
         <p:spPr>
           <a:xfrm>
-            <a:off x="457200" y="1600200"/>
-            <a:ext cx="8229600" cy="4525963"/>
+            <a:off x="612648" y="1600200"/>
+            <a:ext cx="8153400" cy="4526280"/>
           </a:xfrm>
           <a:prstGeom prst="rect">
             <a:avLst/>
           </a:prstGeom>
         </p:spPr>
         <p:txBody>
-          <a:bodyPr vert="horz" lIns="91440" tIns="45720" rIns="91440" bIns="45720" rtlCol="0">
+          <a:bodyPr vert="horz">
             <a:normAutofit/>
           </a:bodyPr>
           <a:lstStyle/>
           <a:p>
-            <a:pPr lvl="0"/>
-            <a:r>
-              <a:rPr lang="ru-RU" smtClean="0"/>
+            <a:pPr lvl="0" eaLnBrk="1" latinLnBrk="0" hangingPunct="1"/>
+            <a:r>
+              <a:rPr kumimoji="0" lang="ru-RU" smtClean="0"/>
               <a:t>Образец текста</a:t>
             </a:r>
           </a:p>
           <a:p>
-            <a:pPr lvl="1"/>
-            <a:r>
-              <a:rPr lang="ru-RU" smtClean="0"/>
+            <a:pPr lvl="1" eaLnBrk="1" latinLnBrk="0" hangingPunct="1"/>
+            <a:r>
+              <a:rPr kumimoji="0" lang="ru-RU" smtClean="0"/>
               <a:t>Второй уровень</a:t>
             </a:r>
           </a:p>
           <a:p>
-            <a:pPr lvl="2"/>
-            <a:r>
-              <a:rPr lang="ru-RU" smtClean="0"/>
+            <a:pPr lvl="2" eaLnBrk="1" latinLnBrk="0" hangingPunct="1"/>
+            <a:r>
+              <a:rPr kumimoji="0" lang="ru-RU" smtClean="0"/>
               <a:t>Третий уровень</a:t>
             </a:r>
           </a:p>
           <a:p>
-            <a:pPr lvl="3"/>
-            <a:r>
-              <a:rPr lang="ru-RU" smtClean="0"/>
+            <a:pPr lvl="3" eaLnBrk="1" latinLnBrk="0" hangingPunct="1"/>
+            <a:r>
+              <a:rPr kumimoji="0" lang="ru-RU" smtClean="0"/>
               <a:t>Четвертый уровень</a:t>
             </a:r>
           </a:p>
           <a:p>
-            <a:pPr lvl="4"/>
-            <a:r>
-              <a:rPr lang="ru-RU" smtClean="0"/>
+            <a:pPr lvl="4" eaLnBrk="1" latinLnBrk="0" hangingPunct="1"/>
+            <a:r>
+              <a:rPr kumimoji="0" lang="ru-RU" smtClean="0"/>
               <a:t>Пятый уровень</a:t>
             </a:r>
-            <a:endParaRPr lang="ru-RU"/>
-          </a:p>
-        </p:txBody>
-      </p:sp>
-      <p:sp>
-        <p:nvSpPr>
-          <p:cNvPr id="4" name="Дата 3"/>
+            <a:endParaRPr kumimoji="0" lang="en-US"/>
+          </a:p>
+        </p:txBody>
+      </p:sp>
+      <p:sp>
+        <p:nvSpPr>
+          <p:cNvPr id="14" name="Дата 13"/>
           <p:cNvSpPr>
             <a:spLocks noGrp="1"/>
           </p:cNvSpPr>
@@ -3958,22 +4379,20 @@
         </p:nvSpPr>
         <p:spPr>
           <a:xfrm>
-            <a:off x="457200" y="6356350"/>
-            <a:ext cx="2133600" cy="365125"/>
+            <a:off x="6096000" y="6248400"/>
+            <a:ext cx="2667000" cy="365125"/>
           </a:xfrm>
           <a:prstGeom prst="rect">
             <a:avLst/>
           </a:prstGeom>
         </p:spPr>
         <p:txBody>
-          <a:bodyPr vert="horz" lIns="91440" tIns="45720" rIns="91440" bIns="45720" rtlCol="0" anchor="ctr"/>
+          <a:bodyPr vert="horz" anchor="ctr" anchorCtr="0"/>
           <a:lstStyle>
-            <a:lvl1pPr algn="l">
-              <a:defRPr sz="1200">
+            <a:lvl1pPr algn="l" eaLnBrk="1" latinLnBrk="0" hangingPunct="1">
+              <a:defRPr kumimoji="0" sz="1400">
                 <a:solidFill>
-                  <a:schemeClr val="tx1">
-                    <a:tint val="75000"/>
-                  </a:schemeClr>
+                  <a:schemeClr val="tx2"/>
                 </a:solidFill>
               </a:defRPr>
             </a:lvl1pPr>
@@ -3990,7 +4409,7 @@
       </p:sp>
       <p:sp>
         <p:nvSpPr>
-          <p:cNvPr id="5" name="Нижний колонтитул 4"/>
+          <p:cNvPr id="3" name="Нижний колонтитул 2"/>
           <p:cNvSpPr>
             <a:spLocks noGrp="1"/>
           </p:cNvSpPr>
@@ -4000,22 +4419,20 @@
         </p:nvSpPr>
         <p:spPr>
           <a:xfrm>
-            <a:off x="3124200" y="6356350"/>
-            <a:ext cx="2895600" cy="365125"/>
+            <a:off x="609600" y="6248206"/>
+            <a:ext cx="5421083" cy="365125"/>
           </a:xfrm>
           <a:prstGeom prst="rect">
             <a:avLst/>
           </a:prstGeom>
         </p:spPr>
         <p:txBody>
-          <a:bodyPr vert="horz" lIns="91440" tIns="45720" rIns="91440" bIns="45720" rtlCol="0" anchor="ctr"/>
+          <a:bodyPr vert="horz" anchor="ctr"/>
           <a:lstStyle>
-            <a:lvl1pPr algn="ctr">
-              <a:defRPr sz="1200">
+            <a:lvl1pPr algn="r" eaLnBrk="1" latinLnBrk="0" hangingPunct="1">
+              <a:defRPr kumimoji="0" sz="1400">
                 <a:solidFill>
-                  <a:schemeClr val="tx1">
-                    <a:tint val="75000"/>
-                  </a:schemeClr>
+                  <a:schemeClr val="tx2"/>
                 </a:solidFill>
               </a:defRPr>
             </a:lvl1pPr>
@@ -4027,32 +4444,174 @@
       </p:sp>
       <p:sp>
         <p:nvSpPr>
-          <p:cNvPr id="6" name="Номер слайда 5"/>
-          <p:cNvSpPr>
-            <a:spLocks noGrp="1"/>
-          </p:cNvSpPr>
-          <p:nvPr>
-            <p:ph type="sldNum" sz="quarter" idx="4"/>
-          </p:nvPr>
-        </p:nvSpPr>
-        <p:spPr>
-          <a:xfrm>
-            <a:off x="6553200" y="6356350"/>
-            <a:ext cx="2133600" cy="365125"/>
+          <p:cNvPr id="7" name="Прямоугольник 6"/>
+          <p:cNvSpPr/>
+          <p:nvPr/>
+        </p:nvSpPr>
+        <p:spPr bwMode="white">
+          <a:xfrm>
+            <a:off x="0" y="1234440"/>
+            <a:ext cx="9144000" cy="320040"/>
           </a:xfrm>
           <a:prstGeom prst="rect">
             <a:avLst/>
           </a:prstGeom>
-        </p:spPr>
-        <p:txBody>
-          <a:bodyPr vert="horz" lIns="91440" tIns="45720" rIns="91440" bIns="45720" rtlCol="0" anchor="ctr"/>
+          <a:solidFill>
+            <a:srgbClr val="FFFFFF"/>
+          </a:solidFill>
+          <a:ln w="50800" cap="rnd" cmpd="dbl" algn="ctr">
+            <a:noFill/>
+            <a:prstDash val="solid"/>
+          </a:ln>
+          <a:effectLst/>
+        </p:spPr>
+        <p:style>
+          <a:lnRef idx="3">
+            <a:schemeClr val="lt1"/>
+          </a:lnRef>
+          <a:fillRef idx="1">
+            <a:schemeClr val="accent1"/>
+          </a:fillRef>
+          <a:effectRef idx="1">
+            <a:schemeClr val="accent1"/>
+          </a:effectRef>
+          <a:fontRef idx="minor">
+            <a:schemeClr val="lt1"/>
+          </a:fontRef>
+        </p:style>
+        <p:txBody>
+          <a:bodyPr anchor="ctr"/>
+          <a:lstStyle/>
+          <a:p>
+            <a:pPr algn="ctr" eaLnBrk="1" latinLnBrk="0" hangingPunct="1"/>
+            <a:endParaRPr kumimoji="0" lang="en-US"/>
+          </a:p>
+        </p:txBody>
+      </p:sp>
+      <p:sp>
+        <p:nvSpPr>
+          <p:cNvPr id="8" name="Прямоугольник 7"/>
+          <p:cNvSpPr/>
+          <p:nvPr/>
+        </p:nvSpPr>
+        <p:spPr>
+          <a:xfrm>
+            <a:off x="0" y="1280160"/>
+            <a:ext cx="533400" cy="228600"/>
+          </a:xfrm>
+          <a:prstGeom prst="rect">
+            <a:avLst/>
+          </a:prstGeom>
+          <a:solidFill>
+            <a:schemeClr val="accent2">
+              <a:alpha val="100000"/>
+            </a:schemeClr>
+          </a:solidFill>
+          <a:ln w="50800" cap="rnd" cmpd="dbl" algn="ctr">
+            <a:noFill/>
+            <a:prstDash val="solid"/>
+          </a:ln>
+          <a:effectLst/>
+        </p:spPr>
+        <p:style>
+          <a:lnRef idx="3">
+            <a:schemeClr val="lt1"/>
+          </a:lnRef>
+          <a:fillRef idx="1">
+            <a:schemeClr val="accent1"/>
+          </a:fillRef>
+          <a:effectRef idx="1">
+            <a:schemeClr val="accent1"/>
+          </a:effectRef>
+          <a:fontRef idx="minor">
+            <a:schemeClr val="lt1"/>
+          </a:fontRef>
+        </p:style>
+        <p:txBody>
+          <a:bodyPr anchor="ctr"/>
+          <a:lstStyle/>
+          <a:p>
+            <a:pPr algn="ctr" eaLnBrk="1" latinLnBrk="0" hangingPunct="1"/>
+            <a:endParaRPr kumimoji="0" lang="en-US"/>
+          </a:p>
+        </p:txBody>
+      </p:sp>
+      <p:sp>
+        <p:nvSpPr>
+          <p:cNvPr id="9" name="Прямоугольник 8"/>
+          <p:cNvSpPr/>
+          <p:nvPr/>
+        </p:nvSpPr>
+        <p:spPr>
+          <a:xfrm>
+            <a:off x="590550" y="1280160"/>
+            <a:ext cx="8553450" cy="228600"/>
+          </a:xfrm>
+          <a:prstGeom prst="rect">
+            <a:avLst/>
+          </a:prstGeom>
+          <a:solidFill>
+            <a:schemeClr val="accent1">
+              <a:alpha val="100000"/>
+            </a:schemeClr>
+          </a:solidFill>
+          <a:ln w="50800" cap="rnd" cmpd="dbl" algn="ctr">
+            <a:noFill/>
+            <a:prstDash val="solid"/>
+          </a:ln>
+          <a:effectLst/>
+        </p:spPr>
+        <p:style>
+          <a:lnRef idx="3">
+            <a:schemeClr val="lt1"/>
+          </a:lnRef>
+          <a:fillRef idx="1">
+            <a:schemeClr val="accent1"/>
+          </a:fillRef>
+          <a:effectRef idx="1">
+            <a:schemeClr val="accent1"/>
+          </a:effectRef>
+          <a:fontRef idx="minor">
+            <a:schemeClr val="lt1"/>
+          </a:fontRef>
+        </p:style>
+        <p:txBody>
+          <a:bodyPr anchor="ctr"/>
+          <a:lstStyle/>
+          <a:p>
+            <a:pPr algn="ctr" eaLnBrk="1" latinLnBrk="0" hangingPunct="1"/>
+            <a:endParaRPr kumimoji="0" lang="en-US"/>
+          </a:p>
+        </p:txBody>
+      </p:sp>
+      <p:sp>
+        <p:nvSpPr>
+          <p:cNvPr id="23" name="Номер слайда 22"/>
+          <p:cNvSpPr>
+            <a:spLocks noGrp="1"/>
+          </p:cNvSpPr>
+          <p:nvPr>
+            <p:ph type="sldNum" sz="quarter" idx="4"/>
+          </p:nvPr>
+        </p:nvSpPr>
+        <p:spPr>
+          <a:xfrm>
+            <a:off x="0" y="1272222"/>
+            <a:ext cx="533400" cy="244476"/>
+          </a:xfrm>
+          <a:prstGeom prst="rect">
+            <a:avLst/>
+          </a:prstGeom>
+        </p:spPr>
+        <p:txBody>
+          <a:bodyPr vert="horz" anchor="ctr" anchorCtr="0">
+            <a:normAutofit/>
+          </a:bodyPr>
           <a:lstStyle>
-            <a:lvl1pPr algn="r">
-              <a:defRPr sz="1200">
+            <a:lvl1pPr algn="ctr" eaLnBrk="1" latinLnBrk="0" hangingPunct="1">
+              <a:defRPr kumimoji="0" sz="1400" b="1">
                 <a:solidFill>
-                  <a:schemeClr val="tx1">
-                    <a:tint val="75000"/>
-                  </a:schemeClr>
+                  <a:srgbClr val="FFFFFF"/>
                 </a:solidFill>
               </a:defRPr>
             </a:lvl1pPr>
@@ -4068,37 +4627,32 @@
         </p:txBody>
       </p:sp>
     </p:spTree>
-    <p:extLst>
-      <p:ext uri="{BB962C8B-B14F-4D97-AF65-F5344CB8AC3E}">
-        <p14:creationId xmlns:p14="http://schemas.microsoft.com/office/powerpoint/2010/main" val="2820634714"/>
-      </p:ext>
-    </p:extLst>
   </p:cSld>
   <p:clrMap bg1="lt1" tx1="dk1" bg2="lt2" tx2="dk2" accent1="accent1" accent2="accent2" accent3="accent3" accent4="accent4" accent5="accent5" accent6="accent6" hlink="hlink" folHlink="folHlink"/>
   <p:sldLayoutIdLst>
-    <p:sldLayoutId id="2147483805" r:id="rId1"/>
-    <p:sldLayoutId id="2147483806" r:id="rId2"/>
-    <p:sldLayoutId id="2147483807" r:id="rId3"/>
-    <p:sldLayoutId id="2147483808" r:id="rId4"/>
-    <p:sldLayoutId id="2147483809" r:id="rId5"/>
-    <p:sldLayoutId id="2147483810" r:id="rId6"/>
-    <p:sldLayoutId id="2147483811" r:id="rId7"/>
-    <p:sldLayoutId id="2147483812" r:id="rId8"/>
-    <p:sldLayoutId id="2147483813" r:id="rId9"/>
-    <p:sldLayoutId id="2147483814" r:id="rId10"/>
-    <p:sldLayoutId id="2147483815" r:id="rId11"/>
+    <p:sldLayoutId id="2147483913" r:id="rId1"/>
+    <p:sldLayoutId id="2147483914" r:id="rId2"/>
+    <p:sldLayoutId id="2147483915" r:id="rId3"/>
+    <p:sldLayoutId id="2147483916" r:id="rId4"/>
+    <p:sldLayoutId id="2147483917" r:id="rId5"/>
+    <p:sldLayoutId id="2147483918" r:id="rId6"/>
+    <p:sldLayoutId id="2147483919" r:id="rId7"/>
+    <p:sldLayoutId id="2147483920" r:id="rId8"/>
+    <p:sldLayoutId id="2147483921" r:id="rId9"/>
+    <p:sldLayoutId id="2147483922" r:id="rId10"/>
+    <p:sldLayoutId id="2147483923" r:id="rId11"/>
   </p:sldLayoutIdLst>
   <p:hf hdr="0" ftr="0" dt="0"/>
   <p:txStyles>
     <p:titleStyle>
-      <a:lvl1pPr algn="ctr" defTabSz="914400" rtl="0" eaLnBrk="1" latinLnBrk="0" hangingPunct="1">
+      <a:lvl1pPr algn="l" rtl="0" eaLnBrk="1" latinLnBrk="0" hangingPunct="1">
         <a:spcBef>
           <a:spcPct val="0"/>
         </a:spcBef>
         <a:buNone/>
-        <a:defRPr sz="4400" kern="1200">
+        <a:defRPr kumimoji="0" sz="4400" kern="1200">
           <a:solidFill>
-            <a:schemeClr val="tx1"/>
+            <a:schemeClr val="tx2"/>
           </a:solidFill>
           <a:latin typeface="+mj-lt"/>
           <a:ea typeface="+mj-ea"/>
@@ -4107,13 +4661,17 @@
       </a:lvl1pPr>
     </p:titleStyle>
     <p:bodyStyle>
-      <a:lvl1pPr marL="342900" indent="-342900" algn="l" defTabSz="914400" rtl="0" eaLnBrk="1" latinLnBrk="0" hangingPunct="1">
+      <a:lvl1pPr marL="320040" indent="-320040" algn="l" rtl="0" eaLnBrk="1" latinLnBrk="0" hangingPunct="1">
         <a:spcBef>
-          <a:spcPct val="20000"/>
+          <a:spcPts val="700"/>
         </a:spcBef>
-        <a:buFont typeface="Arial" panose="020B0604020202020204" pitchFamily="34" charset="0"/>
-        <a:buChar char="•"/>
-        <a:defRPr sz="3200" kern="1200">
+        <a:buClr>
+          <a:schemeClr val="accent2"/>
+        </a:buClr>
+        <a:buSzPct val="60000"/>
+        <a:buFont typeface="Wingdings"/>
+        <a:buChar char=""/>
+        <a:defRPr kumimoji="0" sz="2900" kern="1200">
           <a:solidFill>
             <a:schemeClr val="tx1"/>
           </a:solidFill>
@@ -4122,13 +4680,17 @@
           <a:cs typeface="+mn-cs"/>
         </a:defRPr>
       </a:lvl1pPr>
-      <a:lvl2pPr marL="742950" indent="-285750" algn="l" defTabSz="914400" rtl="0" eaLnBrk="1" latinLnBrk="0" hangingPunct="1">
+      <a:lvl2pPr marL="640080" indent="-274320" algn="l" rtl="0" eaLnBrk="1" latinLnBrk="0" hangingPunct="1">
         <a:spcBef>
-          <a:spcPct val="20000"/>
+          <a:spcPts val="550"/>
         </a:spcBef>
-        <a:buFont typeface="Arial" panose="020B0604020202020204" pitchFamily="34" charset="0"/>
-        <a:buChar char="–"/>
-        <a:defRPr sz="2800" kern="1200">
+        <a:buClr>
+          <a:schemeClr val="accent1"/>
+        </a:buClr>
+        <a:buSzPct val="70000"/>
+        <a:buFont typeface="Wingdings 2"/>
+        <a:buChar char=""/>
+        <a:defRPr kumimoji="0" sz="2600" kern="1200">
           <a:solidFill>
             <a:schemeClr val="tx1"/>
           </a:solidFill>
@@ -4137,13 +4699,17 @@
           <a:cs typeface="+mn-cs"/>
         </a:defRPr>
       </a:lvl2pPr>
-      <a:lvl3pPr marL="1143000" indent="-228600" algn="l" defTabSz="914400" rtl="0" eaLnBrk="1" latinLnBrk="0" hangingPunct="1">
+      <a:lvl3pPr marL="914400" indent="-228600" algn="l" rtl="0" eaLnBrk="1" latinLnBrk="0" hangingPunct="1">
         <a:spcBef>
-          <a:spcPct val="20000"/>
+          <a:spcPts val="500"/>
         </a:spcBef>
-        <a:buFont typeface="Arial" panose="020B0604020202020204" pitchFamily="34" charset="0"/>
-        <a:buChar char="•"/>
-        <a:defRPr sz="2400" kern="1200">
+        <a:buClr>
+          <a:schemeClr val="accent2"/>
+        </a:buClr>
+        <a:buSzPct val="75000"/>
+        <a:buFont typeface="Wingdings"/>
+        <a:buChar char=""/>
+        <a:defRPr kumimoji="0" sz="2300" kern="1200">
           <a:solidFill>
             <a:schemeClr val="tx1"/>
           </a:solidFill>
@@ -4152,13 +4718,17 @@
           <a:cs typeface="+mn-cs"/>
         </a:defRPr>
       </a:lvl3pPr>
-      <a:lvl4pPr marL="1600200" indent="-228600" algn="l" defTabSz="914400" rtl="0" eaLnBrk="1" latinLnBrk="0" hangingPunct="1">
+      <a:lvl4pPr marL="1371600" indent="-228600" algn="l" rtl="0" eaLnBrk="1" latinLnBrk="0" hangingPunct="1">
         <a:spcBef>
-          <a:spcPct val="20000"/>
+          <a:spcPts val="400"/>
         </a:spcBef>
-        <a:buFont typeface="Arial" panose="020B0604020202020204" pitchFamily="34" charset="0"/>
-        <a:buChar char="–"/>
-        <a:defRPr sz="2000" kern="1200">
+        <a:buClr>
+          <a:schemeClr val="accent3"/>
+        </a:buClr>
+        <a:buSzPct val="75000"/>
+        <a:buFont typeface="Wingdings"/>
+        <a:buChar char=""/>
+        <a:defRPr kumimoji="0" sz="2000" kern="1200">
           <a:solidFill>
             <a:schemeClr val="tx1"/>
           </a:solidFill>
@@ -4167,13 +4737,17 @@
           <a:cs typeface="+mn-cs"/>
         </a:defRPr>
       </a:lvl4pPr>
-      <a:lvl5pPr marL="2057400" indent="-228600" algn="l" defTabSz="914400" rtl="0" eaLnBrk="1" latinLnBrk="0" hangingPunct="1">
+      <a:lvl5pPr marL="1828800" indent="-228600" algn="l" rtl="0" eaLnBrk="1" latinLnBrk="0" hangingPunct="1">
         <a:spcBef>
-          <a:spcPct val="20000"/>
+          <a:spcPts val="400"/>
         </a:spcBef>
-        <a:buFont typeface="Arial" panose="020B0604020202020204" pitchFamily="34" charset="0"/>
-        <a:buChar char="»"/>
-        <a:defRPr sz="2000" kern="1200">
+        <a:buClr>
+          <a:schemeClr val="accent4"/>
+        </a:buClr>
+        <a:buSzPct val="65000"/>
+        <a:buFont typeface="Wingdings"/>
+        <a:buChar char=""/>
+        <a:defRPr kumimoji="0" sz="2000" kern="1200">
           <a:solidFill>
             <a:schemeClr val="tx1"/>
           </a:solidFill>
@@ -4182,13 +4756,16 @@
           <a:cs typeface="+mn-cs"/>
         </a:defRPr>
       </a:lvl5pPr>
-      <a:lvl6pPr marL="2514600" indent="-228600" algn="l" defTabSz="914400" rtl="0" eaLnBrk="1" latinLnBrk="0" hangingPunct="1">
+      <a:lvl6pPr marL="2103120" indent="-228600" algn="l" rtl="0" eaLnBrk="1" latinLnBrk="0" hangingPunct="1">
         <a:spcBef>
           <a:spcPct val="20000"/>
         </a:spcBef>
-        <a:buFont typeface="Arial" panose="020B0604020202020204" pitchFamily="34" charset="0"/>
-        <a:buChar char="•"/>
-        <a:defRPr sz="2000" kern="1200">
+        <a:buClr>
+          <a:schemeClr val="accent1"/>
+        </a:buClr>
+        <a:buFont typeface="Wingdings"/>
+        <a:buChar char="§"/>
+        <a:defRPr kumimoji="0" sz="1800" kern="1200" baseline="0">
           <a:solidFill>
             <a:schemeClr val="tx1"/>
           </a:solidFill>
@@ -4197,13 +4774,16 @@
           <a:cs typeface="+mn-cs"/>
         </a:defRPr>
       </a:lvl6pPr>
-      <a:lvl7pPr marL="2971800" indent="-228600" algn="l" defTabSz="914400" rtl="0" eaLnBrk="1" latinLnBrk="0" hangingPunct="1">
+      <a:lvl7pPr marL="2377440" indent="-228600" algn="l" rtl="0" eaLnBrk="1" latinLnBrk="0" hangingPunct="1">
         <a:spcBef>
           <a:spcPct val="20000"/>
         </a:spcBef>
-        <a:buFont typeface="Arial" panose="020B0604020202020204" pitchFamily="34" charset="0"/>
-        <a:buChar char="•"/>
-        <a:defRPr sz="2000" kern="1200">
+        <a:buClr>
+          <a:schemeClr val="accent2"/>
+        </a:buClr>
+        <a:buFont typeface="Wingdings"/>
+        <a:buChar char="§"/>
+        <a:defRPr kumimoji="0" sz="1800" kern="1200" baseline="0">
           <a:solidFill>
             <a:schemeClr val="tx1"/>
           </a:solidFill>
@@ -4212,13 +4792,16 @@
           <a:cs typeface="+mn-cs"/>
         </a:defRPr>
       </a:lvl7pPr>
-      <a:lvl8pPr marL="3429000" indent="-228600" algn="l" defTabSz="914400" rtl="0" eaLnBrk="1" latinLnBrk="0" hangingPunct="1">
+      <a:lvl8pPr marL="2651760" indent="-228600" algn="l" rtl="0" eaLnBrk="1" latinLnBrk="0" hangingPunct="1">
         <a:spcBef>
           <a:spcPct val="20000"/>
         </a:spcBef>
-        <a:buFont typeface="Arial" panose="020B0604020202020204" pitchFamily="34" charset="0"/>
-        <a:buChar char="•"/>
-        <a:defRPr sz="2000" kern="1200">
+        <a:buClr>
+          <a:schemeClr val="accent3"/>
+        </a:buClr>
+        <a:buFont typeface="Wingdings"/>
+        <a:buChar char="§"/>
+        <a:defRPr kumimoji="0" sz="1800" kern="1200" baseline="0">
           <a:solidFill>
             <a:schemeClr val="tx1"/>
           </a:solidFill>
@@ -4227,13 +4810,16 @@
           <a:cs typeface="+mn-cs"/>
         </a:defRPr>
       </a:lvl8pPr>
-      <a:lvl9pPr marL="3886200" indent="-228600" algn="l" defTabSz="914400" rtl="0" eaLnBrk="1" latinLnBrk="0" hangingPunct="1">
+      <a:lvl9pPr marL="2926080" indent="-228600" algn="l" rtl="0" eaLnBrk="1" latinLnBrk="0" hangingPunct="1">
         <a:spcBef>
           <a:spcPct val="20000"/>
         </a:spcBef>
-        <a:buFont typeface="Arial" panose="020B0604020202020204" pitchFamily="34" charset="0"/>
-        <a:buChar char="•"/>
-        <a:defRPr sz="2000" kern="1200">
+        <a:buClr>
+          <a:schemeClr val="accent4"/>
+        </a:buClr>
+        <a:buFont typeface="Wingdings"/>
+        <a:buChar char="§"/>
+        <a:defRPr kumimoji="0" sz="1800" kern="1200" baseline="0">
           <a:solidFill>
             <a:schemeClr val="tx1"/>
           </a:solidFill>
@@ -4244,11 +4830,8 @@
       </a:lvl9pPr>
     </p:bodyStyle>
     <p:otherStyle>
-      <a:defPPr>
-        <a:defRPr lang="ru-RU"/>
-      </a:defPPr>
-      <a:lvl1pPr marL="0" algn="l" defTabSz="914400" rtl="0" eaLnBrk="1" latinLnBrk="0" hangingPunct="1">
-        <a:defRPr sz="1800" kern="1200">
+      <a:lvl1pPr marL="0" algn="l" rtl="0" eaLnBrk="1" latinLnBrk="0" hangingPunct="1">
+        <a:defRPr kumimoji="0" kern="1200">
           <a:solidFill>
             <a:schemeClr val="tx1"/>
           </a:solidFill>
@@ -4257,8 +4840,8 @@
           <a:cs typeface="+mn-cs"/>
         </a:defRPr>
       </a:lvl1pPr>
-      <a:lvl2pPr marL="457200" algn="l" defTabSz="914400" rtl="0" eaLnBrk="1" latinLnBrk="0" hangingPunct="1">
-        <a:defRPr sz="1800" kern="1200">
+      <a:lvl2pPr marL="457200" algn="l" rtl="0" eaLnBrk="1" latinLnBrk="0" hangingPunct="1">
+        <a:defRPr kumimoji="0" kern="1200">
           <a:solidFill>
             <a:schemeClr val="tx1"/>
           </a:solidFill>
@@ -4267,8 +4850,8 @@
           <a:cs typeface="+mn-cs"/>
         </a:defRPr>
       </a:lvl2pPr>
-      <a:lvl3pPr marL="914400" algn="l" defTabSz="914400" rtl="0" eaLnBrk="1" latinLnBrk="0" hangingPunct="1">
-        <a:defRPr sz="1800" kern="1200">
+      <a:lvl3pPr marL="914400" algn="l" rtl="0" eaLnBrk="1" latinLnBrk="0" hangingPunct="1">
+        <a:defRPr kumimoji="0" kern="1200">
           <a:solidFill>
             <a:schemeClr val="tx1"/>
           </a:solidFill>
@@ -4277,8 +4860,8 @@
           <a:cs typeface="+mn-cs"/>
         </a:defRPr>
       </a:lvl3pPr>
-      <a:lvl4pPr marL="1371600" algn="l" defTabSz="914400" rtl="0" eaLnBrk="1" latinLnBrk="0" hangingPunct="1">
-        <a:defRPr sz="1800" kern="1200">
+      <a:lvl4pPr marL="1371600" algn="l" rtl="0" eaLnBrk="1" latinLnBrk="0" hangingPunct="1">
+        <a:defRPr kumimoji="0" kern="1200">
           <a:solidFill>
             <a:schemeClr val="tx1"/>
           </a:solidFill>
@@ -4287,8 +4870,8 @@
           <a:cs typeface="+mn-cs"/>
         </a:defRPr>
       </a:lvl4pPr>
-      <a:lvl5pPr marL="1828800" algn="l" defTabSz="914400" rtl="0" eaLnBrk="1" latinLnBrk="0" hangingPunct="1">
-        <a:defRPr sz="1800" kern="1200">
+      <a:lvl5pPr marL="1828800" algn="l" rtl="0" eaLnBrk="1" latinLnBrk="0" hangingPunct="1">
+        <a:defRPr kumimoji="0" kern="1200">
           <a:solidFill>
             <a:schemeClr val="tx1"/>
           </a:solidFill>
@@ -4297,8 +4880,8 @@
           <a:cs typeface="+mn-cs"/>
         </a:defRPr>
       </a:lvl5pPr>
-      <a:lvl6pPr marL="2286000" algn="l" defTabSz="914400" rtl="0" eaLnBrk="1" latinLnBrk="0" hangingPunct="1">
-        <a:defRPr sz="1800" kern="1200">
+      <a:lvl6pPr marL="2286000" algn="l" rtl="0" eaLnBrk="1" latinLnBrk="0" hangingPunct="1">
+        <a:defRPr kumimoji="0" kern="1200">
           <a:solidFill>
             <a:schemeClr val="tx1"/>
           </a:solidFill>
@@ -4307,8 +4890,8 @@
           <a:cs typeface="+mn-cs"/>
         </a:defRPr>
       </a:lvl6pPr>
-      <a:lvl7pPr marL="2743200" algn="l" defTabSz="914400" rtl="0" eaLnBrk="1" latinLnBrk="0" hangingPunct="1">
-        <a:defRPr sz="1800" kern="1200">
+      <a:lvl7pPr marL="2743200" algn="l" rtl="0" eaLnBrk="1" latinLnBrk="0" hangingPunct="1">
+        <a:defRPr kumimoji="0" kern="1200">
           <a:solidFill>
             <a:schemeClr val="tx1"/>
           </a:solidFill>
@@ -4317,8 +4900,8 @@
           <a:cs typeface="+mn-cs"/>
         </a:defRPr>
       </a:lvl7pPr>
-      <a:lvl8pPr marL="3200400" algn="l" defTabSz="914400" rtl="0" eaLnBrk="1" latinLnBrk="0" hangingPunct="1">
-        <a:defRPr sz="1800" kern="1200">
+      <a:lvl8pPr marL="3200400" algn="l" rtl="0" eaLnBrk="1" latinLnBrk="0" hangingPunct="1">
+        <a:defRPr kumimoji="0" kern="1200">
           <a:solidFill>
             <a:schemeClr val="tx1"/>
           </a:solidFill>
@@ -4327,8 +4910,8 @@
           <a:cs typeface="+mn-cs"/>
         </a:defRPr>
       </a:lvl8pPr>
-      <a:lvl9pPr marL="3657600" algn="l" defTabSz="914400" rtl="0" eaLnBrk="1" latinLnBrk="0" hangingPunct="1">
-        <a:defRPr sz="1800" kern="1200">
+      <a:lvl9pPr marL="3657600" algn="l" rtl="0" eaLnBrk="1" latinLnBrk="0" hangingPunct="1">
+        <a:defRPr kumimoji="0" kern="1200">
           <a:solidFill>
             <a:schemeClr val="tx1"/>
           </a:solidFill>
@@ -4404,16 +4987,11 @@
             </a:br>
             <a:r>
               <a:rPr lang="ru-RU" sz="3200" dirty="0" smtClean="0"/>
-              <a:t>Нижегородский </a:t>
-            </a:r>
-            <a:r>
-              <a:rPr lang="ru-RU" sz="3200" dirty="0"/>
-              <a:t>государственный университет им. Н.И. </a:t>
-            </a:r>
-            <a:r>
+              <a:t/>
+            </a:r>
+            <a:br>
               <a:rPr lang="ru-RU" sz="3200" dirty="0" smtClean="0"/>
-              <a:t>Лобачевского</a:t>
-            </a:r>
+            </a:br>
             <a:r>
               <a:rPr lang="ru-RU" sz="3200" dirty="0"/>
               <a:t/>
@@ -4421,6 +4999,25 @@
             <a:br>
               <a:rPr lang="ru-RU" sz="3200" dirty="0"/>
             </a:br>
+            <a:r>
+              <a:rPr lang="ru-RU" sz="3200" dirty="0" smtClean="0"/>
+              <a:t/>
+            </a:r>
+            <a:br>
+              <a:rPr lang="ru-RU" sz="3200" dirty="0" smtClean="0"/>
+            </a:br>
+            <a:r>
+              <a:rPr lang="ru-RU" sz="3200" dirty="0" smtClean="0"/>
+              <a:t>Нижегородский </a:t>
+            </a:r>
+            <a:r>
+              <a:rPr lang="ru-RU" sz="3200" dirty="0"/>
+              <a:t>государственный университет им. Н.И. </a:t>
+            </a:r>
+            <a:r>
+              <a:rPr lang="ru-RU" sz="3200" dirty="0" smtClean="0"/>
+              <a:t>Лобачевского</a:t>
+            </a:r>
             <a:endParaRPr lang="ru-RU" sz="3200" dirty="0"/>
           </a:p>
         </p:txBody>
@@ -4733,18 +5330,44 @@
       </p:sp>
       <p:sp>
         <p:nvSpPr>
+          <p:cNvPr id="4" name="Номер слайда 3"/>
+          <p:cNvSpPr>
+            <a:spLocks noGrp="1"/>
+          </p:cNvSpPr>
+          <p:nvPr>
+            <p:ph type="sldNum" sz="quarter" idx="12"/>
+          </p:nvPr>
+        </p:nvSpPr>
+        <p:spPr/>
+        <p:txBody>
+          <a:bodyPr>
+            <a:normAutofit fontScale="85000" lnSpcReduction="20000"/>
+          </a:bodyPr>
+          <a:lstStyle/>
+          <a:p>
+            <a:fld id="{725C68B6-61C2-468F-89AB-4B9F7531AA68}" type="slidenum">
+              <a:rPr lang="ru-RU" smtClean="0"/>
+              <a:pPr/>
+              <a:t>10</a:t>
+            </a:fld>
+            <a:endParaRPr lang="ru-RU"/>
+          </a:p>
+        </p:txBody>
+      </p:sp>
+      <p:sp>
+        <p:nvSpPr>
           <p:cNvPr id="3" name="Содержимое 2"/>
           <p:cNvSpPr>
             <a:spLocks noGrp="1"/>
           </p:cNvSpPr>
           <p:nvPr>
-            <p:ph idx="1"/>
+            <p:ph sz="quarter" idx="1"/>
           </p:nvPr>
         </p:nvSpPr>
         <p:spPr>
           <a:xfrm>
-            <a:off x="457200" y="1285860"/>
-            <a:ext cx="8401080" cy="5357850"/>
+            <a:off x="457200" y="1556792"/>
+            <a:ext cx="8401080" cy="5086918"/>
           </a:xfrm>
         </p:spPr>
         <p:txBody>
@@ -4794,30 +5417,6 @@
               <a:buNone/>
             </a:pPr>
             <a:endParaRPr lang="ru-RU" dirty="0"/>
-          </a:p>
-        </p:txBody>
-      </p:sp>
-      <p:sp>
-        <p:nvSpPr>
-          <p:cNvPr id="4" name="Номер слайда 3"/>
-          <p:cNvSpPr>
-            <a:spLocks noGrp="1"/>
-          </p:cNvSpPr>
-          <p:nvPr>
-            <p:ph type="sldNum" sz="quarter" idx="12"/>
-          </p:nvPr>
-        </p:nvSpPr>
-        <p:spPr/>
-        <p:txBody>
-          <a:bodyPr/>
-          <a:lstStyle/>
-          <a:p>
-            <a:fld id="{725C68B6-61C2-468F-89AB-4B9F7531AA68}" type="slidenum">
-              <a:rPr lang="ru-RU" smtClean="0"/>
-              <a:pPr/>
-              <a:t>10</a:t>
-            </a:fld>
-            <a:endParaRPr lang="ru-RU"/>
           </a:p>
         </p:txBody>
       </p:sp>
@@ -4904,17 +5503,43 @@
       </p:sp>
       <p:sp>
         <p:nvSpPr>
+          <p:cNvPr id="4" name="Номер слайда 3"/>
+          <p:cNvSpPr>
+            <a:spLocks noGrp="1"/>
+          </p:cNvSpPr>
+          <p:nvPr>
+            <p:ph type="sldNum" sz="quarter" idx="12"/>
+          </p:nvPr>
+        </p:nvSpPr>
+        <p:spPr/>
+        <p:txBody>
+          <a:bodyPr>
+            <a:normAutofit fontScale="85000" lnSpcReduction="20000"/>
+          </a:bodyPr>
+          <a:lstStyle/>
+          <a:p>
+            <a:fld id="{725C68B6-61C2-468F-89AB-4B9F7531AA68}" type="slidenum">
+              <a:rPr lang="ru-RU" smtClean="0"/>
+              <a:pPr/>
+              <a:t>11</a:t>
+            </a:fld>
+            <a:endParaRPr lang="ru-RU"/>
+          </a:p>
+        </p:txBody>
+      </p:sp>
+      <p:sp>
+        <p:nvSpPr>
           <p:cNvPr id="3" name="Содержимое 2"/>
           <p:cNvSpPr>
             <a:spLocks noGrp="1"/>
           </p:cNvSpPr>
           <p:nvPr>
-            <p:ph idx="1"/>
+            <p:ph sz="quarter" idx="1"/>
           </p:nvPr>
         </p:nvSpPr>
         <p:spPr>
           <a:xfrm>
-            <a:off x="457200" y="1285860"/>
+            <a:off x="457200" y="1311510"/>
             <a:ext cx="8401080" cy="5357850"/>
           </a:xfrm>
         </p:spPr>
@@ -4937,30 +5562,6 @@
           </a:p>
         </p:txBody>
       </p:sp>
-      <p:sp>
-        <p:nvSpPr>
-          <p:cNvPr id="4" name="Номер слайда 3"/>
-          <p:cNvSpPr>
-            <a:spLocks noGrp="1"/>
-          </p:cNvSpPr>
-          <p:nvPr>
-            <p:ph type="sldNum" sz="quarter" idx="12"/>
-          </p:nvPr>
-        </p:nvSpPr>
-        <p:spPr/>
-        <p:txBody>
-          <a:bodyPr/>
-          <a:lstStyle/>
-          <a:p>
-            <a:fld id="{725C68B6-61C2-468F-89AB-4B9F7531AA68}" type="slidenum">
-              <a:rPr lang="ru-RU" smtClean="0"/>
-              <a:pPr/>
-              <a:t>11</a:t>
-            </a:fld>
-            <a:endParaRPr lang="ru-RU"/>
-          </a:p>
-        </p:txBody>
-      </p:sp>
       <p:graphicFrame>
         <p:nvGraphicFramePr>
           <p:cNvPr id="5" name="Диаграмма 4"/>
@@ -4968,14 +5569,14 @@
           <p:nvPr>
             <p:extLst>
               <p:ext uri="{D42A27DB-BD31-4B8C-83A1-F6EECF244321}">
-                <p14:modId xmlns:p14="http://schemas.microsoft.com/office/powerpoint/2010/main" val="248075369"/>
+                <p14:modId xmlns:p14="http://schemas.microsoft.com/office/powerpoint/2010/main" val="907260354"/>
               </p:ext>
             </p:extLst>
           </p:nvPr>
         </p:nvGraphicFramePr>
         <p:xfrm>
-          <a:off x="467544" y="1340768"/>
-          <a:ext cx="8208912" cy="3816424"/>
+          <a:off x="467544" y="1556791"/>
+          <a:ext cx="8208912" cy="4080509"/>
         </p:xfrm>
         <a:graphic>
           <a:graphicData uri="http://schemas.openxmlformats.org/drawingml/2006/chart">
@@ -4991,15 +5592,15 @@
         </p:nvSpPr>
         <p:spPr>
           <a:xfrm>
-            <a:off x="2286000" y="5301208"/>
-            <a:ext cx="4572000" cy="923330"/>
+            <a:off x="611560" y="5637301"/>
+            <a:ext cx="8136904" cy="646331"/>
           </a:xfrm>
           <a:prstGeom prst="rect">
             <a:avLst/>
           </a:prstGeom>
         </p:spPr>
         <p:txBody>
-          <a:bodyPr>
+          <a:bodyPr wrap="square">
             <a:spAutoFit/>
           </a:bodyPr>
           <a:lstStyle/>
@@ -5110,12 +5711,38 @@
       </p:sp>
       <p:sp>
         <p:nvSpPr>
+          <p:cNvPr id="4" name="Номер слайда 3"/>
+          <p:cNvSpPr>
+            <a:spLocks noGrp="1"/>
+          </p:cNvSpPr>
+          <p:nvPr>
+            <p:ph type="sldNum" sz="quarter" idx="12"/>
+          </p:nvPr>
+        </p:nvSpPr>
+        <p:spPr/>
+        <p:txBody>
+          <a:bodyPr>
+            <a:normAutofit fontScale="85000" lnSpcReduction="20000"/>
+          </a:bodyPr>
+          <a:lstStyle/>
+          <a:p>
+            <a:fld id="{725C68B6-61C2-468F-89AB-4B9F7531AA68}" type="slidenum">
+              <a:rPr lang="ru-RU" smtClean="0"/>
+              <a:pPr/>
+              <a:t>12</a:t>
+            </a:fld>
+            <a:endParaRPr lang="ru-RU"/>
+          </a:p>
+        </p:txBody>
+      </p:sp>
+      <p:sp>
+        <p:nvSpPr>
           <p:cNvPr id="3" name="Содержимое 2"/>
           <p:cNvSpPr>
             <a:spLocks noGrp="1"/>
           </p:cNvSpPr>
           <p:nvPr>
-            <p:ph idx="1"/>
+            <p:ph sz="quarter" idx="1"/>
           </p:nvPr>
         </p:nvSpPr>
         <p:spPr>
@@ -5145,45 +5772,21 @@
       </p:sp>
       <p:sp>
         <p:nvSpPr>
-          <p:cNvPr id="4" name="Номер слайда 3"/>
-          <p:cNvSpPr>
-            <a:spLocks noGrp="1"/>
-          </p:cNvSpPr>
-          <p:nvPr>
-            <p:ph type="sldNum" sz="quarter" idx="12"/>
-          </p:nvPr>
-        </p:nvSpPr>
-        <p:spPr/>
-        <p:txBody>
-          <a:bodyPr/>
-          <a:lstStyle/>
-          <a:p>
-            <a:fld id="{725C68B6-61C2-468F-89AB-4B9F7531AA68}" type="slidenum">
-              <a:rPr lang="ru-RU" smtClean="0"/>
-              <a:pPr/>
-              <a:t>12</a:t>
-            </a:fld>
-            <a:endParaRPr lang="ru-RU"/>
-          </a:p>
-        </p:txBody>
-      </p:sp>
-      <p:sp>
-        <p:nvSpPr>
           <p:cNvPr id="6" name="Прямоугольник 5"/>
           <p:cNvSpPr/>
           <p:nvPr/>
         </p:nvSpPr>
         <p:spPr>
           <a:xfrm>
-            <a:off x="2286000" y="5301208"/>
-            <a:ext cx="4572000" cy="923330"/>
+            <a:off x="467544" y="5936238"/>
+            <a:ext cx="8208912" cy="646331"/>
           </a:xfrm>
           <a:prstGeom prst="rect">
             <a:avLst/>
           </a:prstGeom>
         </p:spPr>
         <p:txBody>
-          <a:bodyPr>
+          <a:bodyPr wrap="square">
             <a:spAutoFit/>
           </a:bodyPr>
           <a:lstStyle/>
@@ -5218,14 +5821,14 @@
           <p:nvPr>
             <p:extLst>
               <p:ext uri="{D42A27DB-BD31-4B8C-83A1-F6EECF244321}">
-                <p14:modId xmlns:p14="http://schemas.microsoft.com/office/powerpoint/2010/main" val="2741555342"/>
+                <p14:modId xmlns:p14="http://schemas.microsoft.com/office/powerpoint/2010/main" val="3952460011"/>
               </p:ext>
             </p:extLst>
           </p:nvPr>
         </p:nvGraphicFramePr>
         <p:xfrm>
-          <a:off x="467544" y="1340768"/>
-          <a:ext cx="8208912" cy="3960440"/>
+          <a:off x="467544" y="1556792"/>
+          <a:ext cx="8208912" cy="4379446"/>
         </p:xfrm>
         <a:graphic>
           <a:graphicData uri="http://schemas.openxmlformats.org/drawingml/2006/chart">
@@ -5316,18 +5919,44 @@
       </p:sp>
       <p:sp>
         <p:nvSpPr>
+          <p:cNvPr id="4" name="Номер слайда 3"/>
+          <p:cNvSpPr>
+            <a:spLocks noGrp="1"/>
+          </p:cNvSpPr>
+          <p:nvPr>
+            <p:ph type="sldNum" sz="quarter" idx="12"/>
+          </p:nvPr>
+        </p:nvSpPr>
+        <p:spPr/>
+        <p:txBody>
+          <a:bodyPr>
+            <a:normAutofit fontScale="85000" lnSpcReduction="20000"/>
+          </a:bodyPr>
+          <a:lstStyle/>
+          <a:p>
+            <a:fld id="{725C68B6-61C2-468F-89AB-4B9F7531AA68}" type="slidenum">
+              <a:rPr lang="ru-RU" smtClean="0"/>
+              <a:pPr/>
+              <a:t>13</a:t>
+            </a:fld>
+            <a:endParaRPr lang="ru-RU"/>
+          </a:p>
+        </p:txBody>
+      </p:sp>
+      <p:sp>
+        <p:nvSpPr>
           <p:cNvPr id="3" name="Содержимое 2"/>
           <p:cNvSpPr>
             <a:spLocks noGrp="1"/>
           </p:cNvSpPr>
           <p:nvPr>
-            <p:ph idx="1"/>
+            <p:ph sz="quarter" idx="1"/>
           </p:nvPr>
         </p:nvSpPr>
         <p:spPr>
           <a:xfrm>
-            <a:off x="457200" y="1285860"/>
-            <a:ext cx="8401080" cy="5357850"/>
+            <a:off x="457200" y="1628800"/>
+            <a:ext cx="8401080" cy="5014910"/>
           </a:xfrm>
         </p:spPr>
         <p:txBody>
@@ -5377,30 +6006,6 @@
               <a:buNone/>
             </a:pPr>
             <a:endParaRPr lang="ru-RU" dirty="0"/>
-          </a:p>
-        </p:txBody>
-      </p:sp>
-      <p:sp>
-        <p:nvSpPr>
-          <p:cNvPr id="4" name="Номер слайда 3"/>
-          <p:cNvSpPr>
-            <a:spLocks noGrp="1"/>
-          </p:cNvSpPr>
-          <p:nvPr>
-            <p:ph type="sldNum" sz="quarter" idx="12"/>
-          </p:nvPr>
-        </p:nvSpPr>
-        <p:spPr/>
-        <p:txBody>
-          <a:bodyPr/>
-          <a:lstStyle/>
-          <a:p>
-            <a:fld id="{725C68B6-61C2-468F-89AB-4B9F7531AA68}" type="slidenum">
-              <a:rPr lang="ru-RU" smtClean="0"/>
-              <a:pPr/>
-              <a:t>13</a:t>
-            </a:fld>
-            <a:endParaRPr lang="ru-RU"/>
           </a:p>
         </p:txBody>
       </p:sp>
@@ -5487,12 +6092,38 @@
       </p:sp>
       <p:sp>
         <p:nvSpPr>
+          <p:cNvPr id="4" name="Номер слайда 3"/>
+          <p:cNvSpPr>
+            <a:spLocks noGrp="1"/>
+          </p:cNvSpPr>
+          <p:nvPr>
+            <p:ph type="sldNum" sz="quarter" idx="12"/>
+          </p:nvPr>
+        </p:nvSpPr>
+        <p:spPr/>
+        <p:txBody>
+          <a:bodyPr>
+            <a:normAutofit fontScale="85000" lnSpcReduction="20000"/>
+          </a:bodyPr>
+          <a:lstStyle/>
+          <a:p>
+            <a:fld id="{725C68B6-61C2-468F-89AB-4B9F7531AA68}" type="slidenum">
+              <a:rPr lang="ru-RU" smtClean="0"/>
+              <a:pPr/>
+              <a:t>14</a:t>
+            </a:fld>
+            <a:endParaRPr lang="ru-RU"/>
+          </a:p>
+        </p:txBody>
+      </p:sp>
+      <p:sp>
+        <p:nvSpPr>
           <p:cNvPr id="3" name="Содержимое 2"/>
           <p:cNvSpPr>
             <a:spLocks noGrp="1"/>
           </p:cNvSpPr>
           <p:nvPr>
-            <p:ph idx="1"/>
+            <p:ph sz="quarter" idx="1"/>
           </p:nvPr>
         </p:nvSpPr>
         <p:spPr>
@@ -5522,45 +6153,21 @@
       </p:sp>
       <p:sp>
         <p:nvSpPr>
-          <p:cNvPr id="4" name="Номер слайда 3"/>
-          <p:cNvSpPr>
-            <a:spLocks noGrp="1"/>
-          </p:cNvSpPr>
-          <p:nvPr>
-            <p:ph type="sldNum" sz="quarter" idx="12"/>
-          </p:nvPr>
-        </p:nvSpPr>
-        <p:spPr/>
-        <p:txBody>
-          <a:bodyPr/>
-          <a:lstStyle/>
-          <a:p>
-            <a:fld id="{725C68B6-61C2-468F-89AB-4B9F7531AA68}" type="slidenum">
-              <a:rPr lang="ru-RU" smtClean="0"/>
-              <a:pPr/>
-              <a:t>14</a:t>
-            </a:fld>
-            <a:endParaRPr lang="ru-RU"/>
-          </a:p>
-        </p:txBody>
-      </p:sp>
-      <p:sp>
-        <p:nvSpPr>
           <p:cNvPr id="6" name="Прямоугольник 5"/>
           <p:cNvSpPr/>
           <p:nvPr/>
         </p:nvSpPr>
         <p:spPr>
           <a:xfrm>
-            <a:off x="2286000" y="5301208"/>
-            <a:ext cx="4572000" cy="923330"/>
+            <a:off x="395536" y="5805264"/>
+            <a:ext cx="8208912" cy="646331"/>
           </a:xfrm>
           <a:prstGeom prst="rect">
             <a:avLst/>
           </a:prstGeom>
         </p:spPr>
         <p:txBody>
-          <a:bodyPr>
+          <a:bodyPr wrap="square">
             <a:spAutoFit/>
           </a:bodyPr>
           <a:lstStyle/>
@@ -5595,14 +6202,14 @@
           <p:nvPr>
             <p:extLst>
               <p:ext uri="{D42A27DB-BD31-4B8C-83A1-F6EECF244321}">
-                <p14:modId xmlns:p14="http://schemas.microsoft.com/office/powerpoint/2010/main" val="1689123056"/>
+                <p14:modId xmlns:p14="http://schemas.microsoft.com/office/powerpoint/2010/main" val="320587109"/>
               </p:ext>
             </p:extLst>
           </p:nvPr>
         </p:nvGraphicFramePr>
         <p:xfrm>
-          <a:off x="467544" y="1268760"/>
-          <a:ext cx="8208912" cy="4032448"/>
+          <a:off x="467544" y="1556792"/>
+          <a:ext cx="8208912" cy="4248472"/>
         </p:xfrm>
         <a:graphic>
           <a:graphicData uri="http://schemas.openxmlformats.org/drawingml/2006/chart">
@@ -5693,12 +6300,38 @@
       </p:sp>
       <p:sp>
         <p:nvSpPr>
+          <p:cNvPr id="4" name="Номер слайда 3"/>
+          <p:cNvSpPr>
+            <a:spLocks noGrp="1"/>
+          </p:cNvSpPr>
+          <p:nvPr>
+            <p:ph type="sldNum" sz="quarter" idx="12"/>
+          </p:nvPr>
+        </p:nvSpPr>
+        <p:spPr/>
+        <p:txBody>
+          <a:bodyPr>
+            <a:normAutofit fontScale="85000" lnSpcReduction="20000"/>
+          </a:bodyPr>
+          <a:lstStyle/>
+          <a:p>
+            <a:fld id="{725C68B6-61C2-468F-89AB-4B9F7531AA68}" type="slidenum">
+              <a:rPr lang="ru-RU" smtClean="0"/>
+              <a:pPr/>
+              <a:t>15</a:t>
+            </a:fld>
+            <a:endParaRPr lang="ru-RU"/>
+          </a:p>
+        </p:txBody>
+      </p:sp>
+      <p:sp>
+        <p:nvSpPr>
           <p:cNvPr id="3" name="Содержимое 2"/>
           <p:cNvSpPr>
             <a:spLocks noGrp="1"/>
           </p:cNvSpPr>
           <p:nvPr>
-            <p:ph idx="1"/>
+            <p:ph sz="quarter" idx="1"/>
           </p:nvPr>
         </p:nvSpPr>
         <p:spPr>
@@ -5728,45 +6361,21 @@
       </p:sp>
       <p:sp>
         <p:nvSpPr>
-          <p:cNvPr id="4" name="Номер слайда 3"/>
-          <p:cNvSpPr>
-            <a:spLocks noGrp="1"/>
-          </p:cNvSpPr>
-          <p:nvPr>
-            <p:ph type="sldNum" sz="quarter" idx="12"/>
-          </p:nvPr>
-        </p:nvSpPr>
-        <p:spPr/>
-        <p:txBody>
-          <a:bodyPr/>
-          <a:lstStyle/>
-          <a:p>
-            <a:fld id="{725C68B6-61C2-468F-89AB-4B9F7531AA68}" type="slidenum">
-              <a:rPr lang="ru-RU" smtClean="0"/>
-              <a:pPr/>
-              <a:t>15</a:t>
-            </a:fld>
-            <a:endParaRPr lang="ru-RU"/>
-          </a:p>
-        </p:txBody>
-      </p:sp>
-      <p:sp>
-        <p:nvSpPr>
           <p:cNvPr id="6" name="Прямоугольник 5"/>
           <p:cNvSpPr/>
           <p:nvPr/>
         </p:nvSpPr>
         <p:spPr>
           <a:xfrm>
-            <a:off x="2286000" y="5301208"/>
-            <a:ext cx="4572000" cy="923330"/>
+            <a:off x="467544" y="5805264"/>
+            <a:ext cx="8280920" cy="646331"/>
           </a:xfrm>
           <a:prstGeom prst="rect">
             <a:avLst/>
           </a:prstGeom>
         </p:spPr>
         <p:txBody>
-          <a:bodyPr>
+          <a:bodyPr wrap="square">
             <a:spAutoFit/>
           </a:bodyPr>
           <a:lstStyle/>
@@ -5801,14 +6410,14 @@
           <p:nvPr>
             <p:extLst>
               <p:ext uri="{D42A27DB-BD31-4B8C-83A1-F6EECF244321}">
-                <p14:modId xmlns:p14="http://schemas.microsoft.com/office/powerpoint/2010/main" val="2670002430"/>
+                <p14:modId xmlns:p14="http://schemas.microsoft.com/office/powerpoint/2010/main" val="1866729226"/>
               </p:ext>
             </p:extLst>
           </p:nvPr>
         </p:nvGraphicFramePr>
         <p:xfrm>
-          <a:off x="467544" y="1268760"/>
-          <a:ext cx="8208912" cy="4032448"/>
+          <a:off x="467544" y="1556792"/>
+          <a:ext cx="8208912" cy="4248472"/>
         </p:xfrm>
         <a:graphic>
           <a:graphicData uri="http://schemas.openxmlformats.org/drawingml/2006/chart">
@@ -5899,90 +6508,19 @@
       </p:sp>
       <p:sp>
         <p:nvSpPr>
-          <p:cNvPr id="3" name="Содержимое 2"/>
-          <p:cNvSpPr>
-            <a:spLocks noGrp="1"/>
-          </p:cNvSpPr>
-          <p:nvPr>
-            <p:ph idx="1"/>
-          </p:nvPr>
-        </p:nvSpPr>
-        <p:spPr>
-          <a:xfrm>
-            <a:off x="457200" y="1285860"/>
-            <a:ext cx="8401080" cy="5357850"/>
-          </a:xfrm>
-        </p:spPr>
+          <p:cNvPr id="4" name="Номер слайда 3"/>
+          <p:cNvSpPr>
+            <a:spLocks noGrp="1"/>
+          </p:cNvSpPr>
+          <p:nvPr>
+            <p:ph type="sldNum" sz="quarter" idx="12"/>
+          </p:nvPr>
+        </p:nvSpPr>
+        <p:spPr/>
         <p:txBody>
           <a:bodyPr>
             <a:normAutofit fontScale="85000" lnSpcReduction="20000"/>
           </a:bodyPr>
-          <a:lstStyle/>
-          <a:p>
-            <a:r>
-              <a:rPr lang="ru-RU" dirty="0"/>
-              <a:t>В данной работе была написана программа, использующая технологию </a:t>
-            </a:r>
-            <a:r>
-              <a:rPr lang="ru-RU" dirty="0" err="1"/>
-              <a:t>OpenCL</a:t>
-            </a:r>
-            <a:r>
-              <a:rPr lang="ru-RU" dirty="0"/>
-              <a:t> для реализации гетерогенной вычислительной системы CPU+GPU. </a:t>
-            </a:r>
-            <a:endParaRPr lang="ru-RU" dirty="0" smtClean="0"/>
-          </a:p>
-          <a:p>
-            <a:r>
-              <a:rPr lang="ru-RU" dirty="0" smtClean="0"/>
-              <a:t>Данная </a:t>
-            </a:r>
-            <a:r>
-              <a:rPr lang="ru-RU" dirty="0"/>
-              <a:t>гетерогенная вычислительная система была применена для фильтрации изображения с помощью медианного алгоритма. </a:t>
-            </a:r>
-            <a:endParaRPr lang="ru-RU" dirty="0" smtClean="0"/>
-          </a:p>
-          <a:p>
-            <a:r>
-              <a:rPr lang="ru-RU" dirty="0" smtClean="0"/>
-              <a:t>Результаты </a:t>
-            </a:r>
-            <a:r>
-              <a:rPr lang="ru-RU" dirty="0"/>
-              <a:t>работы программы были проанализированы для различных уровней зашумленности изображения, а также для изображений различных размеров. </a:t>
-            </a:r>
-            <a:endParaRPr lang="ru-RU" dirty="0" smtClean="0"/>
-          </a:p>
-          <a:p>
-            <a:r>
-              <a:rPr lang="ru-RU" dirty="0" smtClean="0"/>
-              <a:t>Исходя </a:t>
-            </a:r>
-            <a:r>
-              <a:rPr lang="ru-RU" dirty="0"/>
-              <a:t>из полученный результатов, следует, что построенная гетерогенная система выполняет работу по фильтрации изображения до 6 раз быстрее, чем если бы мы использовали стандартные средства С++.</a:t>
-            </a:r>
-          </a:p>
-          <a:p>
-            <a:endParaRPr lang="ru-RU" dirty="0"/>
-          </a:p>
-        </p:txBody>
-      </p:sp>
-      <p:sp>
-        <p:nvSpPr>
-          <p:cNvPr id="4" name="Номер слайда 3"/>
-          <p:cNvSpPr>
-            <a:spLocks noGrp="1"/>
-          </p:cNvSpPr>
-          <p:nvPr>
-            <p:ph type="sldNum" sz="quarter" idx="12"/>
-          </p:nvPr>
-        </p:nvSpPr>
-        <p:spPr/>
-        <p:txBody>
-          <a:bodyPr/>
           <a:lstStyle/>
           <a:p>
             <a:fld id="{725C68B6-61C2-468F-89AB-4B9F7531AA68}" type="slidenum">
@@ -5991,6 +6529,79 @@
               <a:t>16</a:t>
             </a:fld>
             <a:endParaRPr lang="ru-RU"/>
+          </a:p>
+        </p:txBody>
+      </p:sp>
+      <p:sp>
+        <p:nvSpPr>
+          <p:cNvPr id="3" name="Содержимое 2"/>
+          <p:cNvSpPr>
+            <a:spLocks noGrp="1"/>
+          </p:cNvSpPr>
+          <p:nvPr>
+            <p:ph sz="quarter" idx="1"/>
+          </p:nvPr>
+        </p:nvSpPr>
+        <p:spPr>
+          <a:xfrm>
+            <a:off x="457200" y="1628800"/>
+            <a:ext cx="8401080" cy="5014910"/>
+          </a:xfrm>
+        </p:spPr>
+        <p:txBody>
+          <a:bodyPr>
+            <a:normAutofit fontScale="92500" lnSpcReduction="20000"/>
+          </a:bodyPr>
+          <a:lstStyle/>
+          <a:p>
+            <a:r>
+              <a:rPr lang="ru-RU" dirty="0"/>
+              <a:t>В данной работе была написана программа, использующая технологию </a:t>
+            </a:r>
+            <a:r>
+              <a:rPr lang="ru-RU" dirty="0" err="1"/>
+              <a:t>OpenCL</a:t>
+            </a:r>
+            <a:r>
+              <a:rPr lang="ru-RU" dirty="0"/>
+              <a:t> для реализации гетерогенной вычислительной системы CPU+GPU. </a:t>
+            </a:r>
+            <a:endParaRPr lang="ru-RU" dirty="0" smtClean="0"/>
+          </a:p>
+          <a:p>
+            <a:r>
+              <a:rPr lang="ru-RU" dirty="0" smtClean="0"/>
+              <a:t>Данная </a:t>
+            </a:r>
+            <a:r>
+              <a:rPr lang="ru-RU" dirty="0"/>
+              <a:t>гетерогенная вычислительная система была применена для фильтрации изображения с помощью медианного алгоритма. </a:t>
+            </a:r>
+            <a:endParaRPr lang="ru-RU" dirty="0" smtClean="0"/>
+          </a:p>
+          <a:p>
+            <a:r>
+              <a:rPr lang="ru-RU" dirty="0" smtClean="0"/>
+              <a:t>Результаты </a:t>
+            </a:r>
+            <a:r>
+              <a:rPr lang="ru-RU" dirty="0"/>
+              <a:t>работы программы были проанализированы для различных уровней зашумленности изображения, а также для изображений различных размеров. </a:t>
+            </a:r>
+            <a:endParaRPr lang="ru-RU" dirty="0" smtClean="0"/>
+          </a:p>
+          <a:p>
+            <a:r>
+              <a:rPr lang="ru-RU" dirty="0" smtClean="0"/>
+              <a:t>Исходя </a:t>
+            </a:r>
+            <a:r>
+              <a:rPr lang="ru-RU" dirty="0"/>
+              <a:t>из полученный результатов, следует, что построенная гетерогенная система выполняет работу по фильтрации изображения до 6 раз быстрее, чем если бы мы использовали стандартные средства С++.</a:t>
+            </a:r>
+          </a:p>
+          <a:p>
+            <a:endParaRPr lang="ru-RU" dirty="0"/>
           </a:p>
         </p:txBody>
       </p:sp>
@@ -6080,7 +6691,9 @@
         </p:nvSpPr>
         <p:spPr/>
         <p:txBody>
-          <a:bodyPr/>
+          <a:bodyPr>
+            <a:normAutofit fontScale="85000" lnSpcReduction="20000"/>
+          </a:bodyPr>
           <a:lstStyle/>
           <a:p>
             <a:fld id="{725C68B6-61C2-468F-89AB-4B9F7531AA68}" type="slidenum">
@@ -6174,55 +6787,19 @@
       </p:sp>
       <p:sp>
         <p:nvSpPr>
-          <p:cNvPr id="3" name="Содержимое 2"/>
-          <p:cNvSpPr>
-            <a:spLocks noGrp="1"/>
-          </p:cNvSpPr>
-          <p:nvPr>
-            <p:ph idx="1"/>
+          <p:cNvPr id="4" name="Номер слайда 3"/>
+          <p:cNvSpPr>
+            <a:spLocks noGrp="1"/>
+          </p:cNvSpPr>
+          <p:nvPr>
+            <p:ph type="sldNum" sz="quarter" idx="12"/>
           </p:nvPr>
         </p:nvSpPr>
         <p:spPr/>
         <p:txBody>
           <a:bodyPr>
-            <a:normAutofit/>
+            <a:normAutofit fontScale="85000" lnSpcReduction="20000"/>
           </a:bodyPr>
-          <a:lstStyle/>
-          <a:p>
-            <a:pPr marL="0" indent="0">
-              <a:buNone/>
-            </a:pPr>
-            <a:r>
-              <a:rPr lang="ru-RU" sz="2800" dirty="0"/>
-              <a:t>Актуальность </a:t>
-            </a:r>
-            <a:r>
-              <a:rPr lang="ru-RU" sz="2800" dirty="0" smtClean="0"/>
-              <a:t>темы </a:t>
-            </a:r>
-            <a:r>
-              <a:rPr lang="ru-RU" sz="2800" dirty="0"/>
-              <a:t>обусловлена повышением сложности и объемов вычислений решаемых с использованием вычислительных систем задач. С помощью гетерогенных вычислительных систем могут быть решены многие задачи физики, решение которых без использования ГВС заняло бы очень много времени, либо вообще было бы невозможно.</a:t>
-            </a:r>
-          </a:p>
-          <a:p>
-            <a:endParaRPr lang="ru-RU" sz="2800" dirty="0" smtClean="0"/>
-          </a:p>
-        </p:txBody>
-      </p:sp>
-      <p:sp>
-        <p:nvSpPr>
-          <p:cNvPr id="4" name="Номер слайда 3"/>
-          <p:cNvSpPr>
-            <a:spLocks noGrp="1"/>
-          </p:cNvSpPr>
-          <p:nvPr>
-            <p:ph type="sldNum" sz="quarter" idx="12"/>
-          </p:nvPr>
-        </p:nvSpPr>
-        <p:spPr/>
-        <p:txBody>
-          <a:bodyPr/>
           <a:lstStyle/>
           <a:p>
             <a:fld id="{725C68B6-61C2-468F-89AB-4B9F7531AA68}" type="slidenum">
@@ -6231,6 +6808,44 @@
               <a:t>2</a:t>
             </a:fld>
             <a:endParaRPr lang="ru-RU"/>
+          </a:p>
+        </p:txBody>
+      </p:sp>
+      <p:sp>
+        <p:nvSpPr>
+          <p:cNvPr id="3" name="Содержимое 2"/>
+          <p:cNvSpPr>
+            <a:spLocks noGrp="1"/>
+          </p:cNvSpPr>
+          <p:nvPr>
+            <p:ph sz="quarter" idx="1"/>
+          </p:nvPr>
+        </p:nvSpPr>
+        <p:spPr/>
+        <p:txBody>
+          <a:bodyPr>
+            <a:normAutofit/>
+          </a:bodyPr>
+          <a:lstStyle/>
+          <a:p>
+            <a:pPr marL="0" indent="0">
+              <a:buNone/>
+            </a:pPr>
+            <a:r>
+              <a:rPr lang="ru-RU" sz="2800" dirty="0"/>
+              <a:t>Актуальность </a:t>
+            </a:r>
+            <a:r>
+              <a:rPr lang="ru-RU" sz="2800" dirty="0" smtClean="0"/>
+              <a:t>темы </a:t>
+            </a:r>
+            <a:r>
+              <a:rPr lang="ru-RU" sz="2800" dirty="0"/>
+              <a:t>обусловлена повышением сложности и объемов вычислений решаемых с использованием вычислительных систем задач. С помощью гетерогенных вычислительных систем могут быть решены многие задачи физики, решение которых без использования ГВС заняло бы очень много времени, либо вообще было бы невозможно.</a:t>
+            </a:r>
+          </a:p>
+          <a:p>
+            <a:endParaRPr lang="ru-RU" sz="2800" dirty="0" smtClean="0"/>
           </a:p>
         </p:txBody>
       </p:sp>
@@ -6316,64 +6931,19 @@
       </p:sp>
       <p:sp>
         <p:nvSpPr>
-          <p:cNvPr id="3" name="Содержимое 2"/>
-          <p:cNvSpPr>
-            <a:spLocks noGrp="1"/>
-          </p:cNvSpPr>
-          <p:nvPr>
-            <p:ph idx="1"/>
+          <p:cNvPr id="4" name="Номер слайда 3"/>
+          <p:cNvSpPr>
+            <a:spLocks noGrp="1"/>
+          </p:cNvSpPr>
+          <p:nvPr>
+            <p:ph type="sldNum" sz="quarter" idx="12"/>
           </p:nvPr>
         </p:nvSpPr>
         <p:spPr/>
         <p:txBody>
           <a:bodyPr>
-            <a:normAutofit/>
+            <a:normAutofit fontScale="85000" lnSpcReduction="20000"/>
           </a:bodyPr>
-          <a:lstStyle/>
-          <a:p>
-            <a:endParaRPr lang="ru-RU" sz="2800" dirty="0" smtClean="0"/>
-          </a:p>
-          <a:p>
-            <a:pPr lvl="0"/>
-            <a:r>
-              <a:rPr lang="ru-RU" sz="2800" dirty="0"/>
-              <a:t>Использовать технологию </a:t>
-            </a:r>
-            <a:r>
-              <a:rPr lang="ru-RU" sz="2800" dirty="0" err="1"/>
-              <a:t>OpenCL</a:t>
-            </a:r>
-            <a:r>
-              <a:rPr lang="ru-RU" sz="2800" dirty="0"/>
-              <a:t> для реализации гетерогенной вычислительной системы CPU+GPU</a:t>
-            </a:r>
-            <a:r>
-              <a:rPr lang="ru-RU" sz="2800" dirty="0" smtClean="0"/>
-              <a:t>.</a:t>
-            </a:r>
-          </a:p>
-          <a:p>
-            <a:pPr lvl="0"/>
-            <a:r>
-              <a:rPr lang="ru-RU" sz="2800" dirty="0"/>
-              <a:t>Применить построенную ГВС в алгоритме фильтрации изображений.</a:t>
-            </a:r>
-          </a:p>
-        </p:txBody>
-      </p:sp>
-      <p:sp>
-        <p:nvSpPr>
-          <p:cNvPr id="4" name="Номер слайда 3"/>
-          <p:cNvSpPr>
-            <a:spLocks noGrp="1"/>
-          </p:cNvSpPr>
-          <p:nvPr>
-            <p:ph type="sldNum" sz="quarter" idx="12"/>
-          </p:nvPr>
-        </p:nvSpPr>
-        <p:spPr/>
-        <p:txBody>
-          <a:bodyPr/>
           <a:lstStyle/>
           <a:p>
             <a:fld id="{725C68B6-61C2-468F-89AB-4B9F7531AA68}" type="slidenum">
@@ -6382,6 +6952,53 @@
               <a:t>3</a:t>
             </a:fld>
             <a:endParaRPr lang="ru-RU"/>
+          </a:p>
+        </p:txBody>
+      </p:sp>
+      <p:sp>
+        <p:nvSpPr>
+          <p:cNvPr id="3" name="Содержимое 2"/>
+          <p:cNvSpPr>
+            <a:spLocks noGrp="1"/>
+          </p:cNvSpPr>
+          <p:nvPr>
+            <p:ph sz="quarter" idx="1"/>
+          </p:nvPr>
+        </p:nvSpPr>
+        <p:spPr/>
+        <p:txBody>
+          <a:bodyPr>
+            <a:normAutofit/>
+          </a:bodyPr>
+          <a:lstStyle/>
+          <a:p>
+            <a:endParaRPr lang="ru-RU" sz="2800" dirty="0" smtClean="0"/>
+          </a:p>
+          <a:p>
+            <a:pPr lvl="0"/>
+            <a:r>
+              <a:rPr lang="ru-RU" sz="2800" dirty="0"/>
+              <a:t>Использовать технологию </a:t>
+            </a:r>
+            <a:r>
+              <a:rPr lang="ru-RU" sz="2800" dirty="0" err="1"/>
+              <a:t>OpenCL</a:t>
+            </a:r>
+            <a:r>
+              <a:rPr lang="ru-RU" sz="2800" dirty="0"/>
+              <a:t> для реализации гетерогенной вычислительной системы CPU+GPU</a:t>
+            </a:r>
+            <a:r>
+              <a:rPr lang="ru-RU" sz="2800" dirty="0" smtClean="0"/>
+              <a:t>.</a:t>
+            </a:r>
+          </a:p>
+          <a:p>
+            <a:pPr lvl="0"/>
+            <a:r>
+              <a:rPr lang="ru-RU" sz="2800" dirty="0"/>
+              <a:t>Применить построенную ГВС в алгоритме фильтрации изображений.</a:t>
+            </a:r>
           </a:p>
         </p:txBody>
       </p:sp>
@@ -6463,50 +7080,19 @@
       </p:sp>
       <p:sp>
         <p:nvSpPr>
-          <p:cNvPr id="3" name="Содержимое 2"/>
-          <p:cNvSpPr>
-            <a:spLocks noGrp="1"/>
-          </p:cNvSpPr>
-          <p:nvPr>
-            <p:ph idx="1"/>
-          </p:nvPr>
-        </p:nvSpPr>
-        <p:spPr>
-          <a:xfrm>
-            <a:off x="467544" y="1556792"/>
-            <a:ext cx="8229600" cy="1468760"/>
-          </a:xfrm>
-        </p:spPr>
+          <p:cNvPr id="4" name="Номер слайда 3"/>
+          <p:cNvSpPr>
+            <a:spLocks noGrp="1"/>
+          </p:cNvSpPr>
+          <p:nvPr>
+            <p:ph type="sldNum" sz="quarter" idx="12"/>
+          </p:nvPr>
+        </p:nvSpPr>
+        <p:spPr/>
         <p:txBody>
           <a:bodyPr>
-            <a:normAutofit/>
+            <a:normAutofit fontScale="85000" lnSpcReduction="20000"/>
           </a:bodyPr>
-          <a:lstStyle/>
-          <a:p>
-            <a:pPr marL="0" indent="0">
-              <a:buNone/>
-            </a:pPr>
-            <a:r>
-              <a:rPr lang="ru-RU" sz="2800" dirty="0"/>
-              <a:t>Гетерогенные вычислительные системы - электронные системы, использующие различные типы вычислительных блоков.</a:t>
-            </a:r>
-            <a:endParaRPr lang="ru-RU" sz="2800" dirty="0" smtClean="0"/>
-          </a:p>
-        </p:txBody>
-      </p:sp>
-      <p:sp>
-        <p:nvSpPr>
-          <p:cNvPr id="4" name="Номер слайда 3"/>
-          <p:cNvSpPr>
-            <a:spLocks noGrp="1"/>
-          </p:cNvSpPr>
-          <p:nvPr>
-            <p:ph type="sldNum" sz="quarter" idx="12"/>
-          </p:nvPr>
-        </p:nvSpPr>
-        <p:spPr/>
-        <p:txBody>
-          <a:bodyPr/>
           <a:lstStyle/>
           <a:p>
             <a:fld id="{725C68B6-61C2-468F-89AB-4B9F7531AA68}" type="slidenum">
@@ -6515,6 +7101,39 @@
               <a:t>4</a:t>
             </a:fld>
             <a:endParaRPr lang="ru-RU"/>
+          </a:p>
+        </p:txBody>
+      </p:sp>
+      <p:sp>
+        <p:nvSpPr>
+          <p:cNvPr id="3" name="Содержимое 2"/>
+          <p:cNvSpPr>
+            <a:spLocks noGrp="1"/>
+          </p:cNvSpPr>
+          <p:nvPr>
+            <p:ph sz="quarter" idx="1"/>
+          </p:nvPr>
+        </p:nvSpPr>
+        <p:spPr>
+          <a:xfrm>
+            <a:off x="467544" y="1556792"/>
+            <a:ext cx="8229600" cy="1468760"/>
+          </a:xfrm>
+        </p:spPr>
+        <p:txBody>
+          <a:bodyPr>
+            <a:normAutofit/>
+          </a:bodyPr>
+          <a:lstStyle/>
+          <a:p>
+            <a:pPr marL="0" indent="0">
+              <a:buNone/>
+            </a:pPr>
+            <a:r>
+              <a:rPr lang="ru-RU" sz="2800" dirty="0"/>
+              <a:t>Гетерогенные вычислительные системы - электронные системы, использующие различные типы вычислительных блоков.</a:t>
+            </a:r>
+            <a:endParaRPr lang="ru-RU" sz="2800" dirty="0" smtClean="0"/>
           </a:p>
         </p:txBody>
       </p:sp>
@@ -6601,12 +7220,38 @@
       </p:sp>
       <p:sp>
         <p:nvSpPr>
+          <p:cNvPr id="4" name="Номер слайда 3"/>
+          <p:cNvSpPr>
+            <a:spLocks noGrp="1"/>
+          </p:cNvSpPr>
+          <p:nvPr>
+            <p:ph type="sldNum" sz="quarter" idx="12"/>
+          </p:nvPr>
+        </p:nvSpPr>
+        <p:spPr/>
+        <p:txBody>
+          <a:bodyPr>
+            <a:normAutofit fontScale="85000" lnSpcReduction="20000"/>
+          </a:bodyPr>
+          <a:lstStyle/>
+          <a:p>
+            <a:fld id="{725C68B6-61C2-468F-89AB-4B9F7531AA68}" type="slidenum">
+              <a:rPr lang="ru-RU" smtClean="0"/>
+              <a:pPr/>
+              <a:t>5</a:t>
+            </a:fld>
+            <a:endParaRPr lang="ru-RU"/>
+          </a:p>
+        </p:txBody>
+      </p:sp>
+      <p:sp>
+        <p:nvSpPr>
           <p:cNvPr id="3" name="Содержимое 2"/>
           <p:cNvSpPr>
             <a:spLocks noGrp="1"/>
           </p:cNvSpPr>
           <p:nvPr>
-            <p:ph idx="1"/>
+            <p:ph sz="quarter" idx="1"/>
           </p:nvPr>
         </p:nvSpPr>
         <p:spPr/>
@@ -6649,30 +7294,6 @@
               <a:buNone/>
             </a:pPr>
             <a:endParaRPr lang="ru-RU" sz="2800" dirty="0" smtClean="0"/>
-          </a:p>
-        </p:txBody>
-      </p:sp>
-      <p:sp>
-        <p:nvSpPr>
-          <p:cNvPr id="4" name="Номер слайда 3"/>
-          <p:cNvSpPr>
-            <a:spLocks noGrp="1"/>
-          </p:cNvSpPr>
-          <p:nvPr>
-            <p:ph type="sldNum" sz="quarter" idx="12"/>
-          </p:nvPr>
-        </p:nvSpPr>
-        <p:spPr/>
-        <p:txBody>
-          <a:bodyPr/>
-          <a:lstStyle/>
-          <a:p>
-            <a:fld id="{725C68B6-61C2-468F-89AB-4B9F7531AA68}" type="slidenum">
-              <a:rPr lang="ru-RU" smtClean="0"/>
-              <a:pPr/>
-              <a:t>5</a:t>
-            </a:fld>
-            <a:endParaRPr lang="ru-RU"/>
           </a:p>
         </p:txBody>
       </p:sp>
@@ -6800,144 +7421,19 @@
       </p:sp>
       <p:sp>
         <p:nvSpPr>
-          <p:cNvPr id="3" name="Содержимое 2"/>
-          <p:cNvSpPr>
-            <a:spLocks noGrp="1"/>
-          </p:cNvSpPr>
-          <p:nvPr>
-            <p:ph idx="1"/>
+          <p:cNvPr id="4" name="Номер слайда 3"/>
+          <p:cNvSpPr>
+            <a:spLocks noGrp="1"/>
+          </p:cNvSpPr>
+          <p:nvPr>
+            <p:ph type="sldNum" sz="quarter" idx="12"/>
           </p:nvPr>
         </p:nvSpPr>
         <p:spPr/>
         <p:txBody>
           <a:bodyPr>
-            <a:normAutofit/>
+            <a:normAutofit fontScale="85000" lnSpcReduction="20000"/>
           </a:bodyPr>
-          <a:lstStyle/>
-          <a:p>
-            <a:pPr marL="0" indent="0">
-              <a:buNone/>
-            </a:pPr>
-            <a:r>
-              <a:rPr lang="ru-RU" sz="2800" dirty="0"/>
-              <a:t>Для описания основной идеи </a:t>
-            </a:r>
-            <a:r>
-              <a:rPr lang="ru-RU" sz="2800" dirty="0" err="1"/>
-              <a:t>OpenCL</a:t>
-            </a:r>
-            <a:r>
-              <a:rPr lang="ru-RU" sz="2800" dirty="0"/>
-              <a:t> используется иерархия из 4х моделей:</a:t>
-            </a:r>
-          </a:p>
-          <a:p>
-            <a:pPr lvl="0"/>
-            <a:r>
-              <a:rPr lang="ru-RU" sz="2800" dirty="0"/>
-              <a:t>Модель платформы (</a:t>
-            </a:r>
-            <a:r>
-              <a:rPr lang="ru-RU" sz="2800" dirty="0" err="1"/>
-              <a:t>Platform</a:t>
-            </a:r>
-            <a:r>
-              <a:rPr lang="ru-RU" sz="2800" dirty="0"/>
-              <a:t> </a:t>
-            </a:r>
-            <a:r>
-              <a:rPr lang="ru-RU" sz="2800" dirty="0" err="1"/>
-              <a:t>Model</a:t>
-            </a:r>
-            <a:r>
-              <a:rPr lang="ru-RU" sz="2800" dirty="0"/>
-              <a:t>);</a:t>
-            </a:r>
-          </a:p>
-          <a:p>
-            <a:pPr lvl="0"/>
-            <a:r>
-              <a:rPr lang="ru-RU" sz="2800" dirty="0"/>
-              <a:t>Модель памяти (</a:t>
-            </a:r>
-            <a:r>
-              <a:rPr lang="ru-RU" sz="2800" dirty="0" err="1"/>
-              <a:t>Memory</a:t>
-            </a:r>
-            <a:r>
-              <a:rPr lang="ru-RU" sz="2800" dirty="0"/>
-              <a:t> </a:t>
-            </a:r>
-            <a:r>
-              <a:rPr lang="ru-RU" sz="2800" dirty="0" err="1"/>
-              <a:t>Model</a:t>
-            </a:r>
-            <a:r>
-              <a:rPr lang="ru-RU" sz="2800" dirty="0"/>
-              <a:t>);</a:t>
-            </a:r>
-          </a:p>
-          <a:p>
-            <a:pPr lvl="0"/>
-            <a:r>
-              <a:rPr lang="ru-RU" sz="2800" dirty="0"/>
-              <a:t>Модель исполнения (</a:t>
-            </a:r>
-            <a:r>
-              <a:rPr lang="ru-RU" sz="2800" dirty="0" err="1"/>
-              <a:t>Execution</a:t>
-            </a:r>
-            <a:r>
-              <a:rPr lang="ru-RU" sz="2800" dirty="0"/>
-              <a:t> </a:t>
-            </a:r>
-            <a:r>
-              <a:rPr lang="ru-RU" sz="2800" dirty="0" err="1"/>
-              <a:t>Model</a:t>
-            </a:r>
-            <a:r>
-              <a:rPr lang="ru-RU" sz="2800" dirty="0"/>
-              <a:t>);</a:t>
-            </a:r>
-          </a:p>
-          <a:p>
-            <a:r>
-              <a:rPr lang="ru-RU" sz="2800" dirty="0"/>
-              <a:t>Программная модель (</a:t>
-            </a:r>
-            <a:r>
-              <a:rPr lang="ru-RU" sz="2800" dirty="0" err="1"/>
-              <a:t>Programming</a:t>
-            </a:r>
-            <a:r>
-              <a:rPr lang="ru-RU" sz="2800" dirty="0"/>
-              <a:t> </a:t>
-            </a:r>
-            <a:r>
-              <a:rPr lang="ru-RU" sz="2800" dirty="0" err="1"/>
-              <a:t>Model</a:t>
-            </a:r>
-            <a:r>
-              <a:rPr lang="ru-RU" sz="2800" dirty="0"/>
-              <a:t>) </a:t>
-            </a:r>
-            <a:endParaRPr lang="ru-RU" sz="2800" dirty="0" smtClean="0"/>
-          </a:p>
-        </p:txBody>
-      </p:sp>
-      <p:sp>
-        <p:nvSpPr>
-          <p:cNvPr id="4" name="Номер слайда 3"/>
-          <p:cNvSpPr>
-            <a:spLocks noGrp="1"/>
-          </p:cNvSpPr>
-          <p:nvPr>
-            <p:ph type="sldNum" sz="quarter" idx="12"/>
-          </p:nvPr>
-        </p:nvSpPr>
-        <p:spPr/>
-        <p:txBody>
-          <a:bodyPr/>
           <a:lstStyle/>
           <a:p>
             <a:fld id="{725C68B6-61C2-468F-89AB-4B9F7531AA68}" type="slidenum">
@@ -6946,6 +7442,133 @@
               <a:t>6</a:t>
             </a:fld>
             <a:endParaRPr lang="ru-RU"/>
+          </a:p>
+        </p:txBody>
+      </p:sp>
+      <p:sp>
+        <p:nvSpPr>
+          <p:cNvPr id="3" name="Содержимое 2"/>
+          <p:cNvSpPr>
+            <a:spLocks noGrp="1"/>
+          </p:cNvSpPr>
+          <p:nvPr>
+            <p:ph sz="quarter" idx="1"/>
+          </p:nvPr>
+        </p:nvSpPr>
+        <p:spPr/>
+        <p:txBody>
+          <a:bodyPr>
+            <a:normAutofit/>
+          </a:bodyPr>
+          <a:lstStyle/>
+          <a:p>
+            <a:pPr marL="0" indent="0">
+              <a:buNone/>
+            </a:pPr>
+            <a:r>
+              <a:rPr lang="ru-RU" sz="2800" dirty="0"/>
+              <a:t>Для описания основной идеи </a:t>
+            </a:r>
+            <a:r>
+              <a:rPr lang="ru-RU" sz="2800" dirty="0" err="1"/>
+              <a:t>OpenCL</a:t>
+            </a:r>
+            <a:r>
+              <a:rPr lang="ru-RU" sz="2800" dirty="0"/>
+              <a:t> используется иерархия из 4х моделей:</a:t>
+            </a:r>
+          </a:p>
+          <a:p>
+            <a:pPr lvl="0"/>
+            <a:r>
+              <a:rPr lang="ru-RU" sz="2800" dirty="0"/>
+              <a:t>Модель платформы (</a:t>
+            </a:r>
+            <a:r>
+              <a:rPr lang="ru-RU" sz="2800" dirty="0" err="1"/>
+              <a:t>Platform</a:t>
+            </a:r>
+            <a:r>
+              <a:rPr lang="ru-RU" sz="2800" dirty="0"/>
+              <a:t> </a:t>
+            </a:r>
+            <a:r>
+              <a:rPr lang="ru-RU" sz="2800" dirty="0" err="1"/>
+              <a:t>Model</a:t>
+            </a:r>
+            <a:r>
+              <a:rPr lang="ru-RU" sz="2800" dirty="0"/>
+              <a:t>);</a:t>
+            </a:r>
+          </a:p>
+          <a:p>
+            <a:pPr lvl="0"/>
+            <a:r>
+              <a:rPr lang="ru-RU" sz="2800" dirty="0"/>
+              <a:t>Модель памяти (</a:t>
+            </a:r>
+            <a:r>
+              <a:rPr lang="ru-RU" sz="2800" dirty="0" err="1"/>
+              <a:t>Memory</a:t>
+            </a:r>
+            <a:r>
+              <a:rPr lang="ru-RU" sz="2800" dirty="0"/>
+              <a:t> </a:t>
+            </a:r>
+            <a:r>
+              <a:rPr lang="ru-RU" sz="2800" dirty="0" err="1"/>
+              <a:t>Model</a:t>
+            </a:r>
+            <a:r>
+              <a:rPr lang="ru-RU" sz="2800" dirty="0"/>
+              <a:t>);</a:t>
+            </a:r>
+          </a:p>
+          <a:p>
+            <a:pPr lvl="0"/>
+            <a:r>
+              <a:rPr lang="ru-RU" sz="2800" dirty="0"/>
+              <a:t>Модель исполнения (</a:t>
+            </a:r>
+            <a:r>
+              <a:rPr lang="ru-RU" sz="2800" dirty="0" err="1"/>
+              <a:t>Execution</a:t>
+            </a:r>
+            <a:r>
+              <a:rPr lang="ru-RU" sz="2800" dirty="0"/>
+              <a:t> </a:t>
+            </a:r>
+            <a:r>
+              <a:rPr lang="ru-RU" sz="2800" dirty="0" err="1"/>
+              <a:t>Model</a:t>
+            </a:r>
+            <a:r>
+              <a:rPr lang="ru-RU" sz="2800" dirty="0"/>
+              <a:t>);</a:t>
+            </a:r>
+          </a:p>
+          <a:p>
+            <a:r>
+              <a:rPr lang="ru-RU" sz="2800" dirty="0"/>
+              <a:t>Программная модель (</a:t>
+            </a:r>
+            <a:r>
+              <a:rPr lang="ru-RU" sz="2800" dirty="0" err="1"/>
+              <a:t>Programming</a:t>
+            </a:r>
+            <a:r>
+              <a:rPr lang="ru-RU" sz="2800" dirty="0"/>
+              <a:t> </a:t>
+            </a:r>
+            <a:r>
+              <a:rPr lang="ru-RU" sz="2800" dirty="0" err="1"/>
+              <a:t>Model</a:t>
+            </a:r>
+            <a:r>
+              <a:rPr lang="ru-RU" sz="2800" dirty="0"/>
+              <a:t>) </a:t>
+            </a:r>
+            <a:endParaRPr lang="ru-RU" sz="2800" dirty="0" smtClean="0"/>
           </a:p>
         </p:txBody>
       </p:sp>
@@ -7042,7 +7665,9 @@
         </p:nvSpPr>
         <p:spPr/>
         <p:txBody>
-          <a:bodyPr/>
+          <a:bodyPr>
+            <a:normAutofit fontScale="85000" lnSpcReduction="20000"/>
+          </a:bodyPr>
           <a:lstStyle/>
           <a:p>
             <a:fld id="{725C68B6-61C2-468F-89AB-4B9F7531AA68}" type="slidenum">
@@ -7254,7 +7879,9 @@
         </p:nvSpPr>
         <p:spPr/>
         <p:txBody>
-          <a:bodyPr/>
+          <a:bodyPr>
+            <a:normAutofit fontScale="85000" lnSpcReduction="20000"/>
+          </a:bodyPr>
           <a:lstStyle/>
           <a:p>
             <a:fld id="{725C68B6-61C2-468F-89AB-4B9F7531AA68}" type="slidenum">
@@ -7289,8 +7916,8 @@
         </p:blipFill>
         <p:spPr bwMode="auto">
           <a:xfrm>
-            <a:off x="1259632" y="1484784"/>
-            <a:ext cx="6840760" cy="4862696"/>
+            <a:off x="1259632" y="1628800"/>
+            <a:ext cx="6840760" cy="4718680"/>
           </a:xfrm>
           <a:prstGeom prst="rect">
             <a:avLst/>
@@ -7424,7 +8051,9 @@
         </p:nvSpPr>
         <p:spPr/>
         <p:txBody>
-          <a:bodyPr/>
+          <a:bodyPr>
+            <a:normAutofit fontScale="85000" lnSpcReduction="20000"/>
+          </a:bodyPr>
           <a:lstStyle/>
           <a:p>
             <a:fld id="{725C68B6-61C2-468F-89AB-4B9F7531AA68}" type="slidenum">
@@ -7511,9 +8140,9 @@
 </file>
 
 <file path=ppt/theme/theme1.xml><?xml version="1.0" encoding="utf-8"?>
-<a:theme xmlns:a="http://schemas.openxmlformats.org/drawingml/2006/main" name="Тема Office">
+<a:theme xmlns:a="http://schemas.openxmlformats.org/drawingml/2006/main" name="Обычная">
   <a:themeElements>
-    <a:clrScheme name="Стандартная">
+    <a:clrScheme name="Обычная">
       <a:dk1>
         <a:sysClr val="windowText" lastClr="000000"/>
       </a:dk1>
@@ -7521,83 +8150,50 @@
         <a:sysClr val="window" lastClr="FFFFFF"/>
       </a:lt1>
       <a:dk2>
-        <a:srgbClr val="1F497D"/>
+        <a:srgbClr val="775F55"/>
       </a:dk2>
       <a:lt2>
-        <a:srgbClr val="EEECE1"/>
+        <a:srgbClr val="EBDDC3"/>
       </a:lt2>
       <a:accent1>
-        <a:srgbClr val="4F81BD"/>
+        <a:srgbClr val="94B6D2"/>
       </a:accent1>
       <a:accent2>
-        <a:srgbClr val="C0504D"/>
+        <a:srgbClr val="DD8047"/>
       </a:accent2>
       <a:accent3>
-        <a:srgbClr val="9BBB59"/>
+        <a:srgbClr val="A5AB81"/>
       </a:accent3>
       <a:accent4>
-        <a:srgbClr val="8064A2"/>
+        <a:srgbClr val="D8B25C"/>
       </a:accent4>
       <a:accent5>
-        <a:srgbClr val="4BACC6"/>
+        <a:srgbClr val="7BA79D"/>
       </a:accent5>
       <a:accent6>
-        <a:srgbClr val="F79646"/>
+        <a:srgbClr val="968C8C"/>
       </a:accent6>
       <a:hlink>
-        <a:srgbClr val="0000FF"/>
+        <a:srgbClr val="F7B615"/>
       </a:hlink>
       <a:folHlink>
-        <a:srgbClr val="800080"/>
+        <a:srgbClr val="704404"/>
       </a:folHlink>
     </a:clrScheme>
-    <a:fontScheme name="Стандартная">
+    <a:fontScheme name="Обычная">
       <a:majorFont>
-        <a:latin typeface="Calibri"/>
+        <a:latin typeface="Tw Cen MT"/>
         <a:ea typeface=""/>
         <a:cs typeface=""/>
-        <a:font script="Jpan" typeface="ＭＳ Ｐゴシック"/>
-        <a:font script="Hang" typeface="맑은 고딕"/>
-        <a:font script="Hans" typeface="宋体"/>
-        <a:font script="Hant" typeface="新細明體"/>
-        <a:font script="Arab" typeface="Times New Roman"/>
-        <a:font script="Hebr" typeface="Times New Roman"/>
-        <a:font script="Thai" typeface="Angsana New"/>
-        <a:font script="Ethi" typeface="Nyala"/>
-        <a:font script="Beng" typeface="Vrinda"/>
-        <a:font script="Gujr" typeface="Shruti"/>
-        <a:font script="Khmr" typeface="MoolBoran"/>
-        <a:font script="Knda" typeface="Tunga"/>
-        <a:font script="Guru" typeface="Raavi"/>
-        <a:font script="Cans" typeface="Euphemia"/>
-        <a:font script="Cher" typeface="Plantagenet Cherokee"/>
-        <a:font script="Yiii" typeface="Microsoft Yi Baiti"/>
-        <a:font script="Tibt" typeface="Microsoft Himalaya"/>
-        <a:font script="Thaa" typeface="MV Boli"/>
-        <a:font script="Deva" typeface="Mangal"/>
-        <a:font script="Telu" typeface="Gautami"/>
-        <a:font script="Taml" typeface="Latha"/>
-        <a:font script="Syrc" typeface="Estrangelo Edessa"/>
-        <a:font script="Orya" typeface="Kalinga"/>
-        <a:font script="Mlym" typeface="Kartika"/>
-        <a:font script="Laoo" typeface="DokChampa"/>
-        <a:font script="Sinh" typeface="Iskoola Pota"/>
-        <a:font script="Mong" typeface="Mongolian Baiti"/>
-        <a:font script="Viet" typeface="Times New Roman"/>
-        <a:font script="Uigh" typeface="Microsoft Uighur"/>
-        <a:font script="Geor" typeface="Sylfaen"/>
-      </a:majorFont>
-      <a:minorFont>
-        <a:latin typeface="Calibri"/>
-        <a:ea typeface=""/>
-        <a:cs typeface=""/>
-        <a:font script="Jpan" typeface="ＭＳ Ｐゴシック"/>
-        <a:font script="Hang" typeface="맑은 고딕"/>
-        <a:font script="Hans" typeface="宋体"/>
-        <a:font script="Hant" typeface="新細明體"/>
+        <a:font script="Grek" typeface="Calibri"/>
+        <a:font script="Cyrl" typeface="Calibri"/>
+        <a:font script="Jpan" typeface="HGPｺﾞｼｯｸE"/>
+        <a:font script="Hang" typeface="HY얕은샘물M"/>
+        <a:font script="Hans" typeface="华文仿宋"/>
+        <a:font script="Hant" typeface="微軟正黑體"/>
         <a:font script="Arab" typeface="Arial"/>
-        <a:font script="Hebr" typeface="Arial"/>
-        <a:font script="Thai" typeface="Cordia New"/>
+        <a:font script="Hebr" typeface="Levenim MT"/>
+        <a:font script="Thai" typeface="FreesiaUPC"/>
         <a:font script="Ethi" typeface="Nyala"/>
         <a:font script="Beng" typeface="Vrinda"/>
         <a:font script="Gujr" typeface="Shruti"/>
@@ -7618,80 +8214,76 @@
         <a:font script="Laoo" typeface="DokChampa"/>
         <a:font script="Sinh" typeface="Iskoola Pota"/>
         <a:font script="Mong" typeface="Mongolian Baiti"/>
-        <a:font script="Viet" typeface="Arial"/>
+        <a:font script="Viet" typeface="Tahoma"/>
+        <a:font script="Uigh" typeface="Microsoft Uighur"/>
+        <a:font script="Geor" typeface="Sylfaen"/>
+      </a:majorFont>
+      <a:minorFont>
+        <a:latin typeface="Tw Cen MT"/>
+        <a:ea typeface=""/>
+        <a:cs typeface=""/>
+        <a:font script="Grek" typeface="Calibri"/>
+        <a:font script="Cyrl" typeface="Calibri"/>
+        <a:font script="Jpan" typeface="HGPｺﾞｼｯｸE"/>
+        <a:font script="Hang" typeface="HY얕은샘물M"/>
+        <a:font script="Hans" typeface="华文仿宋"/>
+        <a:font script="Hant" typeface="微軟正黑體"/>
+        <a:font script="Arab" typeface="Arial"/>
+        <a:font script="Hebr" typeface="Levenim MT"/>
+        <a:font script="Thai" typeface="FreesiaUPC"/>
+        <a:font script="Ethi" typeface="Nyala"/>
+        <a:font script="Beng" typeface="Vrinda"/>
+        <a:font script="Gujr" typeface="Shruti"/>
+        <a:font script="Khmr" typeface="DaunPenh"/>
+        <a:font script="Knda" typeface="Tunga"/>
+        <a:font script="Guru" typeface="Raavi"/>
+        <a:font script="Cans" typeface="Euphemia"/>
+        <a:font script="Cher" typeface="Plantagenet Cherokee"/>
+        <a:font script="Yiii" typeface="Microsoft Yi Baiti"/>
+        <a:font script="Tibt" typeface="Microsoft Himalaya"/>
+        <a:font script="Thaa" typeface="MV Boli"/>
+        <a:font script="Deva" typeface="Mangal"/>
+        <a:font script="Telu" typeface="Gautami"/>
+        <a:font script="Taml" typeface="Latha"/>
+        <a:font script="Syrc" typeface="Estrangelo Edessa"/>
+        <a:font script="Orya" typeface="Kalinga"/>
+        <a:font script="Mlym" typeface="Kartika"/>
+        <a:font script="Laoo" typeface="DokChampa"/>
+        <a:font script="Sinh" typeface="Iskoola Pota"/>
+        <a:font script="Mong" typeface="Mongolian Baiti"/>
+        <a:font script="Viet" typeface="Tahoma"/>
         <a:font script="Uigh" typeface="Microsoft Uighur"/>
         <a:font script="Geor" typeface="Sylfaen"/>
       </a:minorFont>
     </a:fontScheme>
-    <a:fmtScheme name="Стандартная">
+    <a:fmtScheme name="Обычная">
       <a:fillStyleLst>
         <a:solidFill>
           <a:schemeClr val="phClr"/>
         </a:solidFill>
-        <a:gradFill rotWithShape="1">
-          <a:gsLst>
-            <a:gs pos="0">
-              <a:schemeClr val="phClr">
-                <a:tint val="50000"/>
-                <a:satMod val="300000"/>
-              </a:schemeClr>
-            </a:gs>
-            <a:gs pos="35000">
-              <a:schemeClr val="phClr">
-                <a:tint val="37000"/>
-                <a:satMod val="300000"/>
-              </a:schemeClr>
-            </a:gs>
-            <a:gs pos="100000">
-              <a:schemeClr val="phClr">
-                <a:tint val="15000"/>
-                <a:satMod val="350000"/>
-              </a:schemeClr>
-            </a:gs>
-          </a:gsLst>
-          <a:lin ang="16200000" scaled="1"/>
-        </a:gradFill>
-        <a:gradFill rotWithShape="1">
-          <a:gsLst>
-            <a:gs pos="0">
-              <a:schemeClr val="phClr">
-                <a:shade val="51000"/>
-                <a:satMod val="130000"/>
-              </a:schemeClr>
-            </a:gs>
-            <a:gs pos="80000">
-              <a:schemeClr val="phClr">
-                <a:shade val="93000"/>
-                <a:satMod val="130000"/>
-              </a:schemeClr>
-            </a:gs>
-            <a:gs pos="100000">
-              <a:schemeClr val="phClr">
-                <a:shade val="94000"/>
-                <a:satMod val="135000"/>
-              </a:schemeClr>
-            </a:gs>
-          </a:gsLst>
-          <a:lin ang="16200000" scaled="0"/>
-        </a:gradFill>
+        <a:solidFill>
+          <a:schemeClr val="phClr">
+            <a:tint val="50000"/>
+          </a:schemeClr>
+        </a:solidFill>
+        <a:solidFill>
+          <a:schemeClr val="phClr"/>
+        </a:solidFill>
       </a:fillStyleLst>
       <a:lnStyleLst>
-        <a:ln w="9525" cap="flat" cmpd="sng" algn="ctr">
-          <a:solidFill>
-            <a:schemeClr val="phClr">
-              <a:shade val="95000"/>
-              <a:satMod val="105000"/>
-            </a:schemeClr>
-          </a:solidFill>
-          <a:prstDash val="solid"/>
-        </a:ln>
-        <a:ln w="25400" cap="flat" cmpd="sng" algn="ctr">
+        <a:ln w="10000" cap="flat" cmpd="sng" algn="ctr">
           <a:solidFill>
             <a:schemeClr val="phClr"/>
           </a:solidFill>
           <a:prstDash val="solid"/>
         </a:ln>
-        <a:ln w="38100" cap="flat" cmpd="sng" algn="ctr">
+        <a:ln w="19050" cap="flat" cmpd="sng" algn="ctr">
+          <a:solidFill>
+            <a:schemeClr val="phClr"/>
+          </a:solidFill>
+          <a:prstDash val="solid"/>
+        </a:ln>
+        <a:ln w="47625" cap="flat" cmpd="dbl" algn="ctr">
           <a:solidFill>
             <a:schemeClr val="phClr"/>
           </a:solidFill>
@@ -7701,40 +8293,43 @@
       <a:effectStyleLst>
         <a:effectStyle>
           <a:effectLst>
-            <a:outerShdw blurRad="40000" dist="20000" dir="5400000" rotWithShape="0">
+            <a:outerShdw blurRad="38100" dist="30000" dir="5400000" rotWithShape="0">
               <a:srgbClr val="000000">
-                <a:alpha val="38000"/>
+                <a:alpha val="45000"/>
               </a:srgbClr>
             </a:outerShdw>
           </a:effectLst>
         </a:effectStyle>
         <a:effectStyle>
           <a:effectLst>
-            <a:outerShdw blurRad="40000" dist="23000" dir="5400000" rotWithShape="0">
+            <a:outerShdw blurRad="38100" dist="30000" dir="5400000" rotWithShape="0">
               <a:srgbClr val="000000">
-                <a:alpha val="35000"/>
+                <a:alpha val="45000"/>
               </a:srgbClr>
             </a:outerShdw>
           </a:effectLst>
         </a:effectStyle>
         <a:effectStyle>
           <a:effectLst>
-            <a:outerShdw blurRad="40000" dist="23000" dir="5400000" rotWithShape="0">
+            <a:outerShdw blurRad="38100" dist="25400" dir="5400000" rotWithShape="0">
               <a:srgbClr val="000000">
                 <a:alpha val="35000"/>
               </a:srgbClr>
             </a:outerShdw>
           </a:effectLst>
           <a:scene3d>
-            <a:camera prst="orthographicFront">
+            <a:camera prst="isometricTopDown" fov="0">
               <a:rot lat="0" lon="0" rev="0"/>
             </a:camera>
-            <a:lightRig rig="threePt" dir="t">
-              <a:rot lat="0" lon="0" rev="1200000"/>
+            <a:lightRig rig="balanced" dir="t">
+              <a:rot lat="0" lon="0" rev="13800000"/>
             </a:lightRig>
           </a:scene3d>
-          <a:sp3d>
-            <a:bevelT w="63500" h="25400"/>
+          <a:sp3d extrusionH="12700" prstMaterial="plastic">
+            <a:bevelT w="38100" h="25400" prst="softRound"/>
+            <a:contourClr>
+              <a:schemeClr val="phClr"/>
+            </a:contourClr>
           </a:sp3d>
         </a:effectStyle>
       </a:effectStyleLst>
@@ -7742,51 +8337,34 @@
         <a:solidFill>
           <a:schemeClr val="phClr"/>
         </a:solidFill>
-        <a:gradFill rotWithShape="1">
-          <a:gsLst>
-            <a:gs pos="0">
+        <a:blipFill>
+          <a:blip xmlns:r="http://schemas.openxmlformats.org/officeDocument/2006/relationships" r:embed="rId1">
+            <a:duotone>
               <a:schemeClr val="phClr">
-                <a:tint val="40000"/>
-                <a:satMod val="350000"/>
+                <a:shade val="90000"/>
+                <a:satMod val="140000"/>
               </a:schemeClr>
-            </a:gs>
-            <a:gs pos="40000">
               <a:schemeClr val="phClr">
-                <a:tint val="45000"/>
-                <a:shade val="99000"/>
-                <a:satMod val="350000"/>
+                <a:satMod val="120000"/>
               </a:schemeClr>
-            </a:gs>
-            <a:gs pos="100000">
+            </a:duotone>
+          </a:blip>
+          <a:tile tx="0" ty="0" sx="100000" sy="100000" flip="none" algn="tl"/>
+        </a:blipFill>
+        <a:blipFill>
+          <a:blip xmlns:r="http://schemas.openxmlformats.org/officeDocument/2006/relationships" r:embed="rId2">
+            <a:duotone>
               <a:schemeClr val="phClr">
-                <a:shade val="20000"/>
-                <a:satMod val="255000"/>
+                <a:shade val="90000"/>
+                <a:satMod val="140000"/>
               </a:schemeClr>
-            </a:gs>
-          </a:gsLst>
-          <a:path path="circle">
-            <a:fillToRect l="50000" t="-80000" r="50000" b="180000"/>
-          </a:path>
-        </a:gradFill>
-        <a:gradFill rotWithShape="1">
-          <a:gsLst>
-            <a:gs pos="0">
               <a:schemeClr val="phClr">
-                <a:tint val="80000"/>
-                <a:satMod val="300000"/>
+                <a:satMod val="120000"/>
               </a:schemeClr>
-            </a:gs>
-            <a:gs pos="100000">
-              <a:schemeClr val="phClr">
-                <a:shade val="30000"/>
-                <a:satMod val="200000"/>
-              </a:schemeClr>
-            </a:gs>
-          </a:gsLst>
-          <a:path path="circle">
-            <a:fillToRect l="50000" t="50000" r="50000" b="50000"/>
-          </a:path>
-        </a:gradFill>
+            </a:duotone>
+          </a:blip>
+          <a:tile tx="0" ty="0" sx="100000" sy="100000" flip="none" algn="tl"/>
+        </a:blipFill>
       </a:bgFillStyleLst>
     </a:fmtScheme>
   </a:themeElements>

--- a/Diplom/Презентация.pptx
+++ b/Diplom/Презентация.pptx
@@ -9,9 +9,9 @@
   </p:notesMasterIdLst>
   <p:sldIdLst>
     <p:sldId id="256" r:id="rId2"/>
-    <p:sldId id="273" r:id="rId3"/>
-    <p:sldId id="257" r:id="rId4"/>
-    <p:sldId id="277" r:id="rId5"/>
+    <p:sldId id="277" r:id="rId3"/>
+    <p:sldId id="273" r:id="rId4"/>
+    <p:sldId id="257" r:id="rId5"/>
     <p:sldId id="274" r:id="rId6"/>
     <p:sldId id="275" r:id="rId7"/>
     <p:sldId id="276" r:id="rId8"/>
@@ -129,9 +129,9 @@
         <p14:section name="Раздел по умолчанию" id="{2B80315C-5B41-4A7F-B4AE-0D9BDDDD3479}">
           <p14:sldIdLst>
             <p14:sldId id="256"/>
+            <p14:sldId id="277"/>
             <p14:sldId id="273"/>
             <p14:sldId id="257"/>
-            <p14:sldId id="277"/>
             <p14:sldId id="274"/>
             <p14:sldId id="275"/>
             <p14:sldId id="276"/>
@@ -150,7 +150,7 @@
       </p14:sectionLst>
     </p:ext>
     <p:ext uri="{EFAFB233-063F-42B5-8137-9DF3F51BA10A}">
-      <p15:sldGuideLst xmlns="" xmlns:p15="http://schemas.microsoft.com/office/powerpoint/2012/main">
+      <p15:sldGuideLst xmlns:p15="http://schemas.microsoft.com/office/powerpoint/2012/main">
         <p15:guide id="1" orient="horz" pos="2160">
           <p15:clr>
             <a:srgbClr val="A4A3A4"/>
@@ -164,7 +164,7 @@
       </p15:sldGuideLst>
     </p:ext>
     <p:ext uri="{2D200454-40CA-4A62-9FC3-DE9A4176ACB9}">
-      <p15:notesGuideLst xmlns="" xmlns:p15="http://schemas.microsoft.com/office/powerpoint/2012/main">
+      <p15:notesGuideLst xmlns:p15="http://schemas.microsoft.com/office/powerpoint/2012/main">
         <p15:guide id="1" orient="horz" pos="2880">
           <p15:clr>
             <a:srgbClr val="A4A3A4"/>
@@ -184,7 +184,7 @@
 <file path=ppt/charts/chart1.xml><?xml version="1.0" encoding="utf-8"?>
 <c:chartSpace xmlns:c="http://schemas.openxmlformats.org/drawingml/2006/chart" xmlns:a="http://schemas.openxmlformats.org/drawingml/2006/main" xmlns:r="http://schemas.openxmlformats.org/officeDocument/2006/relationships">
   <c:date1904 val="0"/>
-  <c:lang val="ru-RU"/>
+  <c:lang val="en-US"/>
   <c:roundedCorners val="0"/>
   <mc:AlternateContent xmlns:mc="http://schemas.openxmlformats.org/markup-compatibility/2006">
     <mc:Choice xmlns:c14="http://schemas.microsoft.com/office/drawing/2007/8/2/chart" Requires="c14">
@@ -196,7 +196,6 @@
   </mc:AlternateContent>
   <c:chart>
     <c:title>
-      <c:layout/>
       <c:overlay val="0"/>
     </c:title>
     <c:autoTitleDeleted val="0"/>
@@ -309,11 +308,11 @@
           <c:showBubbleSize val="0"/>
         </c:dLbls>
         <c:gapWidth val="150"/>
-        <c:axId val="256225280"/>
-        <c:axId val="256226816"/>
+        <c:axId val="269598104"/>
+        <c:axId val="269598496"/>
       </c:barChart>
       <c:catAx>
-        <c:axId val="256225280"/>
+        <c:axId val="269598104"/>
         <c:scaling>
           <c:orientation val="minMax"/>
         </c:scaling>
@@ -323,7 +322,7 @@
         <c:majorTickMark val="out"/>
         <c:minorTickMark val="none"/>
         <c:tickLblPos val="nextTo"/>
-        <c:crossAx val="256226816"/>
+        <c:crossAx val="269598496"/>
         <c:crosses val="autoZero"/>
         <c:auto val="1"/>
         <c:lblAlgn val="ctr"/>
@@ -331,7 +330,7 @@
         <c:noMultiLvlLbl val="0"/>
       </c:catAx>
       <c:valAx>
-        <c:axId val="256226816"/>
+        <c:axId val="269598496"/>
         <c:scaling>
           <c:orientation val="minMax"/>
         </c:scaling>
@@ -342,14 +341,13 @@
         <c:majorTickMark val="out"/>
         <c:minorTickMark val="none"/>
         <c:tickLblPos val="nextTo"/>
-        <c:crossAx val="256225280"/>
+        <c:crossAx val="269598104"/>
         <c:crosses val="autoZero"/>
         <c:crossBetween val="between"/>
       </c:valAx>
     </c:plotArea>
     <c:legend>
       <c:legendPos val="r"/>
-      <c:layout/>
       <c:overlay val="0"/>
     </c:legend>
     <c:plotVisOnly val="1"/>
@@ -365,7 +363,7 @@
 <file path=ppt/charts/chart2.xml><?xml version="1.0" encoding="utf-8"?>
 <c:chartSpace xmlns:c="http://schemas.openxmlformats.org/drawingml/2006/chart" xmlns:a="http://schemas.openxmlformats.org/drawingml/2006/main" xmlns:r="http://schemas.openxmlformats.org/officeDocument/2006/relationships">
   <c:date1904 val="0"/>
-  <c:lang val="ru-RU"/>
+  <c:lang val="en-US"/>
   <c:roundedCorners val="0"/>
   <mc:AlternateContent xmlns:mc="http://schemas.openxmlformats.org/markup-compatibility/2006">
     <mc:Choice xmlns:c14="http://schemas.microsoft.com/office/drawing/2007/8/2/chart" Requires="c14">
@@ -377,7 +375,6 @@
   </mc:AlternateContent>
   <c:chart>
     <c:title>
-      <c:layout/>
       <c:overlay val="0"/>
     </c:title>
     <c:autoTitleDeleted val="0"/>
@@ -490,11 +487,11 @@
           <c:showBubbleSize val="0"/>
         </c:dLbls>
         <c:gapWidth val="150"/>
-        <c:axId val="256212352"/>
-        <c:axId val="256255104"/>
+        <c:axId val="269600848"/>
+        <c:axId val="269259904"/>
       </c:barChart>
       <c:catAx>
-        <c:axId val="256212352"/>
+        <c:axId val="269600848"/>
         <c:scaling>
           <c:orientation val="minMax"/>
         </c:scaling>
@@ -504,7 +501,7 @@
         <c:majorTickMark val="out"/>
         <c:minorTickMark val="none"/>
         <c:tickLblPos val="nextTo"/>
-        <c:crossAx val="256255104"/>
+        <c:crossAx val="269259904"/>
         <c:crosses val="autoZero"/>
         <c:auto val="1"/>
         <c:lblAlgn val="ctr"/>
@@ -512,7 +509,7 @@
         <c:noMultiLvlLbl val="0"/>
       </c:catAx>
       <c:valAx>
-        <c:axId val="256255104"/>
+        <c:axId val="269259904"/>
         <c:scaling>
           <c:orientation val="minMax"/>
         </c:scaling>
@@ -523,14 +520,13 @@
         <c:majorTickMark val="out"/>
         <c:minorTickMark val="none"/>
         <c:tickLblPos val="nextTo"/>
-        <c:crossAx val="256212352"/>
+        <c:crossAx val="269600848"/>
         <c:crosses val="autoZero"/>
         <c:crossBetween val="between"/>
       </c:valAx>
     </c:plotArea>
     <c:legend>
       <c:legendPos val="r"/>
-      <c:layout/>
       <c:overlay val="0"/>
     </c:legend>
     <c:plotVisOnly val="1"/>
@@ -546,7 +542,7 @@
 <file path=ppt/charts/chart3.xml><?xml version="1.0" encoding="utf-8"?>
 <c:chartSpace xmlns:c="http://schemas.openxmlformats.org/drawingml/2006/chart" xmlns:a="http://schemas.openxmlformats.org/drawingml/2006/main" xmlns:r="http://schemas.openxmlformats.org/officeDocument/2006/relationships">
   <c:date1904 val="0"/>
-  <c:lang val="ru-RU"/>
+  <c:lang val="en-US"/>
   <c:roundedCorners val="0"/>
   <mc:AlternateContent xmlns:mc="http://schemas.openxmlformats.org/markup-compatibility/2006">
     <mc:Choice xmlns:c14="http://schemas.microsoft.com/office/drawing/2007/8/2/chart" Requires="c14">
@@ -558,7 +554,6 @@
   </mc:AlternateContent>
   <c:chart>
     <c:title>
-      <c:layout/>
       <c:overlay val="0"/>
     </c:title>
     <c:autoTitleDeleted val="0"/>
@@ -671,11 +666,11 @@
           <c:showBubbleSize val="0"/>
         </c:dLbls>
         <c:gapWidth val="150"/>
-        <c:axId val="157020544"/>
-        <c:axId val="157022464"/>
+        <c:axId val="269260688"/>
+        <c:axId val="269261080"/>
       </c:barChart>
       <c:catAx>
-        <c:axId val="157020544"/>
+        <c:axId val="269260688"/>
         <c:scaling>
           <c:orientation val="minMax"/>
         </c:scaling>
@@ -685,7 +680,7 @@
         <c:majorTickMark val="out"/>
         <c:minorTickMark val="none"/>
         <c:tickLblPos val="nextTo"/>
-        <c:crossAx val="157022464"/>
+        <c:crossAx val="269261080"/>
         <c:crosses val="autoZero"/>
         <c:auto val="1"/>
         <c:lblAlgn val="ctr"/>
@@ -693,7 +688,7 @@
         <c:noMultiLvlLbl val="0"/>
       </c:catAx>
       <c:valAx>
-        <c:axId val="157022464"/>
+        <c:axId val="269261080"/>
         <c:scaling>
           <c:orientation val="minMax"/>
         </c:scaling>
@@ -704,14 +699,13 @@
         <c:majorTickMark val="out"/>
         <c:minorTickMark val="none"/>
         <c:tickLblPos val="nextTo"/>
-        <c:crossAx val="157020544"/>
+        <c:crossAx val="269260688"/>
         <c:crosses val="autoZero"/>
         <c:crossBetween val="between"/>
       </c:valAx>
     </c:plotArea>
     <c:legend>
       <c:legendPos val="r"/>
-      <c:layout/>
       <c:overlay val="0"/>
     </c:legend>
     <c:plotVisOnly val="1"/>
@@ -727,7 +721,7 @@
 <file path=ppt/charts/chart4.xml><?xml version="1.0" encoding="utf-8"?>
 <c:chartSpace xmlns:c="http://schemas.openxmlformats.org/drawingml/2006/chart" xmlns:a="http://schemas.openxmlformats.org/drawingml/2006/main" xmlns:r="http://schemas.openxmlformats.org/officeDocument/2006/relationships">
   <c:date1904 val="0"/>
-  <c:lang val="ru-RU"/>
+  <c:lang val="en-US"/>
   <c:roundedCorners val="0"/>
   <mc:AlternateContent xmlns:mc="http://schemas.openxmlformats.org/markup-compatibility/2006">
     <mc:Choice xmlns:c14="http://schemas.microsoft.com/office/drawing/2007/8/2/chart" Requires="c14">
@@ -739,7 +733,6 @@
   </mc:AlternateContent>
   <c:chart>
     <c:title>
-      <c:layout/>
       <c:overlay val="0"/>
     </c:title>
     <c:autoTitleDeleted val="0"/>
@@ -852,11 +845,11 @@
           <c:showBubbleSize val="0"/>
         </c:dLbls>
         <c:gapWidth val="150"/>
-        <c:axId val="147694720"/>
-        <c:axId val="147696256"/>
+        <c:axId val="269261864"/>
+        <c:axId val="269262256"/>
       </c:barChart>
       <c:catAx>
-        <c:axId val="147694720"/>
+        <c:axId val="269261864"/>
         <c:scaling>
           <c:orientation val="minMax"/>
         </c:scaling>
@@ -866,7 +859,7 @@
         <c:majorTickMark val="out"/>
         <c:minorTickMark val="none"/>
         <c:tickLblPos val="nextTo"/>
-        <c:crossAx val="147696256"/>
+        <c:crossAx val="269262256"/>
         <c:crosses val="autoZero"/>
         <c:auto val="1"/>
         <c:lblAlgn val="ctr"/>
@@ -874,7 +867,7 @@
         <c:noMultiLvlLbl val="0"/>
       </c:catAx>
       <c:valAx>
-        <c:axId val="147696256"/>
+        <c:axId val="269262256"/>
         <c:scaling>
           <c:orientation val="minMax"/>
         </c:scaling>
@@ -885,14 +878,13 @@
         <c:majorTickMark val="out"/>
         <c:minorTickMark val="none"/>
         <c:tickLblPos val="nextTo"/>
-        <c:crossAx val="147694720"/>
+        <c:crossAx val="269261864"/>
         <c:crosses val="autoZero"/>
         <c:crossBetween val="between"/>
       </c:valAx>
     </c:plotArea>
     <c:legend>
       <c:legendPos val="r"/>
-      <c:layout/>
       <c:overlay val="0"/>
     </c:legend>
     <c:plotVisOnly val="1"/>
@@ -988,7 +980,7 @@
             <a:fld id="{0A9696F3-3FDC-4E21-AC97-6E868E0BC607}" type="datetimeFigureOut">
               <a:rPr lang="ru-RU" smtClean="0"/>
               <a:pPr/>
-              <a:t>19.06.2016</a:t>
+              <a:t>21.06.2016</a:t>
             </a:fld>
             <a:endParaRPr lang="ru-RU"/>
           </a:p>
@@ -1638,7 +1630,7 @@
             <a:fld id="{5408D145-EB70-4616-A719-5C64DDC73D2C}" type="datetime1">
               <a:rPr lang="ru-RU" smtClean="0"/>
               <a:pPr/>
-              <a:t>19.06.2016</a:t>
+              <a:t>21.06.2016</a:t>
             </a:fld>
             <a:endParaRPr lang="ru-RU"/>
           </a:p>
@@ -1831,7 +1823,7 @@
             <a:fld id="{81D39EED-D250-476E-81A7-187CCED6EB9D}" type="datetime1">
               <a:rPr lang="ru-RU" smtClean="0"/>
               <a:pPr/>
-              <a:t>19.06.2016</a:t>
+              <a:t>21.06.2016</a:t>
             </a:fld>
             <a:endParaRPr lang="ru-RU"/>
           </a:p>
@@ -2018,7 +2010,7 @@
             <a:fld id="{8636E155-0824-4619-9AB2-E9ABBA382C04}" type="datetime1">
               <a:rPr lang="ru-RU" smtClean="0"/>
               <a:pPr/>
-              <a:t>19.06.2016</a:t>
+              <a:t>21.06.2016</a:t>
             </a:fld>
             <a:endParaRPr lang="ru-RU"/>
           </a:p>
@@ -2283,7 +2275,7 @@
             <a:fld id="{38B7606D-6FB0-4B4D-BF88-DF9DA97A60A5}" type="datetime1">
               <a:rPr lang="ru-RU" smtClean="0"/>
               <a:pPr/>
-              <a:t>19.06.2016</a:t>
+              <a:t>21.06.2016</a:t>
             </a:fld>
             <a:endParaRPr lang="ru-RU"/>
           </a:p>
@@ -2701,7 +2693,7 @@
             <a:fld id="{F6D1CDBD-7B44-4CD6-8936-775886B9333E}" type="datetime1">
               <a:rPr lang="ru-RU" smtClean="0"/>
               <a:pPr/>
-              <a:t>19.06.2016</a:t>
+              <a:t>21.06.2016</a:t>
             </a:fld>
             <a:endParaRPr lang="ru-RU"/>
           </a:p>
@@ -2945,7 +2937,7 @@
             <a:fld id="{5E9386AA-5667-4EE4-BCC2-4BFAFBFCF067}" type="datetime1">
               <a:rPr lang="ru-RU" smtClean="0"/>
               <a:pPr/>
-              <a:t>19.06.2016</a:t>
+              <a:t>21.06.2016</a:t>
             </a:fld>
             <a:endParaRPr lang="ru-RU"/>
           </a:p>
@@ -3183,7 +3175,7 @@
             <a:fld id="{D42DDB14-86B5-4F5D-9215-ACD89DC86D24}" type="datetime1">
               <a:rPr lang="ru-RU" smtClean="0"/>
               <a:pPr/>
-              <a:t>19.06.2016</a:t>
+              <a:t>21.06.2016</a:t>
             </a:fld>
             <a:endParaRPr lang="ru-RU"/>
           </a:p>
@@ -3380,7 +3372,7 @@
             <a:fld id="{A221C529-56BC-479E-B858-91DF1A701744}" type="datetime1">
               <a:rPr lang="ru-RU" smtClean="0"/>
               <a:pPr/>
-              <a:t>19.06.2016</a:t>
+              <a:t>21.06.2016</a:t>
             </a:fld>
             <a:endParaRPr lang="ru-RU"/>
           </a:p>
@@ -3480,7 +3472,7 @@
             <a:fld id="{F203A11B-45A9-4EC3-B31B-337B15AA5408}" type="datetime1">
               <a:rPr lang="ru-RU" smtClean="0"/>
               <a:pPr/>
-              <a:t>19.06.2016</a:t>
+              <a:t>21.06.2016</a:t>
             </a:fld>
             <a:endParaRPr lang="ru-RU"/>
           </a:p>
@@ -3618,7 +3610,7 @@
             <a:fld id="{FAB65F5F-63B9-49AC-B179-B32EA2388AD3}" type="datetime1">
               <a:rPr lang="ru-RU" smtClean="0"/>
               <a:pPr/>
-              <a:t>19.06.2016</a:t>
+              <a:t>21.06.2016</a:t>
             </a:fld>
             <a:endParaRPr lang="ru-RU"/>
           </a:p>
@@ -4138,7 +4130,7 @@
             <a:fld id="{5E6D66FA-83FE-4566-B8C4-0DE7204E4498}" type="datetime1">
               <a:rPr lang="ru-RU" smtClean="0"/>
               <a:pPr/>
-              <a:t>19.06.2016</a:t>
+              <a:t>21.06.2016</a:t>
             </a:fld>
             <a:endParaRPr lang="ru-RU"/>
           </a:p>
@@ -4401,7 +4393,7 @@
             <a:fld id="{61B9D0DC-D516-49DD-B6C0-5E388AD99406}" type="datetime1">
               <a:rPr lang="ru-RU" smtClean="0"/>
               <a:pPr/>
-              <a:t>19.06.2016</a:t>
+              <a:t>21.06.2016</a:t>
             </a:fld>
             <a:endParaRPr lang="ru-RU"/>
           </a:p>
@@ -5372,7 +5364,7 @@
         </p:spPr>
         <p:txBody>
           <a:bodyPr>
-            <a:normAutofit/>
+            <a:normAutofit fontScale="85000" lnSpcReduction="20000"/>
           </a:bodyPr>
           <a:lstStyle/>
           <a:p>
@@ -5381,7 +5373,54 @@
             </a:pPr>
             <a:r>
               <a:rPr lang="ru-RU" dirty="0"/>
-              <a:t>Результаты фильтрации изображения размером 584</a:t>
+              <a:t>Для демонстрации целесообразности использования данной технологии сравним скорость выполнения одного и того же алгоритма с использованием OpenCL на разных платформах/устройствах и с использованием стандартных средств C++. </a:t>
+            </a:r>
+          </a:p>
+          <a:p>
+            <a:pPr marL="0" indent="0">
+              <a:buNone/>
+            </a:pPr>
+            <a:r>
+              <a:rPr lang="ru-RU" dirty="0"/>
+              <a:t>Конфигурация компьютера, на котором выполнялось сравнение: </a:t>
+            </a:r>
+          </a:p>
+          <a:p>
+            <a:r>
+              <a:rPr lang="en-CA" dirty="0"/>
+              <a:t>CPU Intel Core i5-2450M </a:t>
+            </a:r>
+          </a:p>
+          <a:p>
+            <a:r>
+              <a:rPr lang="en-CA" dirty="0"/>
+              <a:t>GPU AMD Radeon HD 7400M </a:t>
+            </a:r>
+          </a:p>
+          <a:p>
+            <a:r>
+              <a:rPr lang="ru-RU" dirty="0"/>
+              <a:t>ОЗУ 6Гб </a:t>
+            </a:r>
+            <a:endParaRPr lang="en-US" dirty="0" smtClean="0"/>
+          </a:p>
+          <a:p>
+            <a:pPr marL="0" indent="0">
+              <a:buNone/>
+            </a:pPr>
+            <a:endParaRPr lang="en-US" dirty="0"/>
+          </a:p>
+          <a:p>
+            <a:pPr marL="0" indent="0">
+              <a:buNone/>
+            </a:pPr>
+            <a:r>
+              <a:rPr lang="ru-RU" dirty="0" smtClean="0"/>
+              <a:t>Результаты </a:t>
+            </a:r>
+            <a:r>
+              <a:rPr lang="ru-RU" dirty="0"/>
+              <a:t>фильтрации изображения размером 584</a:t>
             </a:r>
             <a:r>
               <a:rPr lang="en-US" dirty="0"/>
@@ -6769,17 +6808,13 @@
         </p:style>
         <p:txBody>
           <a:bodyPr>
-            <a:normAutofit/>
+            <a:normAutofit fontScale="90000"/>
           </a:bodyPr>
           <a:lstStyle/>
           <a:p>
             <a:r>
               <a:rPr lang="ru-RU" sz="4000" dirty="0" smtClean="0"/>
-              <a:t>Актуальность </a:t>
-            </a:r>
-            <a:r>
-              <a:rPr lang="ru-RU" sz="4000" dirty="0"/>
-              <a:t>темы</a:t>
+              <a:t>Гетерогенная вычислительная система</a:t>
             </a:r>
             <a:endParaRPr lang="ru-RU" sz="4000" dirty="0"/>
           </a:p>
@@ -6821,7 +6856,12 @@
             <p:ph sz="quarter" idx="1"/>
           </p:nvPr>
         </p:nvSpPr>
-        <p:spPr/>
+        <p:spPr>
+          <a:xfrm>
+            <a:off x="467544" y="1556792"/>
+            <a:ext cx="8229600" cy="1468760"/>
+          </a:xfrm>
+        </p:spPr>
         <p:txBody>
           <a:bodyPr>
             <a:normAutofit/>
@@ -6833,18 +6873,8 @@
             </a:pPr>
             <a:r>
               <a:rPr lang="ru-RU" sz="2800" dirty="0"/>
-              <a:t>Актуальность </a:t>
-            </a:r>
-            <a:r>
-              <a:rPr lang="ru-RU" sz="2800" dirty="0" smtClean="0"/>
-              <a:t>темы </a:t>
-            </a:r>
-            <a:r>
-              <a:rPr lang="ru-RU" sz="2800" dirty="0"/>
-              <a:t>обусловлена повышением сложности и объемов вычислений решаемых с использованием вычислительных систем задач. С помощью гетерогенных вычислительных систем могут быть решены многие задачи физики, решение которых без использования ГВС заняло бы очень много времени, либо вообще было бы невозможно.</a:t>
-            </a:r>
-          </a:p>
-          <a:p>
+              <a:t>Гетерогенные вычислительные системы - электронные системы, использующие различные типы вычислительных блоков.</a:t>
+            </a:r>
             <a:endParaRPr lang="ru-RU" sz="2800" dirty="0" smtClean="0"/>
           </a:p>
         </p:txBody>
@@ -6852,7 +6882,7 @@
     </p:spTree>
     <p:extLst>
       <p:ext uri="{BB962C8B-B14F-4D97-AF65-F5344CB8AC3E}">
-        <p14:creationId xmlns:p14="http://schemas.microsoft.com/office/powerpoint/2010/main" val="1494819024"/>
+        <p14:creationId xmlns:p14="http://schemas.microsoft.com/office/powerpoint/2010/main" val="666553233"/>
       </p:ext>
     </p:extLst>
   </p:cSld>
@@ -6923,8 +6953,12 @@
           <a:lstStyle/>
           <a:p>
             <a:r>
+              <a:rPr lang="ru-RU" sz="4000" dirty="0" smtClean="0"/>
+              <a:t>Актуальность </a:t>
+            </a:r>
+            <a:r>
               <a:rPr lang="ru-RU" sz="4000" dirty="0"/>
-              <a:t>Постановка задачи</a:t>
+              <a:t>темы</a:t>
             </a:r>
           </a:p>
         </p:txBody>
@@ -6972,37 +7006,33 @@
           </a:bodyPr>
           <a:lstStyle/>
           <a:p>
+            <a:pPr marL="0" indent="0">
+              <a:buNone/>
+            </a:pPr>
+            <a:r>
+              <a:rPr lang="ru-RU" sz="2800" dirty="0"/>
+              <a:t>Актуальность </a:t>
+            </a:r>
+            <a:r>
+              <a:rPr lang="ru-RU" sz="2800" dirty="0" smtClean="0"/>
+              <a:t>темы </a:t>
+            </a:r>
+            <a:r>
+              <a:rPr lang="ru-RU" sz="2800" dirty="0"/>
+              <a:t>обусловлена повышением сложности и объемов вычислений решаемых с использованием вычислительных систем задач. С помощью гетерогенных вычислительных систем могут быть решены многие задачи физики, решение которых без использования ГВС заняло бы очень много времени, либо вообще было бы невозможно.</a:t>
+            </a:r>
+          </a:p>
+          <a:p>
             <a:endParaRPr lang="ru-RU" sz="2800" dirty="0" smtClean="0"/>
           </a:p>
-          <a:p>
-            <a:pPr lvl="0"/>
-            <a:r>
-              <a:rPr lang="ru-RU" sz="2800" dirty="0"/>
-              <a:t>Использовать технологию </a:t>
-            </a:r>
-            <a:r>
-              <a:rPr lang="ru-RU" sz="2800" dirty="0" err="1"/>
-              <a:t>OpenCL</a:t>
-            </a:r>
-            <a:r>
-              <a:rPr lang="ru-RU" sz="2800" dirty="0"/>
-              <a:t> для реализации гетерогенной вычислительной системы CPU+GPU</a:t>
-            </a:r>
-            <a:r>
-              <a:rPr lang="ru-RU" sz="2800" dirty="0" smtClean="0"/>
-              <a:t>.</a:t>
-            </a:r>
-          </a:p>
-          <a:p>
-            <a:pPr lvl="0"/>
-            <a:r>
-              <a:rPr lang="ru-RU" sz="2800" dirty="0"/>
-              <a:t>Применить построенную ГВС в алгоритме фильтрации изображений.</a:t>
-            </a:r>
-          </a:p>
         </p:txBody>
       </p:sp>
     </p:spTree>
+    <p:extLst>
+      <p:ext uri="{BB962C8B-B14F-4D97-AF65-F5344CB8AC3E}">
+        <p14:creationId xmlns:p14="http://schemas.microsoft.com/office/powerpoint/2010/main" val="1494819024"/>
+      </p:ext>
+    </p:extLst>
   </p:cSld>
   <p:clrMapOvr>
     <a:masterClrMapping/>
@@ -7066,15 +7096,14 @@
         </p:style>
         <p:txBody>
           <a:bodyPr>
-            <a:normAutofit fontScale="90000"/>
+            <a:normAutofit/>
           </a:bodyPr>
           <a:lstStyle/>
           <a:p>
             <a:r>
-              <a:rPr lang="ru-RU" sz="4000" dirty="0" smtClean="0"/>
-              <a:t>Гетерогенная вычислительная система</a:t>
-            </a:r>
-            <a:endParaRPr lang="ru-RU" sz="4000" dirty="0"/>
+              <a:rPr lang="ru-RU" sz="4000" dirty="0"/>
+              <a:t>Постановка задачи</a:t>
+            </a:r>
           </a:p>
         </p:txBody>
       </p:sp>
@@ -7114,35 +7143,44 @@
             <p:ph sz="quarter" idx="1"/>
           </p:nvPr>
         </p:nvSpPr>
-        <p:spPr>
-          <a:xfrm>
-            <a:off x="467544" y="1556792"/>
-            <a:ext cx="8229600" cy="1468760"/>
-          </a:xfrm>
-        </p:spPr>
+        <p:spPr/>
         <p:txBody>
           <a:bodyPr>
             <a:normAutofit/>
           </a:bodyPr>
           <a:lstStyle/>
           <a:p>
-            <a:pPr marL="0" indent="0">
-              <a:buNone/>
-            </a:pPr>
+            <a:endParaRPr lang="ru-RU" sz="2800" dirty="0" smtClean="0"/>
+          </a:p>
+          <a:p>
+            <a:pPr lvl="0"/>
             <a:r>
               <a:rPr lang="ru-RU" sz="2800" dirty="0"/>
-              <a:t>Гетерогенные вычислительные системы - электронные системы, использующие различные типы вычислительных блоков.</a:t>
-            </a:r>
-            <a:endParaRPr lang="ru-RU" sz="2800" dirty="0" smtClean="0"/>
+              <a:t>Использовать технологию </a:t>
+            </a:r>
+            <a:r>
+              <a:rPr lang="ru-RU" sz="2800" dirty="0" err="1"/>
+              <a:t>OpenCL</a:t>
+            </a:r>
+            <a:r>
+              <a:rPr lang="ru-RU" sz="2800" dirty="0"/>
+              <a:t> для реализации гетерогенной вычислительной системы CPU+GPU</a:t>
+            </a:r>
+            <a:r>
+              <a:rPr lang="ru-RU" sz="2800" dirty="0" smtClean="0"/>
+              <a:t>.</a:t>
+            </a:r>
+          </a:p>
+          <a:p>
+            <a:pPr lvl="0"/>
+            <a:r>
+              <a:rPr lang="ru-RU" sz="2800" dirty="0"/>
+              <a:t>Применить построенную ГВС в алгоритме фильтрации изображений.</a:t>
+            </a:r>
           </a:p>
         </p:txBody>
       </p:sp>
     </p:spTree>
-    <p:extLst>
-      <p:ext uri="{BB962C8B-B14F-4D97-AF65-F5344CB8AC3E}">
-        <p14:creationId xmlns:p14="http://schemas.microsoft.com/office/powerpoint/2010/main" val="666553233"/>
-      </p:ext>
-    </p:extLst>
   </p:cSld>
   <p:clrMapOvr>
     <a:masterClrMapping/>
@@ -7843,15 +7881,7 @@
             </a:br>
             <a:r>
               <a:rPr lang="ru-RU" sz="3100" dirty="0" smtClean="0"/>
-              <a:t>Алгоритм </a:t>
-            </a:r>
-            <a:r>
-              <a:rPr lang="ru-RU" sz="3100" dirty="0" smtClean="0"/>
-              <a:t>обработки </a:t>
-            </a:r>
-            <a:r>
-              <a:rPr lang="ru-RU" sz="3100" dirty="0" smtClean="0"/>
-              <a:t>изображения</a:t>
+              <a:t>Алгоритм обработки изображения</a:t>
             </a:r>
             <a:r>
               <a:rPr lang="ru-RU" sz="3200" b="1" dirty="0" smtClean="0"/>

--- a/Diplom/Презентация.pptx
+++ b/Diplom/Презентация.pptx
@@ -150,7 +150,7 @@
       </p14:sectionLst>
     </p:ext>
     <p:ext uri="{EFAFB233-063F-42B5-8137-9DF3F51BA10A}">
-      <p15:sldGuideLst xmlns:p15="http://schemas.microsoft.com/office/powerpoint/2012/main">
+      <p15:sldGuideLst xmlns:p15="http://schemas.microsoft.com/office/powerpoint/2012/main" xmlns="">
         <p15:guide id="1" orient="horz" pos="2160">
           <p15:clr>
             <a:srgbClr val="A4A3A4"/>
@@ -164,7 +164,7 @@
       </p15:sldGuideLst>
     </p:ext>
     <p:ext uri="{2D200454-40CA-4A62-9FC3-DE9A4176ACB9}">
-      <p15:notesGuideLst xmlns:p15="http://schemas.microsoft.com/office/powerpoint/2012/main">
+      <p15:notesGuideLst xmlns:p15="http://schemas.microsoft.com/office/powerpoint/2012/main" xmlns="">
         <p15:guide id="1" orient="horz" pos="2880">
           <p15:clr>
             <a:srgbClr val="A4A3A4"/>
@@ -184,7 +184,7 @@
 <file path=ppt/charts/chart1.xml><?xml version="1.0" encoding="utf-8"?>
 <c:chartSpace xmlns:c="http://schemas.openxmlformats.org/drawingml/2006/chart" xmlns:a="http://schemas.openxmlformats.org/drawingml/2006/main" xmlns:r="http://schemas.openxmlformats.org/officeDocument/2006/relationships">
   <c:date1904 val="0"/>
-  <c:lang val="en-US"/>
+  <c:lang val="ru-RU"/>
   <c:roundedCorners val="0"/>
   <mc:AlternateContent xmlns:mc="http://schemas.openxmlformats.org/markup-compatibility/2006">
     <mc:Choice xmlns:c14="http://schemas.microsoft.com/office/drawing/2007/8/2/chart" Requires="c14">
@@ -196,6 +196,7 @@
   </mc:AlternateContent>
   <c:chart>
     <c:title>
+      <c:layout/>
       <c:overlay val="0"/>
     </c:title>
     <c:autoTitleDeleted val="0"/>
@@ -308,11 +309,11 @@
           <c:showBubbleSize val="0"/>
         </c:dLbls>
         <c:gapWidth val="150"/>
-        <c:axId val="269598104"/>
-        <c:axId val="269598496"/>
+        <c:axId val="55768960"/>
+        <c:axId val="55770496"/>
       </c:barChart>
       <c:catAx>
-        <c:axId val="269598104"/>
+        <c:axId val="55768960"/>
         <c:scaling>
           <c:orientation val="minMax"/>
         </c:scaling>
@@ -322,7 +323,7 @@
         <c:majorTickMark val="out"/>
         <c:minorTickMark val="none"/>
         <c:tickLblPos val="nextTo"/>
-        <c:crossAx val="269598496"/>
+        <c:crossAx val="55770496"/>
         <c:crosses val="autoZero"/>
         <c:auto val="1"/>
         <c:lblAlgn val="ctr"/>
@@ -330,7 +331,7 @@
         <c:noMultiLvlLbl val="0"/>
       </c:catAx>
       <c:valAx>
-        <c:axId val="269598496"/>
+        <c:axId val="55770496"/>
         <c:scaling>
           <c:orientation val="minMax"/>
         </c:scaling>
@@ -341,13 +342,14 @@
         <c:majorTickMark val="out"/>
         <c:minorTickMark val="none"/>
         <c:tickLblPos val="nextTo"/>
-        <c:crossAx val="269598104"/>
+        <c:crossAx val="55768960"/>
         <c:crosses val="autoZero"/>
         <c:crossBetween val="between"/>
       </c:valAx>
     </c:plotArea>
     <c:legend>
       <c:legendPos val="r"/>
+      <c:layout/>
       <c:overlay val="0"/>
     </c:legend>
     <c:plotVisOnly val="1"/>
@@ -363,7 +365,7 @@
 <file path=ppt/charts/chart2.xml><?xml version="1.0" encoding="utf-8"?>
 <c:chartSpace xmlns:c="http://schemas.openxmlformats.org/drawingml/2006/chart" xmlns:a="http://schemas.openxmlformats.org/drawingml/2006/main" xmlns:r="http://schemas.openxmlformats.org/officeDocument/2006/relationships">
   <c:date1904 val="0"/>
-  <c:lang val="en-US"/>
+  <c:lang val="ru-RU"/>
   <c:roundedCorners val="0"/>
   <mc:AlternateContent xmlns:mc="http://schemas.openxmlformats.org/markup-compatibility/2006">
     <mc:Choice xmlns:c14="http://schemas.microsoft.com/office/drawing/2007/8/2/chart" Requires="c14">
@@ -375,6 +377,7 @@
   </mc:AlternateContent>
   <c:chart>
     <c:title>
+      <c:layout/>
       <c:overlay val="0"/>
     </c:title>
     <c:autoTitleDeleted val="0"/>
@@ -487,11 +490,11 @@
           <c:showBubbleSize val="0"/>
         </c:dLbls>
         <c:gapWidth val="150"/>
-        <c:axId val="269600848"/>
-        <c:axId val="269259904"/>
+        <c:axId val="133118976"/>
+        <c:axId val="133120768"/>
       </c:barChart>
       <c:catAx>
-        <c:axId val="269600848"/>
+        <c:axId val="133118976"/>
         <c:scaling>
           <c:orientation val="minMax"/>
         </c:scaling>
@@ -501,7 +504,7 @@
         <c:majorTickMark val="out"/>
         <c:minorTickMark val="none"/>
         <c:tickLblPos val="nextTo"/>
-        <c:crossAx val="269259904"/>
+        <c:crossAx val="133120768"/>
         <c:crosses val="autoZero"/>
         <c:auto val="1"/>
         <c:lblAlgn val="ctr"/>
@@ -509,7 +512,7 @@
         <c:noMultiLvlLbl val="0"/>
       </c:catAx>
       <c:valAx>
-        <c:axId val="269259904"/>
+        <c:axId val="133120768"/>
         <c:scaling>
           <c:orientation val="minMax"/>
         </c:scaling>
@@ -520,13 +523,14 @@
         <c:majorTickMark val="out"/>
         <c:minorTickMark val="none"/>
         <c:tickLblPos val="nextTo"/>
-        <c:crossAx val="269600848"/>
+        <c:crossAx val="133118976"/>
         <c:crosses val="autoZero"/>
         <c:crossBetween val="between"/>
       </c:valAx>
     </c:plotArea>
     <c:legend>
       <c:legendPos val="r"/>
+      <c:layout/>
       <c:overlay val="0"/>
     </c:legend>
     <c:plotVisOnly val="1"/>
@@ -542,7 +546,7 @@
 <file path=ppt/charts/chart3.xml><?xml version="1.0" encoding="utf-8"?>
 <c:chartSpace xmlns:c="http://schemas.openxmlformats.org/drawingml/2006/chart" xmlns:a="http://schemas.openxmlformats.org/drawingml/2006/main" xmlns:r="http://schemas.openxmlformats.org/officeDocument/2006/relationships">
   <c:date1904 val="0"/>
-  <c:lang val="en-US"/>
+  <c:lang val="ru-RU"/>
   <c:roundedCorners val="0"/>
   <mc:AlternateContent xmlns:mc="http://schemas.openxmlformats.org/markup-compatibility/2006">
     <mc:Choice xmlns:c14="http://schemas.microsoft.com/office/drawing/2007/8/2/chart" Requires="c14">
@@ -554,6 +558,7 @@
   </mc:AlternateContent>
   <c:chart>
     <c:title>
+      <c:layout/>
       <c:overlay val="0"/>
     </c:title>
     <c:autoTitleDeleted val="0"/>
@@ -666,11 +671,11 @@
           <c:showBubbleSize val="0"/>
         </c:dLbls>
         <c:gapWidth val="150"/>
-        <c:axId val="269260688"/>
-        <c:axId val="269261080"/>
+        <c:axId val="133154688"/>
+        <c:axId val="133156224"/>
       </c:barChart>
       <c:catAx>
-        <c:axId val="269260688"/>
+        <c:axId val="133154688"/>
         <c:scaling>
           <c:orientation val="minMax"/>
         </c:scaling>
@@ -680,7 +685,7 @@
         <c:majorTickMark val="out"/>
         <c:minorTickMark val="none"/>
         <c:tickLblPos val="nextTo"/>
-        <c:crossAx val="269261080"/>
+        <c:crossAx val="133156224"/>
         <c:crosses val="autoZero"/>
         <c:auto val="1"/>
         <c:lblAlgn val="ctr"/>
@@ -688,7 +693,7 @@
         <c:noMultiLvlLbl val="0"/>
       </c:catAx>
       <c:valAx>
-        <c:axId val="269261080"/>
+        <c:axId val="133156224"/>
         <c:scaling>
           <c:orientation val="minMax"/>
         </c:scaling>
@@ -699,13 +704,14 @@
         <c:majorTickMark val="out"/>
         <c:minorTickMark val="none"/>
         <c:tickLblPos val="nextTo"/>
-        <c:crossAx val="269260688"/>
+        <c:crossAx val="133154688"/>
         <c:crosses val="autoZero"/>
         <c:crossBetween val="between"/>
       </c:valAx>
     </c:plotArea>
     <c:legend>
       <c:legendPos val="r"/>
+      <c:layout/>
       <c:overlay val="0"/>
     </c:legend>
     <c:plotVisOnly val="1"/>
@@ -721,7 +727,7 @@
 <file path=ppt/charts/chart4.xml><?xml version="1.0" encoding="utf-8"?>
 <c:chartSpace xmlns:c="http://schemas.openxmlformats.org/drawingml/2006/chart" xmlns:a="http://schemas.openxmlformats.org/drawingml/2006/main" xmlns:r="http://schemas.openxmlformats.org/officeDocument/2006/relationships">
   <c:date1904 val="0"/>
-  <c:lang val="en-US"/>
+  <c:lang val="ru-RU"/>
   <c:roundedCorners val="0"/>
   <mc:AlternateContent xmlns:mc="http://schemas.openxmlformats.org/markup-compatibility/2006">
     <mc:Choice xmlns:c14="http://schemas.microsoft.com/office/drawing/2007/8/2/chart" Requires="c14">
@@ -733,6 +739,7 @@
   </mc:AlternateContent>
   <c:chart>
     <c:title>
+      <c:layout/>
       <c:overlay val="0"/>
     </c:title>
     <c:autoTitleDeleted val="0"/>
@@ -845,11 +852,11 @@
           <c:showBubbleSize val="0"/>
         </c:dLbls>
         <c:gapWidth val="150"/>
-        <c:axId val="269261864"/>
-        <c:axId val="269262256"/>
+        <c:axId val="132983808"/>
+        <c:axId val="136119040"/>
       </c:barChart>
       <c:catAx>
-        <c:axId val="269261864"/>
+        <c:axId val="132983808"/>
         <c:scaling>
           <c:orientation val="minMax"/>
         </c:scaling>
@@ -859,7 +866,7 @@
         <c:majorTickMark val="out"/>
         <c:minorTickMark val="none"/>
         <c:tickLblPos val="nextTo"/>
-        <c:crossAx val="269262256"/>
+        <c:crossAx val="136119040"/>
         <c:crosses val="autoZero"/>
         <c:auto val="1"/>
         <c:lblAlgn val="ctr"/>
@@ -867,7 +874,7 @@
         <c:noMultiLvlLbl val="0"/>
       </c:catAx>
       <c:valAx>
-        <c:axId val="269262256"/>
+        <c:axId val="136119040"/>
         <c:scaling>
           <c:orientation val="minMax"/>
         </c:scaling>
@@ -878,13 +885,14 @@
         <c:majorTickMark val="out"/>
         <c:minorTickMark val="none"/>
         <c:tickLblPos val="nextTo"/>
-        <c:crossAx val="269261864"/>
+        <c:crossAx val="132983808"/>
         <c:crosses val="autoZero"/>
         <c:crossBetween val="between"/>
       </c:valAx>
     </c:plotArea>
     <c:legend>
       <c:legendPos val="r"/>
+      <c:layout/>
       <c:overlay val="0"/>
     </c:legend>
     <c:plotVisOnly val="1"/>
@@ -980,7 +988,7 @@
             <a:fld id="{0A9696F3-3FDC-4E21-AC97-6E868E0BC607}" type="datetimeFigureOut">
               <a:rPr lang="ru-RU" smtClean="0"/>
               <a:pPr/>
-              <a:t>21.06.2016</a:t>
+              <a:t>22.06.2016</a:t>
             </a:fld>
             <a:endParaRPr lang="ru-RU"/>
           </a:p>
@@ -1630,7 +1638,7 @@
             <a:fld id="{5408D145-EB70-4616-A719-5C64DDC73D2C}" type="datetime1">
               <a:rPr lang="ru-RU" smtClean="0"/>
               <a:pPr/>
-              <a:t>21.06.2016</a:t>
+              <a:t>22.06.2016</a:t>
             </a:fld>
             <a:endParaRPr lang="ru-RU"/>
           </a:p>
@@ -1823,7 +1831,7 @@
             <a:fld id="{81D39EED-D250-476E-81A7-187CCED6EB9D}" type="datetime1">
               <a:rPr lang="ru-RU" smtClean="0"/>
               <a:pPr/>
-              <a:t>21.06.2016</a:t>
+              <a:t>22.06.2016</a:t>
             </a:fld>
             <a:endParaRPr lang="ru-RU"/>
           </a:p>
@@ -2010,7 +2018,7 @@
             <a:fld id="{8636E155-0824-4619-9AB2-E9ABBA382C04}" type="datetime1">
               <a:rPr lang="ru-RU" smtClean="0"/>
               <a:pPr/>
-              <a:t>21.06.2016</a:t>
+              <a:t>22.06.2016</a:t>
             </a:fld>
             <a:endParaRPr lang="ru-RU"/>
           </a:p>
@@ -2275,7 +2283,7 @@
             <a:fld id="{38B7606D-6FB0-4B4D-BF88-DF9DA97A60A5}" type="datetime1">
               <a:rPr lang="ru-RU" smtClean="0"/>
               <a:pPr/>
-              <a:t>21.06.2016</a:t>
+              <a:t>22.06.2016</a:t>
             </a:fld>
             <a:endParaRPr lang="ru-RU"/>
           </a:p>
@@ -2693,7 +2701,7 @@
             <a:fld id="{F6D1CDBD-7B44-4CD6-8936-775886B9333E}" type="datetime1">
               <a:rPr lang="ru-RU" smtClean="0"/>
               <a:pPr/>
-              <a:t>21.06.2016</a:t>
+              <a:t>22.06.2016</a:t>
             </a:fld>
             <a:endParaRPr lang="ru-RU"/>
           </a:p>
@@ -2937,7 +2945,7 @@
             <a:fld id="{5E9386AA-5667-4EE4-BCC2-4BFAFBFCF067}" type="datetime1">
               <a:rPr lang="ru-RU" smtClean="0"/>
               <a:pPr/>
-              <a:t>21.06.2016</a:t>
+              <a:t>22.06.2016</a:t>
             </a:fld>
             <a:endParaRPr lang="ru-RU"/>
           </a:p>
@@ -3175,7 +3183,7 @@
             <a:fld id="{D42DDB14-86B5-4F5D-9215-ACD89DC86D24}" type="datetime1">
               <a:rPr lang="ru-RU" smtClean="0"/>
               <a:pPr/>
-              <a:t>21.06.2016</a:t>
+              <a:t>22.06.2016</a:t>
             </a:fld>
             <a:endParaRPr lang="ru-RU"/>
           </a:p>
@@ -3372,7 +3380,7 @@
             <a:fld id="{A221C529-56BC-479E-B858-91DF1A701744}" type="datetime1">
               <a:rPr lang="ru-RU" smtClean="0"/>
               <a:pPr/>
-              <a:t>21.06.2016</a:t>
+              <a:t>22.06.2016</a:t>
             </a:fld>
             <a:endParaRPr lang="ru-RU"/>
           </a:p>
@@ -3472,7 +3480,7 @@
             <a:fld id="{F203A11B-45A9-4EC3-B31B-337B15AA5408}" type="datetime1">
               <a:rPr lang="ru-RU" smtClean="0"/>
               <a:pPr/>
-              <a:t>21.06.2016</a:t>
+              <a:t>22.06.2016</a:t>
             </a:fld>
             <a:endParaRPr lang="ru-RU"/>
           </a:p>
@@ -3610,7 +3618,7 @@
             <a:fld id="{FAB65F5F-63B9-49AC-B179-B32EA2388AD3}" type="datetime1">
               <a:rPr lang="ru-RU" smtClean="0"/>
               <a:pPr/>
-              <a:t>21.06.2016</a:t>
+              <a:t>22.06.2016</a:t>
             </a:fld>
             <a:endParaRPr lang="ru-RU"/>
           </a:p>
@@ -4130,7 +4138,7 @@
             <a:fld id="{5E6D66FA-83FE-4566-B8C4-0DE7204E4498}" type="datetime1">
               <a:rPr lang="ru-RU" smtClean="0"/>
               <a:pPr/>
-              <a:t>21.06.2016</a:t>
+              <a:t>22.06.2016</a:t>
             </a:fld>
             <a:endParaRPr lang="ru-RU"/>
           </a:p>
@@ -4393,7 +4401,7 @@
             <a:fld id="{61B9D0DC-D516-49DD-B6C0-5E388AD99406}" type="datetime1">
               <a:rPr lang="ru-RU" smtClean="0"/>
               <a:pPr/>
-              <a:t>21.06.2016</a:t>
+              <a:t>22.06.2016</a:t>
             </a:fld>
             <a:endParaRPr lang="ru-RU"/>
           </a:p>
@@ -5364,7 +5372,7 @@
         </p:spPr>
         <p:txBody>
           <a:bodyPr>
-            <a:normAutofit fontScale="85000" lnSpcReduction="20000"/>
+            <a:normAutofit fontScale="85000" lnSpcReduction="10000"/>
           </a:bodyPr>
           <a:lstStyle/>
           <a:p>
@@ -5373,7 +5381,15 @@
             </a:pPr>
             <a:r>
               <a:rPr lang="ru-RU" dirty="0"/>
-              <a:t>Для демонстрации целесообразности использования данной технологии сравним скорость выполнения одного и того же алгоритма с использованием OpenCL на разных платформах/устройствах и с использованием стандартных средств C++. </a:t>
+              <a:t>Для демонстрации целесообразности использования </a:t>
+            </a:r>
+            <a:r>
+              <a:rPr lang="ru-RU" dirty="0" smtClean="0"/>
+              <a:t>ГВС сравним </a:t>
+            </a:r>
+            <a:r>
+              <a:rPr lang="ru-RU" dirty="0"/>
+              <a:t>скорость выполнения одного и того же алгоритма с использованием OpenCL на разных платформах/устройствах и с использованием стандартных средств C++. </a:t>
             </a:r>
           </a:p>
           <a:p>
@@ -6589,10 +6605,46 @@
         </p:spPr>
         <p:txBody>
           <a:bodyPr>
-            <a:normAutofit fontScale="92500" lnSpcReduction="20000"/>
+            <a:normAutofit fontScale="70000" lnSpcReduction="20000"/>
           </a:bodyPr>
           <a:lstStyle/>
           <a:p>
+            <a:pPr lvl="0"/>
+            <a:r>
+              <a:rPr lang="ru-RU" smtClean="0"/>
+              <a:t>Для </a:t>
+            </a:r>
+            <a:r>
+              <a:rPr lang="ru-RU" dirty="0"/>
+              <a:t>решения поставленных задач была выбрана технология </a:t>
+            </a:r>
+            <a:r>
+              <a:rPr lang="ru-RU" dirty="0" err="1"/>
+              <a:t>OpenCL</a:t>
+            </a:r>
+            <a:r>
+              <a:rPr lang="ru-RU" dirty="0"/>
+              <a:t>. Данная технология является кроссплатформенной, а значит не зависит от производителя процессора, в отличии от </a:t>
+            </a:r>
+            <a:r>
+              <a:rPr lang="ru-RU" dirty="0" err="1"/>
+              <a:t>Nvidia</a:t>
+            </a:r>
+            <a:r>
+              <a:rPr lang="ru-RU" dirty="0"/>
+              <a:t> CUDA или AMD </a:t>
+            </a:r>
+            <a:r>
+              <a:rPr lang="ru-RU" dirty="0" err="1"/>
+              <a:t>Stream</a:t>
+            </a:r>
+            <a:r>
+              <a:rPr lang="ru-RU" dirty="0"/>
+              <a:t>. Технология достаточно гибкая, и позволяет программисту управлять выполнением ядра на выбранном процессоре, в то время как C++ AMP не дает таких возможностей.</a:t>
+            </a:r>
+          </a:p>
+          <a:p>
+            <a:pPr lvl="0"/>
             <a:r>
               <a:rPr lang="ru-RU" dirty="0"/>
               <a:t>В данной работе была написана программа, использующая технологию </a:t>
@@ -6603,40 +6655,21 @@
             </a:r>
             <a:r>
               <a:rPr lang="ru-RU" dirty="0"/>
-              <a:t> для реализации гетерогенной вычислительной системы CPU+GPU. </a:t>
-            </a:r>
-            <a:endParaRPr lang="ru-RU" dirty="0" smtClean="0"/>
-          </a:p>
-          <a:p>
-            <a:r>
-              <a:rPr lang="ru-RU" dirty="0" smtClean="0"/>
-              <a:t>Данная </a:t>
-            </a:r>
+              <a:t> для реализации гетерогенной вычислительной системы CPU+GPU.</a:t>
+            </a:r>
+          </a:p>
+          <a:p>
+            <a:pPr lvl="0"/>
             <a:r>
               <a:rPr lang="ru-RU" dirty="0"/>
-              <a:t>гетерогенная вычислительная система была применена для фильтрации изображения с помощью медианного алгоритма. </a:t>
-            </a:r>
-            <a:endParaRPr lang="ru-RU" dirty="0" smtClean="0"/>
-          </a:p>
-          <a:p>
-            <a:r>
-              <a:rPr lang="ru-RU" dirty="0" smtClean="0"/>
-              <a:t>Результаты </a:t>
-            </a:r>
+              <a:t>Данная гетерогенная вычислительная система была применена для фильтрации изображения с помощью медианного алгоритма. </a:t>
+            </a:r>
+          </a:p>
+          <a:p>
+            <a:pPr lvl="0"/>
             <a:r>
               <a:rPr lang="ru-RU" dirty="0"/>
-              <a:t>работы программы были проанализированы для различных уровней зашумленности изображения, а также для изображений различных размеров. </a:t>
-            </a:r>
-            <a:endParaRPr lang="ru-RU" dirty="0" smtClean="0"/>
-          </a:p>
-          <a:p>
-            <a:r>
-              <a:rPr lang="ru-RU" dirty="0" smtClean="0"/>
-              <a:t>Исходя </a:t>
-            </a:r>
-            <a:r>
-              <a:rPr lang="ru-RU" dirty="0"/>
-              <a:t>из полученный результатов, следует, что построенная гетерогенная система выполняет работу по фильтрации изображения до 6 раз быстрее, чем если бы мы использовали стандартные средства С++.</a:t>
+              <a:t>Результаты работы программы были проанализированы для различных уровней зашумленности изображения, а также для изображений различных размеров. Исходя из полученный результатов, следует, что построенная гетерогенная система выполняет работу по фильтрации изображения до 6 раз быстрее, чем если бы мы использовали стандартные средства С++, что подтверждает целесообразность использования ГВС.</a:t>
             </a:r>
           </a:p>
           <a:p>
@@ -6879,6 +6912,47 @@
           </a:p>
         </p:txBody>
       </p:sp>
+      <p:pic>
+        <p:nvPicPr>
+          <p:cNvPr id="1026" name="Picture 2" descr="C:\Users\ustad\Desktop\1.jpg"/>
+          <p:cNvPicPr>
+            <a:picLocks noChangeAspect="1" noChangeArrowheads="1"/>
+          </p:cNvPicPr>
+          <p:nvPr/>
+        </p:nvPicPr>
+        <p:blipFill>
+          <a:blip r:embed="rId2">
+            <a:extLst>
+              <a:ext uri="{28A0092B-C50C-407E-A947-70E740481C1C}">
+                <a14:useLocalDpi xmlns:a14="http://schemas.microsoft.com/office/drawing/2010/main" val="0"/>
+              </a:ext>
+            </a:extLst>
+          </a:blip>
+          <a:srcRect/>
+          <a:stretch>
+            <a:fillRect/>
+          </a:stretch>
+        </p:blipFill>
+        <p:spPr bwMode="auto">
+          <a:xfrm>
+            <a:off x="2195736" y="3356992"/>
+            <a:ext cx="4762500" cy="2971800"/>
+          </a:xfrm>
+          <a:prstGeom prst="rect">
+            <a:avLst/>
+          </a:prstGeom>
+          <a:noFill/>
+          <a:extLst>
+            <a:ext uri="{909E8E84-426E-40DD-AFC4-6F175D3DCCD1}">
+              <a14:hiddenFill xmlns:a14="http://schemas.microsoft.com/office/drawing/2010/main">
+                <a:solidFill>
+                  <a:srgbClr val="FFFFFF"/>
+                </a:solidFill>
+              </a14:hiddenFill>
+            </a:ext>
+          </a:extLst>
+        </p:spPr>
+      </p:pic>
     </p:spTree>
     <p:extLst>
       <p:ext uri="{BB962C8B-B14F-4D97-AF65-F5344CB8AC3E}">
@@ -7146,11 +7220,37 @@
         <p:spPr/>
         <p:txBody>
           <a:bodyPr>
-            <a:normAutofit/>
+            <a:normAutofit fontScale="92500"/>
           </a:bodyPr>
           <a:lstStyle/>
           <a:p>
             <a:endParaRPr lang="ru-RU" sz="2800" dirty="0" smtClean="0"/>
+          </a:p>
+          <a:p>
+            <a:pPr lvl="0"/>
+            <a:r>
+              <a:rPr lang="ru-RU" sz="2800" dirty="0"/>
+              <a:t>Рассмотреть существующие технологии гетерогенных вычислений на персональном компьютере.</a:t>
+            </a:r>
+          </a:p>
+          <a:p>
+            <a:pPr lvl="0"/>
+            <a:r>
+              <a:rPr lang="ru-RU" sz="2800" dirty="0" smtClean="0"/>
+              <a:t>Изучить </a:t>
+            </a:r>
+            <a:r>
+              <a:rPr lang="ru-RU" sz="2800" dirty="0"/>
+              <a:t>возможность применения технологии </a:t>
+            </a:r>
+            <a:r>
+              <a:rPr lang="ru-RU" sz="2800" dirty="0" err="1"/>
+              <a:t>OpenCL</a:t>
+            </a:r>
+            <a:r>
+              <a:rPr lang="ru-RU" sz="2800" dirty="0"/>
+              <a:t> для параллельных вычислений общего назначения.</a:t>
+            </a:r>
           </a:p>
           <a:p>
             <a:pPr lvl="0"/>
@@ -7164,11 +7264,7 @@
             </a:r>
             <a:r>
               <a:rPr lang="ru-RU" sz="2800" dirty="0"/>
-              <a:t> для реализации гетерогенной вычислительной системы CPU+GPU</a:t>
-            </a:r>
-            <a:r>
-              <a:rPr lang="ru-RU" sz="2800" dirty="0" smtClean="0"/>
-              <a:t>.</a:t>
+              <a:t> для реализации гетерогенной вычислительной системы CPU+GPU.</a:t>
             </a:r>
           </a:p>
           <a:p>

--- a/Diplom/Презентация.pptx
+++ b/Diplom/Презентация.pptx
@@ -6611,7 +6611,7 @@
           <a:p>
             <a:pPr lvl="0"/>
             <a:r>
-              <a:rPr lang="ru-RU" smtClean="0"/>
+              <a:rPr lang="ru-RU" dirty="0" smtClean="0"/>
               <a:t>Для </a:t>
             </a:r>
             <a:r>

--- a/Diplom/Презентация.pptx
+++ b/Diplom/Презентация.pptx
@@ -5,7 +5,7 @@
     <p:sldMasterId id="2147483912" r:id="rId1"/>
   </p:sldMasterIdLst>
   <p:notesMasterIdLst>
-    <p:notesMasterId r:id="rId19"/>
+    <p:notesMasterId r:id="rId20"/>
   </p:notesMasterIdLst>
   <p:sldIdLst>
     <p:sldId id="256" r:id="rId2"/>
@@ -15,16 +15,17 @@
     <p:sldId id="274" r:id="rId6"/>
     <p:sldId id="275" r:id="rId7"/>
     <p:sldId id="276" r:id="rId8"/>
-    <p:sldId id="260" r:id="rId9"/>
-    <p:sldId id="278" r:id="rId10"/>
-    <p:sldId id="279" r:id="rId11"/>
-    <p:sldId id="280" r:id="rId12"/>
-    <p:sldId id="281" r:id="rId13"/>
-    <p:sldId id="282" r:id="rId14"/>
-    <p:sldId id="283" r:id="rId15"/>
-    <p:sldId id="284" r:id="rId16"/>
-    <p:sldId id="267" r:id="rId17"/>
-    <p:sldId id="268" r:id="rId18"/>
+    <p:sldId id="285" r:id="rId9"/>
+    <p:sldId id="260" r:id="rId10"/>
+    <p:sldId id="278" r:id="rId11"/>
+    <p:sldId id="279" r:id="rId12"/>
+    <p:sldId id="280" r:id="rId13"/>
+    <p:sldId id="281" r:id="rId14"/>
+    <p:sldId id="282" r:id="rId15"/>
+    <p:sldId id="283" r:id="rId16"/>
+    <p:sldId id="284" r:id="rId17"/>
+    <p:sldId id="267" r:id="rId18"/>
+    <p:sldId id="268" r:id="rId19"/>
   </p:sldIdLst>
   <p:sldSz cx="9144000" cy="6858000" type="screen4x3"/>
   <p:notesSz cx="6858000" cy="9144000"/>
@@ -135,6 +136,7 @@
             <p14:sldId id="274"/>
             <p14:sldId id="275"/>
             <p14:sldId id="276"/>
+            <p14:sldId id="285"/>
             <p14:sldId id="260"/>
             <p14:sldId id="278"/>
             <p14:sldId id="279"/>
@@ -5297,7 +5299,7 @@
         <p:spPr>
           <a:xfrm>
             <a:off x="457200" y="274638"/>
-            <a:ext cx="8229600" cy="868346"/>
+            <a:ext cx="8229600" cy="1011222"/>
           </a:xfrm>
         </p:spPr>
         <p:style>
@@ -5316,15 +5318,44 @@
         </p:style>
         <p:txBody>
           <a:bodyPr>
-            <a:normAutofit/>
+            <a:normAutofit fontScale="90000"/>
           </a:bodyPr>
           <a:lstStyle/>
           <a:p>
             <a:r>
-              <a:rPr lang="ru-RU" sz="4000" dirty="0" smtClean="0"/>
-              <a:t>Результаты работы программы</a:t>
-            </a:r>
-            <a:endParaRPr lang="ru-RU" sz="4000" dirty="0"/>
+              <a:rPr lang="ru-RU" sz="3100" dirty="0" smtClean="0"/>
+              <a:t/>
+            </a:r>
+            <a:br>
+              <a:rPr lang="ru-RU" sz="3100" dirty="0" smtClean="0"/>
+            </a:br>
+            <a:r>
+              <a:rPr lang="ru-RU" sz="3100" dirty="0" smtClean="0"/>
+              <a:t>Программа</a:t>
+            </a:r>
+            <a:r>
+              <a:rPr lang="en-US" sz="3100" dirty="0" smtClean="0"/>
+              <a:t>,</a:t>
+            </a:r>
+            <a:r>
+              <a:rPr lang="ru-RU" sz="3100" dirty="0" smtClean="0"/>
+              <a:t> реализующая ГВС </a:t>
+            </a:r>
+            <a:r>
+              <a:rPr lang="en-US" sz="3100" dirty="0" smtClean="0"/>
+              <a:t>CPU+GPU</a:t>
+            </a:r>
+            <a:r>
+              <a:rPr lang="ru-RU" sz="3200" b="1" dirty="0" smtClean="0"/>
+              <a:t/>
+            </a:r>
+            <a:br>
+              <a:rPr lang="ru-RU" sz="3200" b="1" dirty="0" smtClean="0"/>
+            </a:br>
+            <a:endParaRPr lang="ru-RU" sz="3200" b="1" dirty="0">
+              <a:latin typeface="Courier New" pitchFamily="49" charset="0"/>
+              <a:cs typeface="Courier New" pitchFamily="49" charset="0"/>
+            </a:endParaRPr>
           </a:p>
         </p:txBody>
       </p:sp>
@@ -5354,131 +5385,64 @@
           </a:p>
         </p:txBody>
       </p:sp>
-      <p:sp>
-        <p:nvSpPr>
-          <p:cNvPr id="3" name="Содержимое 2"/>
-          <p:cNvSpPr>
-            <a:spLocks noGrp="1"/>
-          </p:cNvSpPr>
-          <p:nvPr>
-            <p:ph sz="quarter" idx="1"/>
-          </p:nvPr>
-        </p:nvSpPr>
-        <p:spPr>
-          <a:xfrm>
-            <a:off x="457200" y="1556792"/>
-            <a:ext cx="8401080" cy="5086918"/>
-          </a:xfrm>
-        </p:spPr>
-        <p:txBody>
-          <a:bodyPr>
-            <a:normAutofit fontScale="85000" lnSpcReduction="10000"/>
-          </a:bodyPr>
-          <a:lstStyle/>
-          <a:p>
-            <a:pPr marL="0" indent="0">
-              <a:buNone/>
-            </a:pPr>
-            <a:r>
-              <a:rPr lang="ru-RU" dirty="0"/>
-              <a:t>Для демонстрации целесообразности использования </a:t>
-            </a:r>
-            <a:r>
-              <a:rPr lang="ru-RU" dirty="0" smtClean="0"/>
-              <a:t>ГВС сравним </a:t>
-            </a:r>
-            <a:r>
-              <a:rPr lang="ru-RU" dirty="0"/>
-              <a:t>скорость выполнения одного и того же алгоритма с использованием OpenCL на разных платформах/устройствах и с использованием стандартных средств C++. </a:t>
-            </a:r>
-          </a:p>
-          <a:p>
-            <a:pPr marL="0" indent="0">
-              <a:buNone/>
-            </a:pPr>
-            <a:r>
-              <a:rPr lang="ru-RU" dirty="0"/>
-              <a:t>Конфигурация компьютера, на котором выполнялось сравнение: </a:t>
-            </a:r>
-          </a:p>
-          <a:p>
-            <a:r>
-              <a:rPr lang="en-CA" dirty="0"/>
-              <a:t>CPU Intel Core i5-2450M </a:t>
-            </a:r>
-          </a:p>
-          <a:p>
-            <a:r>
-              <a:rPr lang="en-CA" dirty="0"/>
-              <a:t>GPU AMD Radeon HD 7400M </a:t>
-            </a:r>
-          </a:p>
-          <a:p>
-            <a:r>
-              <a:rPr lang="ru-RU" dirty="0"/>
-              <a:t>ОЗУ 6Гб </a:t>
-            </a:r>
-            <a:endParaRPr lang="en-US" dirty="0" smtClean="0"/>
-          </a:p>
-          <a:p>
-            <a:pPr marL="0" indent="0">
-              <a:buNone/>
-            </a:pPr>
-            <a:endParaRPr lang="en-US" dirty="0"/>
-          </a:p>
-          <a:p>
-            <a:pPr marL="0" indent="0">
-              <a:buNone/>
-            </a:pPr>
-            <a:r>
-              <a:rPr lang="ru-RU" dirty="0" smtClean="0"/>
-              <a:t>Результаты </a:t>
-            </a:r>
-            <a:r>
-              <a:rPr lang="ru-RU" dirty="0"/>
-              <a:t>фильтрации изображения размером 584</a:t>
-            </a:r>
-            <a:r>
-              <a:rPr lang="en-US" dirty="0"/>
-              <a:t>x</a:t>
-            </a:r>
-            <a:r>
-              <a:rPr lang="ru-RU" dirty="0"/>
-              <a:t>329 </a:t>
-            </a:r>
-            <a:r>
-              <a:rPr lang="en-US" dirty="0" err="1"/>
-              <a:t>px</a:t>
-            </a:r>
-            <a:r>
-              <a:rPr lang="en-US" dirty="0"/>
-              <a:t> </a:t>
-            </a:r>
-            <a:r>
-              <a:rPr lang="ru-RU" dirty="0"/>
-              <a:t>с разным уровнем зашумленности представлены в </a:t>
-            </a:r>
-            <a:r>
-              <a:rPr lang="ru-RU" dirty="0" smtClean="0"/>
-              <a:t>диаграммах </a:t>
-            </a:r>
-            <a:r>
-              <a:rPr lang="ru-RU" dirty="0"/>
-              <a:t>1,2.</a:t>
-            </a:r>
-          </a:p>
-          <a:p>
-            <a:pPr marL="0" indent="0">
-              <a:buNone/>
-            </a:pPr>
-            <a:endParaRPr lang="ru-RU" dirty="0"/>
-          </a:p>
-        </p:txBody>
-      </p:sp>
+      <p:pic>
+        <p:nvPicPr>
+          <p:cNvPr id="5122" name="Picture 2" descr="Безымянный"/>
+          <p:cNvPicPr>
+            <a:picLocks noChangeAspect="1" noChangeArrowheads="1"/>
+          </p:cNvPicPr>
+          <p:nvPr/>
+        </p:nvPicPr>
+        <p:blipFill>
+          <a:blip r:embed="rId2">
+            <a:extLst>
+              <a:ext uri="{28A0092B-C50C-407E-A947-70E740481C1C}">
+                <a14:useLocalDpi xmlns:a14="http://schemas.microsoft.com/office/drawing/2010/main" val="0"/>
+              </a:ext>
+            </a:extLst>
+          </a:blip>
+          <a:srcRect/>
+          <a:stretch>
+            <a:fillRect/>
+          </a:stretch>
+        </p:blipFill>
+        <p:spPr bwMode="auto">
+          <a:xfrm>
+            <a:off x="451128" y="2060848"/>
+            <a:ext cx="8246504" cy="3600400"/>
+          </a:xfrm>
+          <a:prstGeom prst="rect">
+            <a:avLst/>
+          </a:prstGeom>
+          <a:noFill/>
+          <a:ln>
+            <a:noFill/>
+          </a:ln>
+          <a:extLst>
+            <a:ext uri="{909E8E84-426E-40DD-AFC4-6F175D3DCCD1}">
+              <a14:hiddenFill xmlns:a14="http://schemas.microsoft.com/office/drawing/2010/main">
+                <a:solidFill>
+                  <a:srgbClr val="FFFFFF"/>
+                </a:solidFill>
+              </a14:hiddenFill>
+            </a:ext>
+            <a:ext uri="{91240B29-F687-4F45-9708-019B960494DF}">
+              <a14:hiddenLine xmlns:a14="http://schemas.microsoft.com/office/drawing/2010/main" w="9525">
+                <a:solidFill>
+                  <a:srgbClr val="000000"/>
+                </a:solidFill>
+                <a:miter lim="800000"/>
+                <a:headEnd/>
+                <a:tailEnd/>
+              </a14:hiddenLine>
+            </a:ext>
+          </a:extLst>
+        </p:spPr>
+      </p:pic>
     </p:spTree>
     <p:extLst>
       <p:ext uri="{BB962C8B-B14F-4D97-AF65-F5344CB8AC3E}">
-        <p14:creationId xmlns:p14="http://schemas.microsoft.com/office/powerpoint/2010/main" val="373003142"/>
+        <p14:creationId xmlns:p14="http://schemas.microsoft.com/office/powerpoint/2010/main" val="556809703"/>
       </p:ext>
     </p:extLst>
   </p:cSld>
@@ -5594,20 +5558,118 @@
         </p:nvSpPr>
         <p:spPr>
           <a:xfrm>
-            <a:off x="457200" y="1311510"/>
-            <a:ext cx="8401080" cy="5357850"/>
+            <a:off x="457200" y="1556792"/>
+            <a:ext cx="8401080" cy="5086918"/>
           </a:xfrm>
         </p:spPr>
         <p:txBody>
           <a:bodyPr>
-            <a:normAutofit/>
+            <a:normAutofit fontScale="85000" lnSpcReduction="10000"/>
           </a:bodyPr>
           <a:lstStyle/>
           <a:p>
             <a:pPr marL="0" indent="0">
               <a:buNone/>
             </a:pPr>
-            <a:endParaRPr lang="ru-RU" dirty="0" smtClean="0"/>
+            <a:r>
+              <a:rPr lang="ru-RU" dirty="0"/>
+              <a:t>Для демонстрации целесообразности использования </a:t>
+            </a:r>
+            <a:r>
+              <a:rPr lang="ru-RU" dirty="0" smtClean="0"/>
+              <a:t>ГВС сравним </a:t>
+            </a:r>
+            <a:r>
+              <a:rPr lang="ru-RU" dirty="0"/>
+              <a:t>скорость выполнения одного и того же алгоритма с использованием OpenCL на разных платформах/устройствах и с использованием стандартных средств C++. </a:t>
+            </a:r>
+          </a:p>
+          <a:p>
+            <a:pPr marL="0" indent="0">
+              <a:buNone/>
+            </a:pPr>
+            <a:r>
+              <a:rPr lang="ru-RU" dirty="0"/>
+              <a:t>Конфигурация компьютера, на котором выполнялось сравнение: </a:t>
+            </a:r>
+          </a:p>
+          <a:p>
+            <a:r>
+              <a:rPr lang="en-CA" dirty="0" smtClean="0">
+                <a:latin typeface="Calibri" panose="020F0502020204030204" pitchFamily="34" charset="0"/>
+                <a:cs typeface="Calibri" panose="020F0502020204030204" pitchFamily="34" charset="0"/>
+              </a:rPr>
+              <a:t>CPU Intel Core i5-2450M </a:t>
+            </a:r>
+          </a:p>
+          <a:p>
+            <a:r>
+              <a:rPr lang="en-CA" dirty="0" smtClean="0">
+                <a:latin typeface="Calibri" panose="020F0502020204030204" pitchFamily="34" charset="0"/>
+                <a:cs typeface="Calibri" panose="020F0502020204030204" pitchFamily="34" charset="0"/>
+              </a:rPr>
+              <a:t>GPU AMD Radeon HD 7400M </a:t>
+            </a:r>
+          </a:p>
+          <a:p>
+            <a:r>
+              <a:rPr lang="ru-RU" dirty="0" smtClean="0">
+                <a:latin typeface="Calibri" panose="020F0502020204030204" pitchFamily="34" charset="0"/>
+                <a:cs typeface="Calibri" panose="020F0502020204030204" pitchFamily="34" charset="0"/>
+              </a:rPr>
+              <a:t>ОЗУ 6Гб </a:t>
+            </a:r>
+            <a:endParaRPr lang="en-US" dirty="0" smtClean="0">
+              <a:latin typeface="Calibri" panose="020F0502020204030204" pitchFamily="34" charset="0"/>
+              <a:cs typeface="Calibri" panose="020F0502020204030204" pitchFamily="34" charset="0"/>
+            </a:endParaRPr>
+          </a:p>
+          <a:p>
+            <a:pPr marL="0" indent="0">
+              <a:buNone/>
+            </a:pPr>
+            <a:endParaRPr lang="en-US" dirty="0"/>
+          </a:p>
+          <a:p>
+            <a:pPr marL="0" indent="0">
+              <a:buNone/>
+            </a:pPr>
+            <a:r>
+              <a:rPr lang="ru-RU" dirty="0" smtClean="0"/>
+              <a:t>Результаты </a:t>
+            </a:r>
+            <a:r>
+              <a:rPr lang="ru-RU" dirty="0"/>
+              <a:t>фильтрации изображения размером 584</a:t>
+            </a:r>
+            <a:r>
+              <a:rPr lang="en-US" dirty="0"/>
+              <a:t>x</a:t>
+            </a:r>
+            <a:r>
+              <a:rPr lang="ru-RU" dirty="0"/>
+              <a:t>329 </a:t>
+            </a:r>
+            <a:r>
+              <a:rPr lang="en-US" dirty="0" err="1"/>
+              <a:t>px</a:t>
+            </a:r>
+            <a:r>
+              <a:rPr lang="en-US" dirty="0"/>
+              <a:t> </a:t>
+            </a:r>
+            <a:r>
+              <a:rPr lang="ru-RU" dirty="0"/>
+              <a:t>с разным уровнем зашумленности представлены в </a:t>
+            </a:r>
+            <a:r>
+              <a:rPr lang="ru-RU" dirty="0" smtClean="0"/>
+              <a:t>диаграммах </a:t>
+            </a:r>
+            <a:r>
+              <a:rPr lang="ru-RU" dirty="0"/>
+              <a:t>1,2.</a:t>
+            </a:r>
           </a:p>
           <a:p>
             <a:pPr marL="0" indent="0">
@@ -5617,76 +5679,10 @@
           </a:p>
         </p:txBody>
       </p:sp>
-      <p:graphicFrame>
-        <p:nvGraphicFramePr>
-          <p:cNvPr id="5" name="Диаграмма 4"/>
-          <p:cNvGraphicFramePr/>
-          <p:nvPr>
-            <p:extLst>
-              <p:ext uri="{D42A27DB-BD31-4B8C-83A1-F6EECF244321}">
-                <p14:modId xmlns:p14="http://schemas.microsoft.com/office/powerpoint/2010/main" val="907260354"/>
-              </p:ext>
-            </p:extLst>
-          </p:nvPr>
-        </p:nvGraphicFramePr>
-        <p:xfrm>
-          <a:off x="467544" y="1556791"/>
-          <a:ext cx="8208912" cy="4080509"/>
-        </p:xfrm>
-        <a:graphic>
-          <a:graphicData uri="http://schemas.openxmlformats.org/drawingml/2006/chart">
-            <c:chart xmlns:c="http://schemas.openxmlformats.org/drawingml/2006/chart" xmlns:r="http://schemas.openxmlformats.org/officeDocument/2006/relationships" r:id="rId2"/>
-          </a:graphicData>
-        </a:graphic>
-      </p:graphicFrame>
-      <p:sp>
-        <p:nvSpPr>
-          <p:cNvPr id="6" name="Прямоугольник 5"/>
-          <p:cNvSpPr/>
-          <p:nvPr/>
-        </p:nvSpPr>
-        <p:spPr>
-          <a:xfrm>
-            <a:off x="611560" y="5637301"/>
-            <a:ext cx="8136904" cy="646331"/>
-          </a:xfrm>
-          <a:prstGeom prst="rect">
-            <a:avLst/>
-          </a:prstGeom>
-        </p:spPr>
-        <p:txBody>
-          <a:bodyPr wrap="square">
-            <a:spAutoFit/>
-          </a:bodyPr>
-          <a:lstStyle/>
-          <a:p>
-            <a:r>
-              <a:rPr lang="ru-RU" dirty="0"/>
-              <a:t>Диаграмма 1. Результаты фильтрации изображения размером 584</a:t>
-            </a:r>
-            <a:r>
-              <a:rPr lang="en-US" dirty="0"/>
-              <a:t>x</a:t>
-            </a:r>
-            <a:r>
-              <a:rPr lang="ru-RU" dirty="0"/>
-              <a:t>329 </a:t>
-            </a:r>
-            <a:r>
-              <a:rPr lang="en-US" dirty="0" err="1"/>
-              <a:t>px</a:t>
-            </a:r>
-            <a:r>
-              <a:rPr lang="ru-RU" dirty="0"/>
-              <a:t> при зашумленности 15%</a:t>
-            </a:r>
-          </a:p>
-        </p:txBody>
-      </p:sp>
     </p:spTree>
     <p:extLst>
       <p:ext uri="{BB962C8B-B14F-4D97-AF65-F5344CB8AC3E}">
-        <p14:creationId xmlns:p14="http://schemas.microsoft.com/office/powerpoint/2010/main" val="1505119090"/>
+        <p14:creationId xmlns:p14="http://schemas.microsoft.com/office/powerpoint/2010/main" val="373003142"/>
       </p:ext>
     </p:extLst>
   </p:cSld>
@@ -5802,7 +5798,7 @@
         </p:nvSpPr>
         <p:spPr>
           <a:xfrm>
-            <a:off x="457200" y="1285860"/>
+            <a:off x="457200" y="1311510"/>
             <a:ext cx="8401080" cy="5357850"/>
           </a:xfrm>
         </p:spPr>
@@ -5825,65 +5821,21 @@
           </a:p>
         </p:txBody>
       </p:sp>
-      <p:sp>
-        <p:nvSpPr>
-          <p:cNvPr id="6" name="Прямоугольник 5"/>
-          <p:cNvSpPr/>
-          <p:nvPr/>
-        </p:nvSpPr>
-        <p:spPr>
-          <a:xfrm>
-            <a:off x="467544" y="5936238"/>
-            <a:ext cx="8208912" cy="646331"/>
-          </a:xfrm>
-          <a:prstGeom prst="rect">
-            <a:avLst/>
-          </a:prstGeom>
-        </p:spPr>
-        <p:txBody>
-          <a:bodyPr wrap="square">
-            <a:spAutoFit/>
-          </a:bodyPr>
-          <a:lstStyle/>
-          <a:p>
-            <a:r>
-              <a:rPr lang="ru-RU" dirty="0"/>
-              <a:t>Диаграмма 2. Результаты фильтрации изображения размером 584</a:t>
-            </a:r>
-            <a:r>
-              <a:rPr lang="en-US" dirty="0"/>
-              <a:t>x</a:t>
-            </a:r>
-            <a:r>
-              <a:rPr lang="ru-RU" dirty="0"/>
-              <a:t>329 </a:t>
-            </a:r>
-            <a:r>
-              <a:rPr lang="en-US" dirty="0" err="1"/>
-              <a:t>px</a:t>
-            </a:r>
-            <a:r>
-              <a:rPr lang="ru-RU" dirty="0"/>
-              <a:t> при зашумленности 50%</a:t>
-            </a:r>
-          </a:p>
-        </p:txBody>
-      </p:sp>
       <p:graphicFrame>
         <p:nvGraphicFramePr>
-          <p:cNvPr id="7" name="Диаграмма 6"/>
+          <p:cNvPr id="5" name="Диаграмма 4"/>
           <p:cNvGraphicFramePr/>
           <p:nvPr>
             <p:extLst>
               <p:ext uri="{D42A27DB-BD31-4B8C-83A1-F6EECF244321}">
-                <p14:modId xmlns:p14="http://schemas.microsoft.com/office/powerpoint/2010/main" val="3952460011"/>
+                <p14:modId xmlns:p14="http://schemas.microsoft.com/office/powerpoint/2010/main" val="907260354"/>
               </p:ext>
             </p:extLst>
           </p:nvPr>
         </p:nvGraphicFramePr>
         <p:xfrm>
-          <a:off x="467544" y="1556792"/>
-          <a:ext cx="8208912" cy="4379446"/>
+          <a:off x="467544" y="1556791"/>
+          <a:ext cx="8208912" cy="4080509"/>
         </p:xfrm>
         <a:graphic>
           <a:graphicData uri="http://schemas.openxmlformats.org/drawingml/2006/chart">
@@ -5891,10 +5843,54 @@
           </a:graphicData>
         </a:graphic>
       </p:graphicFrame>
+      <p:sp>
+        <p:nvSpPr>
+          <p:cNvPr id="6" name="Прямоугольник 5"/>
+          <p:cNvSpPr/>
+          <p:nvPr/>
+        </p:nvSpPr>
+        <p:spPr>
+          <a:xfrm>
+            <a:off x="611560" y="5637301"/>
+            <a:ext cx="8136904" cy="646331"/>
+          </a:xfrm>
+          <a:prstGeom prst="rect">
+            <a:avLst/>
+          </a:prstGeom>
+        </p:spPr>
+        <p:txBody>
+          <a:bodyPr wrap="square">
+            <a:spAutoFit/>
+          </a:bodyPr>
+          <a:lstStyle/>
+          <a:p>
+            <a:r>
+              <a:rPr lang="ru-RU" dirty="0"/>
+              <a:t>Диаграмма 1. Результаты фильтрации изображения размером 584</a:t>
+            </a:r>
+            <a:r>
+              <a:rPr lang="en-US" dirty="0"/>
+              <a:t>x</a:t>
+            </a:r>
+            <a:r>
+              <a:rPr lang="ru-RU" dirty="0"/>
+              <a:t>329 </a:t>
+            </a:r>
+            <a:r>
+              <a:rPr lang="en-US" dirty="0" err="1"/>
+              <a:t>px</a:t>
+            </a:r>
+            <a:r>
+              <a:rPr lang="ru-RU" dirty="0"/>
+              <a:t> при зашумленности 15%</a:t>
+            </a:r>
+          </a:p>
+        </p:txBody>
+      </p:sp>
     </p:spTree>
     <p:extLst>
       <p:ext uri="{BB962C8B-B14F-4D97-AF65-F5344CB8AC3E}">
-        <p14:creationId xmlns:p14="http://schemas.microsoft.com/office/powerpoint/2010/main" val="3424940842"/>
+        <p14:creationId xmlns:p14="http://schemas.microsoft.com/office/powerpoint/2010/main" val="1505119090"/>
       </p:ext>
     </p:extLst>
   </p:cSld>
@@ -6010,8 +6006,8 @@
         </p:nvSpPr>
         <p:spPr>
           <a:xfrm>
-            <a:off x="457200" y="1628800"/>
-            <a:ext cx="8401080" cy="5014910"/>
+            <a:off x="457200" y="1285860"/>
+            <a:ext cx="8401080" cy="5357850"/>
           </a:xfrm>
         </p:spPr>
         <p:txBody>
@@ -6023,38 +6019,7 @@
             <a:pPr marL="0" indent="0">
               <a:buNone/>
             </a:pPr>
-            <a:r>
-              <a:rPr lang="ru-RU" dirty="0"/>
-              <a:t>Результаты фильтрации изображения размером 1280</a:t>
-            </a:r>
-            <a:r>
-              <a:rPr lang="en-US" dirty="0"/>
-              <a:t>x</a:t>
-            </a:r>
-            <a:r>
-              <a:rPr lang="ru-RU" dirty="0"/>
-              <a:t>697 </a:t>
-            </a:r>
-            <a:r>
-              <a:rPr lang="en-US" dirty="0" err="1"/>
-              <a:t>px</a:t>
-            </a:r>
-            <a:r>
-              <a:rPr lang="en-US" dirty="0"/>
-              <a:t> </a:t>
-            </a:r>
-            <a:r>
-              <a:rPr lang="ru-RU" dirty="0"/>
-              <a:t>с разным уровнем зашумленности представлены в </a:t>
-            </a:r>
-            <a:r>
-              <a:rPr lang="ru-RU" dirty="0" smtClean="0"/>
-              <a:t>диаграммах </a:t>
-            </a:r>
-            <a:r>
-              <a:rPr lang="ru-RU" dirty="0"/>
-              <a:t>3,4.</a:t>
-            </a:r>
+            <a:endParaRPr lang="ru-RU" dirty="0" smtClean="0"/>
           </a:p>
           <a:p>
             <a:pPr marL="0" indent="0">
@@ -6064,10 +6029,76 @@
           </a:p>
         </p:txBody>
       </p:sp>
+      <p:sp>
+        <p:nvSpPr>
+          <p:cNvPr id="6" name="Прямоугольник 5"/>
+          <p:cNvSpPr/>
+          <p:nvPr/>
+        </p:nvSpPr>
+        <p:spPr>
+          <a:xfrm>
+            <a:off x="467544" y="5936238"/>
+            <a:ext cx="8208912" cy="646331"/>
+          </a:xfrm>
+          <a:prstGeom prst="rect">
+            <a:avLst/>
+          </a:prstGeom>
+        </p:spPr>
+        <p:txBody>
+          <a:bodyPr wrap="square">
+            <a:spAutoFit/>
+          </a:bodyPr>
+          <a:lstStyle/>
+          <a:p>
+            <a:r>
+              <a:rPr lang="ru-RU" dirty="0"/>
+              <a:t>Диаграмма 2. Результаты фильтрации изображения размером 584</a:t>
+            </a:r>
+            <a:r>
+              <a:rPr lang="en-US" dirty="0"/>
+              <a:t>x</a:t>
+            </a:r>
+            <a:r>
+              <a:rPr lang="ru-RU" dirty="0"/>
+              <a:t>329 </a:t>
+            </a:r>
+            <a:r>
+              <a:rPr lang="en-US" dirty="0" err="1"/>
+              <a:t>px</a:t>
+            </a:r>
+            <a:r>
+              <a:rPr lang="ru-RU" dirty="0"/>
+              <a:t> при зашумленности 50%</a:t>
+            </a:r>
+          </a:p>
+        </p:txBody>
+      </p:sp>
+      <p:graphicFrame>
+        <p:nvGraphicFramePr>
+          <p:cNvPr id="7" name="Диаграмма 6"/>
+          <p:cNvGraphicFramePr/>
+          <p:nvPr>
+            <p:extLst>
+              <p:ext uri="{D42A27DB-BD31-4B8C-83A1-F6EECF244321}">
+                <p14:modId xmlns:p14="http://schemas.microsoft.com/office/powerpoint/2010/main" val="3952460011"/>
+              </p:ext>
+            </p:extLst>
+          </p:nvPr>
+        </p:nvGraphicFramePr>
+        <p:xfrm>
+          <a:off x="467544" y="1556792"/>
+          <a:ext cx="8208912" cy="4379446"/>
+        </p:xfrm>
+        <a:graphic>
+          <a:graphicData uri="http://schemas.openxmlformats.org/drawingml/2006/chart">
+            <c:chart xmlns:c="http://schemas.openxmlformats.org/drawingml/2006/chart" xmlns:r="http://schemas.openxmlformats.org/officeDocument/2006/relationships" r:id="rId2"/>
+          </a:graphicData>
+        </a:graphic>
+      </p:graphicFrame>
     </p:spTree>
     <p:extLst>
       <p:ext uri="{BB962C8B-B14F-4D97-AF65-F5344CB8AC3E}">
-        <p14:creationId xmlns:p14="http://schemas.microsoft.com/office/powerpoint/2010/main" val="1669893989"/>
+        <p14:creationId xmlns:p14="http://schemas.microsoft.com/office/powerpoint/2010/main" val="3424940842"/>
       </p:ext>
     </p:extLst>
   </p:cSld>
@@ -6183,8 +6214,8 @@
         </p:nvSpPr>
         <p:spPr>
           <a:xfrm>
-            <a:off x="457200" y="1285860"/>
-            <a:ext cx="8401080" cy="5357850"/>
+            <a:off x="457200" y="1628800"/>
+            <a:ext cx="8401080" cy="5014910"/>
           </a:xfrm>
         </p:spPr>
         <p:txBody>
@@ -6196,7 +6227,38 @@
             <a:pPr marL="0" indent="0">
               <a:buNone/>
             </a:pPr>
-            <a:endParaRPr lang="ru-RU" dirty="0" smtClean="0"/>
+            <a:r>
+              <a:rPr lang="ru-RU" dirty="0"/>
+              <a:t>Результаты фильтрации изображения размером 1280</a:t>
+            </a:r>
+            <a:r>
+              <a:rPr lang="en-US" dirty="0"/>
+              <a:t>x</a:t>
+            </a:r>
+            <a:r>
+              <a:rPr lang="ru-RU" dirty="0"/>
+              <a:t>697 </a:t>
+            </a:r>
+            <a:r>
+              <a:rPr lang="en-US" dirty="0" err="1"/>
+              <a:t>px</a:t>
+            </a:r>
+            <a:r>
+              <a:rPr lang="en-US" dirty="0"/>
+              <a:t> </a:t>
+            </a:r>
+            <a:r>
+              <a:rPr lang="ru-RU" dirty="0"/>
+              <a:t>с разным уровнем зашумленности представлены в </a:t>
+            </a:r>
+            <a:r>
+              <a:rPr lang="ru-RU" dirty="0" smtClean="0"/>
+              <a:t>диаграммах </a:t>
+            </a:r>
+            <a:r>
+              <a:rPr lang="ru-RU" dirty="0"/>
+              <a:t>3,4.</a:t>
+            </a:r>
           </a:p>
           <a:p>
             <a:pPr marL="0" indent="0">
@@ -6206,76 +6268,10 @@
           </a:p>
         </p:txBody>
       </p:sp>
-      <p:sp>
-        <p:nvSpPr>
-          <p:cNvPr id="6" name="Прямоугольник 5"/>
-          <p:cNvSpPr/>
-          <p:nvPr/>
-        </p:nvSpPr>
-        <p:spPr>
-          <a:xfrm>
-            <a:off x="395536" y="5805264"/>
-            <a:ext cx="8208912" cy="646331"/>
-          </a:xfrm>
-          <a:prstGeom prst="rect">
-            <a:avLst/>
-          </a:prstGeom>
-        </p:spPr>
-        <p:txBody>
-          <a:bodyPr wrap="square">
-            <a:spAutoFit/>
-          </a:bodyPr>
-          <a:lstStyle/>
-          <a:p>
-            <a:r>
-              <a:rPr lang="ru-RU" dirty="0"/>
-              <a:t>Диаграмма 3. Результаты фильтрации изображения размером 1280</a:t>
-            </a:r>
-            <a:r>
-              <a:rPr lang="en-US" dirty="0"/>
-              <a:t>x</a:t>
-            </a:r>
-            <a:r>
-              <a:rPr lang="ru-RU" dirty="0"/>
-              <a:t>697 </a:t>
-            </a:r>
-            <a:r>
-              <a:rPr lang="en-US" dirty="0" err="1"/>
-              <a:t>px</a:t>
-            </a:r>
-            <a:r>
-              <a:rPr lang="ru-RU" dirty="0"/>
-              <a:t> при зашумленности 15%</a:t>
-            </a:r>
-          </a:p>
-        </p:txBody>
-      </p:sp>
-      <p:graphicFrame>
-        <p:nvGraphicFramePr>
-          <p:cNvPr id="7" name="Диаграмма 6"/>
-          <p:cNvGraphicFramePr/>
-          <p:nvPr>
-            <p:extLst>
-              <p:ext uri="{D42A27DB-BD31-4B8C-83A1-F6EECF244321}">
-                <p14:modId xmlns:p14="http://schemas.microsoft.com/office/powerpoint/2010/main" val="320587109"/>
-              </p:ext>
-            </p:extLst>
-          </p:nvPr>
-        </p:nvGraphicFramePr>
-        <p:xfrm>
-          <a:off x="467544" y="1556792"/>
-          <a:ext cx="8208912" cy="4248472"/>
-        </p:xfrm>
-        <a:graphic>
-          <a:graphicData uri="http://schemas.openxmlformats.org/drawingml/2006/chart">
-            <c:chart xmlns:c="http://schemas.openxmlformats.org/drawingml/2006/chart" xmlns:r="http://schemas.openxmlformats.org/officeDocument/2006/relationships" r:id="rId2"/>
-          </a:graphicData>
-        </a:graphic>
-      </p:graphicFrame>
     </p:spTree>
     <p:extLst>
       <p:ext uri="{BB962C8B-B14F-4D97-AF65-F5344CB8AC3E}">
-        <p14:creationId xmlns:p14="http://schemas.microsoft.com/office/powerpoint/2010/main" val="1396057827"/>
+        <p14:creationId xmlns:p14="http://schemas.microsoft.com/office/powerpoint/2010/main" val="1669893989"/>
       </p:ext>
     </p:extLst>
   </p:cSld>
@@ -6422,8 +6418,8 @@
         </p:nvSpPr>
         <p:spPr>
           <a:xfrm>
-            <a:off x="467544" y="5805264"/>
-            <a:ext cx="8280920" cy="646331"/>
+            <a:off x="395536" y="5805264"/>
+            <a:ext cx="8208912" cy="646331"/>
           </a:xfrm>
           <a:prstGeom prst="rect">
             <a:avLst/>
@@ -6437,7 +6433,7 @@
           <a:p>
             <a:r>
               <a:rPr lang="ru-RU" dirty="0"/>
-              <a:t>Диаграмма 4. Результаты фильтрации изображения размером 1280</a:t>
+              <a:t>Диаграмма 3. Результаты фильтрации изображения размером 1280</a:t>
             </a:r>
             <a:r>
               <a:rPr lang="en-US" dirty="0"/>
@@ -6453,19 +6449,19 @@
             </a:r>
             <a:r>
               <a:rPr lang="ru-RU" dirty="0"/>
-              <a:t> при зашумленности 50%</a:t>
+              <a:t> при зашумленности 15%</a:t>
             </a:r>
           </a:p>
         </p:txBody>
       </p:sp>
       <p:graphicFrame>
         <p:nvGraphicFramePr>
-          <p:cNvPr id="8" name="Диаграмма 7"/>
+          <p:cNvPr id="7" name="Диаграмма 6"/>
           <p:cNvGraphicFramePr/>
           <p:nvPr>
             <p:extLst>
               <p:ext uri="{D42A27DB-BD31-4B8C-83A1-F6EECF244321}">
-                <p14:modId xmlns:p14="http://schemas.microsoft.com/office/powerpoint/2010/main" val="1866729226"/>
+                <p14:modId xmlns:p14="http://schemas.microsoft.com/office/powerpoint/2010/main" val="320587109"/>
               </p:ext>
             </p:extLst>
           </p:nvPr>
@@ -6483,7 +6479,7 @@
     </p:spTree>
     <p:extLst>
       <p:ext uri="{BB962C8B-B14F-4D97-AF65-F5344CB8AC3E}">
-        <p14:creationId xmlns:p14="http://schemas.microsoft.com/office/powerpoint/2010/main" val="2026842249"/>
+        <p14:creationId xmlns:p14="http://schemas.microsoft.com/office/powerpoint/2010/main" val="1396057827"/>
       </p:ext>
     </p:extLst>
   </p:cSld>
@@ -6555,7 +6551,7 @@
           <a:p>
             <a:r>
               <a:rPr lang="ru-RU" sz="4000" dirty="0" smtClean="0"/>
-              <a:t>Выводы</a:t>
+              <a:t>Результаты работы программы</a:t>
             </a:r>
             <a:endParaRPr lang="ru-RU" sz="4000" dirty="0"/>
           </a:p>
@@ -6599,85 +6595,101 @@
         </p:nvSpPr>
         <p:spPr>
           <a:xfrm>
-            <a:off x="457200" y="1628800"/>
-            <a:ext cx="8401080" cy="5014910"/>
+            <a:off x="457200" y="1285860"/>
+            <a:ext cx="8401080" cy="5357850"/>
           </a:xfrm>
         </p:spPr>
         <p:txBody>
           <a:bodyPr>
-            <a:normAutofit fontScale="70000" lnSpcReduction="20000"/>
+            <a:normAutofit/>
           </a:bodyPr>
           <a:lstStyle/>
           <a:p>
-            <a:pPr lvl="0"/>
-            <a:r>
-              <a:rPr lang="ru-RU" dirty="0" smtClean="0"/>
-              <a:t>Для </a:t>
-            </a:r>
+            <a:pPr marL="0" indent="0">
+              <a:buNone/>
+            </a:pPr>
+            <a:endParaRPr lang="ru-RU" dirty="0" smtClean="0"/>
+          </a:p>
+          <a:p>
+            <a:pPr marL="0" indent="0">
+              <a:buNone/>
+            </a:pPr>
+            <a:endParaRPr lang="ru-RU" dirty="0"/>
+          </a:p>
+        </p:txBody>
+      </p:sp>
+      <p:sp>
+        <p:nvSpPr>
+          <p:cNvPr id="6" name="Прямоугольник 5"/>
+          <p:cNvSpPr/>
+          <p:nvPr/>
+        </p:nvSpPr>
+        <p:spPr>
+          <a:xfrm>
+            <a:off x="467544" y="5805264"/>
+            <a:ext cx="8280920" cy="646331"/>
+          </a:xfrm>
+          <a:prstGeom prst="rect">
+            <a:avLst/>
+          </a:prstGeom>
+        </p:spPr>
+        <p:txBody>
+          <a:bodyPr wrap="square">
+            <a:spAutoFit/>
+          </a:bodyPr>
+          <a:lstStyle/>
+          <a:p>
             <a:r>
               <a:rPr lang="ru-RU" dirty="0"/>
-              <a:t>решения поставленных задач была выбрана технология </a:t>
-            </a:r>
-            <a:r>
-              <a:rPr lang="ru-RU" dirty="0" err="1"/>
-              <a:t>OpenCL</a:t>
+              <a:t>Диаграмма 4. Результаты фильтрации изображения размером 1280</a:t>
+            </a:r>
+            <a:r>
+              <a:rPr lang="en-US" dirty="0"/>
+              <a:t>x</a:t>
             </a:r>
             <a:r>
               <a:rPr lang="ru-RU" dirty="0"/>
-              <a:t>. Данная технология является кроссплатформенной, а значит не зависит от производителя процессора, в отличии от </a:t>
-            </a:r>
-            <a:r>
-              <a:rPr lang="ru-RU" dirty="0" err="1"/>
-              <a:t>Nvidia</a:t>
+              <a:t>697 </a:t>
+            </a:r>
+            <a:r>
+              <a:rPr lang="en-US" dirty="0" err="1"/>
+              <a:t>px</a:t>
             </a:r>
             <a:r>
               <a:rPr lang="ru-RU" dirty="0"/>
-              <a:t> CUDA или AMD </a:t>
-            </a:r>
-            <a:r>
-              <a:rPr lang="ru-RU" dirty="0" err="1"/>
-              <a:t>Stream</a:t>
-            </a:r>
-            <a:r>
-              <a:rPr lang="ru-RU" dirty="0"/>
-              <a:t>. Технология достаточно гибкая, и позволяет программисту управлять выполнением ядра на выбранном процессоре, в то время как C++ AMP не дает таких возможностей.</a:t>
-            </a:r>
-          </a:p>
-          <a:p>
-            <a:pPr lvl="0"/>
-            <a:r>
-              <a:rPr lang="ru-RU" dirty="0"/>
-              <a:t>В данной работе была написана программа, использующая технологию </a:t>
-            </a:r>
-            <a:r>
-              <a:rPr lang="ru-RU" dirty="0" err="1"/>
-              <a:t>OpenCL</a:t>
-            </a:r>
-            <a:r>
-              <a:rPr lang="ru-RU" dirty="0"/>
-              <a:t> для реализации гетерогенной вычислительной системы CPU+GPU.</a:t>
-            </a:r>
-          </a:p>
-          <a:p>
-            <a:pPr lvl="0"/>
-            <a:r>
-              <a:rPr lang="ru-RU" dirty="0"/>
-              <a:t>Данная гетерогенная вычислительная система была применена для фильтрации изображения с помощью медианного алгоритма. </a:t>
-            </a:r>
-          </a:p>
-          <a:p>
-            <a:pPr lvl="0"/>
-            <a:r>
-              <a:rPr lang="ru-RU" dirty="0"/>
-              <a:t>Результаты работы программы были проанализированы для различных уровней зашумленности изображения, а также для изображений различных размеров. Исходя из полученный результатов, следует, что построенная гетерогенная система выполняет работу по фильтрации изображения до 6 раз быстрее, чем если бы мы использовали стандартные средства С++, что подтверждает целесообразность использования ГВС.</a:t>
-            </a:r>
-          </a:p>
-          <a:p>
-            <a:endParaRPr lang="ru-RU" dirty="0"/>
-          </a:p>
-        </p:txBody>
-      </p:sp>
+              <a:t> при зашумленности 50%</a:t>
+            </a:r>
+          </a:p>
+        </p:txBody>
+      </p:sp>
+      <p:graphicFrame>
+        <p:nvGraphicFramePr>
+          <p:cNvPr id="8" name="Диаграмма 7"/>
+          <p:cNvGraphicFramePr/>
+          <p:nvPr>
+            <p:extLst>
+              <p:ext uri="{D42A27DB-BD31-4B8C-83A1-F6EECF244321}">
+                <p14:modId xmlns:p14="http://schemas.microsoft.com/office/powerpoint/2010/main" val="1866729226"/>
+              </p:ext>
+            </p:extLst>
+          </p:nvPr>
+        </p:nvGraphicFramePr>
+        <p:xfrm>
+          <a:off x="467544" y="1556792"/>
+          <a:ext cx="8208912" cy="4248472"/>
+        </p:xfrm>
+        <a:graphic>
+          <a:graphicData uri="http://schemas.openxmlformats.org/drawingml/2006/chart">
+            <c:chart xmlns:c="http://schemas.openxmlformats.org/drawingml/2006/chart" xmlns:r="http://schemas.openxmlformats.org/officeDocument/2006/relationships" r:id="rId2"/>
+          </a:graphicData>
+        </a:graphic>
+      </p:graphicFrame>
     </p:spTree>
+    <p:extLst>
+      <p:ext uri="{BB962C8B-B14F-4D97-AF65-F5344CB8AC3E}">
+        <p14:creationId xmlns:p14="http://schemas.microsoft.com/office/powerpoint/2010/main" val="2026842249"/>
+      </p:ext>
+    </p:extLst>
   </p:cSld>
   <p:clrMapOvr>
     <a:masterClrMapping/>
@@ -6721,8 +6733,8 @@
         </p:nvSpPr>
         <p:spPr>
           <a:xfrm>
-            <a:off x="500034" y="1928802"/>
-            <a:ext cx="8229600" cy="3000396"/>
+            <a:off x="457200" y="274638"/>
+            <a:ext cx="8229600" cy="868346"/>
           </a:xfrm>
         </p:spPr>
         <p:style>
@@ -6740,14 +6752,16 @@
           </a:fontRef>
         </p:style>
         <p:txBody>
-          <a:bodyPr/>
-          <a:lstStyle/>
-          <a:p>
-            <a:r>
-              <a:rPr lang="ru-RU" dirty="0" smtClean="0"/>
-              <a:t>Спасибо за внимание</a:t>
-            </a:r>
-            <a:endParaRPr lang="ru-RU" dirty="0"/>
+          <a:bodyPr>
+            <a:normAutofit/>
+          </a:bodyPr>
+          <a:lstStyle/>
+          <a:p>
+            <a:r>
+              <a:rPr lang="ru-RU" sz="4000" dirty="0" smtClean="0"/>
+              <a:t>Выводы</a:t>
+            </a:r>
+            <a:endParaRPr lang="ru-RU" sz="4000" dirty="0"/>
           </a:p>
         </p:txBody>
       </p:sp>
@@ -6772,6 +6786,196 @@
               <a:rPr lang="ru-RU" smtClean="0"/>
               <a:pPr/>
               <a:t>17</a:t>
+            </a:fld>
+            <a:endParaRPr lang="ru-RU"/>
+          </a:p>
+        </p:txBody>
+      </p:sp>
+      <p:sp>
+        <p:nvSpPr>
+          <p:cNvPr id="3" name="Содержимое 2"/>
+          <p:cNvSpPr>
+            <a:spLocks noGrp="1"/>
+          </p:cNvSpPr>
+          <p:nvPr>
+            <p:ph sz="quarter" idx="1"/>
+          </p:nvPr>
+        </p:nvSpPr>
+        <p:spPr>
+          <a:xfrm>
+            <a:off x="457200" y="1628800"/>
+            <a:ext cx="8401080" cy="5014910"/>
+          </a:xfrm>
+        </p:spPr>
+        <p:txBody>
+          <a:bodyPr>
+            <a:normAutofit fontScale="70000" lnSpcReduction="20000"/>
+          </a:bodyPr>
+          <a:lstStyle/>
+          <a:p>
+            <a:pPr lvl="0"/>
+            <a:r>
+              <a:rPr lang="ru-RU" dirty="0" smtClean="0"/>
+              <a:t>Для </a:t>
+            </a:r>
+            <a:r>
+              <a:rPr lang="ru-RU" dirty="0"/>
+              <a:t>решения поставленных задач была выбрана технология </a:t>
+            </a:r>
+            <a:r>
+              <a:rPr lang="ru-RU" dirty="0" err="1"/>
+              <a:t>OpenCL</a:t>
+            </a:r>
+            <a:r>
+              <a:rPr lang="ru-RU" dirty="0"/>
+              <a:t>. Данная технология является кроссплатформенной, а значит не зависит от производителя процессора, в отличии от </a:t>
+            </a:r>
+            <a:r>
+              <a:rPr lang="ru-RU" dirty="0" err="1"/>
+              <a:t>Nvidia</a:t>
+            </a:r>
+            <a:r>
+              <a:rPr lang="ru-RU" dirty="0"/>
+              <a:t> CUDA или AMD </a:t>
+            </a:r>
+            <a:r>
+              <a:rPr lang="ru-RU" dirty="0" err="1"/>
+              <a:t>Stream</a:t>
+            </a:r>
+            <a:r>
+              <a:rPr lang="ru-RU" dirty="0"/>
+              <a:t>. Технология достаточно гибкая, и позволяет программисту управлять выполнением ядра на выбранном процессоре, в то время как C++ AMP не дает таких возможностей.</a:t>
+            </a:r>
+          </a:p>
+          <a:p>
+            <a:pPr lvl="0"/>
+            <a:r>
+              <a:rPr lang="ru-RU" dirty="0"/>
+              <a:t>В данной работе была написана программа, использующая технологию </a:t>
+            </a:r>
+            <a:r>
+              <a:rPr lang="ru-RU" dirty="0" err="1"/>
+              <a:t>OpenCL</a:t>
+            </a:r>
+            <a:r>
+              <a:rPr lang="ru-RU" dirty="0"/>
+              <a:t> для реализации гетерогенной вычислительной системы CPU+GPU.</a:t>
+            </a:r>
+          </a:p>
+          <a:p>
+            <a:pPr lvl="0"/>
+            <a:r>
+              <a:rPr lang="ru-RU" dirty="0"/>
+              <a:t>Данная гетерогенная вычислительная система была применена для фильтрации изображения с помощью медианного алгоритма. </a:t>
+            </a:r>
+          </a:p>
+          <a:p>
+            <a:pPr lvl="0"/>
+            <a:r>
+              <a:rPr lang="ru-RU" dirty="0"/>
+              <a:t>Результаты работы программы были проанализированы для различных уровней зашумленности изображения, а также для изображений различных размеров. Исходя из полученный результатов, следует, что построенная гетерогенная система выполняет работу по фильтрации изображения до 6 раз быстрее, чем если бы мы использовали стандартные средства С++, что подтверждает целесообразность использования ГВС.</a:t>
+            </a:r>
+          </a:p>
+          <a:p>
+            <a:endParaRPr lang="ru-RU" dirty="0"/>
+          </a:p>
+        </p:txBody>
+      </p:sp>
+    </p:spTree>
+  </p:cSld>
+  <p:clrMapOvr>
+    <a:masterClrMapping/>
+  </p:clrMapOvr>
+  <p:timing>
+    <p:tnLst>
+      <p:par>
+        <p:cTn id="1" dur="indefinite" restart="never" nodeType="tmRoot"/>
+      </p:par>
+    </p:tnLst>
+  </p:timing>
+</p:sld>
+</file>
+
+<file path=ppt/slides/slide18.xml><?xml version="1.0" encoding="utf-8"?>
+<p:sld xmlns:a="http://schemas.openxmlformats.org/drawingml/2006/main" xmlns:r="http://schemas.openxmlformats.org/officeDocument/2006/relationships" xmlns:p="http://schemas.openxmlformats.org/presentationml/2006/main">
+  <p:cSld>
+    <p:spTree>
+      <p:nvGrpSpPr>
+        <p:cNvPr id="1" name=""/>
+        <p:cNvGrpSpPr/>
+        <p:nvPr/>
+      </p:nvGrpSpPr>
+      <p:grpSpPr>
+        <a:xfrm>
+          <a:off x="0" y="0"/>
+          <a:ext cx="0" cy="0"/>
+          <a:chOff x="0" y="0"/>
+          <a:chExt cx="0" cy="0"/>
+        </a:xfrm>
+      </p:grpSpPr>
+      <p:sp>
+        <p:nvSpPr>
+          <p:cNvPr id="2" name="Заголовок 1"/>
+          <p:cNvSpPr>
+            <a:spLocks noGrp="1"/>
+          </p:cNvSpPr>
+          <p:nvPr>
+            <p:ph type="title"/>
+          </p:nvPr>
+        </p:nvSpPr>
+        <p:spPr>
+          <a:xfrm>
+            <a:off x="500034" y="1928802"/>
+            <a:ext cx="8229600" cy="3000396"/>
+          </a:xfrm>
+        </p:spPr>
+        <p:style>
+          <a:lnRef idx="1">
+            <a:schemeClr val="accent5"/>
+          </a:lnRef>
+          <a:fillRef idx="2">
+            <a:schemeClr val="accent5"/>
+          </a:fillRef>
+          <a:effectRef idx="1">
+            <a:schemeClr val="accent5"/>
+          </a:effectRef>
+          <a:fontRef idx="minor">
+            <a:schemeClr val="dk1"/>
+          </a:fontRef>
+        </p:style>
+        <p:txBody>
+          <a:bodyPr/>
+          <a:lstStyle/>
+          <a:p>
+            <a:r>
+              <a:rPr lang="ru-RU" dirty="0" smtClean="0"/>
+              <a:t>Спасибо за внимание</a:t>
+            </a:r>
+            <a:endParaRPr lang="ru-RU" dirty="0"/>
+          </a:p>
+        </p:txBody>
+      </p:sp>
+      <p:sp>
+        <p:nvSpPr>
+          <p:cNvPr id="4" name="Номер слайда 3"/>
+          <p:cNvSpPr>
+            <a:spLocks noGrp="1"/>
+          </p:cNvSpPr>
+          <p:nvPr>
+            <p:ph type="sldNum" sz="quarter" idx="12"/>
+          </p:nvPr>
+        </p:nvSpPr>
+        <p:spPr/>
+        <p:txBody>
+          <a:bodyPr>
+            <a:normAutofit fontScale="85000" lnSpcReduction="20000"/>
+          </a:bodyPr>
+          <a:lstStyle/>
+          <a:p>
+            <a:fld id="{725C68B6-61C2-468F-89AB-4B9F7531AA68}" type="slidenum">
+              <a:rPr lang="ru-RU" smtClean="0"/>
+              <a:pPr/>
+              <a:t>18</a:t>
             </a:fld>
             <a:endParaRPr lang="ru-RU"/>
           </a:p>
@@ -7945,7 +8149,7 @@
         <p:spPr>
           <a:xfrm>
             <a:off x="457200" y="274638"/>
-            <a:ext cx="8229600" cy="1011222"/>
+            <a:ext cx="8229600" cy="1082660"/>
           </a:xfrm>
         </p:spPr>
         <p:style>
@@ -7964,32 +8168,15 @@
         </p:style>
         <p:txBody>
           <a:bodyPr>
-            <a:normAutofit fontScale="90000"/>
+            <a:normAutofit/>
           </a:bodyPr>
           <a:lstStyle/>
           <a:p>
             <a:r>
-              <a:rPr lang="ru-RU" sz="3100" dirty="0" smtClean="0"/>
-              <a:t/>
-            </a:r>
-            <a:br>
-              <a:rPr lang="ru-RU" sz="3100" dirty="0" smtClean="0"/>
-            </a:br>
-            <a:r>
-              <a:rPr lang="ru-RU" sz="3100" dirty="0" smtClean="0"/>
-              <a:t>Алгоритм обработки изображения</a:t>
-            </a:r>
-            <a:r>
-              <a:rPr lang="ru-RU" sz="3200" b="1" dirty="0" smtClean="0"/>
-              <a:t/>
-            </a:r>
-            <a:br>
-              <a:rPr lang="ru-RU" sz="3200" b="1" dirty="0" smtClean="0"/>
-            </a:br>
-            <a:endParaRPr lang="ru-RU" sz="3200" b="1" dirty="0">
-              <a:latin typeface="Courier New" pitchFamily="49" charset="0"/>
-              <a:cs typeface="Courier New" pitchFamily="49" charset="0"/>
-            </a:endParaRPr>
+              <a:rPr lang="ru-RU" sz="4000" dirty="0" smtClean="0"/>
+              <a:t>Медианная фильтрация</a:t>
+            </a:r>
+            <a:endParaRPr lang="ru-RU" sz="4000" dirty="0"/>
           </a:p>
         </p:txBody>
       </p:sp>
@@ -8019,9 +8206,45 @@
           </a:p>
         </p:txBody>
       </p:sp>
+      <p:sp>
+        <p:nvSpPr>
+          <p:cNvPr id="3" name="Содержимое 2"/>
+          <p:cNvSpPr>
+            <a:spLocks noGrp="1"/>
+          </p:cNvSpPr>
+          <p:nvPr>
+            <p:ph sz="quarter" idx="1"/>
+          </p:nvPr>
+        </p:nvSpPr>
+        <p:spPr/>
+        <p:txBody>
+          <a:bodyPr>
+            <a:normAutofit/>
+          </a:bodyPr>
+          <a:lstStyle/>
+          <a:p>
+            <a:pPr marL="0" indent="0">
+              <a:buNone/>
+            </a:pPr>
+            <a:r>
+              <a:rPr lang="ru-RU" sz="2800" b="1" dirty="0" smtClean="0"/>
+              <a:t>Медианный фильтр</a:t>
+            </a:r>
+            <a:r>
+              <a:rPr lang="ru-RU" sz="2800" dirty="0" smtClean="0"/>
+              <a:t> </a:t>
+            </a:r>
+            <a:r>
+              <a:rPr lang="ru-RU" sz="2800" dirty="0"/>
+              <a:t>— один из видов цифровых фильтров, широко используемый в цифровой обработке сигналов и изображений для уменьшения уровня шума.</a:t>
+            </a:r>
+            <a:endParaRPr lang="ru-RU" sz="2800" dirty="0" smtClean="0"/>
+          </a:p>
+        </p:txBody>
+      </p:sp>
       <p:pic>
         <p:nvPicPr>
-          <p:cNvPr id="4098" name="Picture 2" descr="D:\lenovo\Универ\Диплом\programs\Untitled Diagram.png"/>
+          <p:cNvPr id="2050" name="Picture 2"/>
           <p:cNvPicPr>
             <a:picLocks noChangeAspect="1" noChangeArrowheads="1"/>
           </p:cNvPicPr>
@@ -8042,25 +8265,53 @@
         </p:blipFill>
         <p:spPr bwMode="auto">
           <a:xfrm>
-            <a:off x="1259632" y="1628800"/>
-            <a:ext cx="6840760" cy="4718680"/>
+            <a:off x="2483768" y="3391802"/>
+            <a:ext cx="3960440" cy="2635449"/>
           </a:xfrm>
           <a:prstGeom prst="rect">
             <a:avLst/>
           </a:prstGeom>
           <a:noFill/>
+          <a:ln>
+            <a:noFill/>
+          </a:ln>
+          <a:effectLst/>
           <a:extLst>
             <a:ext uri="{909E8E84-426E-40DD-AFC4-6F175D3DCCD1}">
               <a14:hiddenFill xmlns:a14="http://schemas.microsoft.com/office/drawing/2010/main">
                 <a:solidFill>
-                  <a:srgbClr val="FFFFFF"/>
+                  <a:schemeClr val="accent1"/>
                 </a:solidFill>
               </a14:hiddenFill>
             </a:ext>
+            <a:ext uri="{91240B29-F687-4F45-9708-019B960494DF}">
+              <a14:hiddenLine xmlns:a14="http://schemas.microsoft.com/office/drawing/2010/main" w="9525">
+                <a:solidFill>
+                  <a:schemeClr val="tx1"/>
+                </a:solidFill>
+                <a:miter lim="800000"/>
+                <a:headEnd/>
+                <a:tailEnd/>
+              </a14:hiddenLine>
+            </a:ext>
+            <a:ext uri="{AF507438-7753-43E0-B8FC-AC1667EBCBE1}">
+              <a14:hiddenEffects xmlns:a14="http://schemas.microsoft.com/office/drawing/2010/main">
+                <a:effectLst>
+                  <a:outerShdw dist="35921" dir="2700000" algn="ctr" rotWithShape="0">
+                    <a:schemeClr val="bg2"/>
+                  </a:outerShdw>
+                </a:effectLst>
+              </a14:hiddenEffects>
+            </a:ext>
           </a:extLst>
         </p:spPr>
       </p:pic>
     </p:spTree>
+    <p:extLst>
+      <p:ext uri="{BB962C8B-B14F-4D97-AF65-F5344CB8AC3E}">
+        <p14:creationId xmlns:p14="http://schemas.microsoft.com/office/powerpoint/2010/main" val="3381032577"/>
+      </p:ext>
+    </p:extLst>
   </p:cSld>
   <p:clrMapOvr>
     <a:masterClrMapping/>
@@ -8137,19 +8388,7 @@
             </a:br>
             <a:r>
               <a:rPr lang="ru-RU" sz="3100" dirty="0" smtClean="0"/>
-              <a:t>Программа</a:t>
-            </a:r>
-            <a:r>
-              <a:rPr lang="en-US" sz="3100" dirty="0" smtClean="0"/>
-              <a:t>,</a:t>
-            </a:r>
-            <a:r>
-              <a:rPr lang="ru-RU" sz="3100" dirty="0" smtClean="0"/>
-              <a:t> реализующая ГВС </a:t>
-            </a:r>
-            <a:r>
-              <a:rPr lang="en-US" sz="3100" dirty="0" smtClean="0"/>
-              <a:t>CPU+GPU</a:t>
+              <a:t>Алгоритм обработки изображения</a:t>
             </a:r>
             <a:r>
               <a:rPr lang="ru-RU" sz="3200" b="1" dirty="0" smtClean="0"/>
@@ -8193,7 +8432,7 @@
       </p:sp>
       <p:pic>
         <p:nvPicPr>
-          <p:cNvPr id="5122" name="Picture 2" descr="Безымянный"/>
+          <p:cNvPr id="4098" name="Picture 2" descr="D:\lenovo\Универ\Диплом\programs\Untitled Diagram.png"/>
           <p:cNvPicPr>
             <a:picLocks noChangeAspect="1" noChangeArrowheads="1"/>
           </p:cNvPicPr>
@@ -8214,16 +8453,13 @@
         </p:blipFill>
         <p:spPr bwMode="auto">
           <a:xfrm>
-            <a:off x="451128" y="2060848"/>
-            <a:ext cx="8246504" cy="3600400"/>
+            <a:off x="1259632" y="1628800"/>
+            <a:ext cx="6840760" cy="4718680"/>
           </a:xfrm>
           <a:prstGeom prst="rect">
             <a:avLst/>
           </a:prstGeom>
           <a:noFill/>
-          <a:ln>
-            <a:noFill/>
-          </a:ln>
           <a:extLst>
             <a:ext uri="{909E8E84-426E-40DD-AFC4-6F175D3DCCD1}">
               <a14:hiddenFill xmlns:a14="http://schemas.microsoft.com/office/drawing/2010/main">
@@ -8232,25 +8468,10 @@
                 </a:solidFill>
               </a14:hiddenFill>
             </a:ext>
-            <a:ext uri="{91240B29-F687-4F45-9708-019B960494DF}">
-              <a14:hiddenLine xmlns:a14="http://schemas.microsoft.com/office/drawing/2010/main" w="9525">
-                <a:solidFill>
-                  <a:srgbClr val="000000"/>
-                </a:solidFill>
-                <a:miter lim="800000"/>
-                <a:headEnd/>
-                <a:tailEnd/>
-              </a14:hiddenLine>
-            </a:ext>
           </a:extLst>
         </p:spPr>
       </p:pic>
     </p:spTree>
-    <p:extLst>
-      <p:ext uri="{BB962C8B-B14F-4D97-AF65-F5344CB8AC3E}">
-        <p14:creationId xmlns:p14="http://schemas.microsoft.com/office/powerpoint/2010/main" val="556809703"/>
-      </p:ext>
-    </p:extLst>
   </p:cSld>
   <p:clrMapOvr>
     <a:masterClrMapping/>

--- a/Diplom/Презентация.pptx
+++ b/Diplom/Презентация.pptx
@@ -152,7 +152,7 @@
       </p14:sectionLst>
     </p:ext>
     <p:ext uri="{EFAFB233-063F-42B5-8137-9DF3F51BA10A}">
-      <p15:sldGuideLst xmlns:p15="http://schemas.microsoft.com/office/powerpoint/2012/main" xmlns="">
+      <p15:sldGuideLst xmlns:p15="http://schemas.microsoft.com/office/powerpoint/2012/main">
         <p15:guide id="1" orient="horz" pos="2160">
           <p15:clr>
             <a:srgbClr val="A4A3A4"/>
@@ -166,7 +166,7 @@
       </p15:sldGuideLst>
     </p:ext>
     <p:ext uri="{2D200454-40CA-4A62-9FC3-DE9A4176ACB9}">
-      <p15:notesGuideLst xmlns:p15="http://schemas.microsoft.com/office/powerpoint/2012/main" xmlns="">
+      <p15:notesGuideLst xmlns:p15="http://schemas.microsoft.com/office/powerpoint/2012/main">
         <p15:guide id="1" orient="horz" pos="2880">
           <p15:clr>
             <a:srgbClr val="A4A3A4"/>
@@ -186,7 +186,7 @@
 <file path=ppt/charts/chart1.xml><?xml version="1.0" encoding="utf-8"?>
 <c:chartSpace xmlns:c="http://schemas.openxmlformats.org/drawingml/2006/chart" xmlns:a="http://schemas.openxmlformats.org/drawingml/2006/main" xmlns:r="http://schemas.openxmlformats.org/officeDocument/2006/relationships">
   <c:date1904 val="0"/>
-  <c:lang val="ru-RU"/>
+  <c:lang val="en-US"/>
   <c:roundedCorners val="0"/>
   <mc:AlternateContent xmlns:mc="http://schemas.openxmlformats.org/markup-compatibility/2006">
     <mc:Choice xmlns:c14="http://schemas.microsoft.com/office/drawing/2007/8/2/chart" Requires="c14">
@@ -198,7 +198,6 @@
   </mc:AlternateContent>
   <c:chart>
     <c:title>
-      <c:layout/>
       <c:overlay val="0"/>
     </c:title>
     <c:autoTitleDeleted val="0"/>
@@ -311,11 +310,11 @@
           <c:showBubbleSize val="0"/>
         </c:dLbls>
         <c:gapWidth val="150"/>
-        <c:axId val="55768960"/>
-        <c:axId val="55770496"/>
+        <c:axId val="162522184"/>
+        <c:axId val="162522968"/>
       </c:barChart>
       <c:catAx>
-        <c:axId val="55768960"/>
+        <c:axId val="162522184"/>
         <c:scaling>
           <c:orientation val="minMax"/>
         </c:scaling>
@@ -325,7 +324,7 @@
         <c:majorTickMark val="out"/>
         <c:minorTickMark val="none"/>
         <c:tickLblPos val="nextTo"/>
-        <c:crossAx val="55770496"/>
+        <c:crossAx val="162522968"/>
         <c:crosses val="autoZero"/>
         <c:auto val="1"/>
         <c:lblAlgn val="ctr"/>
@@ -333,7 +332,7 @@
         <c:noMultiLvlLbl val="0"/>
       </c:catAx>
       <c:valAx>
-        <c:axId val="55770496"/>
+        <c:axId val="162522968"/>
         <c:scaling>
           <c:orientation val="minMax"/>
         </c:scaling>
@@ -344,14 +343,13 @@
         <c:majorTickMark val="out"/>
         <c:minorTickMark val="none"/>
         <c:tickLblPos val="nextTo"/>
-        <c:crossAx val="55768960"/>
+        <c:crossAx val="162522184"/>
         <c:crosses val="autoZero"/>
         <c:crossBetween val="between"/>
       </c:valAx>
     </c:plotArea>
     <c:legend>
       <c:legendPos val="r"/>
-      <c:layout/>
       <c:overlay val="0"/>
     </c:legend>
     <c:plotVisOnly val="1"/>
@@ -367,7 +365,7 @@
 <file path=ppt/charts/chart2.xml><?xml version="1.0" encoding="utf-8"?>
 <c:chartSpace xmlns:c="http://schemas.openxmlformats.org/drawingml/2006/chart" xmlns:a="http://schemas.openxmlformats.org/drawingml/2006/main" xmlns:r="http://schemas.openxmlformats.org/officeDocument/2006/relationships">
   <c:date1904 val="0"/>
-  <c:lang val="ru-RU"/>
+  <c:lang val="en-US"/>
   <c:roundedCorners val="0"/>
   <mc:AlternateContent xmlns:mc="http://schemas.openxmlformats.org/markup-compatibility/2006">
     <mc:Choice xmlns:c14="http://schemas.microsoft.com/office/drawing/2007/8/2/chart" Requires="c14">
@@ -379,7 +377,6 @@
   </mc:AlternateContent>
   <c:chart>
     <c:title>
-      <c:layout/>
       <c:overlay val="0"/>
     </c:title>
     <c:autoTitleDeleted val="0"/>
@@ -492,11 +489,11 @@
           <c:showBubbleSize val="0"/>
         </c:dLbls>
         <c:gapWidth val="150"/>
-        <c:axId val="133118976"/>
-        <c:axId val="133120768"/>
+        <c:axId val="246408976"/>
+        <c:axId val="246409368"/>
       </c:barChart>
       <c:catAx>
-        <c:axId val="133118976"/>
+        <c:axId val="246408976"/>
         <c:scaling>
           <c:orientation val="minMax"/>
         </c:scaling>
@@ -506,7 +503,7 @@
         <c:majorTickMark val="out"/>
         <c:minorTickMark val="none"/>
         <c:tickLblPos val="nextTo"/>
-        <c:crossAx val="133120768"/>
+        <c:crossAx val="246409368"/>
         <c:crosses val="autoZero"/>
         <c:auto val="1"/>
         <c:lblAlgn val="ctr"/>
@@ -514,7 +511,7 @@
         <c:noMultiLvlLbl val="0"/>
       </c:catAx>
       <c:valAx>
-        <c:axId val="133120768"/>
+        <c:axId val="246409368"/>
         <c:scaling>
           <c:orientation val="minMax"/>
         </c:scaling>
@@ -525,14 +522,13 @@
         <c:majorTickMark val="out"/>
         <c:minorTickMark val="none"/>
         <c:tickLblPos val="nextTo"/>
-        <c:crossAx val="133118976"/>
+        <c:crossAx val="246408976"/>
         <c:crosses val="autoZero"/>
         <c:crossBetween val="between"/>
       </c:valAx>
     </c:plotArea>
     <c:legend>
       <c:legendPos val="r"/>
-      <c:layout/>
       <c:overlay val="0"/>
     </c:legend>
     <c:plotVisOnly val="1"/>
@@ -548,7 +544,7 @@
 <file path=ppt/charts/chart3.xml><?xml version="1.0" encoding="utf-8"?>
 <c:chartSpace xmlns:c="http://schemas.openxmlformats.org/drawingml/2006/chart" xmlns:a="http://schemas.openxmlformats.org/drawingml/2006/main" xmlns:r="http://schemas.openxmlformats.org/officeDocument/2006/relationships">
   <c:date1904 val="0"/>
-  <c:lang val="ru-RU"/>
+  <c:lang val="en-US"/>
   <c:roundedCorners val="0"/>
   <mc:AlternateContent xmlns:mc="http://schemas.openxmlformats.org/markup-compatibility/2006">
     <mc:Choice xmlns:c14="http://schemas.microsoft.com/office/drawing/2007/8/2/chart" Requires="c14">
@@ -560,7 +556,6 @@
   </mc:AlternateContent>
   <c:chart>
     <c:title>
-      <c:layout/>
       <c:overlay val="0"/>
     </c:title>
     <c:autoTitleDeleted val="0"/>
@@ -673,11 +668,11 @@
           <c:showBubbleSize val="0"/>
         </c:dLbls>
         <c:gapWidth val="150"/>
-        <c:axId val="133154688"/>
-        <c:axId val="133156224"/>
+        <c:axId val="246410152"/>
+        <c:axId val="246410544"/>
       </c:barChart>
       <c:catAx>
-        <c:axId val="133154688"/>
+        <c:axId val="246410152"/>
         <c:scaling>
           <c:orientation val="minMax"/>
         </c:scaling>
@@ -687,7 +682,7 @@
         <c:majorTickMark val="out"/>
         <c:minorTickMark val="none"/>
         <c:tickLblPos val="nextTo"/>
-        <c:crossAx val="133156224"/>
+        <c:crossAx val="246410544"/>
         <c:crosses val="autoZero"/>
         <c:auto val="1"/>
         <c:lblAlgn val="ctr"/>
@@ -695,7 +690,7 @@
         <c:noMultiLvlLbl val="0"/>
       </c:catAx>
       <c:valAx>
-        <c:axId val="133156224"/>
+        <c:axId val="246410544"/>
         <c:scaling>
           <c:orientation val="minMax"/>
         </c:scaling>
@@ -706,14 +701,13 @@
         <c:majorTickMark val="out"/>
         <c:minorTickMark val="none"/>
         <c:tickLblPos val="nextTo"/>
-        <c:crossAx val="133154688"/>
+        <c:crossAx val="246410152"/>
         <c:crosses val="autoZero"/>
         <c:crossBetween val="between"/>
       </c:valAx>
     </c:plotArea>
     <c:legend>
       <c:legendPos val="r"/>
-      <c:layout/>
       <c:overlay val="0"/>
     </c:legend>
     <c:plotVisOnly val="1"/>
@@ -729,7 +723,7 @@
 <file path=ppt/charts/chart4.xml><?xml version="1.0" encoding="utf-8"?>
 <c:chartSpace xmlns:c="http://schemas.openxmlformats.org/drawingml/2006/chart" xmlns:a="http://schemas.openxmlformats.org/drawingml/2006/main" xmlns:r="http://schemas.openxmlformats.org/officeDocument/2006/relationships">
   <c:date1904 val="0"/>
-  <c:lang val="ru-RU"/>
+  <c:lang val="en-US"/>
   <c:roundedCorners val="0"/>
   <mc:AlternateContent xmlns:mc="http://schemas.openxmlformats.org/markup-compatibility/2006">
     <mc:Choice xmlns:c14="http://schemas.microsoft.com/office/drawing/2007/8/2/chart" Requires="c14">
@@ -741,7 +735,6 @@
   </mc:AlternateContent>
   <c:chart>
     <c:title>
-      <c:layout/>
       <c:overlay val="0"/>
     </c:title>
     <c:autoTitleDeleted val="0"/>
@@ -854,11 +847,11 @@
           <c:showBubbleSize val="0"/>
         </c:dLbls>
         <c:gapWidth val="150"/>
-        <c:axId val="132983808"/>
-        <c:axId val="136119040"/>
+        <c:axId val="246411328"/>
+        <c:axId val="246411720"/>
       </c:barChart>
       <c:catAx>
-        <c:axId val="132983808"/>
+        <c:axId val="246411328"/>
         <c:scaling>
           <c:orientation val="minMax"/>
         </c:scaling>
@@ -868,7 +861,7 @@
         <c:majorTickMark val="out"/>
         <c:minorTickMark val="none"/>
         <c:tickLblPos val="nextTo"/>
-        <c:crossAx val="136119040"/>
+        <c:crossAx val="246411720"/>
         <c:crosses val="autoZero"/>
         <c:auto val="1"/>
         <c:lblAlgn val="ctr"/>
@@ -876,7 +869,7 @@
         <c:noMultiLvlLbl val="0"/>
       </c:catAx>
       <c:valAx>
-        <c:axId val="136119040"/>
+        <c:axId val="246411720"/>
         <c:scaling>
           <c:orientation val="minMax"/>
         </c:scaling>
@@ -887,14 +880,13 @@
         <c:majorTickMark val="out"/>
         <c:minorTickMark val="none"/>
         <c:tickLblPos val="nextTo"/>
-        <c:crossAx val="132983808"/>
+        <c:crossAx val="246411328"/>
         <c:crosses val="autoZero"/>
         <c:crossBetween val="between"/>
       </c:valAx>
     </c:plotArea>
     <c:legend>
       <c:legendPos val="r"/>
-      <c:layout/>
       <c:overlay val="0"/>
     </c:legend>
     <c:plotVisOnly val="1"/>
@@ -990,7 +982,7 @@
             <a:fld id="{0A9696F3-3FDC-4E21-AC97-6E868E0BC607}" type="datetimeFigureOut">
               <a:rPr lang="ru-RU" smtClean="0"/>
               <a:pPr/>
-              <a:t>22.06.2016</a:t>
+              <a:t>23.06.2016</a:t>
             </a:fld>
             <a:endParaRPr lang="ru-RU"/>
           </a:p>
@@ -1640,7 +1632,7 @@
             <a:fld id="{5408D145-EB70-4616-A719-5C64DDC73D2C}" type="datetime1">
               <a:rPr lang="ru-RU" smtClean="0"/>
               <a:pPr/>
-              <a:t>22.06.2016</a:t>
+              <a:t>23.06.2016</a:t>
             </a:fld>
             <a:endParaRPr lang="ru-RU"/>
           </a:p>
@@ -1833,7 +1825,7 @@
             <a:fld id="{81D39EED-D250-476E-81A7-187CCED6EB9D}" type="datetime1">
               <a:rPr lang="ru-RU" smtClean="0"/>
               <a:pPr/>
-              <a:t>22.06.2016</a:t>
+              <a:t>23.06.2016</a:t>
             </a:fld>
             <a:endParaRPr lang="ru-RU"/>
           </a:p>
@@ -2020,7 +2012,7 @@
             <a:fld id="{8636E155-0824-4619-9AB2-E9ABBA382C04}" type="datetime1">
               <a:rPr lang="ru-RU" smtClean="0"/>
               <a:pPr/>
-              <a:t>22.06.2016</a:t>
+              <a:t>23.06.2016</a:t>
             </a:fld>
             <a:endParaRPr lang="ru-RU"/>
           </a:p>
@@ -2285,7 +2277,7 @@
             <a:fld id="{38B7606D-6FB0-4B4D-BF88-DF9DA97A60A5}" type="datetime1">
               <a:rPr lang="ru-RU" smtClean="0"/>
               <a:pPr/>
-              <a:t>22.06.2016</a:t>
+              <a:t>23.06.2016</a:t>
             </a:fld>
             <a:endParaRPr lang="ru-RU"/>
           </a:p>
@@ -2703,7 +2695,7 @@
             <a:fld id="{F6D1CDBD-7B44-4CD6-8936-775886B9333E}" type="datetime1">
               <a:rPr lang="ru-RU" smtClean="0"/>
               <a:pPr/>
-              <a:t>22.06.2016</a:t>
+              <a:t>23.06.2016</a:t>
             </a:fld>
             <a:endParaRPr lang="ru-RU"/>
           </a:p>
@@ -2947,7 +2939,7 @@
             <a:fld id="{5E9386AA-5667-4EE4-BCC2-4BFAFBFCF067}" type="datetime1">
               <a:rPr lang="ru-RU" smtClean="0"/>
               <a:pPr/>
-              <a:t>22.06.2016</a:t>
+              <a:t>23.06.2016</a:t>
             </a:fld>
             <a:endParaRPr lang="ru-RU"/>
           </a:p>
@@ -3185,7 +3177,7 @@
             <a:fld id="{D42DDB14-86B5-4F5D-9215-ACD89DC86D24}" type="datetime1">
               <a:rPr lang="ru-RU" smtClean="0"/>
               <a:pPr/>
-              <a:t>22.06.2016</a:t>
+              <a:t>23.06.2016</a:t>
             </a:fld>
             <a:endParaRPr lang="ru-RU"/>
           </a:p>
@@ -3382,7 +3374,7 @@
             <a:fld id="{A221C529-56BC-479E-B858-91DF1A701744}" type="datetime1">
               <a:rPr lang="ru-RU" smtClean="0"/>
               <a:pPr/>
-              <a:t>22.06.2016</a:t>
+              <a:t>23.06.2016</a:t>
             </a:fld>
             <a:endParaRPr lang="ru-RU"/>
           </a:p>
@@ -3482,7 +3474,7 @@
             <a:fld id="{F203A11B-45A9-4EC3-B31B-337B15AA5408}" type="datetime1">
               <a:rPr lang="ru-RU" smtClean="0"/>
               <a:pPr/>
-              <a:t>22.06.2016</a:t>
+              <a:t>23.06.2016</a:t>
             </a:fld>
             <a:endParaRPr lang="ru-RU"/>
           </a:p>
@@ -3620,7 +3612,7 @@
             <a:fld id="{FAB65F5F-63B9-49AC-B179-B32EA2388AD3}" type="datetime1">
               <a:rPr lang="ru-RU" smtClean="0"/>
               <a:pPr/>
-              <a:t>22.06.2016</a:t>
+              <a:t>23.06.2016</a:t>
             </a:fld>
             <a:endParaRPr lang="ru-RU"/>
           </a:p>
@@ -4140,7 +4132,7 @@
             <a:fld id="{5E6D66FA-83FE-4566-B8C4-0DE7204E4498}" type="datetime1">
               <a:rPr lang="ru-RU" smtClean="0"/>
               <a:pPr/>
-              <a:t>22.06.2016</a:t>
+              <a:t>23.06.2016</a:t>
             </a:fld>
             <a:endParaRPr lang="ru-RU"/>
           </a:p>
@@ -4403,7 +4395,7 @@
             <a:fld id="{61B9D0DC-D516-49DD-B6C0-5E388AD99406}" type="datetime1">
               <a:rPr lang="ru-RU" smtClean="0"/>
               <a:pPr/>
-              <a:t>22.06.2016</a:t>
+              <a:t>23.06.2016</a:t>
             </a:fld>
             <a:endParaRPr lang="ru-RU"/>
           </a:p>
@@ -6815,51 +6807,15 @@
           <a:p>
             <a:pPr lvl="0"/>
             <a:r>
-              <a:rPr lang="ru-RU" dirty="0" smtClean="0"/>
-              <a:t>Для </a:t>
-            </a:r>
-            <a:r>
               <a:rPr lang="ru-RU" dirty="0"/>
-              <a:t>решения поставленных задач была выбрана технология </a:t>
-            </a:r>
-            <a:r>
-              <a:rPr lang="ru-RU" dirty="0" err="1"/>
-              <a:t>OpenCL</a:t>
-            </a:r>
+              <a:t>Была рассмотрена и изучена технология гетерогенных вычислений OpenCL. Данная технология является кроссплатформенной, а значит не зависит от производителя процессора, который используется для вычислений. Технология достаточно гибкая, и позволяет программисту управлять выполнением ядра на выбранном процессоре.</a:t>
+            </a:r>
+          </a:p>
+          <a:p>
+            <a:pPr lvl="0"/>
             <a:r>
               <a:rPr lang="ru-RU" dirty="0"/>
-              <a:t>. Данная технология является кроссплатформенной, а значит не зависит от производителя процессора, в отличии от </a:t>
-            </a:r>
-            <a:r>
-              <a:rPr lang="ru-RU" dirty="0" err="1"/>
-              <a:t>Nvidia</a:t>
-            </a:r>
-            <a:r>
-              <a:rPr lang="ru-RU" dirty="0"/>
-              <a:t> CUDA или AMD </a:t>
-            </a:r>
-            <a:r>
-              <a:rPr lang="ru-RU" dirty="0" err="1"/>
-              <a:t>Stream</a:t>
-            </a:r>
-            <a:r>
-              <a:rPr lang="ru-RU" dirty="0"/>
-              <a:t>. Технология достаточно гибкая, и позволяет программисту управлять выполнением ядра на выбранном процессоре, в то время как C++ AMP не дает таких возможностей.</a:t>
-            </a:r>
-          </a:p>
-          <a:p>
-            <a:pPr lvl="0"/>
-            <a:r>
-              <a:rPr lang="ru-RU" dirty="0"/>
-              <a:t>В данной работе была написана программа, использующая технологию </a:t>
-            </a:r>
-            <a:r>
-              <a:rPr lang="ru-RU" dirty="0" err="1"/>
-              <a:t>OpenCL</a:t>
-            </a:r>
-            <a:r>
-              <a:rPr lang="ru-RU" dirty="0"/>
-              <a:t> для реализации гетерогенной вычислительной системы CPU+GPU.</a:t>
+              <a:t>Была написана программа, использующая технологию OpenCL для реализации гетерогенной вычислительной системы CPU+GPU.</a:t>
             </a:r>
           </a:p>
           <a:p>
@@ -7424,57 +7380,39 @@
         <p:spPr/>
         <p:txBody>
           <a:bodyPr>
-            <a:normAutofit fontScale="92500"/>
+            <a:normAutofit/>
           </a:bodyPr>
           <a:lstStyle/>
           <a:p>
             <a:endParaRPr lang="ru-RU" sz="2800" dirty="0" smtClean="0"/>
           </a:p>
           <a:p>
+            <a:pPr marL="0" indent="0">
+              <a:buNone/>
+            </a:pPr>
+            <a:r>
+              <a:rPr lang="ru-RU" sz="2400" dirty="0"/>
+              <a:t>Для того, чтобы показать целесообразность использования гетерогенных вычислительных систем, были поставлены следующие задачи:</a:t>
+            </a:r>
+          </a:p>
+          <a:p>
             <a:pPr lvl="0"/>
             <a:r>
-              <a:rPr lang="ru-RU" sz="2800" dirty="0"/>
-              <a:t>Рассмотреть существующие технологии гетерогенных вычислений на персональном компьютере.</a:t>
+              <a:rPr lang="ru-RU" sz="2400" dirty="0"/>
+              <a:t>Рассмотреть и изучить технологию OpenCL.</a:t>
             </a:r>
           </a:p>
           <a:p>
             <a:pPr lvl="0"/>
             <a:r>
-              <a:rPr lang="ru-RU" sz="2800" dirty="0" smtClean="0"/>
-              <a:t>Изучить </a:t>
-            </a:r>
-            <a:r>
-              <a:rPr lang="ru-RU" sz="2800" dirty="0"/>
-              <a:t>возможность применения технологии </a:t>
-            </a:r>
-            <a:r>
-              <a:rPr lang="ru-RU" sz="2800" dirty="0" err="1"/>
-              <a:t>OpenCL</a:t>
-            </a:r>
-            <a:r>
-              <a:rPr lang="ru-RU" sz="2800" dirty="0"/>
-              <a:t> для параллельных вычислений общего назначения.</a:t>
+              <a:rPr lang="ru-RU" sz="2400" dirty="0"/>
+              <a:t>Использовать технологию OpenCL для реализации гетерогенной вычислительной системы CPU+GPU.</a:t>
             </a:r>
           </a:p>
           <a:p>
             <a:pPr lvl="0"/>
             <a:r>
-              <a:rPr lang="ru-RU" sz="2800" dirty="0"/>
-              <a:t>Использовать технологию </a:t>
-            </a:r>
-            <a:r>
-              <a:rPr lang="ru-RU" sz="2800" dirty="0" err="1"/>
-              <a:t>OpenCL</a:t>
-            </a:r>
-            <a:r>
-              <a:rPr lang="ru-RU" sz="2800" dirty="0"/>
-              <a:t> для реализации гетерогенной вычислительной системы CPU+GPU.</a:t>
-            </a:r>
-          </a:p>
-          <a:p>
-            <a:pPr lvl="0"/>
-            <a:r>
-              <a:rPr lang="ru-RU" sz="2800" dirty="0"/>
+              <a:rPr lang="ru-RU" sz="2400" dirty="0"/>
               <a:t>Применить построенную ГВС в алгоритме фильтрации изображений.</a:t>
             </a:r>
           </a:p>

--- a/Diplom/Презентация.pptx
+++ b/Diplom/Презентация.pptx
@@ -5,7 +5,7 @@
     <p:sldMasterId id="2147483912" r:id="rId1"/>
   </p:sldMasterIdLst>
   <p:notesMasterIdLst>
-    <p:notesMasterId r:id="rId20"/>
+    <p:notesMasterId r:id="rId17"/>
   </p:notesMasterIdLst>
   <p:sldIdLst>
     <p:sldId id="256" r:id="rId2"/>
@@ -20,12 +20,9 @@
     <p:sldId id="278" r:id="rId11"/>
     <p:sldId id="279" r:id="rId12"/>
     <p:sldId id="280" r:id="rId13"/>
-    <p:sldId id="281" r:id="rId14"/>
-    <p:sldId id="282" r:id="rId15"/>
-    <p:sldId id="283" r:id="rId16"/>
-    <p:sldId id="284" r:id="rId17"/>
-    <p:sldId id="267" r:id="rId18"/>
-    <p:sldId id="268" r:id="rId19"/>
+    <p:sldId id="283" r:id="rId14"/>
+    <p:sldId id="267" r:id="rId15"/>
+    <p:sldId id="268" r:id="rId16"/>
   </p:sldIdLst>
   <p:sldSz cx="9144000" cy="6858000" type="screen4x3"/>
   <p:notesSz cx="6858000" cy="9144000"/>
@@ -141,10 +138,7 @@
             <p14:sldId id="278"/>
             <p14:sldId id="279"/>
             <p14:sldId id="280"/>
-            <p14:sldId id="281"/>
-            <p14:sldId id="282"/>
             <p14:sldId id="283"/>
-            <p14:sldId id="284"/>
             <p14:sldId id="267"/>
             <p14:sldId id="268"/>
           </p14:sldIdLst>
@@ -152,7 +146,7 @@
       </p14:sectionLst>
     </p:ext>
     <p:ext uri="{EFAFB233-063F-42B5-8137-9DF3F51BA10A}">
-      <p15:sldGuideLst xmlns:p15="http://schemas.microsoft.com/office/powerpoint/2012/main">
+      <p15:sldGuideLst xmlns:p15="http://schemas.microsoft.com/office/powerpoint/2012/main" xmlns="">
         <p15:guide id="1" orient="horz" pos="2160">
           <p15:clr>
             <a:srgbClr val="A4A3A4"/>
@@ -166,7 +160,7 @@
       </p15:sldGuideLst>
     </p:ext>
     <p:ext uri="{2D200454-40CA-4A62-9FC3-DE9A4176ACB9}">
-      <p15:notesGuideLst xmlns:p15="http://schemas.microsoft.com/office/powerpoint/2012/main">
+      <p15:notesGuideLst xmlns:p15="http://schemas.microsoft.com/office/powerpoint/2012/main" xmlns="">
         <p15:guide id="1" orient="horz" pos="2880">
           <p15:clr>
             <a:srgbClr val="A4A3A4"/>
@@ -186,7 +180,7 @@
 <file path=ppt/charts/chart1.xml><?xml version="1.0" encoding="utf-8"?>
 <c:chartSpace xmlns:c="http://schemas.openxmlformats.org/drawingml/2006/chart" xmlns:a="http://schemas.openxmlformats.org/drawingml/2006/main" xmlns:r="http://schemas.openxmlformats.org/officeDocument/2006/relationships">
   <c:date1904 val="0"/>
-  <c:lang val="en-US"/>
+  <c:lang val="ru-RU"/>
   <c:roundedCorners val="0"/>
   <mc:AlternateContent xmlns:mc="http://schemas.openxmlformats.org/markup-compatibility/2006">
     <mc:Choice xmlns:c14="http://schemas.microsoft.com/office/drawing/2007/8/2/chart" Requires="c14">
@@ -198,6 +192,7 @@
   </mc:AlternateContent>
   <c:chart>
     <c:title>
+      <c:layout/>
       <c:overlay val="0"/>
     </c:title>
     <c:autoTitleDeleted val="0"/>
@@ -310,11 +305,11 @@
           <c:showBubbleSize val="0"/>
         </c:dLbls>
         <c:gapWidth val="150"/>
-        <c:axId val="162522184"/>
-        <c:axId val="162522968"/>
+        <c:axId val="130933888"/>
+        <c:axId val="130935424"/>
       </c:barChart>
       <c:catAx>
-        <c:axId val="162522184"/>
+        <c:axId val="130933888"/>
         <c:scaling>
           <c:orientation val="minMax"/>
         </c:scaling>
@@ -324,7 +319,7 @@
         <c:majorTickMark val="out"/>
         <c:minorTickMark val="none"/>
         <c:tickLblPos val="nextTo"/>
-        <c:crossAx val="162522968"/>
+        <c:crossAx val="130935424"/>
         <c:crosses val="autoZero"/>
         <c:auto val="1"/>
         <c:lblAlgn val="ctr"/>
@@ -332,7 +327,7 @@
         <c:noMultiLvlLbl val="0"/>
       </c:catAx>
       <c:valAx>
-        <c:axId val="162522968"/>
+        <c:axId val="130935424"/>
         <c:scaling>
           <c:orientation val="minMax"/>
         </c:scaling>
@@ -343,13 +338,14 @@
         <c:majorTickMark val="out"/>
         <c:minorTickMark val="none"/>
         <c:tickLblPos val="nextTo"/>
-        <c:crossAx val="162522184"/>
+        <c:crossAx val="130933888"/>
         <c:crosses val="autoZero"/>
         <c:crossBetween val="between"/>
       </c:valAx>
     </c:plotArea>
     <c:legend>
       <c:legendPos val="r"/>
+      <c:layout/>
       <c:overlay val="0"/>
     </c:legend>
     <c:plotVisOnly val="1"/>
@@ -365,7 +361,7 @@
 <file path=ppt/charts/chart2.xml><?xml version="1.0" encoding="utf-8"?>
 <c:chartSpace xmlns:c="http://schemas.openxmlformats.org/drawingml/2006/chart" xmlns:a="http://schemas.openxmlformats.org/drawingml/2006/main" xmlns:r="http://schemas.openxmlformats.org/officeDocument/2006/relationships">
   <c:date1904 val="0"/>
-  <c:lang val="en-US"/>
+  <c:lang val="ru-RU"/>
   <c:roundedCorners val="0"/>
   <mc:AlternateContent xmlns:mc="http://schemas.openxmlformats.org/markup-compatibility/2006">
     <mc:Choice xmlns:c14="http://schemas.microsoft.com/office/drawing/2007/8/2/chart" Requires="c14">
@@ -377,6 +373,7 @@
   </mc:AlternateContent>
   <c:chart>
     <c:title>
+      <c:layout/>
       <c:overlay val="0"/>
     </c:title>
     <c:autoTitleDeleted val="0"/>
@@ -489,11 +486,11 @@
           <c:showBubbleSize val="0"/>
         </c:dLbls>
         <c:gapWidth val="150"/>
-        <c:axId val="246408976"/>
-        <c:axId val="246409368"/>
+        <c:axId val="18049280"/>
+        <c:axId val="18059264"/>
       </c:barChart>
       <c:catAx>
-        <c:axId val="246408976"/>
+        <c:axId val="18049280"/>
         <c:scaling>
           <c:orientation val="minMax"/>
         </c:scaling>
@@ -503,7 +500,7 @@
         <c:majorTickMark val="out"/>
         <c:minorTickMark val="none"/>
         <c:tickLblPos val="nextTo"/>
-        <c:crossAx val="246409368"/>
+        <c:crossAx val="18059264"/>
         <c:crosses val="autoZero"/>
         <c:auto val="1"/>
         <c:lblAlgn val="ctr"/>
@@ -511,7 +508,7 @@
         <c:noMultiLvlLbl val="0"/>
       </c:catAx>
       <c:valAx>
-        <c:axId val="246409368"/>
+        <c:axId val="18059264"/>
         <c:scaling>
           <c:orientation val="minMax"/>
         </c:scaling>
@@ -522,13 +519,14 @@
         <c:majorTickMark val="out"/>
         <c:minorTickMark val="none"/>
         <c:tickLblPos val="nextTo"/>
-        <c:crossAx val="246408976"/>
+        <c:crossAx val="18049280"/>
         <c:crosses val="autoZero"/>
         <c:crossBetween val="between"/>
       </c:valAx>
     </c:plotArea>
     <c:legend>
       <c:legendPos val="r"/>
+      <c:layout/>
       <c:overlay val="0"/>
     </c:legend>
     <c:plotVisOnly val="1"/>
@@ -544,7 +542,7 @@
 <file path=ppt/charts/chart3.xml><?xml version="1.0" encoding="utf-8"?>
 <c:chartSpace xmlns:c="http://schemas.openxmlformats.org/drawingml/2006/chart" xmlns:a="http://schemas.openxmlformats.org/drawingml/2006/main" xmlns:r="http://schemas.openxmlformats.org/officeDocument/2006/relationships">
   <c:date1904 val="0"/>
-  <c:lang val="en-US"/>
+  <c:lang val="ru-RU"/>
   <c:roundedCorners val="0"/>
   <mc:AlternateContent xmlns:mc="http://schemas.openxmlformats.org/markup-compatibility/2006">
     <mc:Choice xmlns:c14="http://schemas.microsoft.com/office/drawing/2007/8/2/chart" Requires="c14">
@@ -556,6 +554,7 @@
   </mc:AlternateContent>
   <c:chart>
     <c:title>
+      <c:layout/>
       <c:overlay val="0"/>
     </c:title>
     <c:autoTitleDeleted val="0"/>
@@ -668,11 +667,11 @@
           <c:showBubbleSize val="0"/>
         </c:dLbls>
         <c:gapWidth val="150"/>
-        <c:axId val="246410152"/>
-        <c:axId val="246410544"/>
+        <c:axId val="130753280"/>
+        <c:axId val="130754816"/>
       </c:barChart>
       <c:catAx>
-        <c:axId val="246410152"/>
+        <c:axId val="130753280"/>
         <c:scaling>
           <c:orientation val="minMax"/>
         </c:scaling>
@@ -682,7 +681,7 @@
         <c:majorTickMark val="out"/>
         <c:minorTickMark val="none"/>
         <c:tickLblPos val="nextTo"/>
-        <c:crossAx val="246410544"/>
+        <c:crossAx val="130754816"/>
         <c:crosses val="autoZero"/>
         <c:auto val="1"/>
         <c:lblAlgn val="ctr"/>
@@ -690,7 +689,7 @@
         <c:noMultiLvlLbl val="0"/>
       </c:catAx>
       <c:valAx>
-        <c:axId val="246410544"/>
+        <c:axId val="130754816"/>
         <c:scaling>
           <c:orientation val="minMax"/>
         </c:scaling>
@@ -701,13 +700,14 @@
         <c:majorTickMark val="out"/>
         <c:minorTickMark val="none"/>
         <c:tickLblPos val="nextTo"/>
-        <c:crossAx val="246410152"/>
+        <c:crossAx val="130753280"/>
         <c:crosses val="autoZero"/>
         <c:crossBetween val="between"/>
       </c:valAx>
     </c:plotArea>
     <c:legend>
       <c:legendPos val="r"/>
+      <c:layout/>
       <c:overlay val="0"/>
     </c:legend>
     <c:plotVisOnly val="1"/>
@@ -723,7 +723,7 @@
 <file path=ppt/charts/chart4.xml><?xml version="1.0" encoding="utf-8"?>
 <c:chartSpace xmlns:c="http://schemas.openxmlformats.org/drawingml/2006/chart" xmlns:a="http://schemas.openxmlformats.org/drawingml/2006/main" xmlns:r="http://schemas.openxmlformats.org/officeDocument/2006/relationships">
   <c:date1904 val="0"/>
-  <c:lang val="en-US"/>
+  <c:lang val="ru-RU"/>
   <c:roundedCorners val="0"/>
   <mc:AlternateContent xmlns:mc="http://schemas.openxmlformats.org/markup-compatibility/2006">
     <mc:Choice xmlns:c14="http://schemas.microsoft.com/office/drawing/2007/8/2/chart" Requires="c14">
@@ -735,6 +735,7 @@
   </mc:AlternateContent>
   <c:chart>
     <c:title>
+      <c:layout/>
       <c:overlay val="0"/>
     </c:title>
     <c:autoTitleDeleted val="0"/>
@@ -847,11 +848,11 @@
           <c:showBubbleSize val="0"/>
         </c:dLbls>
         <c:gapWidth val="150"/>
-        <c:axId val="246411328"/>
-        <c:axId val="246411720"/>
+        <c:axId val="46147840"/>
+        <c:axId val="128661376"/>
       </c:barChart>
       <c:catAx>
-        <c:axId val="246411328"/>
+        <c:axId val="46147840"/>
         <c:scaling>
           <c:orientation val="minMax"/>
         </c:scaling>
@@ -861,7 +862,7 @@
         <c:majorTickMark val="out"/>
         <c:minorTickMark val="none"/>
         <c:tickLblPos val="nextTo"/>
-        <c:crossAx val="246411720"/>
+        <c:crossAx val="128661376"/>
         <c:crosses val="autoZero"/>
         <c:auto val="1"/>
         <c:lblAlgn val="ctr"/>
@@ -869,7 +870,7 @@
         <c:noMultiLvlLbl val="0"/>
       </c:catAx>
       <c:valAx>
-        <c:axId val="246411720"/>
+        <c:axId val="128661376"/>
         <c:scaling>
           <c:orientation val="minMax"/>
         </c:scaling>
@@ -880,13 +881,14 @@
         <c:majorTickMark val="out"/>
         <c:minorTickMark val="none"/>
         <c:tickLblPos val="nextTo"/>
-        <c:crossAx val="246411328"/>
+        <c:crossAx val="46147840"/>
         <c:crosses val="autoZero"/>
         <c:crossBetween val="between"/>
       </c:valAx>
     </c:plotArea>
     <c:legend>
       <c:legendPos val="r"/>
+      <c:layout/>
       <c:overlay val="0"/>
     </c:legend>
     <c:plotVisOnly val="1"/>
@@ -5556,7 +5558,7 @@
         </p:spPr>
         <p:txBody>
           <a:bodyPr>
-            <a:normAutofit fontScale="85000" lnSpcReduction="10000"/>
+            <a:normAutofit/>
           </a:bodyPr>
           <a:lstStyle/>
           <a:p>
@@ -5621,47 +5623,6 @@
               <a:buNone/>
             </a:pPr>
             <a:endParaRPr lang="en-US" dirty="0"/>
-          </a:p>
-          <a:p>
-            <a:pPr marL="0" indent="0">
-              <a:buNone/>
-            </a:pPr>
-            <a:r>
-              <a:rPr lang="ru-RU" dirty="0" smtClean="0"/>
-              <a:t>Результаты </a:t>
-            </a:r>
-            <a:r>
-              <a:rPr lang="ru-RU" dirty="0"/>
-              <a:t>фильтрации изображения размером 584</a:t>
-            </a:r>
-            <a:r>
-              <a:rPr lang="en-US" dirty="0"/>
-              <a:t>x</a:t>
-            </a:r>
-            <a:r>
-              <a:rPr lang="ru-RU" dirty="0"/>
-              <a:t>329 </a:t>
-            </a:r>
-            <a:r>
-              <a:rPr lang="en-US" dirty="0" err="1"/>
-              <a:t>px</a:t>
-            </a:r>
-            <a:r>
-              <a:rPr lang="en-US" dirty="0"/>
-              <a:t> </a:t>
-            </a:r>
-            <a:r>
-              <a:rPr lang="ru-RU" dirty="0"/>
-              <a:t>с разным уровнем зашумленности представлены в </a:t>
-            </a:r>
-            <a:r>
-              <a:rPr lang="ru-RU" dirty="0" smtClean="0"/>
-              <a:t>диаграммах </a:t>
-            </a:r>
-            <a:r>
-              <a:rPr lang="ru-RU" dirty="0"/>
-              <a:t>1,2.</a:t>
-            </a:r>
           </a:p>
           <a:p>
             <a:pPr marL="0" indent="0">
@@ -5820,14 +5781,14 @@
           <p:nvPr>
             <p:extLst>
               <p:ext uri="{D42A27DB-BD31-4B8C-83A1-F6EECF244321}">
-                <p14:modId xmlns:p14="http://schemas.microsoft.com/office/powerpoint/2010/main" val="907260354"/>
+                <p14:modId xmlns:p14="http://schemas.microsoft.com/office/powerpoint/2010/main" val="3311921180"/>
               </p:ext>
             </p:extLst>
           </p:nvPr>
         </p:nvGraphicFramePr>
         <p:xfrm>
           <a:off x="467544" y="1556791"/>
-          <a:ext cx="8208912" cy="4080509"/>
+          <a:ext cx="3816424" cy="4080509"/>
         </p:xfrm>
         <a:graphic>
           <a:graphicData uri="http://schemas.openxmlformats.org/drawingml/2006/chart">
@@ -5843,8 +5804,8 @@
         </p:nvSpPr>
         <p:spPr>
           <a:xfrm>
-            <a:off x="611560" y="5637301"/>
-            <a:ext cx="8136904" cy="646331"/>
+            <a:off x="323528" y="5926861"/>
+            <a:ext cx="3960440" cy="923330"/>
           </a:xfrm>
           <a:prstGeom prst="rect">
             <a:avLst/>
@@ -5857,8 +5818,12 @@
           <a:lstStyle/>
           <a:p>
             <a:r>
+              <a:rPr lang="ru-RU" dirty="0" smtClean="0"/>
+              <a:t>Результаты </a:t>
+            </a:r>
+            <a:r>
               <a:rPr lang="ru-RU" dirty="0"/>
-              <a:t>Диаграмма 1. Результаты фильтрации изображения размером 584</a:t>
+              <a:t>фильтрации изображения размером 584</a:t>
             </a:r>
             <a:r>
               <a:rPr lang="en-US" dirty="0"/>
@@ -5879,6 +5844,76 @@
           </a:p>
         </p:txBody>
       </p:sp>
+      <p:sp>
+        <p:nvSpPr>
+          <p:cNvPr id="7" name="Прямоугольник 6"/>
+          <p:cNvSpPr/>
+          <p:nvPr/>
+        </p:nvSpPr>
+        <p:spPr>
+          <a:xfrm>
+            <a:off x="4499992" y="5926861"/>
+            <a:ext cx="4536504" cy="923330"/>
+          </a:xfrm>
+          <a:prstGeom prst="rect">
+            <a:avLst/>
+          </a:prstGeom>
+        </p:spPr>
+        <p:txBody>
+          <a:bodyPr wrap="square">
+            <a:spAutoFit/>
+          </a:bodyPr>
+          <a:lstStyle/>
+          <a:p>
+            <a:r>
+              <a:rPr lang="ru-RU" dirty="0" smtClean="0"/>
+              <a:t>Результаты </a:t>
+            </a:r>
+            <a:r>
+              <a:rPr lang="ru-RU" dirty="0"/>
+              <a:t>фильтрации изображения размером 584</a:t>
+            </a:r>
+            <a:r>
+              <a:rPr lang="en-US" dirty="0"/>
+              <a:t>x</a:t>
+            </a:r>
+            <a:r>
+              <a:rPr lang="ru-RU" dirty="0"/>
+              <a:t>329 </a:t>
+            </a:r>
+            <a:r>
+              <a:rPr lang="en-US" dirty="0" err="1"/>
+              <a:t>px</a:t>
+            </a:r>
+            <a:r>
+              <a:rPr lang="ru-RU" dirty="0"/>
+              <a:t> при зашумленности 50%</a:t>
+            </a:r>
+          </a:p>
+        </p:txBody>
+      </p:sp>
+      <p:graphicFrame>
+        <p:nvGraphicFramePr>
+          <p:cNvPr id="8" name="Диаграмма 7"/>
+          <p:cNvGraphicFramePr/>
+          <p:nvPr>
+            <p:extLst>
+              <p:ext uri="{D42A27DB-BD31-4B8C-83A1-F6EECF244321}">
+                <p14:modId xmlns:p14="http://schemas.microsoft.com/office/powerpoint/2010/main" val="2998813940"/>
+              </p:ext>
+            </p:extLst>
+          </p:nvPr>
+        </p:nvGraphicFramePr>
+        <p:xfrm>
+          <a:off x="4680012" y="1556793"/>
+          <a:ext cx="3816424" cy="4080508"/>
+        </p:xfrm>
+        <a:graphic>
+          <a:graphicData uri="http://schemas.openxmlformats.org/drawingml/2006/chart">
+            <c:chart xmlns:c="http://schemas.openxmlformats.org/drawingml/2006/chart" xmlns:r="http://schemas.openxmlformats.org/officeDocument/2006/relationships" r:id="rId3"/>
+          </a:graphicData>
+        </a:graphic>
+      </p:graphicFrame>
     </p:spTree>
     <p:extLst>
       <p:ext uri="{BB962C8B-B14F-4D97-AF65-F5344CB8AC3E}">
@@ -6029,8 +6064,8 @@
         </p:nvSpPr>
         <p:spPr>
           <a:xfrm>
-            <a:off x="467544" y="5936238"/>
-            <a:ext cx="8208912" cy="646331"/>
+            <a:off x="395536" y="5805264"/>
+            <a:ext cx="3960440" cy="923330"/>
           </a:xfrm>
           <a:prstGeom prst="rect">
             <a:avLst/>
@@ -6043,8 +6078,12 @@
           <a:lstStyle/>
           <a:p>
             <a:r>
+              <a:rPr lang="ru-RU" dirty="0" smtClean="0"/>
+              <a:t>Результаты </a:t>
+            </a:r>
+            <a:r>
               <a:rPr lang="ru-RU" dirty="0"/>
-              <a:t>Диаграмма 2. Результаты фильтрации изображения размером 584</a:t>
+              <a:t>фильтрации изображения размером 1280</a:t>
             </a:r>
             <a:r>
               <a:rPr lang="en-US" dirty="0"/>
@@ -6052,7 +6091,7 @@
             </a:r>
             <a:r>
               <a:rPr lang="ru-RU" dirty="0"/>
-              <a:t>329 </a:t>
+              <a:t>697 </a:t>
             </a:r>
             <a:r>
               <a:rPr lang="en-US" dirty="0" err="1"/>
@@ -6060,7 +6099,7 @@
             </a:r>
             <a:r>
               <a:rPr lang="ru-RU" dirty="0"/>
-              <a:t> при зашумленности 50%</a:t>
+              <a:t> при зашумленности 15%</a:t>
             </a:r>
           </a:p>
         </p:txBody>
@@ -6072,14 +6111,14 @@
           <p:nvPr>
             <p:extLst>
               <p:ext uri="{D42A27DB-BD31-4B8C-83A1-F6EECF244321}">
-                <p14:modId xmlns:p14="http://schemas.microsoft.com/office/powerpoint/2010/main" val="3952460011"/>
+                <p14:modId xmlns:p14="http://schemas.microsoft.com/office/powerpoint/2010/main" val="656616477"/>
               </p:ext>
             </p:extLst>
           </p:nvPr>
         </p:nvGraphicFramePr>
         <p:xfrm>
           <a:off x="467544" y="1556792"/>
-          <a:ext cx="8208912" cy="4379446"/>
+          <a:ext cx="4032448" cy="4248472"/>
         </p:xfrm>
         <a:graphic>
           <a:graphicData uri="http://schemas.openxmlformats.org/drawingml/2006/chart">
@@ -6087,10 +6126,80 @@
           </a:graphicData>
         </a:graphic>
       </p:graphicFrame>
+      <p:sp>
+        <p:nvSpPr>
+          <p:cNvPr id="8" name="Прямоугольник 7"/>
+          <p:cNvSpPr/>
+          <p:nvPr/>
+        </p:nvSpPr>
+        <p:spPr>
+          <a:xfrm>
+            <a:off x="4644324" y="5805264"/>
+            <a:ext cx="4104140" cy="923330"/>
+          </a:xfrm>
+          <a:prstGeom prst="rect">
+            <a:avLst/>
+          </a:prstGeom>
+        </p:spPr>
+        <p:txBody>
+          <a:bodyPr wrap="square">
+            <a:spAutoFit/>
+          </a:bodyPr>
+          <a:lstStyle/>
+          <a:p>
+            <a:r>
+              <a:rPr lang="ru-RU" dirty="0" smtClean="0"/>
+              <a:t>Результаты </a:t>
+            </a:r>
+            <a:r>
+              <a:rPr lang="ru-RU" dirty="0"/>
+              <a:t>фильтрации изображения размером 1280</a:t>
+            </a:r>
+            <a:r>
+              <a:rPr lang="en-US" dirty="0"/>
+              <a:t>x</a:t>
+            </a:r>
+            <a:r>
+              <a:rPr lang="ru-RU" dirty="0"/>
+              <a:t>697 </a:t>
+            </a:r>
+            <a:r>
+              <a:rPr lang="en-US" dirty="0" err="1"/>
+              <a:t>px</a:t>
+            </a:r>
+            <a:r>
+              <a:rPr lang="ru-RU" dirty="0"/>
+              <a:t> при зашумленности 50%</a:t>
+            </a:r>
+          </a:p>
+        </p:txBody>
+      </p:sp>
+      <p:graphicFrame>
+        <p:nvGraphicFramePr>
+          <p:cNvPr id="9" name="Диаграмма 8"/>
+          <p:cNvGraphicFramePr/>
+          <p:nvPr>
+            <p:extLst>
+              <p:ext uri="{D42A27DB-BD31-4B8C-83A1-F6EECF244321}">
+                <p14:modId xmlns:p14="http://schemas.microsoft.com/office/powerpoint/2010/main" val="1020592123"/>
+              </p:ext>
+            </p:extLst>
+          </p:nvPr>
+        </p:nvGraphicFramePr>
+        <p:xfrm>
+          <a:off x="4608004" y="1556792"/>
+          <a:ext cx="4068452" cy="4248472"/>
+        </p:xfrm>
+        <a:graphic>
+          <a:graphicData uri="http://schemas.openxmlformats.org/drawingml/2006/chart">
+            <c:chart xmlns:c="http://schemas.openxmlformats.org/drawingml/2006/chart" xmlns:r="http://schemas.openxmlformats.org/officeDocument/2006/relationships" r:id="rId3"/>
+          </a:graphicData>
+        </a:graphic>
+      </p:graphicFrame>
     </p:spTree>
     <p:extLst>
       <p:ext uri="{BB962C8B-B14F-4D97-AF65-F5344CB8AC3E}">
-        <p14:creationId xmlns:p14="http://schemas.microsoft.com/office/powerpoint/2010/main" val="3424940842"/>
+        <p14:creationId xmlns:p14="http://schemas.microsoft.com/office/powerpoint/2010/main" val="1396057827"/>
       </p:ext>
     </p:extLst>
   </p:cSld>
@@ -6162,7 +6271,7 @@
           <a:p>
             <a:r>
               <a:rPr lang="ru-RU" sz="4000" dirty="0" smtClean="0"/>
-              <a:t>Результаты работы программы</a:t>
+              <a:t>Выводы</a:t>
             </a:r>
             <a:endParaRPr lang="ru-RU" sz="4000" dirty="0"/>
           </a:p>
@@ -6212,60 +6321,43 @@
         </p:spPr>
         <p:txBody>
           <a:bodyPr>
-            <a:normAutofit/>
+            <a:normAutofit fontScale="70000" lnSpcReduction="20000"/>
           </a:bodyPr>
           <a:lstStyle/>
           <a:p>
-            <a:pPr marL="0" indent="0">
-              <a:buNone/>
-            </a:pPr>
+            <a:pPr lvl="0"/>
             <a:r>
               <a:rPr lang="ru-RU" dirty="0"/>
-              <a:t>Результаты фильтрации изображения размером 1280</a:t>
-            </a:r>
-            <a:r>
-              <a:rPr lang="en-US" dirty="0"/>
-              <a:t>x</a:t>
-            </a:r>
+              <a:t>Была рассмотрена и изучена технология гетерогенных вычислений OpenCL. Данная технология является кроссплатформенной, а значит не зависит от производителя процессора, который используется для вычислений. Технология достаточно гибкая, и позволяет программисту управлять выполнением ядра на выбранном процессоре.</a:t>
+            </a:r>
+          </a:p>
+          <a:p>
+            <a:pPr lvl="0"/>
             <a:r>
               <a:rPr lang="ru-RU" dirty="0"/>
-              <a:t>697 </a:t>
-            </a:r>
-            <a:r>
-              <a:rPr lang="en-US" dirty="0" err="1"/>
-              <a:t>px</a:t>
-            </a:r>
-            <a:r>
-              <a:rPr lang="en-US" dirty="0"/>
-              <a:t> </a:t>
-            </a:r>
+              <a:t>Была написана программа, использующая технологию OpenCL для реализации гетерогенной вычислительной системы CPU+GPU.</a:t>
+            </a:r>
+          </a:p>
+          <a:p>
+            <a:pPr lvl="0"/>
             <a:r>
               <a:rPr lang="ru-RU" dirty="0"/>
-              <a:t>с разным уровнем зашумленности представлены в </a:t>
-            </a:r>
-            <a:r>
-              <a:rPr lang="ru-RU" dirty="0" smtClean="0"/>
-              <a:t>диаграммах </a:t>
-            </a:r>
+              <a:t>Данная гетерогенная вычислительная система была применена для фильтрации изображения с помощью медианного алгоритма. </a:t>
+            </a:r>
+          </a:p>
+          <a:p>
+            <a:pPr lvl="0"/>
             <a:r>
               <a:rPr lang="ru-RU" dirty="0"/>
-              <a:t>3,4.</a:t>
-            </a:r>
-          </a:p>
-          <a:p>
-            <a:pPr marL="0" indent="0">
-              <a:buNone/>
-            </a:pPr>
+              <a:t>Результаты работы программы были проанализированы для различных уровней зашумленности изображения, а также для изображений различных размеров. Исходя из полученный результатов, следует, что построенная гетерогенная система выполняет работу по фильтрации изображения до 6 раз быстрее, чем если бы мы использовали стандартные средства С++, что подтверждает целесообразность использования ГВС.</a:t>
+            </a:r>
+          </a:p>
+          <a:p>
             <a:endParaRPr lang="ru-RU" dirty="0"/>
           </a:p>
         </p:txBody>
       </p:sp>
     </p:spTree>
-    <p:extLst>
-      <p:ext uri="{BB962C8B-B14F-4D97-AF65-F5344CB8AC3E}">
-        <p14:creationId xmlns:p14="http://schemas.microsoft.com/office/powerpoint/2010/main" val="1669893989"/>
-      </p:ext>
-    </p:extLst>
   </p:cSld>
   <p:clrMapOvr>
     <a:masterClrMapping/>
@@ -6309,8 +6401,8 @@
         </p:nvSpPr>
         <p:spPr>
           <a:xfrm>
-            <a:off x="457200" y="274638"/>
-            <a:ext cx="8229600" cy="868346"/>
+            <a:off x="500034" y="1928802"/>
+            <a:ext cx="8229600" cy="3000396"/>
           </a:xfrm>
         </p:spPr>
         <p:style>
@@ -6328,16 +6420,14 @@
           </a:fontRef>
         </p:style>
         <p:txBody>
-          <a:bodyPr>
-            <a:normAutofit/>
-          </a:bodyPr>
-          <a:lstStyle/>
-          <a:p>
-            <a:r>
-              <a:rPr lang="ru-RU" sz="4000" dirty="0" smtClean="0"/>
-              <a:t>Результаты работы программы</a:t>
-            </a:r>
-            <a:endParaRPr lang="ru-RU" sz="4000" dirty="0"/>
+          <a:bodyPr/>
+          <a:lstStyle/>
+          <a:p>
+            <a:r>
+              <a:rPr lang="ru-RU" dirty="0" smtClean="0"/>
+              <a:t>Спасибо за внимание</a:t>
+            </a:r>
+            <a:endParaRPr lang="ru-RU" dirty="0"/>
           </a:p>
         </p:txBody>
       </p:sp>
@@ -6362,576 +6452,6 @@
               <a:rPr lang="ru-RU" smtClean="0"/>
               <a:pPr/>
               <a:t>15</a:t>
-            </a:fld>
-            <a:endParaRPr lang="ru-RU"/>
-          </a:p>
-        </p:txBody>
-      </p:sp>
-      <p:sp>
-        <p:nvSpPr>
-          <p:cNvPr id="3" name="Содержимое 2"/>
-          <p:cNvSpPr>
-            <a:spLocks noGrp="1"/>
-          </p:cNvSpPr>
-          <p:nvPr>
-            <p:ph sz="quarter" idx="1"/>
-          </p:nvPr>
-        </p:nvSpPr>
-        <p:spPr>
-          <a:xfrm>
-            <a:off x="457200" y="1285860"/>
-            <a:ext cx="8401080" cy="5357850"/>
-          </a:xfrm>
-        </p:spPr>
-        <p:txBody>
-          <a:bodyPr>
-            <a:normAutofit/>
-          </a:bodyPr>
-          <a:lstStyle/>
-          <a:p>
-            <a:pPr marL="0" indent="0">
-              <a:buNone/>
-            </a:pPr>
-            <a:endParaRPr lang="ru-RU" dirty="0" smtClean="0"/>
-          </a:p>
-          <a:p>
-            <a:pPr marL="0" indent="0">
-              <a:buNone/>
-            </a:pPr>
-            <a:endParaRPr lang="ru-RU" dirty="0"/>
-          </a:p>
-        </p:txBody>
-      </p:sp>
-      <p:sp>
-        <p:nvSpPr>
-          <p:cNvPr id="6" name="Прямоугольник 5"/>
-          <p:cNvSpPr/>
-          <p:nvPr/>
-        </p:nvSpPr>
-        <p:spPr>
-          <a:xfrm>
-            <a:off x="395536" y="5805264"/>
-            <a:ext cx="8208912" cy="646331"/>
-          </a:xfrm>
-          <a:prstGeom prst="rect">
-            <a:avLst/>
-          </a:prstGeom>
-        </p:spPr>
-        <p:txBody>
-          <a:bodyPr wrap="square">
-            <a:spAutoFit/>
-          </a:bodyPr>
-          <a:lstStyle/>
-          <a:p>
-            <a:r>
-              <a:rPr lang="ru-RU" dirty="0"/>
-              <a:t>Диаграмма 3. Результаты фильтрации изображения размером 1280</a:t>
-            </a:r>
-            <a:r>
-              <a:rPr lang="en-US" dirty="0"/>
-              <a:t>x</a:t>
-            </a:r>
-            <a:r>
-              <a:rPr lang="ru-RU" dirty="0"/>
-              <a:t>697 </a:t>
-            </a:r>
-            <a:r>
-              <a:rPr lang="en-US" dirty="0" err="1"/>
-              <a:t>px</a:t>
-            </a:r>
-            <a:r>
-              <a:rPr lang="ru-RU" dirty="0"/>
-              <a:t> при зашумленности 15%</a:t>
-            </a:r>
-          </a:p>
-        </p:txBody>
-      </p:sp>
-      <p:graphicFrame>
-        <p:nvGraphicFramePr>
-          <p:cNvPr id="7" name="Диаграмма 6"/>
-          <p:cNvGraphicFramePr/>
-          <p:nvPr>
-            <p:extLst>
-              <p:ext uri="{D42A27DB-BD31-4B8C-83A1-F6EECF244321}">
-                <p14:modId xmlns:p14="http://schemas.microsoft.com/office/powerpoint/2010/main" val="320587109"/>
-              </p:ext>
-            </p:extLst>
-          </p:nvPr>
-        </p:nvGraphicFramePr>
-        <p:xfrm>
-          <a:off x="467544" y="1556792"/>
-          <a:ext cx="8208912" cy="4248472"/>
-        </p:xfrm>
-        <a:graphic>
-          <a:graphicData uri="http://schemas.openxmlformats.org/drawingml/2006/chart">
-            <c:chart xmlns:c="http://schemas.openxmlformats.org/drawingml/2006/chart" xmlns:r="http://schemas.openxmlformats.org/officeDocument/2006/relationships" r:id="rId2"/>
-          </a:graphicData>
-        </a:graphic>
-      </p:graphicFrame>
-    </p:spTree>
-    <p:extLst>
-      <p:ext uri="{BB962C8B-B14F-4D97-AF65-F5344CB8AC3E}">
-        <p14:creationId xmlns:p14="http://schemas.microsoft.com/office/powerpoint/2010/main" val="1396057827"/>
-      </p:ext>
-    </p:extLst>
-  </p:cSld>
-  <p:clrMapOvr>
-    <a:masterClrMapping/>
-  </p:clrMapOvr>
-  <p:timing>
-    <p:tnLst>
-      <p:par>
-        <p:cTn id="1" dur="indefinite" restart="never" nodeType="tmRoot"/>
-      </p:par>
-    </p:tnLst>
-  </p:timing>
-</p:sld>
-</file>
-
-<file path=ppt/slides/slide16.xml><?xml version="1.0" encoding="utf-8"?>
-<p:sld xmlns:a="http://schemas.openxmlformats.org/drawingml/2006/main" xmlns:r="http://schemas.openxmlformats.org/officeDocument/2006/relationships" xmlns:p="http://schemas.openxmlformats.org/presentationml/2006/main">
-  <p:cSld>
-    <p:spTree>
-      <p:nvGrpSpPr>
-        <p:cNvPr id="1" name=""/>
-        <p:cNvGrpSpPr/>
-        <p:nvPr/>
-      </p:nvGrpSpPr>
-      <p:grpSpPr>
-        <a:xfrm>
-          <a:off x="0" y="0"/>
-          <a:ext cx="0" cy="0"/>
-          <a:chOff x="0" y="0"/>
-          <a:chExt cx="0" cy="0"/>
-        </a:xfrm>
-      </p:grpSpPr>
-      <p:sp>
-        <p:nvSpPr>
-          <p:cNvPr id="2" name="Заголовок 1"/>
-          <p:cNvSpPr>
-            <a:spLocks noGrp="1"/>
-          </p:cNvSpPr>
-          <p:nvPr>
-            <p:ph type="title"/>
-          </p:nvPr>
-        </p:nvSpPr>
-        <p:spPr>
-          <a:xfrm>
-            <a:off x="457200" y="274638"/>
-            <a:ext cx="8229600" cy="868346"/>
-          </a:xfrm>
-        </p:spPr>
-        <p:style>
-          <a:lnRef idx="1">
-            <a:schemeClr val="accent5"/>
-          </a:lnRef>
-          <a:fillRef idx="2">
-            <a:schemeClr val="accent5"/>
-          </a:fillRef>
-          <a:effectRef idx="1">
-            <a:schemeClr val="accent5"/>
-          </a:effectRef>
-          <a:fontRef idx="minor">
-            <a:schemeClr val="dk1"/>
-          </a:fontRef>
-        </p:style>
-        <p:txBody>
-          <a:bodyPr>
-            <a:normAutofit/>
-          </a:bodyPr>
-          <a:lstStyle/>
-          <a:p>
-            <a:r>
-              <a:rPr lang="ru-RU" sz="4000" dirty="0" smtClean="0"/>
-              <a:t>Результаты работы программы</a:t>
-            </a:r>
-            <a:endParaRPr lang="ru-RU" sz="4000" dirty="0"/>
-          </a:p>
-        </p:txBody>
-      </p:sp>
-      <p:sp>
-        <p:nvSpPr>
-          <p:cNvPr id="4" name="Номер слайда 3"/>
-          <p:cNvSpPr>
-            <a:spLocks noGrp="1"/>
-          </p:cNvSpPr>
-          <p:nvPr>
-            <p:ph type="sldNum" sz="quarter" idx="12"/>
-          </p:nvPr>
-        </p:nvSpPr>
-        <p:spPr/>
-        <p:txBody>
-          <a:bodyPr>
-            <a:normAutofit fontScale="85000" lnSpcReduction="20000"/>
-          </a:bodyPr>
-          <a:lstStyle/>
-          <a:p>
-            <a:fld id="{725C68B6-61C2-468F-89AB-4B9F7531AA68}" type="slidenum">
-              <a:rPr lang="ru-RU" smtClean="0"/>
-              <a:pPr/>
-              <a:t>16</a:t>
-            </a:fld>
-            <a:endParaRPr lang="ru-RU"/>
-          </a:p>
-        </p:txBody>
-      </p:sp>
-      <p:sp>
-        <p:nvSpPr>
-          <p:cNvPr id="3" name="Содержимое 2"/>
-          <p:cNvSpPr>
-            <a:spLocks noGrp="1"/>
-          </p:cNvSpPr>
-          <p:nvPr>
-            <p:ph sz="quarter" idx="1"/>
-          </p:nvPr>
-        </p:nvSpPr>
-        <p:spPr>
-          <a:xfrm>
-            <a:off x="457200" y="1285860"/>
-            <a:ext cx="8401080" cy="5357850"/>
-          </a:xfrm>
-        </p:spPr>
-        <p:txBody>
-          <a:bodyPr>
-            <a:normAutofit/>
-          </a:bodyPr>
-          <a:lstStyle/>
-          <a:p>
-            <a:pPr marL="0" indent="0">
-              <a:buNone/>
-            </a:pPr>
-            <a:endParaRPr lang="ru-RU" dirty="0" smtClean="0"/>
-          </a:p>
-          <a:p>
-            <a:pPr marL="0" indent="0">
-              <a:buNone/>
-            </a:pPr>
-            <a:endParaRPr lang="ru-RU" dirty="0"/>
-          </a:p>
-        </p:txBody>
-      </p:sp>
-      <p:sp>
-        <p:nvSpPr>
-          <p:cNvPr id="6" name="Прямоугольник 5"/>
-          <p:cNvSpPr/>
-          <p:nvPr/>
-        </p:nvSpPr>
-        <p:spPr>
-          <a:xfrm>
-            <a:off x="467544" y="5805264"/>
-            <a:ext cx="8280920" cy="646331"/>
-          </a:xfrm>
-          <a:prstGeom prst="rect">
-            <a:avLst/>
-          </a:prstGeom>
-        </p:spPr>
-        <p:txBody>
-          <a:bodyPr wrap="square">
-            <a:spAutoFit/>
-          </a:bodyPr>
-          <a:lstStyle/>
-          <a:p>
-            <a:r>
-              <a:rPr lang="ru-RU" dirty="0"/>
-              <a:t>Диаграмма 4. Результаты фильтрации изображения размером 1280</a:t>
-            </a:r>
-            <a:r>
-              <a:rPr lang="en-US" dirty="0"/>
-              <a:t>x</a:t>
-            </a:r>
-            <a:r>
-              <a:rPr lang="ru-RU" dirty="0"/>
-              <a:t>697 </a:t>
-            </a:r>
-            <a:r>
-              <a:rPr lang="en-US" dirty="0" err="1"/>
-              <a:t>px</a:t>
-            </a:r>
-            <a:r>
-              <a:rPr lang="ru-RU" dirty="0"/>
-              <a:t> при зашумленности 50%</a:t>
-            </a:r>
-          </a:p>
-        </p:txBody>
-      </p:sp>
-      <p:graphicFrame>
-        <p:nvGraphicFramePr>
-          <p:cNvPr id="8" name="Диаграмма 7"/>
-          <p:cNvGraphicFramePr/>
-          <p:nvPr>
-            <p:extLst>
-              <p:ext uri="{D42A27DB-BD31-4B8C-83A1-F6EECF244321}">
-                <p14:modId xmlns:p14="http://schemas.microsoft.com/office/powerpoint/2010/main" val="1866729226"/>
-              </p:ext>
-            </p:extLst>
-          </p:nvPr>
-        </p:nvGraphicFramePr>
-        <p:xfrm>
-          <a:off x="467544" y="1556792"/>
-          <a:ext cx="8208912" cy="4248472"/>
-        </p:xfrm>
-        <a:graphic>
-          <a:graphicData uri="http://schemas.openxmlformats.org/drawingml/2006/chart">
-            <c:chart xmlns:c="http://schemas.openxmlformats.org/drawingml/2006/chart" xmlns:r="http://schemas.openxmlformats.org/officeDocument/2006/relationships" r:id="rId2"/>
-          </a:graphicData>
-        </a:graphic>
-      </p:graphicFrame>
-    </p:spTree>
-    <p:extLst>
-      <p:ext uri="{BB962C8B-B14F-4D97-AF65-F5344CB8AC3E}">
-        <p14:creationId xmlns:p14="http://schemas.microsoft.com/office/powerpoint/2010/main" val="2026842249"/>
-      </p:ext>
-    </p:extLst>
-  </p:cSld>
-  <p:clrMapOvr>
-    <a:masterClrMapping/>
-  </p:clrMapOvr>
-  <p:timing>
-    <p:tnLst>
-      <p:par>
-        <p:cTn id="1" dur="indefinite" restart="never" nodeType="tmRoot"/>
-      </p:par>
-    </p:tnLst>
-  </p:timing>
-</p:sld>
-</file>
-
-<file path=ppt/slides/slide17.xml><?xml version="1.0" encoding="utf-8"?>
-<p:sld xmlns:a="http://schemas.openxmlformats.org/drawingml/2006/main" xmlns:r="http://schemas.openxmlformats.org/officeDocument/2006/relationships" xmlns:p="http://schemas.openxmlformats.org/presentationml/2006/main">
-  <p:cSld>
-    <p:spTree>
-      <p:nvGrpSpPr>
-        <p:cNvPr id="1" name=""/>
-        <p:cNvGrpSpPr/>
-        <p:nvPr/>
-      </p:nvGrpSpPr>
-      <p:grpSpPr>
-        <a:xfrm>
-          <a:off x="0" y="0"/>
-          <a:ext cx="0" cy="0"/>
-          <a:chOff x="0" y="0"/>
-          <a:chExt cx="0" cy="0"/>
-        </a:xfrm>
-      </p:grpSpPr>
-      <p:sp>
-        <p:nvSpPr>
-          <p:cNvPr id="2" name="Заголовок 1"/>
-          <p:cNvSpPr>
-            <a:spLocks noGrp="1"/>
-          </p:cNvSpPr>
-          <p:nvPr>
-            <p:ph type="title"/>
-          </p:nvPr>
-        </p:nvSpPr>
-        <p:spPr>
-          <a:xfrm>
-            <a:off x="457200" y="274638"/>
-            <a:ext cx="8229600" cy="868346"/>
-          </a:xfrm>
-        </p:spPr>
-        <p:style>
-          <a:lnRef idx="1">
-            <a:schemeClr val="accent5"/>
-          </a:lnRef>
-          <a:fillRef idx="2">
-            <a:schemeClr val="accent5"/>
-          </a:fillRef>
-          <a:effectRef idx="1">
-            <a:schemeClr val="accent5"/>
-          </a:effectRef>
-          <a:fontRef idx="minor">
-            <a:schemeClr val="dk1"/>
-          </a:fontRef>
-        </p:style>
-        <p:txBody>
-          <a:bodyPr>
-            <a:normAutofit/>
-          </a:bodyPr>
-          <a:lstStyle/>
-          <a:p>
-            <a:r>
-              <a:rPr lang="ru-RU" sz="4000" dirty="0" smtClean="0"/>
-              <a:t>Выводы</a:t>
-            </a:r>
-            <a:endParaRPr lang="ru-RU" sz="4000" dirty="0"/>
-          </a:p>
-        </p:txBody>
-      </p:sp>
-      <p:sp>
-        <p:nvSpPr>
-          <p:cNvPr id="4" name="Номер слайда 3"/>
-          <p:cNvSpPr>
-            <a:spLocks noGrp="1"/>
-          </p:cNvSpPr>
-          <p:nvPr>
-            <p:ph type="sldNum" sz="quarter" idx="12"/>
-          </p:nvPr>
-        </p:nvSpPr>
-        <p:spPr/>
-        <p:txBody>
-          <a:bodyPr>
-            <a:normAutofit fontScale="85000" lnSpcReduction="20000"/>
-          </a:bodyPr>
-          <a:lstStyle/>
-          <a:p>
-            <a:fld id="{725C68B6-61C2-468F-89AB-4B9F7531AA68}" type="slidenum">
-              <a:rPr lang="ru-RU" smtClean="0"/>
-              <a:pPr/>
-              <a:t>17</a:t>
-            </a:fld>
-            <a:endParaRPr lang="ru-RU"/>
-          </a:p>
-        </p:txBody>
-      </p:sp>
-      <p:sp>
-        <p:nvSpPr>
-          <p:cNvPr id="3" name="Содержимое 2"/>
-          <p:cNvSpPr>
-            <a:spLocks noGrp="1"/>
-          </p:cNvSpPr>
-          <p:nvPr>
-            <p:ph sz="quarter" idx="1"/>
-          </p:nvPr>
-        </p:nvSpPr>
-        <p:spPr>
-          <a:xfrm>
-            <a:off x="457200" y="1628800"/>
-            <a:ext cx="8401080" cy="5014910"/>
-          </a:xfrm>
-        </p:spPr>
-        <p:txBody>
-          <a:bodyPr>
-            <a:normAutofit fontScale="70000" lnSpcReduction="20000"/>
-          </a:bodyPr>
-          <a:lstStyle/>
-          <a:p>
-            <a:pPr lvl="0"/>
-            <a:r>
-              <a:rPr lang="ru-RU" dirty="0"/>
-              <a:t>Была рассмотрена и изучена технология гетерогенных вычислений OpenCL. Данная технология является кроссплатформенной, а значит не зависит от производителя процессора, который используется для вычислений. Технология достаточно гибкая, и позволяет программисту управлять выполнением ядра на выбранном процессоре.</a:t>
-            </a:r>
-          </a:p>
-          <a:p>
-            <a:pPr lvl="0"/>
-            <a:r>
-              <a:rPr lang="ru-RU" dirty="0"/>
-              <a:t>Была написана программа, использующая технологию OpenCL для реализации гетерогенной вычислительной системы CPU+GPU.</a:t>
-            </a:r>
-          </a:p>
-          <a:p>
-            <a:pPr lvl="0"/>
-            <a:r>
-              <a:rPr lang="ru-RU" dirty="0"/>
-              <a:t>Данная гетерогенная вычислительная система была применена для фильтрации изображения с помощью медианного алгоритма. </a:t>
-            </a:r>
-          </a:p>
-          <a:p>
-            <a:pPr lvl="0"/>
-            <a:r>
-              <a:rPr lang="ru-RU" dirty="0"/>
-              <a:t>Результаты работы программы были проанализированы для различных уровней зашумленности изображения, а также для изображений различных размеров. Исходя из полученный результатов, следует, что построенная гетерогенная система выполняет работу по фильтрации изображения до 6 раз быстрее, чем если бы мы использовали стандартные средства С++, что подтверждает целесообразность использования ГВС.</a:t>
-            </a:r>
-          </a:p>
-          <a:p>
-            <a:endParaRPr lang="ru-RU" dirty="0"/>
-          </a:p>
-        </p:txBody>
-      </p:sp>
-    </p:spTree>
-  </p:cSld>
-  <p:clrMapOvr>
-    <a:masterClrMapping/>
-  </p:clrMapOvr>
-  <p:timing>
-    <p:tnLst>
-      <p:par>
-        <p:cTn id="1" dur="indefinite" restart="never" nodeType="tmRoot"/>
-      </p:par>
-    </p:tnLst>
-  </p:timing>
-</p:sld>
-</file>
-
-<file path=ppt/slides/slide18.xml><?xml version="1.0" encoding="utf-8"?>
-<p:sld xmlns:a="http://schemas.openxmlformats.org/drawingml/2006/main" xmlns:r="http://schemas.openxmlformats.org/officeDocument/2006/relationships" xmlns:p="http://schemas.openxmlformats.org/presentationml/2006/main">
-  <p:cSld>
-    <p:spTree>
-      <p:nvGrpSpPr>
-        <p:cNvPr id="1" name=""/>
-        <p:cNvGrpSpPr/>
-        <p:nvPr/>
-      </p:nvGrpSpPr>
-      <p:grpSpPr>
-        <a:xfrm>
-          <a:off x="0" y="0"/>
-          <a:ext cx="0" cy="0"/>
-          <a:chOff x="0" y="0"/>
-          <a:chExt cx="0" cy="0"/>
-        </a:xfrm>
-      </p:grpSpPr>
-      <p:sp>
-        <p:nvSpPr>
-          <p:cNvPr id="2" name="Заголовок 1"/>
-          <p:cNvSpPr>
-            <a:spLocks noGrp="1"/>
-          </p:cNvSpPr>
-          <p:nvPr>
-            <p:ph type="title"/>
-          </p:nvPr>
-        </p:nvSpPr>
-        <p:spPr>
-          <a:xfrm>
-            <a:off x="500034" y="1928802"/>
-            <a:ext cx="8229600" cy="3000396"/>
-          </a:xfrm>
-        </p:spPr>
-        <p:style>
-          <a:lnRef idx="1">
-            <a:schemeClr val="accent5"/>
-          </a:lnRef>
-          <a:fillRef idx="2">
-            <a:schemeClr val="accent5"/>
-          </a:fillRef>
-          <a:effectRef idx="1">
-            <a:schemeClr val="accent5"/>
-          </a:effectRef>
-          <a:fontRef idx="minor">
-            <a:schemeClr val="dk1"/>
-          </a:fontRef>
-        </p:style>
-        <p:txBody>
-          <a:bodyPr/>
-          <a:lstStyle/>
-          <a:p>
-            <a:r>
-              <a:rPr lang="ru-RU" dirty="0" smtClean="0"/>
-              <a:t>Спасибо за внимание</a:t>
-            </a:r>
-            <a:endParaRPr lang="ru-RU" dirty="0"/>
-          </a:p>
-        </p:txBody>
-      </p:sp>
-      <p:sp>
-        <p:nvSpPr>
-          <p:cNvPr id="4" name="Номер слайда 3"/>
-          <p:cNvSpPr>
-            <a:spLocks noGrp="1"/>
-          </p:cNvSpPr>
-          <p:nvPr>
-            <p:ph type="sldNum" sz="quarter" idx="12"/>
-          </p:nvPr>
-        </p:nvSpPr>
-        <p:spPr/>
-        <p:txBody>
-          <a:bodyPr>
-            <a:normAutofit fontScale="85000" lnSpcReduction="20000"/>
-          </a:bodyPr>
-          <a:lstStyle/>
-          <a:p>
-            <a:fld id="{725C68B6-61C2-468F-89AB-4B9F7531AA68}" type="slidenum">
-              <a:rPr lang="ru-RU" smtClean="0"/>
-              <a:pPr/>
-              <a:t>18</a:t>
             </a:fld>
             <a:endParaRPr lang="ru-RU"/>
           </a:p>
@@ -7541,28 +7061,16 @@
               <a:buNone/>
             </a:pPr>
             <a:r>
-              <a:rPr lang="en-US" sz="2800" dirty="0"/>
-              <a:t>OpenCL </a:t>
-            </a:r>
-            <a:r>
               <a:rPr lang="ru-RU" sz="2800" dirty="0"/>
-              <a:t>одна из технологий, позволяющая создать гетерогенную вычислительную систему, состоящую из различных процессоров, например </a:t>
-            </a:r>
-            <a:r>
-              <a:rPr lang="en-US" sz="2800" dirty="0"/>
-              <a:t>CPU</a:t>
+              <a:t>Для реализации гетерогенной системы, и решения поставленных задач была выбрана технология </a:t>
+            </a:r>
+            <a:r>
+              <a:rPr lang="ru-RU" sz="2800" dirty="0" err="1"/>
+              <a:t>OpenCL</a:t>
             </a:r>
             <a:r>
               <a:rPr lang="ru-RU" sz="2800" dirty="0"/>
-              <a:t>+</a:t>
-            </a:r>
-            <a:r>
-              <a:rPr lang="en-US" sz="2800" dirty="0"/>
-              <a:t>GPU</a:t>
-            </a:r>
-            <a:r>
-              <a:rPr lang="ru-RU" sz="2800" dirty="0"/>
-              <a:t>. Эта технология была использована в работе, для разработки ГВС и решения трудоемкой задачи.</a:t>
+              <a:t>, которая позволяет один и тот же код выполнять на всех, имеющихся в архитектуре компьютера процессорах (единовременно, либо по очереди). </a:t>
             </a:r>
           </a:p>
           <a:p>

--- a/Diplom/Презентация.pptx
+++ b/Diplom/Презентация.pptx
@@ -1342,6 +1342,91 @@
 </p:notes>
 </file>
 
+<file path=ppt/notesSlides/notesSlide2.xml><?xml version="1.0" encoding="utf-8"?>
+<p:notes xmlns:a="http://schemas.openxmlformats.org/drawingml/2006/main" xmlns:r="http://schemas.openxmlformats.org/officeDocument/2006/relationships" xmlns:p="http://schemas.openxmlformats.org/presentationml/2006/main">
+  <p:cSld>
+    <p:spTree>
+      <p:nvGrpSpPr>
+        <p:cNvPr id="1" name=""/>
+        <p:cNvGrpSpPr/>
+        <p:nvPr/>
+      </p:nvGrpSpPr>
+      <p:grpSpPr>
+        <a:xfrm>
+          <a:off x="0" y="0"/>
+          <a:ext cx="0" cy="0"/>
+          <a:chOff x="0" y="0"/>
+          <a:chExt cx="0" cy="0"/>
+        </a:xfrm>
+      </p:grpSpPr>
+      <p:sp>
+        <p:nvSpPr>
+          <p:cNvPr id="2" name="Образ слайда 1"/>
+          <p:cNvSpPr>
+            <a:spLocks noGrp="1" noRot="1" noChangeAspect="1"/>
+          </p:cNvSpPr>
+          <p:nvPr>
+            <p:ph type="sldImg"/>
+          </p:nvPr>
+        </p:nvSpPr>
+        <p:spPr/>
+      </p:sp>
+      <p:sp>
+        <p:nvSpPr>
+          <p:cNvPr id="3" name="Заметки 2"/>
+          <p:cNvSpPr>
+            <a:spLocks noGrp="1"/>
+          </p:cNvSpPr>
+          <p:nvPr>
+            <p:ph type="body" idx="1"/>
+          </p:nvPr>
+        </p:nvSpPr>
+        <p:spPr/>
+        <p:txBody>
+          <a:bodyPr/>
+          <a:lstStyle/>
+          <a:p>
+            <a:endParaRPr lang="ru-RU" dirty="0"/>
+          </a:p>
+        </p:txBody>
+      </p:sp>
+      <p:sp>
+        <p:nvSpPr>
+          <p:cNvPr id="4" name="Номер слайда 3"/>
+          <p:cNvSpPr>
+            <a:spLocks noGrp="1"/>
+          </p:cNvSpPr>
+          <p:nvPr>
+            <p:ph type="sldNum" sz="quarter" idx="10"/>
+          </p:nvPr>
+        </p:nvSpPr>
+        <p:spPr/>
+        <p:txBody>
+          <a:bodyPr/>
+          <a:lstStyle/>
+          <a:p>
+            <a:fld id="{0476ABB3-7BE8-4FDF-A7A4-5D960BB71004}" type="slidenum">
+              <a:rPr lang="ru-RU" smtClean="0"/>
+              <a:pPr/>
+              <a:t>13</a:t>
+            </a:fld>
+            <a:endParaRPr lang="ru-RU"/>
+          </a:p>
+        </p:txBody>
+      </p:sp>
+    </p:spTree>
+    <p:extLst>
+      <p:ext uri="{BB962C8B-B14F-4D97-AF65-F5344CB8AC3E}">
+        <p14:creationId xmlns:p14="http://schemas.microsoft.com/office/powerpoint/2010/main" val="4140951082"/>
+      </p:ext>
+    </p:extLst>
+  </p:cSld>
+  <p:clrMapOvr>
+    <a:masterClrMapping/>
+  </p:clrMapOvr>
+</p:notes>
+</file>
+
 <file path=ppt/slideLayouts/slideLayout1.xml><?xml version="1.0" encoding="utf-8"?>
 <p:sldLayout xmlns:a="http://schemas.openxmlformats.org/drawingml/2006/main" xmlns:r="http://schemas.openxmlformats.org/officeDocument/2006/relationships" xmlns:p="http://schemas.openxmlformats.org/presentationml/2006/main" showMasterSp="0" type="title" preserve="1">
   <p:cSld name="Титульный слайд">
@@ -5781,14 +5866,14 @@
           <p:nvPr>
             <p:extLst>
               <p:ext uri="{D42A27DB-BD31-4B8C-83A1-F6EECF244321}">
-                <p14:modId xmlns:p14="http://schemas.microsoft.com/office/powerpoint/2010/main" val="3311921180"/>
+                <p14:modId xmlns:p14="http://schemas.microsoft.com/office/powerpoint/2010/main" val="1999242879"/>
               </p:ext>
             </p:extLst>
           </p:nvPr>
         </p:nvGraphicFramePr>
         <p:xfrm>
-          <a:off x="467544" y="1556791"/>
-          <a:ext cx="3816424" cy="4080509"/>
+          <a:off x="467544" y="1484784"/>
+          <a:ext cx="4104456" cy="4541336"/>
         </p:xfrm>
         <a:graphic>
           <a:graphicData uri="http://schemas.openxmlformats.org/drawingml/2006/chart">
@@ -5804,8 +5889,8 @@
         </p:nvSpPr>
         <p:spPr>
           <a:xfrm>
-            <a:off x="323528" y="5926861"/>
-            <a:ext cx="3960440" cy="923330"/>
+            <a:off x="1259632" y="6026120"/>
+            <a:ext cx="6048672" cy="369332"/>
           </a:xfrm>
           <a:prstGeom prst="rect">
             <a:avLst/>
@@ -5834,61 +5919,10 @@
               <a:t>329 </a:t>
             </a:r>
             <a:r>
-              <a:rPr lang="en-US" dirty="0" err="1"/>
+              <a:rPr lang="en-US" dirty="0" err="1" smtClean="0"/>
               <a:t>px</a:t>
             </a:r>
-            <a:r>
-              <a:rPr lang="ru-RU" dirty="0"/>
-              <a:t> при зашумленности 15%</a:t>
-            </a:r>
-          </a:p>
-        </p:txBody>
-      </p:sp>
-      <p:sp>
-        <p:nvSpPr>
-          <p:cNvPr id="7" name="Прямоугольник 6"/>
-          <p:cNvSpPr/>
-          <p:nvPr/>
-        </p:nvSpPr>
-        <p:spPr>
-          <a:xfrm>
-            <a:off x="4499992" y="5926861"/>
-            <a:ext cx="4536504" cy="923330"/>
-          </a:xfrm>
-          <a:prstGeom prst="rect">
-            <a:avLst/>
-          </a:prstGeom>
-        </p:spPr>
-        <p:txBody>
-          <a:bodyPr wrap="square">
-            <a:spAutoFit/>
-          </a:bodyPr>
-          <a:lstStyle/>
-          <a:p>
-            <a:r>
-              <a:rPr lang="ru-RU" dirty="0" smtClean="0"/>
-              <a:t>Результаты </a:t>
-            </a:r>
-            <a:r>
-              <a:rPr lang="ru-RU" dirty="0"/>
-              <a:t>фильтрации изображения размером 584</a:t>
-            </a:r>
-            <a:r>
-              <a:rPr lang="en-US" dirty="0"/>
-              <a:t>x</a:t>
-            </a:r>
-            <a:r>
-              <a:rPr lang="ru-RU" dirty="0"/>
-              <a:t>329 </a:t>
-            </a:r>
-            <a:r>
-              <a:rPr lang="en-US" dirty="0" err="1"/>
-              <a:t>px</a:t>
-            </a:r>
-            <a:r>
-              <a:rPr lang="ru-RU" dirty="0"/>
-              <a:t> при зашумленности 50%</a:t>
-            </a:r>
+            <a:endParaRPr lang="ru-RU" dirty="0"/>
           </a:p>
         </p:txBody>
       </p:sp>
@@ -5899,14 +5933,14 @@
           <p:nvPr>
             <p:extLst>
               <p:ext uri="{D42A27DB-BD31-4B8C-83A1-F6EECF244321}">
-                <p14:modId xmlns:p14="http://schemas.microsoft.com/office/powerpoint/2010/main" val="2998813940"/>
+                <p14:modId xmlns:p14="http://schemas.microsoft.com/office/powerpoint/2010/main" val="3627765504"/>
               </p:ext>
             </p:extLst>
           </p:nvPr>
         </p:nvGraphicFramePr>
         <p:xfrm>
-          <a:off x="4680012" y="1556793"/>
-          <a:ext cx="3816424" cy="4080508"/>
+          <a:off x="4680012" y="1556792"/>
+          <a:ext cx="4140460" cy="4469328"/>
         </p:xfrm>
         <a:graphic>
           <a:graphicData uri="http://schemas.openxmlformats.org/drawingml/2006/chart">
@@ -6064,8 +6098,8 @@
         </p:nvSpPr>
         <p:spPr>
           <a:xfrm>
-            <a:off x="395536" y="5805264"/>
-            <a:ext cx="3960440" cy="923330"/>
+            <a:off x="1242120" y="5989930"/>
+            <a:ext cx="6264696" cy="369332"/>
           </a:xfrm>
           <a:prstGeom prst="rect">
             <a:avLst/>
@@ -6094,13 +6128,10 @@
               <a:t>697 </a:t>
             </a:r>
             <a:r>
-              <a:rPr lang="en-US" dirty="0" err="1"/>
+              <a:rPr lang="en-US" dirty="0" err="1" smtClean="0"/>
               <a:t>px</a:t>
             </a:r>
-            <a:r>
-              <a:rPr lang="ru-RU" dirty="0"/>
-              <a:t> при зашумленности 15%</a:t>
-            </a:r>
+            <a:endParaRPr lang="ru-RU" dirty="0"/>
           </a:p>
         </p:txBody>
       </p:sp>
@@ -6111,69 +6142,21 @@
           <p:nvPr>
             <p:extLst>
               <p:ext uri="{D42A27DB-BD31-4B8C-83A1-F6EECF244321}">
-                <p14:modId xmlns:p14="http://schemas.microsoft.com/office/powerpoint/2010/main" val="656616477"/>
+                <p14:modId xmlns:p14="http://schemas.microsoft.com/office/powerpoint/2010/main" val="1611742296"/>
               </p:ext>
             </p:extLst>
           </p:nvPr>
         </p:nvGraphicFramePr>
         <p:xfrm>
           <a:off x="467544" y="1556792"/>
-          <a:ext cx="4032448" cy="4248472"/>
+          <a:ext cx="4176464" cy="4433138"/>
         </p:xfrm>
         <a:graphic>
           <a:graphicData uri="http://schemas.openxmlformats.org/drawingml/2006/chart">
-            <c:chart xmlns:c="http://schemas.openxmlformats.org/drawingml/2006/chart" xmlns:r="http://schemas.openxmlformats.org/officeDocument/2006/relationships" r:id="rId2"/>
+            <c:chart xmlns:c="http://schemas.openxmlformats.org/drawingml/2006/chart" xmlns:r="http://schemas.openxmlformats.org/officeDocument/2006/relationships" r:id="rId3"/>
           </a:graphicData>
         </a:graphic>
       </p:graphicFrame>
-      <p:sp>
-        <p:nvSpPr>
-          <p:cNvPr id="8" name="Прямоугольник 7"/>
-          <p:cNvSpPr/>
-          <p:nvPr/>
-        </p:nvSpPr>
-        <p:spPr>
-          <a:xfrm>
-            <a:off x="4644324" y="5805264"/>
-            <a:ext cx="4104140" cy="923330"/>
-          </a:xfrm>
-          <a:prstGeom prst="rect">
-            <a:avLst/>
-          </a:prstGeom>
-        </p:spPr>
-        <p:txBody>
-          <a:bodyPr wrap="square">
-            <a:spAutoFit/>
-          </a:bodyPr>
-          <a:lstStyle/>
-          <a:p>
-            <a:r>
-              <a:rPr lang="ru-RU" dirty="0" smtClean="0"/>
-              <a:t>Результаты </a:t>
-            </a:r>
-            <a:r>
-              <a:rPr lang="ru-RU" dirty="0"/>
-              <a:t>фильтрации изображения размером 1280</a:t>
-            </a:r>
-            <a:r>
-              <a:rPr lang="en-US" dirty="0"/>
-              <a:t>x</a:t>
-            </a:r>
-            <a:r>
-              <a:rPr lang="ru-RU" dirty="0"/>
-              <a:t>697 </a:t>
-            </a:r>
-            <a:r>
-              <a:rPr lang="en-US" dirty="0" err="1"/>
-              <a:t>px</a:t>
-            </a:r>
-            <a:r>
-              <a:rPr lang="ru-RU" dirty="0"/>
-              <a:t> при зашумленности 50%</a:t>
-            </a:r>
-          </a:p>
-        </p:txBody>
-      </p:sp>
       <p:graphicFrame>
         <p:nvGraphicFramePr>
           <p:cNvPr id="9" name="Диаграмма 8"/>
@@ -6181,18 +6164,18 @@
           <p:nvPr>
             <p:extLst>
               <p:ext uri="{D42A27DB-BD31-4B8C-83A1-F6EECF244321}">
-                <p14:modId xmlns:p14="http://schemas.microsoft.com/office/powerpoint/2010/main" val="1020592123"/>
+                <p14:modId xmlns:p14="http://schemas.microsoft.com/office/powerpoint/2010/main" val="13306284"/>
               </p:ext>
             </p:extLst>
           </p:nvPr>
         </p:nvGraphicFramePr>
         <p:xfrm>
           <a:off x="4608004" y="1556792"/>
-          <a:ext cx="4068452" cy="4248472"/>
+          <a:ext cx="4212468" cy="4433138"/>
         </p:xfrm>
         <a:graphic>
           <a:graphicData uri="http://schemas.openxmlformats.org/drawingml/2006/chart">
-            <c:chart xmlns:c="http://schemas.openxmlformats.org/drawingml/2006/chart" xmlns:r="http://schemas.openxmlformats.org/officeDocument/2006/relationships" r:id="rId3"/>
+            <c:chart xmlns:c="http://schemas.openxmlformats.org/drawingml/2006/chart" xmlns:r="http://schemas.openxmlformats.org/officeDocument/2006/relationships" r:id="rId4"/>
           </a:graphicData>
         </a:graphic>
       </p:graphicFrame>
